--- a/Temporal_splines/Plots/CONSORT.pptx
+++ b/Temporal_splines/Plots/CONSORT.pptx
@@ -2,18 +2,18 @@
 <file path=ppt/presentation.xml><?xml version="1.0" encoding="utf-8"?>
 <p:presentation xmlns:a="http://schemas.openxmlformats.org/drawingml/2006/main" xmlns:r="http://schemas.openxmlformats.org/officeDocument/2006/relationships" xmlns:p="http://schemas.openxmlformats.org/presentationml/2006/main" saveSubsetFonts="1">
   <p:sldMasterIdLst>
-    <p:sldMasterId id="2147483648" r:id="rId1"/>
+    <p:sldMasterId id="2147483660" r:id="rId1"/>
   </p:sldMasterIdLst>
   <p:sldIdLst>
     <p:sldId id="256" r:id="rId2"/>
   </p:sldIdLst>
-  <p:sldSz cx="12192000" cy="6858000"/>
+  <p:sldSz cx="10799763" cy="6858000"/>
   <p:notesSz cx="6858000" cy="9144000"/>
   <p:defaultTextStyle>
     <a:defPPr>
       <a:defRPr lang="en-US"/>
     </a:defPPr>
-    <a:lvl1pPr marL="0" algn="l" defTabSz="914400" rtl="0" eaLnBrk="1" latinLnBrk="0" hangingPunct="1">
+    <a:lvl1pPr marL="0" algn="l" defTabSz="457200" rtl="0" eaLnBrk="1" latinLnBrk="0" hangingPunct="1">
       <a:defRPr sz="1800" kern="1200">
         <a:solidFill>
           <a:schemeClr val="tx1"/>
@@ -23,7 +23,7 @@
         <a:cs typeface="+mn-cs"/>
       </a:defRPr>
     </a:lvl1pPr>
-    <a:lvl2pPr marL="457200" algn="l" defTabSz="914400" rtl="0" eaLnBrk="1" latinLnBrk="0" hangingPunct="1">
+    <a:lvl2pPr marL="457200" algn="l" defTabSz="457200" rtl="0" eaLnBrk="1" latinLnBrk="0" hangingPunct="1">
       <a:defRPr sz="1800" kern="1200">
         <a:solidFill>
           <a:schemeClr val="tx1"/>
@@ -33,7 +33,7 @@
         <a:cs typeface="+mn-cs"/>
       </a:defRPr>
     </a:lvl2pPr>
-    <a:lvl3pPr marL="914400" algn="l" defTabSz="914400" rtl="0" eaLnBrk="1" latinLnBrk="0" hangingPunct="1">
+    <a:lvl3pPr marL="914400" algn="l" defTabSz="457200" rtl="0" eaLnBrk="1" latinLnBrk="0" hangingPunct="1">
       <a:defRPr sz="1800" kern="1200">
         <a:solidFill>
           <a:schemeClr val="tx1"/>
@@ -43,7 +43,7 @@
         <a:cs typeface="+mn-cs"/>
       </a:defRPr>
     </a:lvl3pPr>
-    <a:lvl4pPr marL="1371600" algn="l" defTabSz="914400" rtl="0" eaLnBrk="1" latinLnBrk="0" hangingPunct="1">
+    <a:lvl4pPr marL="1371600" algn="l" defTabSz="457200" rtl="0" eaLnBrk="1" latinLnBrk="0" hangingPunct="1">
       <a:defRPr sz="1800" kern="1200">
         <a:solidFill>
           <a:schemeClr val="tx1"/>
@@ -53,7 +53,7 @@
         <a:cs typeface="+mn-cs"/>
       </a:defRPr>
     </a:lvl4pPr>
-    <a:lvl5pPr marL="1828800" algn="l" defTabSz="914400" rtl="0" eaLnBrk="1" latinLnBrk="0" hangingPunct="1">
+    <a:lvl5pPr marL="1828800" algn="l" defTabSz="457200" rtl="0" eaLnBrk="1" latinLnBrk="0" hangingPunct="1">
       <a:defRPr sz="1800" kern="1200">
         <a:solidFill>
           <a:schemeClr val="tx1"/>
@@ -63,7 +63,7 @@
         <a:cs typeface="+mn-cs"/>
       </a:defRPr>
     </a:lvl5pPr>
-    <a:lvl6pPr marL="2286000" algn="l" defTabSz="914400" rtl="0" eaLnBrk="1" latinLnBrk="0" hangingPunct="1">
+    <a:lvl6pPr marL="2286000" algn="l" defTabSz="457200" rtl="0" eaLnBrk="1" latinLnBrk="0" hangingPunct="1">
       <a:defRPr sz="1800" kern="1200">
         <a:solidFill>
           <a:schemeClr val="tx1"/>
@@ -73,7 +73,7 @@
         <a:cs typeface="+mn-cs"/>
       </a:defRPr>
     </a:lvl6pPr>
-    <a:lvl7pPr marL="2743200" algn="l" defTabSz="914400" rtl="0" eaLnBrk="1" latinLnBrk="0" hangingPunct="1">
+    <a:lvl7pPr marL="2743200" algn="l" defTabSz="457200" rtl="0" eaLnBrk="1" latinLnBrk="0" hangingPunct="1">
       <a:defRPr sz="1800" kern="1200">
         <a:solidFill>
           <a:schemeClr val="tx1"/>
@@ -83,7 +83,7 @@
         <a:cs typeface="+mn-cs"/>
       </a:defRPr>
     </a:lvl7pPr>
-    <a:lvl8pPr marL="3200400" algn="l" defTabSz="914400" rtl="0" eaLnBrk="1" latinLnBrk="0" hangingPunct="1">
+    <a:lvl8pPr marL="3200400" algn="l" defTabSz="457200" rtl="0" eaLnBrk="1" latinLnBrk="0" hangingPunct="1">
       <a:defRPr sz="1800" kern="1200">
         <a:solidFill>
           <a:schemeClr val="tx1"/>
@@ -93,7 +93,7 @@
         <a:cs typeface="+mn-cs"/>
       </a:defRPr>
     </a:lvl8pPr>
-    <a:lvl9pPr marL="3657600" algn="l" defTabSz="914400" rtl="0" eaLnBrk="1" latinLnBrk="0" hangingPunct="1">
+    <a:lvl9pPr marL="3657600" algn="l" defTabSz="457200" rtl="0" eaLnBrk="1" latinLnBrk="0" hangingPunct="1">
       <a:defRPr sz="1800" kern="1200">
         <a:solidFill>
           <a:schemeClr val="tx1"/>
@@ -131,13 +131,7 @@
       </p:grpSpPr>
       <p:sp>
         <p:nvSpPr>
-          <p:cNvPr id="2" name="Title 1">
-            <a:extLst>
-              <a:ext uri="{FF2B5EF4-FFF2-40B4-BE49-F238E27FC236}">
-                <a16:creationId xmlns:a16="http://schemas.microsoft.com/office/drawing/2014/main" id="{FD5DE3D4-C133-434D-BA22-0CA8548FD3AD}"/>
-              </a:ext>
-            </a:extLst>
-          </p:cNvPr>
+          <p:cNvPr id="2" name="Title 1"/>
           <p:cNvSpPr>
             <a:spLocks noGrp="1"/>
           </p:cNvSpPr>
@@ -147,15 +141,15 @@
         </p:nvSpPr>
         <p:spPr>
           <a:xfrm>
-            <a:off x="1524000" y="1122364"/>
-            <a:ext cx="9144000" cy="2387600"/>
+            <a:off x="1349971" y="1122363"/>
+            <a:ext cx="8099822" cy="2387600"/>
           </a:xfrm>
         </p:spPr>
         <p:txBody>
           <a:bodyPr anchor="b"/>
           <a:lstStyle>
             <a:lvl1pPr algn="ctr">
-              <a:defRPr sz="5998"/>
+              <a:defRPr sz="5315"/>
             </a:lvl1pPr>
           </a:lstStyle>
           <a:p>
@@ -163,18 +157,13 @@
               <a:rPr lang="en-US"/>
               <a:t>Click to edit Master title style</a:t>
             </a:r>
-          </a:p>
-        </p:txBody>
-      </p:sp>
-      <p:sp>
-        <p:nvSpPr>
-          <p:cNvPr id="3" name="Subtitle 2">
-            <a:extLst>
-              <a:ext uri="{FF2B5EF4-FFF2-40B4-BE49-F238E27FC236}">
-                <a16:creationId xmlns:a16="http://schemas.microsoft.com/office/drawing/2014/main" id="{4654CF58-0FF2-4E8A-A344-336170BD4CBE}"/>
-              </a:ext>
-            </a:extLst>
-          </p:cNvPr>
+            <a:endParaRPr lang="en-US" dirty="0"/>
+          </a:p>
+        </p:txBody>
+      </p:sp>
+      <p:sp>
+        <p:nvSpPr>
+          <p:cNvPr id="3" name="Subtitle 2"/>
           <p:cNvSpPr>
             <a:spLocks noGrp="1"/>
           </p:cNvSpPr>
@@ -184,8 +173,8 @@
         </p:nvSpPr>
         <p:spPr>
           <a:xfrm>
-            <a:off x="1524000" y="3602038"/>
-            <a:ext cx="9144000" cy="1655762"/>
+            <a:off x="1349971" y="3602038"/>
+            <a:ext cx="8099822" cy="1655762"/>
           </a:xfrm>
         </p:spPr>
         <p:txBody>
@@ -193,39 +182,39 @@
           <a:lstStyle>
             <a:lvl1pPr marL="0" indent="0" algn="ctr">
               <a:buNone/>
-              <a:defRPr sz="2400"/>
+              <a:defRPr sz="2126"/>
             </a:lvl1pPr>
-            <a:lvl2pPr marL="457193" indent="0" algn="ctr">
-              <a:buNone/>
-              <a:defRPr sz="2000"/>
+            <a:lvl2pPr marL="404988" indent="0" algn="ctr">
+              <a:buNone/>
+              <a:defRPr sz="1772"/>
             </a:lvl2pPr>
-            <a:lvl3pPr marL="914385" indent="0" algn="ctr">
-              <a:buNone/>
-              <a:defRPr sz="1801"/>
+            <a:lvl3pPr marL="809976" indent="0" algn="ctr">
+              <a:buNone/>
+              <a:defRPr sz="1594"/>
             </a:lvl3pPr>
-            <a:lvl4pPr marL="1371578" indent="0" algn="ctr">
-              <a:buNone/>
-              <a:defRPr sz="1600"/>
+            <a:lvl4pPr marL="1214963" indent="0" algn="ctr">
+              <a:buNone/>
+              <a:defRPr sz="1417"/>
             </a:lvl4pPr>
-            <a:lvl5pPr marL="1828770" indent="0" algn="ctr">
-              <a:buNone/>
-              <a:defRPr sz="1600"/>
+            <a:lvl5pPr marL="1619951" indent="0" algn="ctr">
+              <a:buNone/>
+              <a:defRPr sz="1417"/>
             </a:lvl5pPr>
-            <a:lvl6pPr marL="2285961" indent="0" algn="ctr">
-              <a:buNone/>
-              <a:defRPr sz="1600"/>
+            <a:lvl6pPr marL="2024939" indent="0" algn="ctr">
+              <a:buNone/>
+              <a:defRPr sz="1417"/>
             </a:lvl6pPr>
-            <a:lvl7pPr marL="2743153" indent="0" algn="ctr">
-              <a:buNone/>
-              <a:defRPr sz="1600"/>
+            <a:lvl7pPr marL="2429927" indent="0" algn="ctr">
+              <a:buNone/>
+              <a:defRPr sz="1417"/>
             </a:lvl7pPr>
-            <a:lvl8pPr marL="3200346" indent="0" algn="ctr">
-              <a:buNone/>
-              <a:defRPr sz="1600"/>
+            <a:lvl8pPr marL="2834914" indent="0" algn="ctr">
+              <a:buNone/>
+              <a:defRPr sz="1417"/>
             </a:lvl8pPr>
-            <a:lvl9pPr marL="3657539" indent="0" algn="ctr">
-              <a:buNone/>
-              <a:defRPr sz="1600"/>
+            <a:lvl9pPr marL="3239902" indent="0" algn="ctr">
+              <a:buNone/>
+              <a:defRPr sz="1417"/>
             </a:lvl9pPr>
           </a:lstStyle>
           <a:p>
@@ -233,18 +222,13 @@
               <a:rPr lang="en-US"/>
               <a:t>Click to edit Master subtitle style</a:t>
             </a:r>
-          </a:p>
-        </p:txBody>
-      </p:sp>
-      <p:sp>
-        <p:nvSpPr>
-          <p:cNvPr id="4" name="Date Placeholder 3">
-            <a:extLst>
-              <a:ext uri="{FF2B5EF4-FFF2-40B4-BE49-F238E27FC236}">
-                <a16:creationId xmlns:a16="http://schemas.microsoft.com/office/drawing/2014/main" id="{CD557FAE-2D9C-4AF2-A1FB-0A63DCC3720B}"/>
-              </a:ext>
-            </a:extLst>
-          </p:cNvPr>
+            <a:endParaRPr lang="en-US" dirty="0"/>
+          </a:p>
+        </p:txBody>
+      </p:sp>
+      <p:sp>
+        <p:nvSpPr>
+          <p:cNvPr id="4" name="Date Placeholder 3"/>
           <p:cNvSpPr>
             <a:spLocks noGrp="1"/>
           </p:cNvSpPr>
@@ -259,7 +243,7 @@
           <a:p>
             <a:fld id="{F5451EBA-6FA5-443C-BAD7-0685831661F0}" type="datetimeFigureOut">
               <a:rPr lang="en-US" smtClean="0"/>
-              <a:t>23-Nov-23</a:t>
+              <a:t>1/3/24</a:t>
             </a:fld>
             <a:endParaRPr lang="en-US"/>
           </a:p>
@@ -267,13 +251,7 @@
       </p:sp>
       <p:sp>
         <p:nvSpPr>
-          <p:cNvPr id="5" name="Footer Placeholder 4">
-            <a:extLst>
-              <a:ext uri="{FF2B5EF4-FFF2-40B4-BE49-F238E27FC236}">
-                <a16:creationId xmlns:a16="http://schemas.microsoft.com/office/drawing/2014/main" id="{7E53634A-BFCA-495F-87A5-1E557C8EF533}"/>
-              </a:ext>
-            </a:extLst>
-          </p:cNvPr>
+          <p:cNvPr id="5" name="Footer Placeholder 4"/>
           <p:cNvSpPr>
             <a:spLocks noGrp="1"/>
           </p:cNvSpPr>
@@ -292,13 +270,7 @@
       </p:sp>
       <p:sp>
         <p:nvSpPr>
-          <p:cNvPr id="6" name="Slide Number Placeholder 5">
-            <a:extLst>
-              <a:ext uri="{FF2B5EF4-FFF2-40B4-BE49-F238E27FC236}">
-                <a16:creationId xmlns:a16="http://schemas.microsoft.com/office/drawing/2014/main" id="{6D360602-1E12-4060-B5B6-15DA78F73823}"/>
-              </a:ext>
-            </a:extLst>
-          </p:cNvPr>
+          <p:cNvPr id="6" name="Slide Number Placeholder 5"/>
           <p:cNvSpPr>
             <a:spLocks noGrp="1"/>
           </p:cNvSpPr>
@@ -322,7 +294,7 @@
     </p:spTree>
     <p:extLst>
       <p:ext uri="{BB962C8B-B14F-4D97-AF65-F5344CB8AC3E}">
-        <p14:creationId xmlns:p14="http://schemas.microsoft.com/office/powerpoint/2010/main" val="3925461756"/>
+        <p14:creationId xmlns:p14="http://schemas.microsoft.com/office/powerpoint/2010/main" val="3061097597"/>
       </p:ext>
     </p:extLst>
   </p:cSld>
@@ -351,13 +323,7 @@
       </p:grpSpPr>
       <p:sp>
         <p:nvSpPr>
-          <p:cNvPr id="2" name="Title 1">
-            <a:extLst>
-              <a:ext uri="{FF2B5EF4-FFF2-40B4-BE49-F238E27FC236}">
-                <a16:creationId xmlns:a16="http://schemas.microsoft.com/office/drawing/2014/main" id="{F269CCC7-D945-43F5-8F8D-9B6D89FDB370}"/>
-              </a:ext>
-            </a:extLst>
-          </p:cNvPr>
+          <p:cNvPr id="2" name="Title 1"/>
           <p:cNvSpPr>
             <a:spLocks noGrp="1"/>
           </p:cNvSpPr>
@@ -374,18 +340,13 @@
               <a:rPr lang="en-US"/>
               <a:t>Click to edit Master title style</a:t>
             </a:r>
-          </a:p>
-        </p:txBody>
-      </p:sp>
-      <p:sp>
-        <p:nvSpPr>
-          <p:cNvPr id="3" name="Vertical Text Placeholder 2">
-            <a:extLst>
-              <a:ext uri="{FF2B5EF4-FFF2-40B4-BE49-F238E27FC236}">
-                <a16:creationId xmlns:a16="http://schemas.microsoft.com/office/drawing/2014/main" id="{DB53D1FE-C958-4056-96FF-C71DDFD91F5D}"/>
-              </a:ext>
-            </a:extLst>
-          </p:cNvPr>
+            <a:endParaRPr lang="en-US" dirty="0"/>
+          </a:p>
+        </p:txBody>
+      </p:sp>
+      <p:sp>
+        <p:nvSpPr>
+          <p:cNvPr id="3" name="Vertical Text Placeholder 2"/>
           <p:cNvSpPr>
             <a:spLocks noGrp="1"/>
           </p:cNvSpPr>
@@ -431,18 +392,13 @@
               <a:rPr lang="en-US"/>
               <a:t>Fifth level</a:t>
             </a:r>
-          </a:p>
-        </p:txBody>
-      </p:sp>
-      <p:sp>
-        <p:nvSpPr>
-          <p:cNvPr id="4" name="Date Placeholder 3">
-            <a:extLst>
-              <a:ext uri="{FF2B5EF4-FFF2-40B4-BE49-F238E27FC236}">
-                <a16:creationId xmlns:a16="http://schemas.microsoft.com/office/drawing/2014/main" id="{2FFFDACC-72D2-46AD-9020-AC9924D668BF}"/>
-              </a:ext>
-            </a:extLst>
-          </p:cNvPr>
+            <a:endParaRPr lang="en-US" dirty="0"/>
+          </a:p>
+        </p:txBody>
+      </p:sp>
+      <p:sp>
+        <p:nvSpPr>
+          <p:cNvPr id="4" name="Date Placeholder 3"/>
           <p:cNvSpPr>
             <a:spLocks noGrp="1"/>
           </p:cNvSpPr>
@@ -457,7 +413,7 @@
           <a:p>
             <a:fld id="{F5451EBA-6FA5-443C-BAD7-0685831661F0}" type="datetimeFigureOut">
               <a:rPr lang="en-US" smtClean="0"/>
-              <a:t>23-Nov-23</a:t>
+              <a:t>1/3/24</a:t>
             </a:fld>
             <a:endParaRPr lang="en-US"/>
           </a:p>
@@ -465,13 +421,7 @@
       </p:sp>
       <p:sp>
         <p:nvSpPr>
-          <p:cNvPr id="5" name="Footer Placeholder 4">
-            <a:extLst>
-              <a:ext uri="{FF2B5EF4-FFF2-40B4-BE49-F238E27FC236}">
-                <a16:creationId xmlns:a16="http://schemas.microsoft.com/office/drawing/2014/main" id="{D90A44E6-D4FA-4C70-8E46-297D957CB8B6}"/>
-              </a:ext>
-            </a:extLst>
-          </p:cNvPr>
+          <p:cNvPr id="5" name="Footer Placeholder 4"/>
           <p:cNvSpPr>
             <a:spLocks noGrp="1"/>
           </p:cNvSpPr>
@@ -490,13 +440,7 @@
       </p:sp>
       <p:sp>
         <p:nvSpPr>
-          <p:cNvPr id="6" name="Slide Number Placeholder 5">
-            <a:extLst>
-              <a:ext uri="{FF2B5EF4-FFF2-40B4-BE49-F238E27FC236}">
-                <a16:creationId xmlns:a16="http://schemas.microsoft.com/office/drawing/2014/main" id="{F88C8ED7-8E4A-4DC2-A867-3DA7DCC36AD9}"/>
-              </a:ext>
-            </a:extLst>
-          </p:cNvPr>
+          <p:cNvPr id="6" name="Slide Number Placeholder 5"/>
           <p:cNvSpPr>
             <a:spLocks noGrp="1"/>
           </p:cNvSpPr>
@@ -520,7 +464,7 @@
     </p:spTree>
     <p:extLst>
       <p:ext uri="{BB962C8B-B14F-4D97-AF65-F5344CB8AC3E}">
-        <p14:creationId xmlns:p14="http://schemas.microsoft.com/office/powerpoint/2010/main" val="2221835201"/>
+        <p14:creationId xmlns:p14="http://schemas.microsoft.com/office/powerpoint/2010/main" val="3208245034"/>
       </p:ext>
     </p:extLst>
   </p:cSld>
@@ -549,13 +493,7 @@
       </p:grpSpPr>
       <p:sp>
         <p:nvSpPr>
-          <p:cNvPr id="2" name="Vertical Title 1">
-            <a:extLst>
-              <a:ext uri="{FF2B5EF4-FFF2-40B4-BE49-F238E27FC236}">
-                <a16:creationId xmlns:a16="http://schemas.microsoft.com/office/drawing/2014/main" id="{C77E009F-F73F-45FD-9205-DE204B7830B9}"/>
-              </a:ext>
-            </a:extLst>
-          </p:cNvPr>
+          <p:cNvPr id="2" name="Vertical Title 1"/>
           <p:cNvSpPr>
             <a:spLocks noGrp="1"/>
           </p:cNvSpPr>
@@ -565,8 +503,8 @@
         </p:nvSpPr>
         <p:spPr>
           <a:xfrm>
-            <a:off x="8724899" y="365126"/>
-            <a:ext cx="2628900" cy="5811838"/>
+            <a:off x="7728580" y="365125"/>
+            <a:ext cx="2328699" cy="5811838"/>
           </a:xfrm>
         </p:spPr>
         <p:txBody>
@@ -577,18 +515,13 @@
               <a:rPr lang="en-US"/>
               <a:t>Click to edit Master title style</a:t>
             </a:r>
-          </a:p>
-        </p:txBody>
-      </p:sp>
-      <p:sp>
-        <p:nvSpPr>
-          <p:cNvPr id="3" name="Vertical Text Placeholder 2">
-            <a:extLst>
-              <a:ext uri="{FF2B5EF4-FFF2-40B4-BE49-F238E27FC236}">
-                <a16:creationId xmlns:a16="http://schemas.microsoft.com/office/drawing/2014/main" id="{6242F791-97F6-45FF-9B11-CC527C56D3DD}"/>
-              </a:ext>
-            </a:extLst>
-          </p:cNvPr>
+            <a:endParaRPr lang="en-US" dirty="0"/>
+          </a:p>
+        </p:txBody>
+      </p:sp>
+      <p:sp>
+        <p:nvSpPr>
+          <p:cNvPr id="3" name="Vertical Text Placeholder 2"/>
           <p:cNvSpPr>
             <a:spLocks noGrp="1"/>
           </p:cNvSpPr>
@@ -598,8 +531,8 @@
         </p:nvSpPr>
         <p:spPr>
           <a:xfrm>
-            <a:off x="838199" y="365126"/>
-            <a:ext cx="7734300" cy="5811838"/>
+            <a:off x="742484" y="365125"/>
+            <a:ext cx="6851100" cy="5811838"/>
           </a:xfrm>
         </p:spPr>
         <p:txBody>
@@ -639,18 +572,13 @@
               <a:rPr lang="en-US"/>
               <a:t>Fifth level</a:t>
             </a:r>
-          </a:p>
-        </p:txBody>
-      </p:sp>
-      <p:sp>
-        <p:nvSpPr>
-          <p:cNvPr id="4" name="Date Placeholder 3">
-            <a:extLst>
-              <a:ext uri="{FF2B5EF4-FFF2-40B4-BE49-F238E27FC236}">
-                <a16:creationId xmlns:a16="http://schemas.microsoft.com/office/drawing/2014/main" id="{A5E4BCD5-36DC-4EC8-8DFB-D8B555C2AA77}"/>
-              </a:ext>
-            </a:extLst>
-          </p:cNvPr>
+            <a:endParaRPr lang="en-US" dirty="0"/>
+          </a:p>
+        </p:txBody>
+      </p:sp>
+      <p:sp>
+        <p:nvSpPr>
+          <p:cNvPr id="4" name="Date Placeholder 3"/>
           <p:cNvSpPr>
             <a:spLocks noGrp="1"/>
           </p:cNvSpPr>
@@ -665,7 +593,7 @@
           <a:p>
             <a:fld id="{F5451EBA-6FA5-443C-BAD7-0685831661F0}" type="datetimeFigureOut">
               <a:rPr lang="en-US" smtClean="0"/>
-              <a:t>23-Nov-23</a:t>
+              <a:t>1/3/24</a:t>
             </a:fld>
             <a:endParaRPr lang="en-US"/>
           </a:p>
@@ -673,13 +601,7 @@
       </p:sp>
       <p:sp>
         <p:nvSpPr>
-          <p:cNvPr id="5" name="Footer Placeholder 4">
-            <a:extLst>
-              <a:ext uri="{FF2B5EF4-FFF2-40B4-BE49-F238E27FC236}">
-                <a16:creationId xmlns:a16="http://schemas.microsoft.com/office/drawing/2014/main" id="{5AE5C15A-FC0B-4ADC-8B31-7B7097D864CD}"/>
-              </a:ext>
-            </a:extLst>
-          </p:cNvPr>
+          <p:cNvPr id="5" name="Footer Placeholder 4"/>
           <p:cNvSpPr>
             <a:spLocks noGrp="1"/>
           </p:cNvSpPr>
@@ -698,13 +620,7 @@
       </p:sp>
       <p:sp>
         <p:nvSpPr>
-          <p:cNvPr id="6" name="Slide Number Placeholder 5">
-            <a:extLst>
-              <a:ext uri="{FF2B5EF4-FFF2-40B4-BE49-F238E27FC236}">
-                <a16:creationId xmlns:a16="http://schemas.microsoft.com/office/drawing/2014/main" id="{34319303-F53C-46B0-BAA0-2D077A83437D}"/>
-              </a:ext>
-            </a:extLst>
-          </p:cNvPr>
+          <p:cNvPr id="6" name="Slide Number Placeholder 5"/>
           <p:cNvSpPr>
             <a:spLocks noGrp="1"/>
           </p:cNvSpPr>
@@ -728,7 +644,7 @@
     </p:spTree>
     <p:extLst>
       <p:ext uri="{BB962C8B-B14F-4D97-AF65-F5344CB8AC3E}">
-        <p14:creationId xmlns:p14="http://schemas.microsoft.com/office/powerpoint/2010/main" val="1501846175"/>
+        <p14:creationId xmlns:p14="http://schemas.microsoft.com/office/powerpoint/2010/main" val="3478533080"/>
       </p:ext>
     </p:extLst>
   </p:cSld>
@@ -757,13 +673,7 @@
       </p:grpSpPr>
       <p:sp>
         <p:nvSpPr>
-          <p:cNvPr id="2" name="Title 1">
-            <a:extLst>
-              <a:ext uri="{FF2B5EF4-FFF2-40B4-BE49-F238E27FC236}">
-                <a16:creationId xmlns:a16="http://schemas.microsoft.com/office/drawing/2014/main" id="{12C080F4-BFE1-49D9-BDEC-B37EC03D6314}"/>
-              </a:ext>
-            </a:extLst>
-          </p:cNvPr>
+          <p:cNvPr id="2" name="Title 1"/>
           <p:cNvSpPr>
             <a:spLocks noGrp="1"/>
           </p:cNvSpPr>
@@ -780,18 +690,13 @@
               <a:rPr lang="en-US"/>
               <a:t>Click to edit Master title style</a:t>
             </a:r>
-          </a:p>
-        </p:txBody>
-      </p:sp>
-      <p:sp>
-        <p:nvSpPr>
-          <p:cNvPr id="3" name="Content Placeholder 2">
-            <a:extLst>
-              <a:ext uri="{FF2B5EF4-FFF2-40B4-BE49-F238E27FC236}">
-                <a16:creationId xmlns:a16="http://schemas.microsoft.com/office/drawing/2014/main" id="{6290D6DF-CDF8-49BA-A60A-E0DE55AECF6A}"/>
-              </a:ext>
-            </a:extLst>
-          </p:cNvPr>
+            <a:endParaRPr lang="en-US" dirty="0"/>
+          </a:p>
+        </p:txBody>
+      </p:sp>
+      <p:sp>
+        <p:nvSpPr>
+          <p:cNvPr id="3" name="Content Placeholder 2"/>
           <p:cNvSpPr>
             <a:spLocks noGrp="1"/>
           </p:cNvSpPr>
@@ -837,18 +742,13 @@
               <a:rPr lang="en-US"/>
               <a:t>Fifth level</a:t>
             </a:r>
-          </a:p>
-        </p:txBody>
-      </p:sp>
-      <p:sp>
-        <p:nvSpPr>
-          <p:cNvPr id="4" name="Date Placeholder 3">
-            <a:extLst>
-              <a:ext uri="{FF2B5EF4-FFF2-40B4-BE49-F238E27FC236}">
-                <a16:creationId xmlns:a16="http://schemas.microsoft.com/office/drawing/2014/main" id="{65F9DB91-B2DC-4CB7-9476-F091905FDDFE}"/>
-              </a:ext>
-            </a:extLst>
-          </p:cNvPr>
+            <a:endParaRPr lang="en-US" dirty="0"/>
+          </a:p>
+        </p:txBody>
+      </p:sp>
+      <p:sp>
+        <p:nvSpPr>
+          <p:cNvPr id="4" name="Date Placeholder 3"/>
           <p:cNvSpPr>
             <a:spLocks noGrp="1"/>
           </p:cNvSpPr>
@@ -863,7 +763,7 @@
           <a:p>
             <a:fld id="{F5451EBA-6FA5-443C-BAD7-0685831661F0}" type="datetimeFigureOut">
               <a:rPr lang="en-US" smtClean="0"/>
-              <a:t>23-Nov-23</a:t>
+              <a:t>1/3/24</a:t>
             </a:fld>
             <a:endParaRPr lang="en-US"/>
           </a:p>
@@ -871,13 +771,7 @@
       </p:sp>
       <p:sp>
         <p:nvSpPr>
-          <p:cNvPr id="5" name="Footer Placeholder 4">
-            <a:extLst>
-              <a:ext uri="{FF2B5EF4-FFF2-40B4-BE49-F238E27FC236}">
-                <a16:creationId xmlns:a16="http://schemas.microsoft.com/office/drawing/2014/main" id="{BF8BEC04-41FE-4A16-89A4-F35E9596245C}"/>
-              </a:ext>
-            </a:extLst>
-          </p:cNvPr>
+          <p:cNvPr id="5" name="Footer Placeholder 4"/>
           <p:cNvSpPr>
             <a:spLocks noGrp="1"/>
           </p:cNvSpPr>
@@ -896,13 +790,7 @@
       </p:sp>
       <p:sp>
         <p:nvSpPr>
-          <p:cNvPr id="6" name="Slide Number Placeholder 5">
-            <a:extLst>
-              <a:ext uri="{FF2B5EF4-FFF2-40B4-BE49-F238E27FC236}">
-                <a16:creationId xmlns:a16="http://schemas.microsoft.com/office/drawing/2014/main" id="{53988FE4-5844-4D2A-B321-44D975D52DE2}"/>
-              </a:ext>
-            </a:extLst>
-          </p:cNvPr>
+          <p:cNvPr id="6" name="Slide Number Placeholder 5"/>
           <p:cNvSpPr>
             <a:spLocks noGrp="1"/>
           </p:cNvSpPr>
@@ -926,7 +814,7 @@
     </p:spTree>
     <p:extLst>
       <p:ext uri="{BB962C8B-B14F-4D97-AF65-F5344CB8AC3E}">
-        <p14:creationId xmlns:p14="http://schemas.microsoft.com/office/powerpoint/2010/main" val="351662803"/>
+        <p14:creationId xmlns:p14="http://schemas.microsoft.com/office/powerpoint/2010/main" val="1044228749"/>
       </p:ext>
     </p:extLst>
   </p:cSld>
@@ -955,13 +843,7 @@
       </p:grpSpPr>
       <p:sp>
         <p:nvSpPr>
-          <p:cNvPr id="2" name="Title 1">
-            <a:extLst>
-              <a:ext uri="{FF2B5EF4-FFF2-40B4-BE49-F238E27FC236}">
-                <a16:creationId xmlns:a16="http://schemas.microsoft.com/office/drawing/2014/main" id="{70E92C44-1A39-4623-8039-62313ED58B11}"/>
-              </a:ext>
-            </a:extLst>
-          </p:cNvPr>
+          <p:cNvPr id="2" name="Title 1"/>
           <p:cNvSpPr>
             <a:spLocks noGrp="1"/>
           </p:cNvSpPr>
@@ -971,15 +853,15 @@
         </p:nvSpPr>
         <p:spPr>
           <a:xfrm>
-            <a:off x="831853" y="1709739"/>
-            <a:ext cx="10515600" cy="2852737"/>
+            <a:off x="736859" y="1709738"/>
+            <a:ext cx="9314796" cy="2852737"/>
           </a:xfrm>
         </p:spPr>
         <p:txBody>
           <a:bodyPr anchor="b"/>
           <a:lstStyle>
             <a:lvl1pPr>
-              <a:defRPr sz="5998"/>
+              <a:defRPr sz="5315"/>
             </a:lvl1pPr>
           </a:lstStyle>
           <a:p>
@@ -987,18 +869,13 @@
               <a:rPr lang="en-US"/>
               <a:t>Click to edit Master title style</a:t>
             </a:r>
-          </a:p>
-        </p:txBody>
-      </p:sp>
-      <p:sp>
-        <p:nvSpPr>
-          <p:cNvPr id="3" name="Text Placeholder 2">
-            <a:extLst>
-              <a:ext uri="{FF2B5EF4-FFF2-40B4-BE49-F238E27FC236}">
-                <a16:creationId xmlns:a16="http://schemas.microsoft.com/office/drawing/2014/main" id="{17357F43-F720-48B9-9C84-BD39D18A4A20}"/>
-              </a:ext>
-            </a:extLst>
-          </p:cNvPr>
+            <a:endParaRPr lang="en-US" dirty="0"/>
+          </a:p>
+        </p:txBody>
+      </p:sp>
+      <p:sp>
+        <p:nvSpPr>
+          <p:cNvPr id="3" name="Text Placeholder 2"/>
           <p:cNvSpPr>
             <a:spLocks noGrp="1"/>
           </p:cNvSpPr>
@@ -1008,8 +885,8 @@
         </p:nvSpPr>
         <p:spPr>
           <a:xfrm>
-            <a:off x="831853" y="4589466"/>
-            <a:ext cx="10515600" cy="1500187"/>
+            <a:off x="736859" y="4589464"/>
+            <a:ext cx="9314796" cy="1500187"/>
           </a:xfrm>
         </p:spPr>
         <p:txBody>
@@ -1017,7 +894,7 @@
           <a:lstStyle>
             <a:lvl1pPr marL="0" indent="0">
               <a:buNone/>
-              <a:defRPr sz="2400">
+              <a:defRPr sz="2126">
                 <a:solidFill>
                   <a:schemeClr val="tx1">
                     <a:tint val="75000"/>
@@ -1025,9 +902,9 @@
                 </a:solidFill>
               </a:defRPr>
             </a:lvl1pPr>
-            <a:lvl2pPr marL="457193" indent="0">
-              <a:buNone/>
-              <a:defRPr sz="2000">
+            <a:lvl2pPr marL="404988" indent="0">
+              <a:buNone/>
+              <a:defRPr sz="1772">
                 <a:solidFill>
                   <a:schemeClr val="tx1">
                     <a:tint val="75000"/>
@@ -1035,9 +912,9 @@
                 </a:solidFill>
               </a:defRPr>
             </a:lvl2pPr>
-            <a:lvl3pPr marL="914385" indent="0">
-              <a:buNone/>
-              <a:defRPr sz="1801">
+            <a:lvl3pPr marL="809976" indent="0">
+              <a:buNone/>
+              <a:defRPr sz="1594">
                 <a:solidFill>
                   <a:schemeClr val="tx1">
                     <a:tint val="75000"/>
@@ -1045,9 +922,9 @@
                 </a:solidFill>
               </a:defRPr>
             </a:lvl3pPr>
-            <a:lvl4pPr marL="1371578" indent="0">
-              <a:buNone/>
-              <a:defRPr sz="1600">
+            <a:lvl4pPr marL="1214963" indent="0">
+              <a:buNone/>
+              <a:defRPr sz="1417">
                 <a:solidFill>
                   <a:schemeClr val="tx1">
                     <a:tint val="75000"/>
@@ -1055,9 +932,9 @@
                 </a:solidFill>
               </a:defRPr>
             </a:lvl4pPr>
-            <a:lvl5pPr marL="1828770" indent="0">
-              <a:buNone/>
-              <a:defRPr sz="1600">
+            <a:lvl5pPr marL="1619951" indent="0">
+              <a:buNone/>
+              <a:defRPr sz="1417">
                 <a:solidFill>
                   <a:schemeClr val="tx1">
                     <a:tint val="75000"/>
@@ -1065,9 +942,9 @@
                 </a:solidFill>
               </a:defRPr>
             </a:lvl5pPr>
-            <a:lvl6pPr marL="2285961" indent="0">
-              <a:buNone/>
-              <a:defRPr sz="1600">
+            <a:lvl6pPr marL="2024939" indent="0">
+              <a:buNone/>
+              <a:defRPr sz="1417">
                 <a:solidFill>
                   <a:schemeClr val="tx1">
                     <a:tint val="75000"/>
@@ -1075,9 +952,9 @@
                 </a:solidFill>
               </a:defRPr>
             </a:lvl6pPr>
-            <a:lvl7pPr marL="2743153" indent="0">
-              <a:buNone/>
-              <a:defRPr sz="1600">
+            <a:lvl7pPr marL="2429927" indent="0">
+              <a:buNone/>
+              <a:defRPr sz="1417">
                 <a:solidFill>
                   <a:schemeClr val="tx1">
                     <a:tint val="75000"/>
@@ -1085,9 +962,9 @@
                 </a:solidFill>
               </a:defRPr>
             </a:lvl7pPr>
-            <a:lvl8pPr marL="3200346" indent="0">
-              <a:buNone/>
-              <a:defRPr sz="1600">
+            <a:lvl8pPr marL="2834914" indent="0">
+              <a:buNone/>
+              <a:defRPr sz="1417">
                 <a:solidFill>
                   <a:schemeClr val="tx1">
                     <a:tint val="75000"/>
@@ -1095,9 +972,9 @@
                 </a:solidFill>
               </a:defRPr>
             </a:lvl8pPr>
-            <a:lvl9pPr marL="3657539" indent="0">
-              <a:buNone/>
-              <a:defRPr sz="1600">
+            <a:lvl9pPr marL="3239902" indent="0">
+              <a:buNone/>
+              <a:defRPr sz="1417">
                 <a:solidFill>
                   <a:schemeClr val="tx1">
                     <a:tint val="75000"/>
@@ -1117,13 +994,7 @@
       </p:sp>
       <p:sp>
         <p:nvSpPr>
-          <p:cNvPr id="4" name="Date Placeholder 3">
-            <a:extLst>
-              <a:ext uri="{FF2B5EF4-FFF2-40B4-BE49-F238E27FC236}">
-                <a16:creationId xmlns:a16="http://schemas.microsoft.com/office/drawing/2014/main" id="{CFF794C9-A323-4C8E-AF0E-77ABC25641EA}"/>
-              </a:ext>
-            </a:extLst>
-          </p:cNvPr>
+          <p:cNvPr id="4" name="Date Placeholder 3"/>
           <p:cNvSpPr>
             <a:spLocks noGrp="1"/>
           </p:cNvSpPr>
@@ -1138,7 +1009,7 @@
           <a:p>
             <a:fld id="{F5451EBA-6FA5-443C-BAD7-0685831661F0}" type="datetimeFigureOut">
               <a:rPr lang="en-US" smtClean="0"/>
-              <a:t>23-Nov-23</a:t>
+              <a:t>1/3/24</a:t>
             </a:fld>
             <a:endParaRPr lang="en-US"/>
           </a:p>
@@ -1146,13 +1017,7 @@
       </p:sp>
       <p:sp>
         <p:nvSpPr>
-          <p:cNvPr id="5" name="Footer Placeholder 4">
-            <a:extLst>
-              <a:ext uri="{FF2B5EF4-FFF2-40B4-BE49-F238E27FC236}">
-                <a16:creationId xmlns:a16="http://schemas.microsoft.com/office/drawing/2014/main" id="{BCFEAA6A-506F-4F08-93E7-9CE03E796541}"/>
-              </a:ext>
-            </a:extLst>
-          </p:cNvPr>
+          <p:cNvPr id="5" name="Footer Placeholder 4"/>
           <p:cNvSpPr>
             <a:spLocks noGrp="1"/>
           </p:cNvSpPr>
@@ -1171,13 +1036,7 @@
       </p:sp>
       <p:sp>
         <p:nvSpPr>
-          <p:cNvPr id="6" name="Slide Number Placeholder 5">
-            <a:extLst>
-              <a:ext uri="{FF2B5EF4-FFF2-40B4-BE49-F238E27FC236}">
-                <a16:creationId xmlns:a16="http://schemas.microsoft.com/office/drawing/2014/main" id="{34D5CDAB-CE9A-42DC-99B0-08205848711F}"/>
-              </a:ext>
-            </a:extLst>
-          </p:cNvPr>
+          <p:cNvPr id="6" name="Slide Number Placeholder 5"/>
           <p:cNvSpPr>
             <a:spLocks noGrp="1"/>
           </p:cNvSpPr>
@@ -1201,7 +1060,7 @@
     </p:spTree>
     <p:extLst>
       <p:ext uri="{BB962C8B-B14F-4D97-AF65-F5344CB8AC3E}">
-        <p14:creationId xmlns:p14="http://schemas.microsoft.com/office/powerpoint/2010/main" val="4217934602"/>
+        <p14:creationId xmlns:p14="http://schemas.microsoft.com/office/powerpoint/2010/main" val="3231807322"/>
       </p:ext>
     </p:extLst>
   </p:cSld>
@@ -1230,13 +1089,7 @@
       </p:grpSpPr>
       <p:sp>
         <p:nvSpPr>
-          <p:cNvPr id="2" name="Title 1">
-            <a:extLst>
-              <a:ext uri="{FF2B5EF4-FFF2-40B4-BE49-F238E27FC236}">
-                <a16:creationId xmlns:a16="http://schemas.microsoft.com/office/drawing/2014/main" id="{0DFBA082-377A-4FC0-BEF4-5A8DED8DC528}"/>
-              </a:ext>
-            </a:extLst>
-          </p:cNvPr>
+          <p:cNvPr id="2" name="Title 1"/>
           <p:cNvSpPr>
             <a:spLocks noGrp="1"/>
           </p:cNvSpPr>
@@ -1253,18 +1106,13 @@
               <a:rPr lang="en-US"/>
               <a:t>Click to edit Master title style</a:t>
             </a:r>
-          </a:p>
-        </p:txBody>
-      </p:sp>
-      <p:sp>
-        <p:nvSpPr>
-          <p:cNvPr id="3" name="Content Placeholder 2">
-            <a:extLst>
-              <a:ext uri="{FF2B5EF4-FFF2-40B4-BE49-F238E27FC236}">
-                <a16:creationId xmlns:a16="http://schemas.microsoft.com/office/drawing/2014/main" id="{B7A62392-D394-4C27-B8AA-A59B2678AE18}"/>
-              </a:ext>
-            </a:extLst>
-          </p:cNvPr>
+            <a:endParaRPr lang="en-US" dirty="0"/>
+          </a:p>
+        </p:txBody>
+      </p:sp>
+      <p:sp>
+        <p:nvSpPr>
+          <p:cNvPr id="3" name="Content Placeholder 2"/>
           <p:cNvSpPr>
             <a:spLocks noGrp="1"/>
           </p:cNvSpPr>
@@ -1274,8 +1122,8 @@
         </p:nvSpPr>
         <p:spPr>
           <a:xfrm>
-            <a:off x="838201" y="1825625"/>
-            <a:ext cx="5181600" cy="4351338"/>
+            <a:off x="742484" y="1825625"/>
+            <a:ext cx="4589899" cy="4351338"/>
           </a:xfrm>
         </p:spPr>
         <p:txBody>
@@ -1315,18 +1163,13 @@
               <a:rPr lang="en-US"/>
               <a:t>Fifth level</a:t>
             </a:r>
-          </a:p>
-        </p:txBody>
-      </p:sp>
-      <p:sp>
-        <p:nvSpPr>
-          <p:cNvPr id="4" name="Content Placeholder 3">
-            <a:extLst>
-              <a:ext uri="{FF2B5EF4-FFF2-40B4-BE49-F238E27FC236}">
-                <a16:creationId xmlns:a16="http://schemas.microsoft.com/office/drawing/2014/main" id="{65F16E02-690D-45FA-83BA-BC0AECF0588B}"/>
-              </a:ext>
-            </a:extLst>
-          </p:cNvPr>
+            <a:endParaRPr lang="en-US" dirty="0"/>
+          </a:p>
+        </p:txBody>
+      </p:sp>
+      <p:sp>
+        <p:nvSpPr>
+          <p:cNvPr id="4" name="Content Placeholder 3"/>
           <p:cNvSpPr>
             <a:spLocks noGrp="1"/>
           </p:cNvSpPr>
@@ -1336,8 +1179,8 @@
         </p:nvSpPr>
         <p:spPr>
           <a:xfrm>
-            <a:off x="6172201" y="1825625"/>
-            <a:ext cx="5181600" cy="4351338"/>
+            <a:off x="5467380" y="1825625"/>
+            <a:ext cx="4589899" cy="4351338"/>
           </a:xfrm>
         </p:spPr>
         <p:txBody>
@@ -1377,18 +1220,13 @@
               <a:rPr lang="en-US"/>
               <a:t>Fifth level</a:t>
             </a:r>
-          </a:p>
-        </p:txBody>
-      </p:sp>
-      <p:sp>
-        <p:nvSpPr>
-          <p:cNvPr id="5" name="Date Placeholder 4">
-            <a:extLst>
-              <a:ext uri="{FF2B5EF4-FFF2-40B4-BE49-F238E27FC236}">
-                <a16:creationId xmlns:a16="http://schemas.microsoft.com/office/drawing/2014/main" id="{0DA74D6D-9558-4FEF-8155-B445465B24A7}"/>
-              </a:ext>
-            </a:extLst>
-          </p:cNvPr>
+            <a:endParaRPr lang="en-US" dirty="0"/>
+          </a:p>
+        </p:txBody>
+      </p:sp>
+      <p:sp>
+        <p:nvSpPr>
+          <p:cNvPr id="5" name="Date Placeholder 4"/>
           <p:cNvSpPr>
             <a:spLocks noGrp="1"/>
           </p:cNvSpPr>
@@ -1403,7 +1241,7 @@
           <a:p>
             <a:fld id="{F5451EBA-6FA5-443C-BAD7-0685831661F0}" type="datetimeFigureOut">
               <a:rPr lang="en-US" smtClean="0"/>
-              <a:t>23-Nov-23</a:t>
+              <a:t>1/3/24</a:t>
             </a:fld>
             <a:endParaRPr lang="en-US"/>
           </a:p>
@@ -1411,13 +1249,7 @@
       </p:sp>
       <p:sp>
         <p:nvSpPr>
-          <p:cNvPr id="6" name="Footer Placeholder 5">
-            <a:extLst>
-              <a:ext uri="{FF2B5EF4-FFF2-40B4-BE49-F238E27FC236}">
-                <a16:creationId xmlns:a16="http://schemas.microsoft.com/office/drawing/2014/main" id="{D94FE9F9-7DD5-4069-A1EB-3D0C86FDAF49}"/>
-              </a:ext>
-            </a:extLst>
-          </p:cNvPr>
+          <p:cNvPr id="6" name="Footer Placeholder 5"/>
           <p:cNvSpPr>
             <a:spLocks noGrp="1"/>
           </p:cNvSpPr>
@@ -1436,13 +1268,7 @@
       </p:sp>
       <p:sp>
         <p:nvSpPr>
-          <p:cNvPr id="7" name="Slide Number Placeholder 6">
-            <a:extLst>
-              <a:ext uri="{FF2B5EF4-FFF2-40B4-BE49-F238E27FC236}">
-                <a16:creationId xmlns:a16="http://schemas.microsoft.com/office/drawing/2014/main" id="{E1CA8495-786B-4F86-A71C-78F068D22F96}"/>
-              </a:ext>
-            </a:extLst>
-          </p:cNvPr>
+          <p:cNvPr id="7" name="Slide Number Placeholder 6"/>
           <p:cNvSpPr>
             <a:spLocks noGrp="1"/>
           </p:cNvSpPr>
@@ -1466,7 +1292,7 @@
     </p:spTree>
     <p:extLst>
       <p:ext uri="{BB962C8B-B14F-4D97-AF65-F5344CB8AC3E}">
-        <p14:creationId xmlns:p14="http://schemas.microsoft.com/office/powerpoint/2010/main" val="2119932619"/>
+        <p14:creationId xmlns:p14="http://schemas.microsoft.com/office/powerpoint/2010/main" val="2659926663"/>
       </p:ext>
     </p:extLst>
   </p:cSld>
@@ -1495,13 +1321,7 @@
       </p:grpSpPr>
       <p:sp>
         <p:nvSpPr>
-          <p:cNvPr id="2" name="Title 1">
-            <a:extLst>
-              <a:ext uri="{FF2B5EF4-FFF2-40B4-BE49-F238E27FC236}">
-                <a16:creationId xmlns:a16="http://schemas.microsoft.com/office/drawing/2014/main" id="{D59C55BE-6A99-4A74-B3C9-39FBD187A932}"/>
-              </a:ext>
-            </a:extLst>
-          </p:cNvPr>
+          <p:cNvPr id="2" name="Title 1"/>
           <p:cNvSpPr>
             <a:spLocks noGrp="1"/>
           </p:cNvSpPr>
@@ -1511,8 +1331,8 @@
         </p:nvSpPr>
         <p:spPr>
           <a:xfrm>
-            <a:off x="839789" y="365127"/>
-            <a:ext cx="10515600" cy="1325563"/>
+            <a:off x="743890" y="365126"/>
+            <a:ext cx="9314796" cy="1325563"/>
           </a:xfrm>
         </p:spPr>
         <p:txBody>
@@ -1523,18 +1343,13 @@
               <a:rPr lang="en-US"/>
               <a:t>Click to edit Master title style</a:t>
             </a:r>
-          </a:p>
-        </p:txBody>
-      </p:sp>
-      <p:sp>
-        <p:nvSpPr>
-          <p:cNvPr id="3" name="Text Placeholder 2">
-            <a:extLst>
-              <a:ext uri="{FF2B5EF4-FFF2-40B4-BE49-F238E27FC236}">
-                <a16:creationId xmlns:a16="http://schemas.microsoft.com/office/drawing/2014/main" id="{C1E72BE2-587F-44FF-A5BA-6EEB2ED3F05D}"/>
-              </a:ext>
-            </a:extLst>
-          </p:cNvPr>
+            <a:endParaRPr lang="en-US" dirty="0"/>
+          </a:p>
+        </p:txBody>
+      </p:sp>
+      <p:sp>
+        <p:nvSpPr>
+          <p:cNvPr id="3" name="Text Placeholder 2"/>
           <p:cNvSpPr>
             <a:spLocks noGrp="1"/>
           </p:cNvSpPr>
@@ -1544,8 +1359,8 @@
         </p:nvSpPr>
         <p:spPr>
           <a:xfrm>
-            <a:off x="839793" y="1681164"/>
-            <a:ext cx="5157787" cy="823912"/>
+            <a:off x="743891" y="1681163"/>
+            <a:ext cx="4568806" cy="823912"/>
           </a:xfrm>
         </p:spPr>
         <p:txBody>
@@ -1553,39 +1368,39 @@
           <a:lstStyle>
             <a:lvl1pPr marL="0" indent="0">
               <a:buNone/>
-              <a:defRPr sz="2400" b="1"/>
+              <a:defRPr sz="2126" b="1"/>
             </a:lvl1pPr>
-            <a:lvl2pPr marL="457193" indent="0">
-              <a:buNone/>
-              <a:defRPr sz="2000" b="1"/>
+            <a:lvl2pPr marL="404988" indent="0">
+              <a:buNone/>
+              <a:defRPr sz="1772" b="1"/>
             </a:lvl2pPr>
-            <a:lvl3pPr marL="914385" indent="0">
-              <a:buNone/>
-              <a:defRPr sz="1801" b="1"/>
+            <a:lvl3pPr marL="809976" indent="0">
+              <a:buNone/>
+              <a:defRPr sz="1594" b="1"/>
             </a:lvl3pPr>
-            <a:lvl4pPr marL="1371578" indent="0">
-              <a:buNone/>
-              <a:defRPr sz="1600" b="1"/>
+            <a:lvl4pPr marL="1214963" indent="0">
+              <a:buNone/>
+              <a:defRPr sz="1417" b="1"/>
             </a:lvl4pPr>
-            <a:lvl5pPr marL="1828770" indent="0">
-              <a:buNone/>
-              <a:defRPr sz="1600" b="1"/>
+            <a:lvl5pPr marL="1619951" indent="0">
+              <a:buNone/>
+              <a:defRPr sz="1417" b="1"/>
             </a:lvl5pPr>
-            <a:lvl6pPr marL="2285961" indent="0">
-              <a:buNone/>
-              <a:defRPr sz="1600" b="1"/>
+            <a:lvl6pPr marL="2024939" indent="0">
+              <a:buNone/>
+              <a:defRPr sz="1417" b="1"/>
             </a:lvl6pPr>
-            <a:lvl7pPr marL="2743153" indent="0">
-              <a:buNone/>
-              <a:defRPr sz="1600" b="1"/>
+            <a:lvl7pPr marL="2429927" indent="0">
+              <a:buNone/>
+              <a:defRPr sz="1417" b="1"/>
             </a:lvl7pPr>
-            <a:lvl8pPr marL="3200346" indent="0">
-              <a:buNone/>
-              <a:defRPr sz="1600" b="1"/>
+            <a:lvl8pPr marL="2834914" indent="0">
+              <a:buNone/>
+              <a:defRPr sz="1417" b="1"/>
             </a:lvl8pPr>
-            <a:lvl9pPr marL="3657539" indent="0">
-              <a:buNone/>
-              <a:defRPr sz="1600" b="1"/>
+            <a:lvl9pPr marL="3239902" indent="0">
+              <a:buNone/>
+              <a:defRPr sz="1417" b="1"/>
             </a:lvl9pPr>
           </a:lstStyle>
           <a:p>
@@ -1599,13 +1414,7 @@
       </p:sp>
       <p:sp>
         <p:nvSpPr>
-          <p:cNvPr id="4" name="Content Placeholder 3">
-            <a:extLst>
-              <a:ext uri="{FF2B5EF4-FFF2-40B4-BE49-F238E27FC236}">
-                <a16:creationId xmlns:a16="http://schemas.microsoft.com/office/drawing/2014/main" id="{ECC313D5-3F6F-470C-837E-EF73AB0281F7}"/>
-              </a:ext>
-            </a:extLst>
-          </p:cNvPr>
+          <p:cNvPr id="4" name="Content Placeholder 3"/>
           <p:cNvSpPr>
             <a:spLocks noGrp="1"/>
           </p:cNvSpPr>
@@ -1615,8 +1424,8 @@
         </p:nvSpPr>
         <p:spPr>
           <a:xfrm>
-            <a:off x="839793" y="2505076"/>
-            <a:ext cx="5157787" cy="3684588"/>
+            <a:off x="743891" y="2505075"/>
+            <a:ext cx="4568806" cy="3684588"/>
           </a:xfrm>
         </p:spPr>
         <p:txBody>
@@ -1656,18 +1465,13 @@
               <a:rPr lang="en-US"/>
               <a:t>Fifth level</a:t>
             </a:r>
-          </a:p>
-        </p:txBody>
-      </p:sp>
-      <p:sp>
-        <p:nvSpPr>
-          <p:cNvPr id="5" name="Text Placeholder 4">
-            <a:extLst>
-              <a:ext uri="{FF2B5EF4-FFF2-40B4-BE49-F238E27FC236}">
-                <a16:creationId xmlns:a16="http://schemas.microsoft.com/office/drawing/2014/main" id="{686427C1-8D43-43BC-A76B-CCDC7B595536}"/>
-              </a:ext>
-            </a:extLst>
-          </p:cNvPr>
+            <a:endParaRPr lang="en-US" dirty="0"/>
+          </a:p>
+        </p:txBody>
+      </p:sp>
+      <p:sp>
+        <p:nvSpPr>
+          <p:cNvPr id="5" name="Text Placeholder 4"/>
           <p:cNvSpPr>
             <a:spLocks noGrp="1"/>
           </p:cNvSpPr>
@@ -1677,8 +1481,8 @@
         </p:nvSpPr>
         <p:spPr>
           <a:xfrm>
-            <a:off x="6172203" y="1681164"/>
-            <a:ext cx="5183188" cy="823912"/>
+            <a:off x="5467380" y="1681163"/>
+            <a:ext cx="4591306" cy="823912"/>
           </a:xfrm>
         </p:spPr>
         <p:txBody>
@@ -1686,39 +1490,39 @@
           <a:lstStyle>
             <a:lvl1pPr marL="0" indent="0">
               <a:buNone/>
-              <a:defRPr sz="2400" b="1"/>
+              <a:defRPr sz="2126" b="1"/>
             </a:lvl1pPr>
-            <a:lvl2pPr marL="457193" indent="0">
-              <a:buNone/>
-              <a:defRPr sz="2000" b="1"/>
+            <a:lvl2pPr marL="404988" indent="0">
+              <a:buNone/>
+              <a:defRPr sz="1772" b="1"/>
             </a:lvl2pPr>
-            <a:lvl3pPr marL="914385" indent="0">
-              <a:buNone/>
-              <a:defRPr sz="1801" b="1"/>
+            <a:lvl3pPr marL="809976" indent="0">
+              <a:buNone/>
+              <a:defRPr sz="1594" b="1"/>
             </a:lvl3pPr>
-            <a:lvl4pPr marL="1371578" indent="0">
-              <a:buNone/>
-              <a:defRPr sz="1600" b="1"/>
+            <a:lvl4pPr marL="1214963" indent="0">
+              <a:buNone/>
+              <a:defRPr sz="1417" b="1"/>
             </a:lvl4pPr>
-            <a:lvl5pPr marL="1828770" indent="0">
-              <a:buNone/>
-              <a:defRPr sz="1600" b="1"/>
+            <a:lvl5pPr marL="1619951" indent="0">
+              <a:buNone/>
+              <a:defRPr sz="1417" b="1"/>
             </a:lvl5pPr>
-            <a:lvl6pPr marL="2285961" indent="0">
-              <a:buNone/>
-              <a:defRPr sz="1600" b="1"/>
+            <a:lvl6pPr marL="2024939" indent="0">
+              <a:buNone/>
+              <a:defRPr sz="1417" b="1"/>
             </a:lvl6pPr>
-            <a:lvl7pPr marL="2743153" indent="0">
-              <a:buNone/>
-              <a:defRPr sz="1600" b="1"/>
+            <a:lvl7pPr marL="2429927" indent="0">
+              <a:buNone/>
+              <a:defRPr sz="1417" b="1"/>
             </a:lvl7pPr>
-            <a:lvl8pPr marL="3200346" indent="0">
-              <a:buNone/>
-              <a:defRPr sz="1600" b="1"/>
+            <a:lvl8pPr marL="2834914" indent="0">
+              <a:buNone/>
+              <a:defRPr sz="1417" b="1"/>
             </a:lvl8pPr>
-            <a:lvl9pPr marL="3657539" indent="0">
-              <a:buNone/>
-              <a:defRPr sz="1600" b="1"/>
+            <a:lvl9pPr marL="3239902" indent="0">
+              <a:buNone/>
+              <a:defRPr sz="1417" b="1"/>
             </a:lvl9pPr>
           </a:lstStyle>
           <a:p>
@@ -1732,13 +1536,7 @@
       </p:sp>
       <p:sp>
         <p:nvSpPr>
-          <p:cNvPr id="6" name="Content Placeholder 5">
-            <a:extLst>
-              <a:ext uri="{FF2B5EF4-FFF2-40B4-BE49-F238E27FC236}">
-                <a16:creationId xmlns:a16="http://schemas.microsoft.com/office/drawing/2014/main" id="{91E3800F-51BC-41B5-A950-4C266E13FAE6}"/>
-              </a:ext>
-            </a:extLst>
-          </p:cNvPr>
+          <p:cNvPr id="6" name="Content Placeholder 5"/>
           <p:cNvSpPr>
             <a:spLocks noGrp="1"/>
           </p:cNvSpPr>
@@ -1748,8 +1546,8 @@
         </p:nvSpPr>
         <p:spPr>
           <a:xfrm>
-            <a:off x="6172203" y="2505076"/>
-            <a:ext cx="5183188" cy="3684588"/>
+            <a:off x="5467380" y="2505075"/>
+            <a:ext cx="4591306" cy="3684588"/>
           </a:xfrm>
         </p:spPr>
         <p:txBody>
@@ -1789,18 +1587,13 @@
               <a:rPr lang="en-US"/>
               <a:t>Fifth level</a:t>
             </a:r>
-          </a:p>
-        </p:txBody>
-      </p:sp>
-      <p:sp>
-        <p:nvSpPr>
-          <p:cNvPr id="7" name="Date Placeholder 6">
-            <a:extLst>
-              <a:ext uri="{FF2B5EF4-FFF2-40B4-BE49-F238E27FC236}">
-                <a16:creationId xmlns:a16="http://schemas.microsoft.com/office/drawing/2014/main" id="{058351D4-9D90-4340-B677-B0AAA9DC7F90}"/>
-              </a:ext>
-            </a:extLst>
-          </p:cNvPr>
+            <a:endParaRPr lang="en-US" dirty="0"/>
+          </a:p>
+        </p:txBody>
+      </p:sp>
+      <p:sp>
+        <p:nvSpPr>
+          <p:cNvPr id="7" name="Date Placeholder 6"/>
           <p:cNvSpPr>
             <a:spLocks noGrp="1"/>
           </p:cNvSpPr>
@@ -1815,7 +1608,7 @@
           <a:p>
             <a:fld id="{F5451EBA-6FA5-443C-BAD7-0685831661F0}" type="datetimeFigureOut">
               <a:rPr lang="en-US" smtClean="0"/>
-              <a:t>23-Nov-23</a:t>
+              <a:t>1/3/24</a:t>
             </a:fld>
             <a:endParaRPr lang="en-US"/>
           </a:p>
@@ -1823,13 +1616,7 @@
       </p:sp>
       <p:sp>
         <p:nvSpPr>
-          <p:cNvPr id="8" name="Footer Placeholder 7">
-            <a:extLst>
-              <a:ext uri="{FF2B5EF4-FFF2-40B4-BE49-F238E27FC236}">
-                <a16:creationId xmlns:a16="http://schemas.microsoft.com/office/drawing/2014/main" id="{4EE6AB58-DFAE-4501-8D43-20471118FE64}"/>
-              </a:ext>
-            </a:extLst>
-          </p:cNvPr>
+          <p:cNvPr id="8" name="Footer Placeholder 7"/>
           <p:cNvSpPr>
             <a:spLocks noGrp="1"/>
           </p:cNvSpPr>
@@ -1848,13 +1635,7 @@
       </p:sp>
       <p:sp>
         <p:nvSpPr>
-          <p:cNvPr id="9" name="Slide Number Placeholder 8">
-            <a:extLst>
-              <a:ext uri="{FF2B5EF4-FFF2-40B4-BE49-F238E27FC236}">
-                <a16:creationId xmlns:a16="http://schemas.microsoft.com/office/drawing/2014/main" id="{BDE45DF7-AB8A-4A78-9E03-D058530443AD}"/>
-              </a:ext>
-            </a:extLst>
-          </p:cNvPr>
+          <p:cNvPr id="9" name="Slide Number Placeholder 8"/>
           <p:cNvSpPr>
             <a:spLocks noGrp="1"/>
           </p:cNvSpPr>
@@ -1878,7 +1659,7 @@
     </p:spTree>
     <p:extLst>
       <p:ext uri="{BB962C8B-B14F-4D97-AF65-F5344CB8AC3E}">
-        <p14:creationId xmlns:p14="http://schemas.microsoft.com/office/powerpoint/2010/main" val="1889826617"/>
+        <p14:creationId xmlns:p14="http://schemas.microsoft.com/office/powerpoint/2010/main" val="1844616913"/>
       </p:ext>
     </p:extLst>
   </p:cSld>
@@ -1907,13 +1688,7 @@
       </p:grpSpPr>
       <p:sp>
         <p:nvSpPr>
-          <p:cNvPr id="2" name="Title 1">
-            <a:extLst>
-              <a:ext uri="{FF2B5EF4-FFF2-40B4-BE49-F238E27FC236}">
-                <a16:creationId xmlns:a16="http://schemas.microsoft.com/office/drawing/2014/main" id="{C5EB618C-C2B6-4EA6-A2B9-9744C8C1A7D7}"/>
-              </a:ext>
-            </a:extLst>
-          </p:cNvPr>
+          <p:cNvPr id="2" name="Title 1"/>
           <p:cNvSpPr>
             <a:spLocks noGrp="1"/>
           </p:cNvSpPr>
@@ -1930,18 +1705,13 @@
               <a:rPr lang="en-US"/>
               <a:t>Click to edit Master title style</a:t>
             </a:r>
-          </a:p>
-        </p:txBody>
-      </p:sp>
-      <p:sp>
-        <p:nvSpPr>
-          <p:cNvPr id="3" name="Date Placeholder 2">
-            <a:extLst>
-              <a:ext uri="{FF2B5EF4-FFF2-40B4-BE49-F238E27FC236}">
-                <a16:creationId xmlns:a16="http://schemas.microsoft.com/office/drawing/2014/main" id="{B4985167-AE64-46F7-BB48-8E811A422CC3}"/>
-              </a:ext>
-            </a:extLst>
-          </p:cNvPr>
+            <a:endParaRPr lang="en-US" dirty="0"/>
+          </a:p>
+        </p:txBody>
+      </p:sp>
+      <p:sp>
+        <p:nvSpPr>
+          <p:cNvPr id="3" name="Date Placeholder 2"/>
           <p:cNvSpPr>
             <a:spLocks noGrp="1"/>
           </p:cNvSpPr>
@@ -1956,7 +1726,7 @@
           <a:p>
             <a:fld id="{F5451EBA-6FA5-443C-BAD7-0685831661F0}" type="datetimeFigureOut">
               <a:rPr lang="en-US" smtClean="0"/>
-              <a:t>23-Nov-23</a:t>
+              <a:t>1/3/24</a:t>
             </a:fld>
             <a:endParaRPr lang="en-US"/>
           </a:p>
@@ -1964,13 +1734,7 @@
       </p:sp>
       <p:sp>
         <p:nvSpPr>
-          <p:cNvPr id="4" name="Footer Placeholder 3">
-            <a:extLst>
-              <a:ext uri="{FF2B5EF4-FFF2-40B4-BE49-F238E27FC236}">
-                <a16:creationId xmlns:a16="http://schemas.microsoft.com/office/drawing/2014/main" id="{A343451B-7B3E-4F37-99C6-EDA29831560C}"/>
-              </a:ext>
-            </a:extLst>
-          </p:cNvPr>
+          <p:cNvPr id="4" name="Footer Placeholder 3"/>
           <p:cNvSpPr>
             <a:spLocks noGrp="1"/>
           </p:cNvSpPr>
@@ -1989,13 +1753,7 @@
       </p:sp>
       <p:sp>
         <p:nvSpPr>
-          <p:cNvPr id="5" name="Slide Number Placeholder 4">
-            <a:extLst>
-              <a:ext uri="{FF2B5EF4-FFF2-40B4-BE49-F238E27FC236}">
-                <a16:creationId xmlns:a16="http://schemas.microsoft.com/office/drawing/2014/main" id="{BB77237A-D27F-4617-852E-74E4D25FC47C}"/>
-              </a:ext>
-            </a:extLst>
-          </p:cNvPr>
+          <p:cNvPr id="5" name="Slide Number Placeholder 4"/>
           <p:cNvSpPr>
             <a:spLocks noGrp="1"/>
           </p:cNvSpPr>
@@ -2019,7 +1777,7 @@
     </p:spTree>
     <p:extLst>
       <p:ext uri="{BB962C8B-B14F-4D97-AF65-F5344CB8AC3E}">
-        <p14:creationId xmlns:p14="http://schemas.microsoft.com/office/powerpoint/2010/main" val="2244113139"/>
+        <p14:creationId xmlns:p14="http://schemas.microsoft.com/office/powerpoint/2010/main" val="2763348006"/>
       </p:ext>
     </p:extLst>
   </p:cSld>
@@ -2048,13 +1806,7 @@
       </p:grpSpPr>
       <p:sp>
         <p:nvSpPr>
-          <p:cNvPr id="2" name="Date Placeholder 1">
-            <a:extLst>
-              <a:ext uri="{FF2B5EF4-FFF2-40B4-BE49-F238E27FC236}">
-                <a16:creationId xmlns:a16="http://schemas.microsoft.com/office/drawing/2014/main" id="{C0253EF6-0ADA-48CB-8C05-D502418DBE71}"/>
-              </a:ext>
-            </a:extLst>
-          </p:cNvPr>
+          <p:cNvPr id="2" name="Date Placeholder 1"/>
           <p:cNvSpPr>
             <a:spLocks noGrp="1"/>
           </p:cNvSpPr>
@@ -2069,7 +1821,7 @@
           <a:p>
             <a:fld id="{F5451EBA-6FA5-443C-BAD7-0685831661F0}" type="datetimeFigureOut">
               <a:rPr lang="en-US" smtClean="0"/>
-              <a:t>23-Nov-23</a:t>
+              <a:t>1/3/24</a:t>
             </a:fld>
             <a:endParaRPr lang="en-US"/>
           </a:p>
@@ -2077,13 +1829,7 @@
       </p:sp>
       <p:sp>
         <p:nvSpPr>
-          <p:cNvPr id="3" name="Footer Placeholder 2">
-            <a:extLst>
-              <a:ext uri="{FF2B5EF4-FFF2-40B4-BE49-F238E27FC236}">
-                <a16:creationId xmlns:a16="http://schemas.microsoft.com/office/drawing/2014/main" id="{B94DA68C-AFF2-402F-A2F9-2A4908DA10D2}"/>
-              </a:ext>
-            </a:extLst>
-          </p:cNvPr>
+          <p:cNvPr id="3" name="Footer Placeholder 2"/>
           <p:cNvSpPr>
             <a:spLocks noGrp="1"/>
           </p:cNvSpPr>
@@ -2102,13 +1848,7 @@
       </p:sp>
       <p:sp>
         <p:nvSpPr>
-          <p:cNvPr id="4" name="Slide Number Placeholder 3">
-            <a:extLst>
-              <a:ext uri="{FF2B5EF4-FFF2-40B4-BE49-F238E27FC236}">
-                <a16:creationId xmlns:a16="http://schemas.microsoft.com/office/drawing/2014/main" id="{3B25A4EB-BEE0-4D1A-97E1-F175C5F40134}"/>
-              </a:ext>
-            </a:extLst>
-          </p:cNvPr>
+          <p:cNvPr id="4" name="Slide Number Placeholder 3"/>
           <p:cNvSpPr>
             <a:spLocks noGrp="1"/>
           </p:cNvSpPr>
@@ -2132,7 +1872,7 @@
     </p:spTree>
     <p:extLst>
       <p:ext uri="{BB962C8B-B14F-4D97-AF65-F5344CB8AC3E}">
-        <p14:creationId xmlns:p14="http://schemas.microsoft.com/office/powerpoint/2010/main" val="4232208206"/>
+        <p14:creationId xmlns:p14="http://schemas.microsoft.com/office/powerpoint/2010/main" val="4178454803"/>
       </p:ext>
     </p:extLst>
   </p:cSld>
@@ -2161,13 +1901,7 @@
       </p:grpSpPr>
       <p:sp>
         <p:nvSpPr>
-          <p:cNvPr id="2" name="Title 1">
-            <a:extLst>
-              <a:ext uri="{FF2B5EF4-FFF2-40B4-BE49-F238E27FC236}">
-                <a16:creationId xmlns:a16="http://schemas.microsoft.com/office/drawing/2014/main" id="{7F1C9DC0-8732-4624-90A6-110259BC670F}"/>
-              </a:ext>
-            </a:extLst>
-          </p:cNvPr>
+          <p:cNvPr id="2" name="Title 1"/>
           <p:cNvSpPr>
             <a:spLocks noGrp="1"/>
           </p:cNvSpPr>
@@ -2177,15 +1911,15 @@
         </p:nvSpPr>
         <p:spPr>
           <a:xfrm>
-            <a:off x="839791" y="457200"/>
-            <a:ext cx="3932236" cy="1600200"/>
+            <a:off x="743891" y="457200"/>
+            <a:ext cx="3483204" cy="1600200"/>
           </a:xfrm>
         </p:spPr>
         <p:txBody>
           <a:bodyPr anchor="b"/>
           <a:lstStyle>
             <a:lvl1pPr>
-              <a:defRPr sz="3200"/>
+              <a:defRPr sz="2835"/>
             </a:lvl1pPr>
           </a:lstStyle>
           <a:p>
@@ -2193,18 +1927,13 @@
               <a:rPr lang="en-US"/>
               <a:t>Click to edit Master title style</a:t>
             </a:r>
-          </a:p>
-        </p:txBody>
-      </p:sp>
-      <p:sp>
-        <p:nvSpPr>
-          <p:cNvPr id="3" name="Content Placeholder 2">
-            <a:extLst>
-              <a:ext uri="{FF2B5EF4-FFF2-40B4-BE49-F238E27FC236}">
-                <a16:creationId xmlns:a16="http://schemas.microsoft.com/office/drawing/2014/main" id="{214E24DD-230F-4009-925E-9E97F4499A33}"/>
-              </a:ext>
-            </a:extLst>
-          </p:cNvPr>
+            <a:endParaRPr lang="en-US" dirty="0"/>
+          </a:p>
+        </p:txBody>
+      </p:sp>
+      <p:sp>
+        <p:nvSpPr>
+          <p:cNvPr id="3" name="Content Placeholder 2"/>
           <p:cNvSpPr>
             <a:spLocks noGrp="1"/>
           </p:cNvSpPr>
@@ -2214,39 +1943,39 @@
         </p:nvSpPr>
         <p:spPr>
           <a:xfrm>
-            <a:off x="5183192" y="987427"/>
-            <a:ext cx="6172201" cy="4873625"/>
+            <a:off x="4591306" y="987426"/>
+            <a:ext cx="5467380" cy="4873625"/>
           </a:xfrm>
         </p:spPr>
         <p:txBody>
           <a:bodyPr/>
           <a:lstStyle>
             <a:lvl1pPr>
-              <a:defRPr sz="3200"/>
+              <a:defRPr sz="2835"/>
             </a:lvl1pPr>
             <a:lvl2pPr>
-              <a:defRPr sz="2800"/>
+              <a:defRPr sz="2480"/>
             </a:lvl2pPr>
             <a:lvl3pPr>
-              <a:defRPr sz="2400"/>
+              <a:defRPr sz="2126"/>
             </a:lvl3pPr>
             <a:lvl4pPr>
-              <a:defRPr sz="2000"/>
+              <a:defRPr sz="1772"/>
             </a:lvl4pPr>
             <a:lvl5pPr>
-              <a:defRPr sz="2000"/>
+              <a:defRPr sz="1772"/>
             </a:lvl5pPr>
             <a:lvl6pPr>
-              <a:defRPr sz="2000"/>
+              <a:defRPr sz="1772"/>
             </a:lvl6pPr>
             <a:lvl7pPr>
-              <a:defRPr sz="2000"/>
+              <a:defRPr sz="1772"/>
             </a:lvl7pPr>
             <a:lvl8pPr>
-              <a:defRPr sz="2000"/>
+              <a:defRPr sz="1772"/>
             </a:lvl8pPr>
             <a:lvl9pPr>
-              <a:defRPr sz="2000"/>
+              <a:defRPr sz="1772"/>
             </a:lvl9pPr>
           </a:lstStyle>
           <a:p>
@@ -2283,18 +2012,13 @@
               <a:rPr lang="en-US"/>
               <a:t>Fifth level</a:t>
             </a:r>
-          </a:p>
-        </p:txBody>
-      </p:sp>
-      <p:sp>
-        <p:nvSpPr>
-          <p:cNvPr id="4" name="Text Placeholder 3">
-            <a:extLst>
-              <a:ext uri="{FF2B5EF4-FFF2-40B4-BE49-F238E27FC236}">
-                <a16:creationId xmlns:a16="http://schemas.microsoft.com/office/drawing/2014/main" id="{BE3B08F5-8E98-44A7-882A-A4014D9052B8}"/>
-              </a:ext>
-            </a:extLst>
-          </p:cNvPr>
+            <a:endParaRPr lang="en-US" dirty="0"/>
+          </a:p>
+        </p:txBody>
+      </p:sp>
+      <p:sp>
+        <p:nvSpPr>
+          <p:cNvPr id="4" name="Text Placeholder 3"/>
           <p:cNvSpPr>
             <a:spLocks noGrp="1"/>
           </p:cNvSpPr>
@@ -2304,8 +2028,8 @@
         </p:nvSpPr>
         <p:spPr>
           <a:xfrm>
-            <a:off x="839791" y="2057400"/>
-            <a:ext cx="3932236" cy="3811588"/>
+            <a:off x="743891" y="2057400"/>
+            <a:ext cx="3483204" cy="3811588"/>
           </a:xfrm>
         </p:spPr>
         <p:txBody>
@@ -2313,39 +2037,39 @@
           <a:lstStyle>
             <a:lvl1pPr marL="0" indent="0">
               <a:buNone/>
-              <a:defRPr sz="1600"/>
+              <a:defRPr sz="1417"/>
             </a:lvl1pPr>
-            <a:lvl2pPr marL="457193" indent="0">
-              <a:buNone/>
-              <a:defRPr sz="1401"/>
+            <a:lvl2pPr marL="404988" indent="0">
+              <a:buNone/>
+              <a:defRPr sz="1240"/>
             </a:lvl2pPr>
-            <a:lvl3pPr marL="914385" indent="0">
-              <a:buNone/>
-              <a:defRPr sz="1200"/>
+            <a:lvl3pPr marL="809976" indent="0">
+              <a:buNone/>
+              <a:defRPr sz="1063"/>
             </a:lvl3pPr>
-            <a:lvl4pPr marL="1371578" indent="0">
-              <a:buNone/>
-              <a:defRPr sz="1001"/>
+            <a:lvl4pPr marL="1214963" indent="0">
+              <a:buNone/>
+              <a:defRPr sz="886"/>
             </a:lvl4pPr>
-            <a:lvl5pPr marL="1828770" indent="0">
-              <a:buNone/>
-              <a:defRPr sz="1001"/>
+            <a:lvl5pPr marL="1619951" indent="0">
+              <a:buNone/>
+              <a:defRPr sz="886"/>
             </a:lvl5pPr>
-            <a:lvl6pPr marL="2285961" indent="0">
-              <a:buNone/>
-              <a:defRPr sz="1001"/>
+            <a:lvl6pPr marL="2024939" indent="0">
+              <a:buNone/>
+              <a:defRPr sz="886"/>
             </a:lvl6pPr>
-            <a:lvl7pPr marL="2743153" indent="0">
-              <a:buNone/>
-              <a:defRPr sz="1001"/>
+            <a:lvl7pPr marL="2429927" indent="0">
+              <a:buNone/>
+              <a:defRPr sz="886"/>
             </a:lvl7pPr>
-            <a:lvl8pPr marL="3200346" indent="0">
-              <a:buNone/>
-              <a:defRPr sz="1001"/>
+            <a:lvl8pPr marL="2834914" indent="0">
+              <a:buNone/>
+              <a:defRPr sz="886"/>
             </a:lvl8pPr>
-            <a:lvl9pPr marL="3657539" indent="0">
-              <a:buNone/>
-              <a:defRPr sz="1001"/>
+            <a:lvl9pPr marL="3239902" indent="0">
+              <a:buNone/>
+              <a:defRPr sz="886"/>
             </a:lvl9pPr>
           </a:lstStyle>
           <a:p>
@@ -2359,13 +2083,7 @@
       </p:sp>
       <p:sp>
         <p:nvSpPr>
-          <p:cNvPr id="5" name="Date Placeholder 4">
-            <a:extLst>
-              <a:ext uri="{FF2B5EF4-FFF2-40B4-BE49-F238E27FC236}">
-                <a16:creationId xmlns:a16="http://schemas.microsoft.com/office/drawing/2014/main" id="{6E9B2118-F8A1-466A-9E3E-9F16761BF9E4}"/>
-              </a:ext>
-            </a:extLst>
-          </p:cNvPr>
+          <p:cNvPr id="5" name="Date Placeholder 4"/>
           <p:cNvSpPr>
             <a:spLocks noGrp="1"/>
           </p:cNvSpPr>
@@ -2380,7 +2098,7 @@
           <a:p>
             <a:fld id="{F5451EBA-6FA5-443C-BAD7-0685831661F0}" type="datetimeFigureOut">
               <a:rPr lang="en-US" smtClean="0"/>
-              <a:t>23-Nov-23</a:t>
+              <a:t>1/3/24</a:t>
             </a:fld>
             <a:endParaRPr lang="en-US"/>
           </a:p>
@@ -2388,13 +2106,7 @@
       </p:sp>
       <p:sp>
         <p:nvSpPr>
-          <p:cNvPr id="6" name="Footer Placeholder 5">
-            <a:extLst>
-              <a:ext uri="{FF2B5EF4-FFF2-40B4-BE49-F238E27FC236}">
-                <a16:creationId xmlns:a16="http://schemas.microsoft.com/office/drawing/2014/main" id="{EBE8B922-DB5D-4991-BE60-77249F435D2F}"/>
-              </a:ext>
-            </a:extLst>
-          </p:cNvPr>
+          <p:cNvPr id="6" name="Footer Placeholder 5"/>
           <p:cNvSpPr>
             <a:spLocks noGrp="1"/>
           </p:cNvSpPr>
@@ -2413,13 +2125,7 @@
       </p:sp>
       <p:sp>
         <p:nvSpPr>
-          <p:cNvPr id="7" name="Slide Number Placeholder 6">
-            <a:extLst>
-              <a:ext uri="{FF2B5EF4-FFF2-40B4-BE49-F238E27FC236}">
-                <a16:creationId xmlns:a16="http://schemas.microsoft.com/office/drawing/2014/main" id="{86D284AA-4FEA-4B2D-8B7A-FF9D0643444C}"/>
-              </a:ext>
-            </a:extLst>
-          </p:cNvPr>
+          <p:cNvPr id="7" name="Slide Number Placeholder 6"/>
           <p:cNvSpPr>
             <a:spLocks noGrp="1"/>
           </p:cNvSpPr>
@@ -2443,7 +2149,7 @@
     </p:spTree>
     <p:extLst>
       <p:ext uri="{BB962C8B-B14F-4D97-AF65-F5344CB8AC3E}">
-        <p14:creationId xmlns:p14="http://schemas.microsoft.com/office/powerpoint/2010/main" val="62120008"/>
+        <p14:creationId xmlns:p14="http://schemas.microsoft.com/office/powerpoint/2010/main" val="3857430223"/>
       </p:ext>
     </p:extLst>
   </p:cSld>
@@ -2472,13 +2178,7 @@
       </p:grpSpPr>
       <p:sp>
         <p:nvSpPr>
-          <p:cNvPr id="2" name="Title 1">
-            <a:extLst>
-              <a:ext uri="{FF2B5EF4-FFF2-40B4-BE49-F238E27FC236}">
-                <a16:creationId xmlns:a16="http://schemas.microsoft.com/office/drawing/2014/main" id="{72D6EF6E-99C5-4F83-BA49-D44155CC91FE}"/>
-              </a:ext>
-            </a:extLst>
-          </p:cNvPr>
+          <p:cNvPr id="2" name="Title 1"/>
           <p:cNvSpPr>
             <a:spLocks noGrp="1"/>
           </p:cNvSpPr>
@@ -2488,15 +2188,15 @@
         </p:nvSpPr>
         <p:spPr>
           <a:xfrm>
-            <a:off x="839791" y="457200"/>
-            <a:ext cx="3932236" cy="1600200"/>
+            <a:off x="743891" y="457200"/>
+            <a:ext cx="3483204" cy="1600200"/>
           </a:xfrm>
         </p:spPr>
         <p:txBody>
           <a:bodyPr anchor="b"/>
           <a:lstStyle>
             <a:lvl1pPr>
-              <a:defRPr sz="3200"/>
+              <a:defRPr sz="2835"/>
             </a:lvl1pPr>
           </a:lstStyle>
           <a:p>
@@ -2504,20 +2204,15 @@
               <a:rPr lang="en-US"/>
               <a:t>Click to edit Master title style</a:t>
             </a:r>
-          </a:p>
-        </p:txBody>
-      </p:sp>
-      <p:sp>
-        <p:nvSpPr>
-          <p:cNvPr id="3" name="Picture Placeholder 2">
-            <a:extLst>
-              <a:ext uri="{FF2B5EF4-FFF2-40B4-BE49-F238E27FC236}">
-                <a16:creationId xmlns:a16="http://schemas.microsoft.com/office/drawing/2014/main" id="{300A7811-4D4C-482A-9502-A38A973FB9AC}"/>
-              </a:ext>
-            </a:extLst>
-          </p:cNvPr>
-          <p:cNvSpPr>
-            <a:spLocks noGrp="1"/>
+            <a:endParaRPr lang="en-US" dirty="0"/>
+          </a:p>
+        </p:txBody>
+      </p:sp>
+      <p:sp>
+        <p:nvSpPr>
+          <p:cNvPr id="3" name="Picture Placeholder 2"/>
+          <p:cNvSpPr>
+            <a:spLocks noGrp="1" noChangeAspect="1"/>
           </p:cNvSpPr>
           <p:nvPr>
             <p:ph type="pic" idx="1"/>
@@ -2525,64 +2220,62 @@
         </p:nvSpPr>
         <p:spPr>
           <a:xfrm>
-            <a:off x="5183192" y="987427"/>
-            <a:ext cx="6172201" cy="4873625"/>
+            <a:off x="4591306" y="987426"/>
+            <a:ext cx="5467380" cy="4873625"/>
           </a:xfrm>
         </p:spPr>
         <p:txBody>
-          <a:bodyPr/>
+          <a:bodyPr anchor="t"/>
           <a:lstStyle>
             <a:lvl1pPr marL="0" indent="0">
               <a:buNone/>
-              <a:defRPr sz="3200"/>
+              <a:defRPr sz="2835"/>
             </a:lvl1pPr>
-            <a:lvl2pPr marL="457193" indent="0">
-              <a:buNone/>
-              <a:defRPr sz="2800"/>
+            <a:lvl2pPr marL="404988" indent="0">
+              <a:buNone/>
+              <a:defRPr sz="2480"/>
             </a:lvl2pPr>
-            <a:lvl3pPr marL="914385" indent="0">
-              <a:buNone/>
-              <a:defRPr sz="2400"/>
+            <a:lvl3pPr marL="809976" indent="0">
+              <a:buNone/>
+              <a:defRPr sz="2126"/>
             </a:lvl3pPr>
-            <a:lvl4pPr marL="1371578" indent="0">
-              <a:buNone/>
-              <a:defRPr sz="2000"/>
+            <a:lvl4pPr marL="1214963" indent="0">
+              <a:buNone/>
+              <a:defRPr sz="1772"/>
             </a:lvl4pPr>
-            <a:lvl5pPr marL="1828770" indent="0">
-              <a:buNone/>
-              <a:defRPr sz="2000"/>
+            <a:lvl5pPr marL="1619951" indent="0">
+              <a:buNone/>
+              <a:defRPr sz="1772"/>
             </a:lvl5pPr>
-            <a:lvl6pPr marL="2285961" indent="0">
-              <a:buNone/>
-              <a:defRPr sz="2000"/>
+            <a:lvl6pPr marL="2024939" indent="0">
+              <a:buNone/>
+              <a:defRPr sz="1772"/>
             </a:lvl6pPr>
-            <a:lvl7pPr marL="2743153" indent="0">
-              <a:buNone/>
-              <a:defRPr sz="2000"/>
+            <a:lvl7pPr marL="2429927" indent="0">
+              <a:buNone/>
+              <a:defRPr sz="1772"/>
             </a:lvl7pPr>
-            <a:lvl8pPr marL="3200346" indent="0">
-              <a:buNone/>
-              <a:defRPr sz="2000"/>
+            <a:lvl8pPr marL="2834914" indent="0">
+              <a:buNone/>
+              <a:defRPr sz="1772"/>
             </a:lvl8pPr>
-            <a:lvl9pPr marL="3657539" indent="0">
-              <a:buNone/>
-              <a:defRPr sz="2000"/>
+            <a:lvl9pPr marL="3239902" indent="0">
+              <a:buNone/>
+              <a:defRPr sz="1772"/>
             </a:lvl9pPr>
           </a:lstStyle>
           <a:p>
-            <a:endParaRPr lang="en-US"/>
-          </a:p>
-        </p:txBody>
-      </p:sp>
-      <p:sp>
-        <p:nvSpPr>
-          <p:cNvPr id="4" name="Text Placeholder 3">
-            <a:extLst>
-              <a:ext uri="{FF2B5EF4-FFF2-40B4-BE49-F238E27FC236}">
-                <a16:creationId xmlns:a16="http://schemas.microsoft.com/office/drawing/2014/main" id="{A85BF99C-EEA7-4E6D-844E-B2B7BFBA89A8}"/>
-              </a:ext>
-            </a:extLst>
-          </p:cNvPr>
+            <a:r>
+              <a:rPr lang="en-US"/>
+              <a:t>Click icon to add picture</a:t>
+            </a:r>
+            <a:endParaRPr lang="en-US" dirty="0"/>
+          </a:p>
+        </p:txBody>
+      </p:sp>
+      <p:sp>
+        <p:nvSpPr>
+          <p:cNvPr id="4" name="Text Placeholder 3"/>
           <p:cNvSpPr>
             <a:spLocks noGrp="1"/>
           </p:cNvSpPr>
@@ -2592,8 +2285,8 @@
         </p:nvSpPr>
         <p:spPr>
           <a:xfrm>
-            <a:off x="839791" y="2057400"/>
-            <a:ext cx="3932236" cy="3811588"/>
+            <a:off x="743891" y="2057400"/>
+            <a:ext cx="3483204" cy="3811588"/>
           </a:xfrm>
         </p:spPr>
         <p:txBody>
@@ -2601,39 +2294,39 @@
           <a:lstStyle>
             <a:lvl1pPr marL="0" indent="0">
               <a:buNone/>
-              <a:defRPr sz="1600"/>
+              <a:defRPr sz="1417"/>
             </a:lvl1pPr>
-            <a:lvl2pPr marL="457193" indent="0">
-              <a:buNone/>
-              <a:defRPr sz="1401"/>
+            <a:lvl2pPr marL="404988" indent="0">
+              <a:buNone/>
+              <a:defRPr sz="1240"/>
             </a:lvl2pPr>
-            <a:lvl3pPr marL="914385" indent="0">
-              <a:buNone/>
-              <a:defRPr sz="1200"/>
+            <a:lvl3pPr marL="809976" indent="0">
+              <a:buNone/>
+              <a:defRPr sz="1063"/>
             </a:lvl3pPr>
-            <a:lvl4pPr marL="1371578" indent="0">
-              <a:buNone/>
-              <a:defRPr sz="1001"/>
+            <a:lvl4pPr marL="1214963" indent="0">
+              <a:buNone/>
+              <a:defRPr sz="886"/>
             </a:lvl4pPr>
-            <a:lvl5pPr marL="1828770" indent="0">
-              <a:buNone/>
-              <a:defRPr sz="1001"/>
+            <a:lvl5pPr marL="1619951" indent="0">
+              <a:buNone/>
+              <a:defRPr sz="886"/>
             </a:lvl5pPr>
-            <a:lvl6pPr marL="2285961" indent="0">
-              <a:buNone/>
-              <a:defRPr sz="1001"/>
+            <a:lvl6pPr marL="2024939" indent="0">
+              <a:buNone/>
+              <a:defRPr sz="886"/>
             </a:lvl6pPr>
-            <a:lvl7pPr marL="2743153" indent="0">
-              <a:buNone/>
-              <a:defRPr sz="1001"/>
+            <a:lvl7pPr marL="2429927" indent="0">
+              <a:buNone/>
+              <a:defRPr sz="886"/>
             </a:lvl7pPr>
-            <a:lvl8pPr marL="3200346" indent="0">
-              <a:buNone/>
-              <a:defRPr sz="1001"/>
+            <a:lvl8pPr marL="2834914" indent="0">
+              <a:buNone/>
+              <a:defRPr sz="886"/>
             </a:lvl8pPr>
-            <a:lvl9pPr marL="3657539" indent="0">
-              <a:buNone/>
-              <a:defRPr sz="1001"/>
+            <a:lvl9pPr marL="3239902" indent="0">
+              <a:buNone/>
+              <a:defRPr sz="886"/>
             </a:lvl9pPr>
           </a:lstStyle>
           <a:p>
@@ -2647,13 +2340,7 @@
       </p:sp>
       <p:sp>
         <p:nvSpPr>
-          <p:cNvPr id="5" name="Date Placeholder 4">
-            <a:extLst>
-              <a:ext uri="{FF2B5EF4-FFF2-40B4-BE49-F238E27FC236}">
-                <a16:creationId xmlns:a16="http://schemas.microsoft.com/office/drawing/2014/main" id="{E8FF496F-2D89-45ED-82AD-9CB48C0EEAE1}"/>
-              </a:ext>
-            </a:extLst>
-          </p:cNvPr>
+          <p:cNvPr id="5" name="Date Placeholder 4"/>
           <p:cNvSpPr>
             <a:spLocks noGrp="1"/>
           </p:cNvSpPr>
@@ -2668,7 +2355,7 @@
           <a:p>
             <a:fld id="{F5451EBA-6FA5-443C-BAD7-0685831661F0}" type="datetimeFigureOut">
               <a:rPr lang="en-US" smtClean="0"/>
-              <a:t>23-Nov-23</a:t>
+              <a:t>1/3/24</a:t>
             </a:fld>
             <a:endParaRPr lang="en-US"/>
           </a:p>
@@ -2676,13 +2363,7 @@
       </p:sp>
       <p:sp>
         <p:nvSpPr>
-          <p:cNvPr id="6" name="Footer Placeholder 5">
-            <a:extLst>
-              <a:ext uri="{FF2B5EF4-FFF2-40B4-BE49-F238E27FC236}">
-                <a16:creationId xmlns:a16="http://schemas.microsoft.com/office/drawing/2014/main" id="{35B2BE21-0393-46FA-AB3D-CE35F77D51B2}"/>
-              </a:ext>
-            </a:extLst>
-          </p:cNvPr>
+          <p:cNvPr id="6" name="Footer Placeholder 5"/>
           <p:cNvSpPr>
             <a:spLocks noGrp="1"/>
           </p:cNvSpPr>
@@ -2701,13 +2382,7 @@
       </p:sp>
       <p:sp>
         <p:nvSpPr>
-          <p:cNvPr id="7" name="Slide Number Placeholder 6">
-            <a:extLst>
-              <a:ext uri="{FF2B5EF4-FFF2-40B4-BE49-F238E27FC236}">
-                <a16:creationId xmlns:a16="http://schemas.microsoft.com/office/drawing/2014/main" id="{96AB3FEC-05F5-423E-BECD-4A3A3D2969D3}"/>
-              </a:ext>
-            </a:extLst>
-          </p:cNvPr>
+          <p:cNvPr id="7" name="Slide Number Placeholder 6"/>
           <p:cNvSpPr>
             <a:spLocks noGrp="1"/>
           </p:cNvSpPr>
@@ -2731,7 +2406,7 @@
     </p:spTree>
     <p:extLst>
       <p:ext uri="{BB962C8B-B14F-4D97-AF65-F5344CB8AC3E}">
-        <p14:creationId xmlns:p14="http://schemas.microsoft.com/office/powerpoint/2010/main" val="614323107"/>
+        <p14:creationId xmlns:p14="http://schemas.microsoft.com/office/powerpoint/2010/main" val="1744847162"/>
       </p:ext>
     </p:extLst>
   </p:cSld>
@@ -2765,13 +2440,7 @@
       </p:grpSpPr>
       <p:sp>
         <p:nvSpPr>
-          <p:cNvPr id="2" name="Title Placeholder 1">
-            <a:extLst>
-              <a:ext uri="{FF2B5EF4-FFF2-40B4-BE49-F238E27FC236}">
-                <a16:creationId xmlns:a16="http://schemas.microsoft.com/office/drawing/2014/main" id="{80817349-CD16-4660-A340-5DDDEC6DA213}"/>
-              </a:ext>
-            </a:extLst>
-          </p:cNvPr>
+          <p:cNvPr id="2" name="Title Placeholder 1"/>
           <p:cNvSpPr>
             <a:spLocks noGrp="1"/>
           </p:cNvSpPr>
@@ -2781,8 +2450,8 @@
         </p:nvSpPr>
         <p:spPr>
           <a:xfrm>
-            <a:off x="838205" y="365127"/>
-            <a:ext cx="10515600" cy="1325563"/>
+            <a:off x="742484" y="365126"/>
+            <a:ext cx="9314796" cy="1325563"/>
           </a:xfrm>
           <a:prstGeom prst="rect">
             <a:avLst/>
@@ -2798,18 +2467,13 @@
               <a:rPr lang="en-US"/>
               <a:t>Click to edit Master title style</a:t>
             </a:r>
-          </a:p>
-        </p:txBody>
-      </p:sp>
-      <p:sp>
-        <p:nvSpPr>
-          <p:cNvPr id="3" name="Text Placeholder 2">
-            <a:extLst>
-              <a:ext uri="{FF2B5EF4-FFF2-40B4-BE49-F238E27FC236}">
-                <a16:creationId xmlns:a16="http://schemas.microsoft.com/office/drawing/2014/main" id="{8FD55C2E-204E-4B4F-90DB-DD8D592BF5ED}"/>
-              </a:ext>
-            </a:extLst>
-          </p:cNvPr>
+            <a:endParaRPr lang="en-US" dirty="0"/>
+          </a:p>
+        </p:txBody>
+      </p:sp>
+      <p:sp>
+        <p:nvSpPr>
+          <p:cNvPr id="3" name="Text Placeholder 2"/>
           <p:cNvSpPr>
             <a:spLocks noGrp="1"/>
           </p:cNvSpPr>
@@ -2819,8 +2483,8 @@
         </p:nvSpPr>
         <p:spPr>
           <a:xfrm>
-            <a:off x="838205" y="1825625"/>
-            <a:ext cx="10515600" cy="4351338"/>
+            <a:off x="742484" y="1825625"/>
+            <a:ext cx="9314796" cy="4351338"/>
           </a:xfrm>
           <a:prstGeom prst="rect">
             <a:avLst/>
@@ -2865,18 +2529,13 @@
               <a:rPr lang="en-US"/>
               <a:t>Fifth level</a:t>
             </a:r>
-          </a:p>
-        </p:txBody>
-      </p:sp>
-      <p:sp>
-        <p:nvSpPr>
-          <p:cNvPr id="4" name="Date Placeholder 3">
-            <a:extLst>
-              <a:ext uri="{FF2B5EF4-FFF2-40B4-BE49-F238E27FC236}">
-                <a16:creationId xmlns:a16="http://schemas.microsoft.com/office/drawing/2014/main" id="{8F6630E4-010C-49ED-B0E8-9F65698ADDBF}"/>
-              </a:ext>
-            </a:extLst>
-          </p:cNvPr>
+            <a:endParaRPr lang="en-US" dirty="0"/>
+          </a:p>
+        </p:txBody>
+      </p:sp>
+      <p:sp>
+        <p:nvSpPr>
+          <p:cNvPr id="4" name="Date Placeholder 3"/>
           <p:cNvSpPr>
             <a:spLocks noGrp="1"/>
           </p:cNvSpPr>
@@ -2886,8 +2545,8 @@
         </p:nvSpPr>
         <p:spPr>
           <a:xfrm>
-            <a:off x="838201" y="6356353"/>
-            <a:ext cx="2743200" cy="365125"/>
+            <a:off x="742484" y="6356351"/>
+            <a:ext cx="2429947" cy="365125"/>
           </a:xfrm>
           <a:prstGeom prst="rect">
             <a:avLst/>
@@ -2897,7 +2556,7 @@
           <a:bodyPr vert="horz" lIns="91440" tIns="45720" rIns="91440" bIns="45720" rtlCol="0" anchor="ctr"/>
           <a:lstStyle>
             <a:lvl1pPr algn="l">
-              <a:defRPr sz="1200">
+              <a:defRPr sz="1063">
                 <a:solidFill>
                   <a:schemeClr val="tx1">
                     <a:tint val="75000"/>
@@ -2909,7 +2568,7 @@
           <a:p>
             <a:fld id="{F5451EBA-6FA5-443C-BAD7-0685831661F0}" type="datetimeFigureOut">
               <a:rPr lang="en-US" smtClean="0"/>
-              <a:t>23-Nov-23</a:t>
+              <a:t>1/3/24</a:t>
             </a:fld>
             <a:endParaRPr lang="en-US"/>
           </a:p>
@@ -2917,13 +2576,7 @@
       </p:sp>
       <p:sp>
         <p:nvSpPr>
-          <p:cNvPr id="5" name="Footer Placeholder 4">
-            <a:extLst>
-              <a:ext uri="{FF2B5EF4-FFF2-40B4-BE49-F238E27FC236}">
-                <a16:creationId xmlns:a16="http://schemas.microsoft.com/office/drawing/2014/main" id="{09BF84DE-30D5-4522-8A0C-9CAEF8DC0DF7}"/>
-              </a:ext>
-            </a:extLst>
-          </p:cNvPr>
+          <p:cNvPr id="5" name="Footer Placeholder 4"/>
           <p:cNvSpPr>
             <a:spLocks noGrp="1"/>
           </p:cNvSpPr>
@@ -2933,8 +2586,8 @@
         </p:nvSpPr>
         <p:spPr>
           <a:xfrm>
-            <a:off x="4038605" y="6356353"/>
-            <a:ext cx="4114800" cy="365125"/>
+            <a:off x="3577422" y="6356351"/>
+            <a:ext cx="3644920" cy="365125"/>
           </a:xfrm>
           <a:prstGeom prst="rect">
             <a:avLst/>
@@ -2944,7 +2597,7 @@
           <a:bodyPr vert="horz" lIns="91440" tIns="45720" rIns="91440" bIns="45720" rtlCol="0" anchor="ctr"/>
           <a:lstStyle>
             <a:lvl1pPr algn="ctr">
-              <a:defRPr sz="1200">
+              <a:defRPr sz="1063">
                 <a:solidFill>
                   <a:schemeClr val="tx1">
                     <a:tint val="75000"/>
@@ -2960,13 +2613,7 @@
       </p:sp>
       <p:sp>
         <p:nvSpPr>
-          <p:cNvPr id="6" name="Slide Number Placeholder 5">
-            <a:extLst>
-              <a:ext uri="{FF2B5EF4-FFF2-40B4-BE49-F238E27FC236}">
-                <a16:creationId xmlns:a16="http://schemas.microsoft.com/office/drawing/2014/main" id="{70F5AB08-6E55-4734-825C-57564BAD8A95}"/>
-              </a:ext>
-            </a:extLst>
-          </p:cNvPr>
+          <p:cNvPr id="6" name="Slide Number Placeholder 5"/>
           <p:cNvSpPr>
             <a:spLocks noGrp="1"/>
           </p:cNvSpPr>
@@ -2976,8 +2623,8 @@
         </p:nvSpPr>
         <p:spPr>
           <a:xfrm>
-            <a:off x="8610601" y="6356353"/>
-            <a:ext cx="2743200" cy="365125"/>
+            <a:off x="7627332" y="6356351"/>
+            <a:ext cx="2429947" cy="365125"/>
           </a:xfrm>
           <a:prstGeom prst="rect">
             <a:avLst/>
@@ -2987,7 +2634,7 @@
           <a:bodyPr vert="horz" lIns="91440" tIns="45720" rIns="91440" bIns="45720" rtlCol="0" anchor="ctr"/>
           <a:lstStyle>
             <a:lvl1pPr algn="r">
-              <a:defRPr sz="1200">
+              <a:defRPr sz="1063">
                 <a:solidFill>
                   <a:schemeClr val="tx1">
                     <a:tint val="75000"/>
@@ -3008,27 +2655,27 @@
     </p:spTree>
     <p:extLst>
       <p:ext uri="{BB962C8B-B14F-4D97-AF65-F5344CB8AC3E}">
-        <p14:creationId xmlns:p14="http://schemas.microsoft.com/office/powerpoint/2010/main" val="2060544154"/>
+        <p14:creationId xmlns:p14="http://schemas.microsoft.com/office/powerpoint/2010/main" val="395783637"/>
       </p:ext>
     </p:extLst>
   </p:cSld>
   <p:clrMap bg1="lt1" tx1="dk1" bg2="lt2" tx2="dk2" accent1="accent1" accent2="accent2" accent3="accent3" accent4="accent4" accent5="accent5" accent6="accent6" hlink="hlink" folHlink="folHlink"/>
   <p:sldLayoutIdLst>
-    <p:sldLayoutId id="2147483649" r:id="rId1"/>
-    <p:sldLayoutId id="2147483650" r:id="rId2"/>
-    <p:sldLayoutId id="2147483651" r:id="rId3"/>
-    <p:sldLayoutId id="2147483652" r:id="rId4"/>
-    <p:sldLayoutId id="2147483653" r:id="rId5"/>
-    <p:sldLayoutId id="2147483654" r:id="rId6"/>
-    <p:sldLayoutId id="2147483655" r:id="rId7"/>
-    <p:sldLayoutId id="2147483656" r:id="rId8"/>
-    <p:sldLayoutId id="2147483657" r:id="rId9"/>
-    <p:sldLayoutId id="2147483658" r:id="rId10"/>
-    <p:sldLayoutId id="2147483659" r:id="rId11"/>
+    <p:sldLayoutId id="2147483661" r:id="rId1"/>
+    <p:sldLayoutId id="2147483662" r:id="rId2"/>
+    <p:sldLayoutId id="2147483663" r:id="rId3"/>
+    <p:sldLayoutId id="2147483664" r:id="rId4"/>
+    <p:sldLayoutId id="2147483665" r:id="rId5"/>
+    <p:sldLayoutId id="2147483666" r:id="rId6"/>
+    <p:sldLayoutId id="2147483667" r:id="rId7"/>
+    <p:sldLayoutId id="2147483668" r:id="rId8"/>
+    <p:sldLayoutId id="2147483669" r:id="rId9"/>
+    <p:sldLayoutId id="2147483670" r:id="rId10"/>
+    <p:sldLayoutId id="2147483671" r:id="rId11"/>
   </p:sldLayoutIdLst>
   <p:txStyles>
     <p:titleStyle>
-      <a:lvl1pPr algn="l" defTabSz="914385" rtl="0" eaLnBrk="1" latinLnBrk="0" hangingPunct="1">
+      <a:lvl1pPr algn="l" defTabSz="809976" rtl="0" eaLnBrk="1" latinLnBrk="0" hangingPunct="1">
         <a:lnSpc>
           <a:spcPct val="90000"/>
         </a:lnSpc>
@@ -3036,7 +2683,7 @@
           <a:spcPct val="0"/>
         </a:spcBef>
         <a:buNone/>
-        <a:defRPr sz="4400" kern="1200">
+        <a:defRPr sz="3898" kern="1200">
           <a:solidFill>
             <a:schemeClr val="tx1"/>
           </a:solidFill>
@@ -3047,16 +2694,16 @@
       </a:lvl1pPr>
     </p:titleStyle>
     <p:bodyStyle>
-      <a:lvl1pPr marL="228598" indent="-228598" algn="l" defTabSz="914385" rtl="0" eaLnBrk="1" latinLnBrk="0" hangingPunct="1">
+      <a:lvl1pPr marL="202494" indent="-202494" algn="l" defTabSz="809976" rtl="0" eaLnBrk="1" latinLnBrk="0" hangingPunct="1">
         <a:lnSpc>
           <a:spcPct val="90000"/>
         </a:lnSpc>
         <a:spcBef>
-          <a:spcPts val="1001"/>
+          <a:spcPts val="886"/>
         </a:spcBef>
         <a:buFont typeface="Arial" panose="020B0604020202020204" pitchFamily="34" charset="0"/>
         <a:buChar char="•"/>
-        <a:defRPr sz="2800" kern="1200">
+        <a:defRPr sz="2480" kern="1200">
           <a:solidFill>
             <a:schemeClr val="tx1"/>
           </a:solidFill>
@@ -3065,16 +2712,16 @@
           <a:cs typeface="+mn-cs"/>
         </a:defRPr>
       </a:lvl1pPr>
-      <a:lvl2pPr marL="685790" indent="-228598" algn="l" defTabSz="914385" rtl="0" eaLnBrk="1" latinLnBrk="0" hangingPunct="1">
+      <a:lvl2pPr marL="607482" indent="-202494" algn="l" defTabSz="809976" rtl="0" eaLnBrk="1" latinLnBrk="0" hangingPunct="1">
         <a:lnSpc>
           <a:spcPct val="90000"/>
         </a:lnSpc>
         <a:spcBef>
-          <a:spcPts val="500"/>
+          <a:spcPts val="443"/>
         </a:spcBef>
         <a:buFont typeface="Arial" panose="020B0604020202020204" pitchFamily="34" charset="0"/>
         <a:buChar char="•"/>
-        <a:defRPr sz="2400" kern="1200">
+        <a:defRPr sz="2126" kern="1200">
           <a:solidFill>
             <a:schemeClr val="tx1"/>
           </a:solidFill>
@@ -3083,16 +2730,16 @@
           <a:cs typeface="+mn-cs"/>
         </a:defRPr>
       </a:lvl2pPr>
-      <a:lvl3pPr marL="1142981" indent="-228598" algn="l" defTabSz="914385" rtl="0" eaLnBrk="1" latinLnBrk="0" hangingPunct="1">
+      <a:lvl3pPr marL="1012469" indent="-202494" algn="l" defTabSz="809976" rtl="0" eaLnBrk="1" latinLnBrk="0" hangingPunct="1">
         <a:lnSpc>
           <a:spcPct val="90000"/>
         </a:lnSpc>
         <a:spcBef>
-          <a:spcPts val="500"/>
+          <a:spcPts val="443"/>
         </a:spcBef>
         <a:buFont typeface="Arial" panose="020B0604020202020204" pitchFamily="34" charset="0"/>
         <a:buChar char="•"/>
-        <a:defRPr sz="2000" kern="1200">
+        <a:defRPr sz="1772" kern="1200">
           <a:solidFill>
             <a:schemeClr val="tx1"/>
           </a:solidFill>
@@ -3101,16 +2748,16 @@
           <a:cs typeface="+mn-cs"/>
         </a:defRPr>
       </a:lvl3pPr>
-      <a:lvl4pPr marL="1600175" indent="-228598" algn="l" defTabSz="914385" rtl="0" eaLnBrk="1" latinLnBrk="0" hangingPunct="1">
+      <a:lvl4pPr marL="1417457" indent="-202494" algn="l" defTabSz="809976" rtl="0" eaLnBrk="1" latinLnBrk="0" hangingPunct="1">
         <a:lnSpc>
           <a:spcPct val="90000"/>
         </a:lnSpc>
         <a:spcBef>
-          <a:spcPts val="500"/>
+          <a:spcPts val="443"/>
         </a:spcBef>
         <a:buFont typeface="Arial" panose="020B0604020202020204" pitchFamily="34" charset="0"/>
         <a:buChar char="•"/>
-        <a:defRPr sz="1801" kern="1200">
+        <a:defRPr sz="1594" kern="1200">
           <a:solidFill>
             <a:schemeClr val="tx1"/>
           </a:solidFill>
@@ -3119,16 +2766,16 @@
           <a:cs typeface="+mn-cs"/>
         </a:defRPr>
       </a:lvl4pPr>
-      <a:lvl5pPr marL="2057366" indent="-228598" algn="l" defTabSz="914385" rtl="0" eaLnBrk="1" latinLnBrk="0" hangingPunct="1">
+      <a:lvl5pPr marL="1822445" indent="-202494" algn="l" defTabSz="809976" rtl="0" eaLnBrk="1" latinLnBrk="0" hangingPunct="1">
         <a:lnSpc>
           <a:spcPct val="90000"/>
         </a:lnSpc>
         <a:spcBef>
-          <a:spcPts val="500"/>
+          <a:spcPts val="443"/>
         </a:spcBef>
         <a:buFont typeface="Arial" panose="020B0604020202020204" pitchFamily="34" charset="0"/>
         <a:buChar char="•"/>
-        <a:defRPr sz="1801" kern="1200">
+        <a:defRPr sz="1594" kern="1200">
           <a:solidFill>
             <a:schemeClr val="tx1"/>
           </a:solidFill>
@@ -3137,16 +2784,16 @@
           <a:cs typeface="+mn-cs"/>
         </a:defRPr>
       </a:lvl5pPr>
-      <a:lvl6pPr marL="2514558" indent="-228598" algn="l" defTabSz="914385" rtl="0" eaLnBrk="1" latinLnBrk="0" hangingPunct="1">
+      <a:lvl6pPr marL="2227433" indent="-202494" algn="l" defTabSz="809976" rtl="0" eaLnBrk="1" latinLnBrk="0" hangingPunct="1">
         <a:lnSpc>
           <a:spcPct val="90000"/>
         </a:lnSpc>
         <a:spcBef>
-          <a:spcPts val="500"/>
+          <a:spcPts val="443"/>
         </a:spcBef>
         <a:buFont typeface="Arial" panose="020B0604020202020204" pitchFamily="34" charset="0"/>
         <a:buChar char="•"/>
-        <a:defRPr sz="1801" kern="1200">
+        <a:defRPr sz="1594" kern="1200">
           <a:solidFill>
             <a:schemeClr val="tx1"/>
           </a:solidFill>
@@ -3155,16 +2802,16 @@
           <a:cs typeface="+mn-cs"/>
         </a:defRPr>
       </a:lvl6pPr>
-      <a:lvl7pPr marL="2971751" indent="-228598" algn="l" defTabSz="914385" rtl="0" eaLnBrk="1" latinLnBrk="0" hangingPunct="1">
+      <a:lvl7pPr marL="2632420" indent="-202494" algn="l" defTabSz="809976" rtl="0" eaLnBrk="1" latinLnBrk="0" hangingPunct="1">
         <a:lnSpc>
           <a:spcPct val="90000"/>
         </a:lnSpc>
         <a:spcBef>
-          <a:spcPts val="500"/>
+          <a:spcPts val="443"/>
         </a:spcBef>
         <a:buFont typeface="Arial" panose="020B0604020202020204" pitchFamily="34" charset="0"/>
         <a:buChar char="•"/>
-        <a:defRPr sz="1801" kern="1200">
+        <a:defRPr sz="1594" kern="1200">
           <a:solidFill>
             <a:schemeClr val="tx1"/>
           </a:solidFill>
@@ -3173,16 +2820,16 @@
           <a:cs typeface="+mn-cs"/>
         </a:defRPr>
       </a:lvl7pPr>
-      <a:lvl8pPr marL="3428942" indent="-228598" algn="l" defTabSz="914385" rtl="0" eaLnBrk="1" latinLnBrk="0" hangingPunct="1">
+      <a:lvl8pPr marL="3037408" indent="-202494" algn="l" defTabSz="809976" rtl="0" eaLnBrk="1" latinLnBrk="0" hangingPunct="1">
         <a:lnSpc>
           <a:spcPct val="90000"/>
         </a:lnSpc>
         <a:spcBef>
-          <a:spcPts val="500"/>
+          <a:spcPts val="443"/>
         </a:spcBef>
         <a:buFont typeface="Arial" panose="020B0604020202020204" pitchFamily="34" charset="0"/>
         <a:buChar char="•"/>
-        <a:defRPr sz="1801" kern="1200">
+        <a:defRPr sz="1594" kern="1200">
           <a:solidFill>
             <a:schemeClr val="tx1"/>
           </a:solidFill>
@@ -3191,16 +2838,16 @@
           <a:cs typeface="+mn-cs"/>
         </a:defRPr>
       </a:lvl8pPr>
-      <a:lvl9pPr marL="3886134" indent="-228598" algn="l" defTabSz="914385" rtl="0" eaLnBrk="1" latinLnBrk="0" hangingPunct="1">
+      <a:lvl9pPr marL="3442396" indent="-202494" algn="l" defTabSz="809976" rtl="0" eaLnBrk="1" latinLnBrk="0" hangingPunct="1">
         <a:lnSpc>
           <a:spcPct val="90000"/>
         </a:lnSpc>
         <a:spcBef>
-          <a:spcPts val="500"/>
+          <a:spcPts val="443"/>
         </a:spcBef>
         <a:buFont typeface="Arial" panose="020B0604020202020204" pitchFamily="34" charset="0"/>
         <a:buChar char="•"/>
-        <a:defRPr sz="1801" kern="1200">
+        <a:defRPr sz="1594" kern="1200">
           <a:solidFill>
             <a:schemeClr val="tx1"/>
           </a:solidFill>
@@ -3214,8 +2861,8 @@
       <a:defPPr>
         <a:defRPr lang="en-US"/>
       </a:defPPr>
-      <a:lvl1pPr marL="0" algn="l" defTabSz="914385" rtl="0" eaLnBrk="1" latinLnBrk="0" hangingPunct="1">
-        <a:defRPr sz="1801" kern="1200">
+      <a:lvl1pPr marL="0" algn="l" defTabSz="809976" rtl="0" eaLnBrk="1" latinLnBrk="0" hangingPunct="1">
+        <a:defRPr sz="1594" kern="1200">
           <a:solidFill>
             <a:schemeClr val="tx1"/>
           </a:solidFill>
@@ -3224,8 +2871,8 @@
           <a:cs typeface="+mn-cs"/>
         </a:defRPr>
       </a:lvl1pPr>
-      <a:lvl2pPr marL="457193" algn="l" defTabSz="914385" rtl="0" eaLnBrk="1" latinLnBrk="0" hangingPunct="1">
-        <a:defRPr sz="1801" kern="1200">
+      <a:lvl2pPr marL="404988" algn="l" defTabSz="809976" rtl="0" eaLnBrk="1" latinLnBrk="0" hangingPunct="1">
+        <a:defRPr sz="1594" kern="1200">
           <a:solidFill>
             <a:schemeClr val="tx1"/>
           </a:solidFill>
@@ -3234,8 +2881,8 @@
           <a:cs typeface="+mn-cs"/>
         </a:defRPr>
       </a:lvl2pPr>
-      <a:lvl3pPr marL="914385" algn="l" defTabSz="914385" rtl="0" eaLnBrk="1" latinLnBrk="0" hangingPunct="1">
-        <a:defRPr sz="1801" kern="1200">
+      <a:lvl3pPr marL="809976" algn="l" defTabSz="809976" rtl="0" eaLnBrk="1" latinLnBrk="0" hangingPunct="1">
+        <a:defRPr sz="1594" kern="1200">
           <a:solidFill>
             <a:schemeClr val="tx1"/>
           </a:solidFill>
@@ -3244,8 +2891,8 @@
           <a:cs typeface="+mn-cs"/>
         </a:defRPr>
       </a:lvl3pPr>
-      <a:lvl4pPr marL="1371578" algn="l" defTabSz="914385" rtl="0" eaLnBrk="1" latinLnBrk="0" hangingPunct="1">
-        <a:defRPr sz="1801" kern="1200">
+      <a:lvl4pPr marL="1214963" algn="l" defTabSz="809976" rtl="0" eaLnBrk="1" latinLnBrk="0" hangingPunct="1">
+        <a:defRPr sz="1594" kern="1200">
           <a:solidFill>
             <a:schemeClr val="tx1"/>
           </a:solidFill>
@@ -3254,8 +2901,8 @@
           <a:cs typeface="+mn-cs"/>
         </a:defRPr>
       </a:lvl4pPr>
-      <a:lvl5pPr marL="1828770" algn="l" defTabSz="914385" rtl="0" eaLnBrk="1" latinLnBrk="0" hangingPunct="1">
-        <a:defRPr sz="1801" kern="1200">
+      <a:lvl5pPr marL="1619951" algn="l" defTabSz="809976" rtl="0" eaLnBrk="1" latinLnBrk="0" hangingPunct="1">
+        <a:defRPr sz="1594" kern="1200">
           <a:solidFill>
             <a:schemeClr val="tx1"/>
           </a:solidFill>
@@ -3264,8 +2911,8 @@
           <a:cs typeface="+mn-cs"/>
         </a:defRPr>
       </a:lvl5pPr>
-      <a:lvl6pPr marL="2285961" algn="l" defTabSz="914385" rtl="0" eaLnBrk="1" latinLnBrk="0" hangingPunct="1">
-        <a:defRPr sz="1801" kern="1200">
+      <a:lvl6pPr marL="2024939" algn="l" defTabSz="809976" rtl="0" eaLnBrk="1" latinLnBrk="0" hangingPunct="1">
+        <a:defRPr sz="1594" kern="1200">
           <a:solidFill>
             <a:schemeClr val="tx1"/>
           </a:solidFill>
@@ -3274,8 +2921,8 @@
           <a:cs typeface="+mn-cs"/>
         </a:defRPr>
       </a:lvl6pPr>
-      <a:lvl7pPr marL="2743153" algn="l" defTabSz="914385" rtl="0" eaLnBrk="1" latinLnBrk="0" hangingPunct="1">
-        <a:defRPr sz="1801" kern="1200">
+      <a:lvl7pPr marL="2429927" algn="l" defTabSz="809976" rtl="0" eaLnBrk="1" latinLnBrk="0" hangingPunct="1">
+        <a:defRPr sz="1594" kern="1200">
           <a:solidFill>
             <a:schemeClr val="tx1"/>
           </a:solidFill>
@@ -3284,8 +2931,8 @@
           <a:cs typeface="+mn-cs"/>
         </a:defRPr>
       </a:lvl7pPr>
-      <a:lvl8pPr marL="3200346" algn="l" defTabSz="914385" rtl="0" eaLnBrk="1" latinLnBrk="0" hangingPunct="1">
-        <a:defRPr sz="1801" kern="1200">
+      <a:lvl8pPr marL="2834914" algn="l" defTabSz="809976" rtl="0" eaLnBrk="1" latinLnBrk="0" hangingPunct="1">
+        <a:defRPr sz="1594" kern="1200">
           <a:solidFill>
             <a:schemeClr val="tx1"/>
           </a:solidFill>
@@ -3294,8 +2941,8 @@
           <a:cs typeface="+mn-cs"/>
         </a:defRPr>
       </a:lvl8pPr>
-      <a:lvl9pPr marL="3657539" algn="l" defTabSz="914385" rtl="0" eaLnBrk="1" latinLnBrk="0" hangingPunct="1">
-        <a:defRPr sz="1801" kern="1200">
+      <a:lvl9pPr marL="3239902" algn="l" defTabSz="809976" rtl="0" eaLnBrk="1" latinLnBrk="0" hangingPunct="1">
+        <a:defRPr sz="1594" kern="1200">
           <a:solidFill>
             <a:schemeClr val="tx1"/>
           </a:solidFill>
@@ -3326,1292 +2973,1313 @@
           <a:chExt cx="0" cy="0"/>
         </a:xfrm>
       </p:grpSpPr>
-      <p:cxnSp>
-        <p:nvCxnSpPr>
-          <p:cNvPr id="5" name="Straight Arrow Connector 4">
+      <p:grpSp>
+        <p:nvGrpSpPr>
+          <p:cNvPr id="2" name="Group 1">
             <a:extLst>
               <a:ext uri="{FF2B5EF4-FFF2-40B4-BE49-F238E27FC236}">
-                <a16:creationId xmlns:a16="http://schemas.microsoft.com/office/drawing/2014/main" id="{62FB625F-1FC2-4516-AF4C-A2B8EC205F0B}"/>
+                <a16:creationId xmlns:a16="http://schemas.microsoft.com/office/drawing/2014/main" id="{A69F3C04-52E7-FC4C-B43E-EC5FF5A142D8}"/>
               </a:ext>
             </a:extLst>
           </p:cNvPr>
-          <p:cNvCxnSpPr>
-            <a:cxnSpLocks noChangeShapeType="1"/>
-            <a:stCxn id="18" idx="2"/>
-            <a:endCxn id="6" idx="0"/>
-          </p:cNvCxnSpPr>
+          <p:cNvGrpSpPr/>
           <p:nvPr/>
-        </p:nvCxnSpPr>
-        <p:spPr bwMode="auto">
+        </p:nvGrpSpPr>
+        <p:grpSpPr>
           <a:xfrm>
-            <a:off x="5104186" y="964699"/>
-            <a:ext cx="0" cy="644669"/>
+            <a:off x="386370" y="437191"/>
+            <a:ext cx="10027021" cy="5983617"/>
+            <a:chOff x="1416295" y="749177"/>
+            <a:chExt cx="8968535" cy="5351966"/>
           </a:xfrm>
-          <a:prstGeom prst="straightConnector1">
-            <a:avLst/>
-          </a:prstGeom>
-          <a:noFill/>
-          <a:ln w="19050">
-            <a:solidFill>
-              <a:schemeClr val="tx1"/>
-            </a:solidFill>
-            <a:round/>
-            <a:headEnd/>
-            <a:tailEnd type="triangle" w="med" len="med"/>
-          </a:ln>
-          <a:effectLst/>
-          <a:extLst>
-            <a:ext uri="{909E8E84-426E-40DD-AFC4-6F175D3DCCD1}">
-              <a14:hiddenFill xmlns:a14="http://schemas.microsoft.com/office/drawing/2010/main">
-                <a:noFill/>
-              </a14:hiddenFill>
-            </a:ext>
-            <a:ext uri="{AF507438-7753-43E0-B8FC-AC1667EBCBE1}">
-              <a14:hiddenEffects xmlns:a14="http://schemas.microsoft.com/office/drawing/2010/main">
-                <a:effectLst>
-                  <a:outerShdw dist="35921" dir="2700000" algn="ctr" rotWithShape="0">
-                    <a:srgbClr val="CCCCCC"/>
-                  </a:outerShdw>
-                </a:effectLst>
-              </a14:hiddenEffects>
-            </a:ext>
-          </a:extLst>
-        </p:spPr>
-      </p:cxnSp>
-      <p:sp>
-        <p:nvSpPr>
-          <p:cNvPr id="6" name="Rectangle 5">
+        </p:grpSpPr>
+        <p:cxnSp>
+          <p:nvCxnSpPr>
+            <p:cNvPr id="5" name="Straight Arrow Connector 4">
+              <a:extLst>
+                <a:ext uri="{FF2B5EF4-FFF2-40B4-BE49-F238E27FC236}">
+                  <a16:creationId xmlns:a16="http://schemas.microsoft.com/office/drawing/2014/main" id="{62FB625F-1FC2-4516-AF4C-A2B8EC205F0B}"/>
+                </a:ext>
+              </a:extLst>
+            </p:cNvPr>
+            <p:cNvCxnSpPr>
+              <a:cxnSpLocks noChangeShapeType="1"/>
+              <a:stCxn id="18" idx="2"/>
+              <a:endCxn id="6" idx="0"/>
+            </p:cNvCxnSpPr>
+            <p:nvPr/>
+          </p:nvCxnSpPr>
+          <p:spPr bwMode="auto">
+            <a:xfrm>
+              <a:off x="4521326" y="1246106"/>
+              <a:ext cx="0" cy="571053"/>
+            </a:xfrm>
+            <a:prstGeom prst="straightConnector1">
+              <a:avLst/>
+            </a:prstGeom>
+            <a:noFill/>
+            <a:ln w="19050">
+              <a:solidFill>
+                <a:schemeClr val="tx1"/>
+              </a:solidFill>
+              <a:round/>
+              <a:headEnd/>
+              <a:tailEnd type="triangle" w="med" len="med"/>
+            </a:ln>
+            <a:effectLst/>
             <a:extLst>
-              <a:ext uri="{FF2B5EF4-FFF2-40B4-BE49-F238E27FC236}">
-                <a16:creationId xmlns:a16="http://schemas.microsoft.com/office/drawing/2014/main" id="{D3EC52B1-02A9-475D-A911-E32E557A0CF5}"/>
+              <a:ext uri="{909E8E84-426E-40DD-AFC4-6F175D3DCCD1}">
+                <a14:hiddenFill xmlns:a14="http://schemas.microsoft.com/office/drawing/2010/main">
+                  <a:noFill/>
+                </a14:hiddenFill>
+              </a:ext>
+              <a:ext uri="{AF507438-7753-43E0-B8FC-AC1667EBCBE1}">
+                <a14:hiddenEffects xmlns:a14="http://schemas.microsoft.com/office/drawing/2010/main">
+                  <a:effectLst>
+                    <a:outerShdw dist="35921" dir="2700000" algn="ctr" rotWithShape="0">
+                      <a:srgbClr val="CCCCCC"/>
+                    </a:outerShdw>
+                  </a:effectLst>
+                </a14:hiddenEffects>
               </a:ext>
             </a:extLst>
-          </p:cNvPr>
-          <p:cNvSpPr>
-            <a:spLocks noChangeArrowheads="1"/>
-          </p:cNvSpPr>
-          <p:nvPr/>
-        </p:nvSpPr>
-        <p:spPr bwMode="auto">
-          <a:xfrm>
-            <a:off x="3590223" y="1609368"/>
-            <a:ext cx="3027926" cy="560983"/>
-          </a:xfrm>
-          <a:prstGeom prst="rect">
-            <a:avLst/>
-          </a:prstGeom>
-          <a:solidFill>
-            <a:srgbClr val="FFFFFF"/>
-          </a:solidFill>
-          <a:ln w="9525">
+          </p:spPr>
+        </p:cxnSp>
+        <p:sp>
+          <p:nvSpPr>
+            <p:cNvPr id="6" name="Rectangle 5">
+              <a:extLst>
+                <a:ext uri="{FF2B5EF4-FFF2-40B4-BE49-F238E27FC236}">
+                  <a16:creationId xmlns:a16="http://schemas.microsoft.com/office/drawing/2014/main" id="{D3EC52B1-02A9-475D-A911-E32E557A0CF5}"/>
+                </a:ext>
+              </a:extLst>
+            </p:cNvPr>
+            <p:cNvSpPr>
+              <a:spLocks noChangeArrowheads="1"/>
+            </p:cNvSpPr>
+            <p:nvPr/>
+          </p:nvSpPr>
+          <p:spPr bwMode="auto">
+            <a:xfrm>
+              <a:off x="3180247" y="1817159"/>
+              <a:ext cx="2682159" cy="496923"/>
+            </a:xfrm>
+            <a:prstGeom prst="rect">
+              <a:avLst/>
+            </a:prstGeom>
             <a:solidFill>
-              <a:srgbClr val="000000"/>
+              <a:srgbClr val="FFFFFF"/>
             </a:solidFill>
-            <a:miter lim="800000"/>
-            <a:headEnd/>
-            <a:tailEnd/>
-          </a:ln>
-        </p:spPr>
-        <p:txBody>
-          <a:bodyPr rot="0" vert="horz" wrap="square" lIns="91440" tIns="91440" rIns="91440" bIns="91440" anchor="t" anchorCtr="0" upright="1">
-            <a:noAutofit/>
-          </a:bodyPr>
-          <a:lstStyle/>
-          <a:p>
-            <a:pPr algn="ctr"/>
-            <a:r>
-              <a:rPr lang="en-CA" sz="1400" b="1" dirty="0">
-                <a:latin typeface="Arial"/>
-                <a:ea typeface="Calibri" panose="020F0502020204030204" pitchFamily="34" charset="0"/>
-                <a:cs typeface="Arial"/>
-              </a:rPr>
-              <a:t>Randomised </a:t>
-            </a:r>
-          </a:p>
-          <a:p>
-            <a:pPr algn="ctr"/>
-            <a:r>
-              <a:rPr lang="en-CA" sz="1400" b="1" dirty="0">
-                <a:latin typeface="Arial"/>
-                <a:ea typeface="Calibri" panose="020F0502020204030204" pitchFamily="34" charset="0"/>
-                <a:cs typeface="Arial"/>
-              </a:rPr>
-              <a:t>(n = 1264)</a:t>
-            </a:r>
-            <a:endParaRPr lang="en-US" sz="1400" b="1" dirty="0">
-              <a:latin typeface="Arial" panose="020B0604020202020204" pitchFamily="34" charset="0"/>
-              <a:ea typeface="Calibri" panose="020F0502020204030204" pitchFamily="34" charset="0"/>
-              <a:cs typeface="Arial" panose="020B0604020202020204" pitchFamily="34" charset="0"/>
-            </a:endParaRPr>
-          </a:p>
-        </p:txBody>
-      </p:sp>
-      <p:cxnSp>
-        <p:nvCxnSpPr>
-          <p:cNvPr id="7" name="Straight Arrow Connector 6">
-            <a:extLst>
-              <a:ext uri="{FF2B5EF4-FFF2-40B4-BE49-F238E27FC236}">
-                <a16:creationId xmlns:a16="http://schemas.microsoft.com/office/drawing/2014/main" id="{AE0D6360-E046-4818-82AA-02EB0491A010}"/>
-              </a:ext>
-            </a:extLst>
-          </p:cNvPr>
-          <p:cNvCxnSpPr>
-            <a:cxnSpLocks noChangeShapeType="1"/>
-            <a:stCxn id="6" idx="2"/>
-            <a:endCxn id="38" idx="0"/>
-          </p:cNvCxnSpPr>
-          <p:nvPr/>
-        </p:nvCxnSpPr>
-        <p:spPr bwMode="auto">
-          <a:xfrm>
-            <a:off x="5104186" y="2170351"/>
-            <a:ext cx="0" cy="798006"/>
-          </a:xfrm>
-          <a:prstGeom prst="straightConnector1">
-            <a:avLst/>
-          </a:prstGeom>
-          <a:noFill/>
-          <a:ln w="19050">
-            <a:solidFill>
-              <a:srgbClr val="000000"/>
-            </a:solidFill>
-            <a:round/>
-            <a:headEnd/>
-            <a:tailEnd type="triangle" w="med" len="med"/>
-          </a:ln>
-          <a:effectLst/>
-          <a:extLst>
-            <a:ext uri="{909E8E84-426E-40DD-AFC4-6F175D3DCCD1}">
-              <a14:hiddenFill xmlns:a14="http://schemas.microsoft.com/office/drawing/2010/main">
-                <a:noFill/>
-              </a14:hiddenFill>
-            </a:ext>
-            <a:ext uri="{AF507438-7753-43E0-B8FC-AC1667EBCBE1}">
-              <a14:hiddenEffects xmlns:a14="http://schemas.microsoft.com/office/drawing/2010/main">
-                <a:effectLst>
-                  <a:outerShdw dist="35921" dir="2700000" algn="ctr" rotWithShape="0">
-                    <a:srgbClr val="CCCCCC"/>
-                  </a:outerShdw>
-                </a:effectLst>
-              </a14:hiddenEffects>
-            </a:ext>
-          </a:extLst>
-        </p:spPr>
-      </p:cxnSp>
-      <p:cxnSp>
-        <p:nvCxnSpPr>
-          <p:cNvPr id="10" name="Straight Arrow Connector 9">
-            <a:extLst>
-              <a:ext uri="{FF2B5EF4-FFF2-40B4-BE49-F238E27FC236}">
-                <a16:creationId xmlns:a16="http://schemas.microsoft.com/office/drawing/2014/main" id="{DC0BDBD3-EB91-46AC-B1CB-64E91850F355}"/>
-              </a:ext>
-            </a:extLst>
-          </p:cNvPr>
-          <p:cNvCxnSpPr>
-            <a:cxnSpLocks noChangeShapeType="1"/>
-          </p:cNvCxnSpPr>
-          <p:nvPr/>
-        </p:nvCxnSpPr>
-        <p:spPr bwMode="auto">
-          <a:xfrm>
-            <a:off x="5104185" y="2613109"/>
-            <a:ext cx="2612271" cy="0"/>
-          </a:xfrm>
-          <a:prstGeom prst="straightConnector1">
-            <a:avLst/>
-          </a:prstGeom>
-          <a:noFill/>
-          <a:ln w="19050">
-            <a:solidFill>
-              <a:schemeClr val="tx1"/>
-            </a:solidFill>
-            <a:round/>
-            <a:headEnd/>
-            <a:tailEnd type="triangle" w="med" len="med"/>
-          </a:ln>
-          <a:effectLst/>
-          <a:extLst>
-            <a:ext uri="{909E8E84-426E-40DD-AFC4-6F175D3DCCD1}">
-              <a14:hiddenFill xmlns:a14="http://schemas.microsoft.com/office/drawing/2010/main">
-                <a:noFill/>
-              </a14:hiddenFill>
-            </a:ext>
-            <a:ext uri="{AF507438-7753-43E0-B8FC-AC1667EBCBE1}">
-              <a14:hiddenEffects xmlns:a14="http://schemas.microsoft.com/office/drawing/2010/main">
-                <a:effectLst>
-                  <a:outerShdw dist="35921" dir="2700000" algn="ctr" rotWithShape="0">
-                    <a:srgbClr val="CCCCCC"/>
-                  </a:outerShdw>
-                </a:effectLst>
-              </a14:hiddenEffects>
-            </a:ext>
-          </a:extLst>
-        </p:spPr>
-      </p:cxnSp>
-      <p:sp>
-        <p:nvSpPr>
-          <p:cNvPr id="13" name="Rectangle 12">
-            <a:extLst>
-              <a:ext uri="{FF2B5EF4-FFF2-40B4-BE49-F238E27FC236}">
-                <a16:creationId xmlns:a16="http://schemas.microsoft.com/office/drawing/2014/main" id="{EFC7CEA5-B6F1-4201-AE13-1F385161AC14}"/>
-              </a:ext>
-            </a:extLst>
-          </p:cNvPr>
-          <p:cNvSpPr>
-            <a:spLocks noChangeArrowheads="1"/>
-          </p:cNvSpPr>
-          <p:nvPr/>
-        </p:nvSpPr>
-        <p:spPr bwMode="auto">
-          <a:xfrm>
-            <a:off x="7716456" y="2221535"/>
-            <a:ext cx="4007120" cy="1337727"/>
-          </a:xfrm>
-          <a:prstGeom prst="rect">
-            <a:avLst/>
-          </a:prstGeom>
-          <a:solidFill>
-            <a:srgbClr val="FFFFFF"/>
-          </a:solidFill>
-          <a:ln w="9525">
-            <a:solidFill>
-              <a:srgbClr val="000000"/>
-            </a:solidFill>
-            <a:miter lim="800000"/>
-            <a:headEnd/>
-            <a:tailEnd/>
-          </a:ln>
-        </p:spPr>
-        <p:txBody>
-          <a:bodyPr rot="0" vert="horz" wrap="square" lIns="91440" tIns="91440" rIns="91440" bIns="91440" anchor="t" anchorCtr="0" upright="1">
-            <a:noAutofit/>
-          </a:bodyPr>
-          <a:lstStyle/>
-          <a:p>
-            <a:r>
-              <a:rPr lang="en-CA" sz="1400" b="1" dirty="0">
+            <a:ln w="9525">
+              <a:solidFill>
+                <a:srgbClr val="000000"/>
+              </a:solidFill>
+              <a:miter lim="800000"/>
+              <a:headEnd/>
+              <a:tailEnd/>
+            </a:ln>
+          </p:spPr>
+          <p:txBody>
+            <a:bodyPr rot="0" vert="horz" wrap="square" lIns="80998" tIns="80998" rIns="80998" bIns="80998" anchor="t" anchorCtr="0" upright="1">
+              <a:noAutofit/>
+            </a:bodyPr>
+            <a:lstStyle/>
+            <a:p>
+              <a:pPr algn="ctr"/>
+              <a:r>
+                <a:rPr lang="en-CA" sz="1400" b="1" dirty="0">
+                  <a:latin typeface="Arial"/>
+                  <a:ea typeface="Calibri" panose="020F0502020204030204" pitchFamily="34" charset="0"/>
+                  <a:cs typeface="Arial"/>
+                </a:rPr>
+                <a:t>Randomised </a:t>
+              </a:r>
+            </a:p>
+            <a:p>
+              <a:pPr algn="ctr"/>
+              <a:r>
+                <a:rPr lang="en-CA" sz="1400" b="1" dirty="0">
+                  <a:latin typeface="Arial"/>
+                  <a:ea typeface="Calibri" panose="020F0502020204030204" pitchFamily="34" charset="0"/>
+                  <a:cs typeface="Arial"/>
+                </a:rPr>
+                <a:t>(n = 1264)</a:t>
+              </a:r>
+              <a:endParaRPr lang="en-US" sz="1400" b="1" dirty="0">
                 <a:latin typeface="Arial" panose="020B0604020202020204" pitchFamily="34" charset="0"/>
                 <a:ea typeface="Calibri" panose="020F0502020204030204" pitchFamily="34" charset="0"/>
                 <a:cs typeface="Arial" panose="020B0604020202020204" pitchFamily="34" charset="0"/>
-              </a:rPr>
-              <a:t>Randomised to other interventions (n = 440)</a:t>
-            </a:r>
-          </a:p>
-          <a:p>
-            <a:pPr marL="228591" indent="-228591">
-              <a:buFont typeface="Arial" panose="020B0604020202020204" pitchFamily="34" charset="0"/>
-              <a:buChar char="•"/>
-            </a:pPr>
-            <a:r>
-              <a:rPr lang="en-CA" sz="1200" dirty="0">
+              </a:endParaRPr>
+            </a:p>
+          </p:txBody>
+        </p:sp>
+        <p:cxnSp>
+          <p:nvCxnSpPr>
+            <p:cNvPr id="7" name="Straight Arrow Connector 6">
+              <a:extLst>
+                <a:ext uri="{FF2B5EF4-FFF2-40B4-BE49-F238E27FC236}">
+                  <a16:creationId xmlns:a16="http://schemas.microsoft.com/office/drawing/2014/main" id="{AE0D6360-E046-4818-82AA-02EB0491A010}"/>
+                </a:ext>
+              </a:extLst>
+            </p:cNvPr>
+            <p:cNvCxnSpPr>
+              <a:cxnSpLocks noChangeShapeType="1"/>
+              <a:stCxn id="6" idx="2"/>
+              <a:endCxn id="38" idx="0"/>
+            </p:cNvCxnSpPr>
+            <p:nvPr/>
+          </p:nvCxnSpPr>
+          <p:spPr bwMode="auto">
+            <a:xfrm>
+              <a:off x="4521326" y="2314080"/>
+              <a:ext cx="0" cy="706880"/>
+            </a:xfrm>
+            <a:prstGeom prst="straightConnector1">
+              <a:avLst/>
+            </a:prstGeom>
+            <a:noFill/>
+            <a:ln w="19050">
+              <a:solidFill>
+                <a:srgbClr val="000000"/>
+              </a:solidFill>
+              <a:round/>
+              <a:headEnd/>
+              <a:tailEnd type="triangle" w="med" len="med"/>
+            </a:ln>
+            <a:effectLst/>
+            <a:extLst>
+              <a:ext uri="{909E8E84-426E-40DD-AFC4-6F175D3DCCD1}">
+                <a14:hiddenFill xmlns:a14="http://schemas.microsoft.com/office/drawing/2010/main">
+                  <a:noFill/>
+                </a14:hiddenFill>
+              </a:ext>
+              <a:ext uri="{AF507438-7753-43E0-B8FC-AC1667EBCBE1}">
+                <a14:hiddenEffects xmlns:a14="http://schemas.microsoft.com/office/drawing/2010/main">
+                  <a:effectLst>
+                    <a:outerShdw dist="35921" dir="2700000" algn="ctr" rotWithShape="0">
+                      <a:srgbClr val="CCCCCC"/>
+                    </a:outerShdw>
+                  </a:effectLst>
+                </a14:hiddenEffects>
+              </a:ext>
+            </a:extLst>
+          </p:spPr>
+        </p:cxnSp>
+        <p:cxnSp>
+          <p:nvCxnSpPr>
+            <p:cNvPr id="10" name="Straight Arrow Connector 9">
+              <a:extLst>
+                <a:ext uri="{FF2B5EF4-FFF2-40B4-BE49-F238E27FC236}">
+                  <a16:creationId xmlns:a16="http://schemas.microsoft.com/office/drawing/2014/main" id="{DC0BDBD3-EB91-46AC-B1CB-64E91850F355}"/>
+                </a:ext>
+              </a:extLst>
+            </p:cNvPr>
+            <p:cNvCxnSpPr>
+              <a:cxnSpLocks noChangeShapeType="1"/>
+            </p:cNvCxnSpPr>
+            <p:nvPr/>
+          </p:nvCxnSpPr>
+          <p:spPr bwMode="auto">
+            <a:xfrm>
+              <a:off x="4521325" y="2706278"/>
+              <a:ext cx="2313970" cy="0"/>
+            </a:xfrm>
+            <a:prstGeom prst="straightConnector1">
+              <a:avLst/>
+            </a:prstGeom>
+            <a:noFill/>
+            <a:ln w="19050">
+              <a:solidFill>
+                <a:schemeClr val="tx1"/>
+              </a:solidFill>
+              <a:round/>
+              <a:headEnd/>
+              <a:tailEnd type="triangle" w="med" len="med"/>
+            </a:ln>
+            <a:effectLst/>
+            <a:extLst>
+              <a:ext uri="{909E8E84-426E-40DD-AFC4-6F175D3DCCD1}">
+                <a14:hiddenFill xmlns:a14="http://schemas.microsoft.com/office/drawing/2010/main">
+                  <a:noFill/>
+                </a14:hiddenFill>
+              </a:ext>
+              <a:ext uri="{AF507438-7753-43E0-B8FC-AC1667EBCBE1}">
+                <a14:hiddenEffects xmlns:a14="http://schemas.microsoft.com/office/drawing/2010/main">
+                  <a:effectLst>
+                    <a:outerShdw dist="35921" dir="2700000" algn="ctr" rotWithShape="0">
+                      <a:srgbClr val="CCCCCC"/>
+                    </a:outerShdw>
+                  </a:effectLst>
+                </a14:hiddenEffects>
+              </a:ext>
+            </a:extLst>
+          </p:spPr>
+        </p:cxnSp>
+        <p:sp>
+          <p:nvSpPr>
+            <p:cNvPr id="13" name="Rectangle 12">
+              <a:extLst>
+                <a:ext uri="{FF2B5EF4-FFF2-40B4-BE49-F238E27FC236}">
+                  <a16:creationId xmlns:a16="http://schemas.microsoft.com/office/drawing/2014/main" id="{EFC7CEA5-B6F1-4201-AE13-1F385161AC14}"/>
+                </a:ext>
+              </a:extLst>
+            </p:cNvPr>
+            <p:cNvSpPr>
+              <a:spLocks noChangeArrowheads="1"/>
+            </p:cNvSpPr>
+            <p:nvPr/>
+          </p:nvSpPr>
+          <p:spPr bwMode="auto">
+            <a:xfrm>
+              <a:off x="6835294" y="2359423"/>
+              <a:ext cx="3549536" cy="1184968"/>
+            </a:xfrm>
+            <a:prstGeom prst="rect">
+              <a:avLst/>
+            </a:prstGeom>
+            <a:solidFill>
+              <a:srgbClr val="FFFFFF"/>
+            </a:solidFill>
+            <a:ln w="9525">
+              <a:solidFill>
+                <a:srgbClr val="000000"/>
+              </a:solidFill>
+              <a:miter lim="800000"/>
+              <a:headEnd/>
+              <a:tailEnd/>
+            </a:ln>
+          </p:spPr>
+          <p:txBody>
+            <a:bodyPr rot="0" vert="horz" wrap="square" lIns="80998" tIns="80998" rIns="80998" bIns="80998" anchor="t" anchorCtr="0" upright="1">
+              <a:noAutofit/>
+            </a:bodyPr>
+            <a:lstStyle/>
+            <a:p>
+              <a:r>
+                <a:rPr lang="en-CA" sz="1400" b="1" dirty="0">
+                  <a:latin typeface="Arial" panose="020B0604020202020204" pitchFamily="34" charset="0"/>
+                  <a:ea typeface="Calibri" panose="020F0502020204030204" pitchFamily="34" charset="0"/>
+                  <a:cs typeface="Arial" panose="020B0604020202020204" pitchFamily="34" charset="0"/>
+                </a:rPr>
+                <a:t>Randomised to other interventions (n = 440)</a:t>
+              </a:r>
+            </a:p>
+            <a:p>
+              <a:pPr marL="202466" indent="-202466">
+                <a:buFont typeface="Arial" panose="020B0604020202020204" pitchFamily="34" charset="0"/>
+                <a:buChar char="•"/>
+              </a:pPr>
+              <a:r>
+                <a:rPr lang="en-CA" sz="1100" dirty="0">
+                  <a:latin typeface="Arial" panose="020B0604020202020204" pitchFamily="34" charset="0"/>
+                  <a:ea typeface="Calibri" panose="020F0502020204030204" pitchFamily="34" charset="0"/>
+                  <a:cs typeface="Arial" panose="020B0604020202020204" pitchFamily="34" charset="0"/>
+                </a:rPr>
+                <a:t>Fluoxetine (n = 120)</a:t>
+              </a:r>
+            </a:p>
+            <a:p>
+              <a:pPr marL="202466" indent="-202466">
+                <a:buFont typeface="Arial" panose="020B0604020202020204" pitchFamily="34" charset="0"/>
+                <a:buChar char="•"/>
+              </a:pPr>
+              <a:r>
+                <a:rPr lang="en-CA" sz="1100" dirty="0" err="1">
+                  <a:latin typeface="Arial" panose="020B0604020202020204" pitchFamily="34" charset="0"/>
+                  <a:ea typeface="Calibri" panose="020F0502020204030204" pitchFamily="34" charset="0"/>
+                  <a:cs typeface="Arial" panose="020B0604020202020204" pitchFamily="34" charset="0"/>
+                </a:rPr>
+                <a:t>Ensitrelvir</a:t>
+              </a:r>
+              <a:r>
+                <a:rPr lang="en-CA" sz="1100" dirty="0">
+                  <a:latin typeface="Arial" panose="020B0604020202020204" pitchFamily="34" charset="0"/>
+                  <a:ea typeface="Calibri" panose="020F0502020204030204" pitchFamily="34" charset="0"/>
+                  <a:cs typeface="Arial" panose="020B0604020202020204" pitchFamily="34" charset="0"/>
+                </a:rPr>
+                <a:t> (n = 121)</a:t>
+              </a:r>
+            </a:p>
+            <a:p>
+              <a:pPr marL="202466" indent="-202466">
+                <a:buFont typeface="Arial" panose="020B0604020202020204" pitchFamily="34" charset="0"/>
+                <a:buChar char="•"/>
+              </a:pPr>
+              <a:r>
+                <a:rPr lang="en-CA" sz="1100" dirty="0" err="1">
+                  <a:latin typeface="Arial" panose="020B0604020202020204" pitchFamily="34" charset="0"/>
+                  <a:ea typeface="Calibri" panose="020F0502020204030204" pitchFamily="34" charset="0"/>
+                  <a:cs typeface="Arial" panose="020B0604020202020204" pitchFamily="34" charset="0"/>
+                </a:rPr>
+                <a:t>Tixagevimab</a:t>
+              </a:r>
+              <a:r>
+                <a:rPr lang="en-CA" sz="1100" dirty="0">
+                  <a:latin typeface="Arial" panose="020B0604020202020204" pitchFamily="34" charset="0"/>
+                  <a:ea typeface="Calibri" panose="020F0502020204030204" pitchFamily="34" charset="0"/>
+                  <a:cs typeface="Arial" panose="020B0604020202020204" pitchFamily="34" charset="0"/>
+                </a:rPr>
+                <a:t>/</a:t>
+              </a:r>
+              <a:r>
+                <a:rPr lang="en-CA" sz="1100" dirty="0" err="1">
+                  <a:latin typeface="Arial" panose="020B0604020202020204" pitchFamily="34" charset="0"/>
+                  <a:ea typeface="Calibri" panose="020F0502020204030204" pitchFamily="34" charset="0"/>
+                  <a:cs typeface="Arial" panose="020B0604020202020204" pitchFamily="34" charset="0"/>
+                </a:rPr>
+                <a:t>Cilgavimab</a:t>
+              </a:r>
+              <a:r>
+                <a:rPr lang="en-CA" sz="1100" dirty="0">
+                  <a:latin typeface="Arial" panose="020B0604020202020204" pitchFamily="34" charset="0"/>
+                  <a:ea typeface="Calibri" panose="020F0502020204030204" pitchFamily="34" charset="0"/>
+                  <a:cs typeface="Arial" panose="020B0604020202020204" pitchFamily="34" charset="0"/>
+                </a:rPr>
+                <a:t> (n = 96)</a:t>
+              </a:r>
+            </a:p>
+            <a:p>
+              <a:pPr marL="202466" indent="-202466">
+                <a:buFont typeface="Arial" panose="020B0604020202020204" pitchFamily="34" charset="0"/>
+                <a:buChar char="•"/>
+              </a:pPr>
+              <a:r>
+                <a:rPr lang="en-CA" sz="1100" dirty="0" err="1">
+                  <a:latin typeface="Arial"/>
+                  <a:ea typeface="Calibri" panose="020F0502020204030204" pitchFamily="34" charset="0"/>
+                  <a:cs typeface="Arial"/>
+                </a:rPr>
+                <a:t>Nirmatrelvir</a:t>
+              </a:r>
+              <a:r>
+                <a:rPr lang="en-CA" sz="1100" dirty="0">
+                  <a:latin typeface="Arial" panose="020B0604020202020204" pitchFamily="34" charset="0"/>
+                  <a:ea typeface="Calibri" panose="020F0502020204030204" pitchFamily="34" charset="0"/>
+                  <a:cs typeface="Arial" panose="020B0604020202020204" pitchFamily="34" charset="0"/>
+                </a:rPr>
+                <a:t> + </a:t>
+              </a:r>
+              <a:r>
+                <a:rPr lang="en-CA" sz="1100" dirty="0" err="1">
+                  <a:latin typeface="Arial" panose="020B0604020202020204" pitchFamily="34" charset="0"/>
+                  <a:ea typeface="Calibri" panose="020F0502020204030204" pitchFamily="34" charset="0"/>
+                  <a:cs typeface="Arial" panose="020B0604020202020204" pitchFamily="34" charset="0"/>
+                </a:rPr>
+                <a:t>Molnupiravir</a:t>
+              </a:r>
+              <a:r>
+                <a:rPr lang="en-CA" sz="1100" dirty="0">
+                  <a:latin typeface="Arial" panose="020B0604020202020204" pitchFamily="34" charset="0"/>
+                  <a:ea typeface="Calibri" panose="020F0502020204030204" pitchFamily="34" charset="0"/>
+                  <a:cs typeface="Arial" panose="020B0604020202020204" pitchFamily="34" charset="0"/>
+                </a:rPr>
+                <a:t> (n = 67)</a:t>
+              </a:r>
+            </a:p>
+            <a:p>
+              <a:pPr marL="202466" indent="-202466">
+                <a:buFont typeface="Arial" panose="020B0604020202020204" pitchFamily="34" charset="0"/>
+                <a:buChar char="•"/>
+              </a:pPr>
+              <a:r>
+                <a:rPr lang="en-CA" sz="1100" dirty="0">
+                  <a:latin typeface="Arial" panose="020B0604020202020204" pitchFamily="34" charset="0"/>
+                  <a:ea typeface="Calibri" panose="020F0502020204030204" pitchFamily="34" charset="0"/>
+                  <a:cs typeface="Arial" panose="020B0604020202020204" pitchFamily="34" charset="0"/>
+                </a:rPr>
+                <a:t>Nitazoxanide (n = 36)</a:t>
+              </a:r>
+            </a:p>
+          </p:txBody>
+        </p:sp>
+        <p:cxnSp>
+          <p:nvCxnSpPr>
+            <p:cNvPr id="14" name="Straight Arrow Connector 13">
+              <a:extLst>
+                <a:ext uri="{FF2B5EF4-FFF2-40B4-BE49-F238E27FC236}">
+                  <a16:creationId xmlns:a16="http://schemas.microsoft.com/office/drawing/2014/main" id="{45A7504A-F874-4E8B-BDF1-008AFB944F65}"/>
+                </a:ext>
+              </a:extLst>
+            </p:cNvPr>
+            <p:cNvCxnSpPr>
+              <a:cxnSpLocks noChangeShapeType="1"/>
+            </p:cNvCxnSpPr>
+            <p:nvPr/>
+          </p:nvCxnSpPr>
+          <p:spPr bwMode="auto">
+            <a:xfrm>
+              <a:off x="4521325" y="4224762"/>
+              <a:ext cx="2313970" cy="0"/>
+            </a:xfrm>
+            <a:prstGeom prst="straightConnector1">
+              <a:avLst/>
+            </a:prstGeom>
+            <a:noFill/>
+            <a:ln w="19050">
+              <a:solidFill>
+                <a:schemeClr val="tx1"/>
+              </a:solidFill>
+              <a:round/>
+              <a:headEnd/>
+              <a:tailEnd type="triangle" w="med" len="med"/>
+            </a:ln>
+            <a:effectLst/>
+            <a:extLst>
+              <a:ext uri="{909E8E84-426E-40DD-AFC4-6F175D3DCCD1}">
+                <a14:hiddenFill xmlns:a14="http://schemas.microsoft.com/office/drawing/2010/main">
+                  <a:noFill/>
+                </a14:hiddenFill>
+              </a:ext>
+              <a:ext uri="{AF507438-7753-43E0-B8FC-AC1667EBCBE1}">
+                <a14:hiddenEffects xmlns:a14="http://schemas.microsoft.com/office/drawing/2010/main">
+                  <a:effectLst>
+                    <a:outerShdw dist="35921" dir="2700000" algn="ctr" rotWithShape="0">
+                      <a:srgbClr val="CCCCCC"/>
+                    </a:outerShdw>
+                  </a:effectLst>
+                </a14:hiddenEffects>
+              </a:ext>
+            </a:extLst>
+          </p:spPr>
+        </p:cxnSp>
+        <p:sp>
+          <p:nvSpPr>
+            <p:cNvPr id="18" name="Rectangle 17">
+              <a:extLst>
+                <a:ext uri="{FF2B5EF4-FFF2-40B4-BE49-F238E27FC236}">
+                  <a16:creationId xmlns:a16="http://schemas.microsoft.com/office/drawing/2014/main" id="{A105BD0C-EA1F-4789-9812-85A278C67A1E}"/>
+                </a:ext>
+              </a:extLst>
+            </p:cNvPr>
+            <p:cNvSpPr>
+              <a:spLocks noChangeArrowheads="1"/>
+            </p:cNvSpPr>
+            <p:nvPr/>
+          </p:nvSpPr>
+          <p:spPr bwMode="auto">
+            <a:xfrm>
+              <a:off x="3180247" y="749177"/>
+              <a:ext cx="2682159" cy="496927"/>
+            </a:xfrm>
+            <a:prstGeom prst="rect">
+              <a:avLst/>
+            </a:prstGeom>
+            <a:solidFill>
+              <a:srgbClr val="FFFFFF"/>
+            </a:solidFill>
+            <a:ln w="9525">
+              <a:solidFill>
+                <a:srgbClr val="000000"/>
+              </a:solidFill>
+              <a:miter lim="800000"/>
+              <a:headEnd/>
+              <a:tailEnd/>
+            </a:ln>
+          </p:spPr>
+          <p:txBody>
+            <a:bodyPr rot="0" vert="horz" wrap="square" lIns="80998" tIns="80998" rIns="80998" bIns="80998" anchor="t" anchorCtr="0" upright="1">
+              <a:noAutofit/>
+            </a:bodyPr>
+            <a:lstStyle/>
+            <a:p>
+              <a:pPr algn="ctr"/>
+              <a:r>
+                <a:rPr lang="en-CA" sz="1400" b="1" dirty="0">
+                  <a:latin typeface="Arial" panose="020B0604020202020204" pitchFamily="34" charset="0"/>
+                  <a:ea typeface="Calibri" panose="020F0502020204030204" pitchFamily="34" charset="0"/>
+                  <a:cs typeface="Arial" panose="020B0604020202020204" pitchFamily="34" charset="0"/>
+                </a:rPr>
+                <a:t>Assessed for eligibility </a:t>
+              </a:r>
+            </a:p>
+            <a:p>
+              <a:pPr algn="ctr"/>
+              <a:r>
+                <a:rPr lang="en-CA" sz="1400" b="1" dirty="0">
+                  <a:latin typeface="Arial" panose="020B0604020202020204" pitchFamily="34" charset="0"/>
+                  <a:ea typeface="Calibri" panose="020F0502020204030204" pitchFamily="34" charset="0"/>
+                  <a:cs typeface="Arial" panose="020B0604020202020204" pitchFamily="34" charset="0"/>
+                </a:rPr>
+                <a:t>(n </a:t>
+              </a:r>
+              <a:r>
+                <a:rPr lang="en-US" sz="1400" b="1" dirty="0">
+                  <a:latin typeface="Arial" panose="020B0604020202020204" pitchFamily="34" charset="0"/>
+                  <a:ea typeface="Calibri" panose="020F0502020204030204" pitchFamily="34" charset="0"/>
+                  <a:cs typeface="Arial" panose="020B0604020202020204" pitchFamily="34" charset="0"/>
+                </a:rPr>
+                <a:t>= 1314</a:t>
+              </a:r>
+              <a:r>
+                <a:rPr lang="en-CA" sz="1400" b="1" dirty="0">
+                  <a:latin typeface="Arial" panose="020B0604020202020204" pitchFamily="34" charset="0"/>
+                  <a:ea typeface="Calibri" panose="020F0502020204030204" pitchFamily="34" charset="0"/>
+                  <a:cs typeface="Arial" panose="020B0604020202020204" pitchFamily="34" charset="0"/>
+                </a:rPr>
+                <a:t>)</a:t>
+              </a:r>
+              <a:endParaRPr lang="en-US" sz="1400" b="1" dirty="0">
                 <a:latin typeface="Arial" panose="020B0604020202020204" pitchFamily="34" charset="0"/>
                 <a:ea typeface="Calibri" panose="020F0502020204030204" pitchFamily="34" charset="0"/>
                 <a:cs typeface="Arial" panose="020B0604020202020204" pitchFamily="34" charset="0"/>
-              </a:rPr>
-              <a:t>Fluoxetine (n = 120)</a:t>
-            </a:r>
-          </a:p>
-          <a:p>
-            <a:pPr marL="228591" indent="-228591">
-              <a:buFont typeface="Arial" panose="020B0604020202020204" pitchFamily="34" charset="0"/>
-              <a:buChar char="•"/>
-            </a:pPr>
-            <a:r>
-              <a:rPr lang="en-CA" sz="1200" dirty="0" err="1">
+              </a:endParaRPr>
+            </a:p>
+          </p:txBody>
+        </p:sp>
+        <p:cxnSp>
+          <p:nvCxnSpPr>
+            <p:cNvPr id="20" name="Straight Arrow Connector 19">
+              <a:extLst>
+                <a:ext uri="{FF2B5EF4-FFF2-40B4-BE49-F238E27FC236}">
+                  <a16:creationId xmlns:a16="http://schemas.microsoft.com/office/drawing/2014/main" id="{2A65B37A-FF18-4FCB-95E6-9975D0814F56}"/>
+                </a:ext>
+              </a:extLst>
+            </p:cNvPr>
+            <p:cNvCxnSpPr>
+              <a:cxnSpLocks noChangeShapeType="1"/>
+            </p:cNvCxnSpPr>
+            <p:nvPr/>
+          </p:nvCxnSpPr>
+          <p:spPr bwMode="auto">
+            <a:xfrm>
+              <a:off x="4521325" y="1531630"/>
+              <a:ext cx="2313970" cy="0"/>
+            </a:xfrm>
+            <a:prstGeom prst="straightConnector1">
+              <a:avLst/>
+            </a:prstGeom>
+            <a:noFill/>
+            <a:ln w="19050">
+              <a:solidFill>
+                <a:schemeClr val="tx1"/>
+              </a:solidFill>
+              <a:round/>
+              <a:headEnd/>
+              <a:tailEnd type="triangle" w="med" len="med"/>
+            </a:ln>
+            <a:effectLst/>
+            <a:extLst>
+              <a:ext uri="{909E8E84-426E-40DD-AFC4-6F175D3DCCD1}">
+                <a14:hiddenFill xmlns:a14="http://schemas.microsoft.com/office/drawing/2010/main">
+                  <a:noFill/>
+                </a14:hiddenFill>
+              </a:ext>
+              <a:ext uri="{AF507438-7753-43E0-B8FC-AC1667EBCBE1}">
+                <a14:hiddenEffects xmlns:a14="http://schemas.microsoft.com/office/drawing/2010/main">
+                  <a:effectLst>
+                    <a:outerShdw dist="35921" dir="2700000" algn="ctr" rotWithShape="0">
+                      <a:srgbClr val="CCCCCC"/>
+                    </a:outerShdw>
+                  </a:effectLst>
+                </a14:hiddenEffects>
+              </a:ext>
+            </a:extLst>
+          </p:spPr>
+        </p:cxnSp>
+        <p:sp>
+          <p:nvSpPr>
+            <p:cNvPr id="21" name="TextBox 20">
+              <a:extLst>
+                <a:ext uri="{FF2B5EF4-FFF2-40B4-BE49-F238E27FC236}">
+                  <a16:creationId xmlns:a16="http://schemas.microsoft.com/office/drawing/2014/main" id="{7C247865-96EA-4514-8479-D5148FB80279}"/>
+                </a:ext>
+              </a:extLst>
+            </p:cNvPr>
+            <p:cNvSpPr txBox="1"/>
+            <p:nvPr/>
+          </p:nvSpPr>
+          <p:spPr>
+            <a:xfrm>
+              <a:off x="1416295" y="1408947"/>
+              <a:ext cx="1177315" cy="283154"/>
+            </a:xfrm>
+            <a:prstGeom prst="rect">
+              <a:avLst/>
+            </a:prstGeom>
+            <a:solidFill>
+              <a:schemeClr val="bg1">
+                <a:lumMod val="85000"/>
+              </a:schemeClr>
+            </a:solidFill>
+            <a:ln>
+              <a:solidFill>
+                <a:schemeClr val="bg2">
+                  <a:lumMod val="50000"/>
+                </a:schemeClr>
+              </a:solidFill>
+            </a:ln>
+          </p:spPr>
+          <p:txBody>
+            <a:bodyPr wrap="square" rtlCol="0">
+              <a:spAutoFit/>
+            </a:bodyPr>
+            <a:lstStyle/>
+            <a:p>
+              <a:pPr algn="ctr"/>
+              <a:r>
+                <a:rPr lang="en-GB" sz="1400" b="1" dirty="0">
+                  <a:latin typeface="Arial" panose="020B0604020202020204" pitchFamily="34" charset="0"/>
+                  <a:cs typeface="Arial" panose="020B0604020202020204" pitchFamily="34" charset="0"/>
+                </a:rPr>
+                <a:t>Enrolment</a:t>
+              </a:r>
+            </a:p>
+          </p:txBody>
+        </p:sp>
+        <p:sp>
+          <p:nvSpPr>
+            <p:cNvPr id="22" name="TextBox 21">
+              <a:extLst>
+                <a:ext uri="{FF2B5EF4-FFF2-40B4-BE49-F238E27FC236}">
+                  <a16:creationId xmlns:a16="http://schemas.microsoft.com/office/drawing/2014/main" id="{E01E8C87-7B6E-453D-8643-FF0EF6765E2E}"/>
+                </a:ext>
+              </a:extLst>
+            </p:cNvPr>
+            <p:cNvSpPr txBox="1"/>
+            <p:nvPr/>
+          </p:nvSpPr>
+          <p:spPr>
+            <a:xfrm>
+              <a:off x="1416295" y="2583594"/>
+              <a:ext cx="1177315" cy="283154"/>
+            </a:xfrm>
+            <a:prstGeom prst="rect">
+              <a:avLst/>
+            </a:prstGeom>
+            <a:solidFill>
+              <a:schemeClr val="bg1">
+                <a:lumMod val="85000"/>
+              </a:schemeClr>
+            </a:solidFill>
+            <a:ln>
+              <a:solidFill>
+                <a:schemeClr val="bg2">
+                  <a:lumMod val="50000"/>
+                </a:schemeClr>
+              </a:solidFill>
+            </a:ln>
+          </p:spPr>
+          <p:txBody>
+            <a:bodyPr wrap="square" rtlCol="0">
+              <a:spAutoFit/>
+            </a:bodyPr>
+            <a:lstStyle/>
+            <a:p>
+              <a:pPr algn="ctr"/>
+              <a:r>
+                <a:rPr lang="en-GB" sz="1400" b="1" dirty="0">
+                  <a:latin typeface="Arial" panose="020B0604020202020204" pitchFamily="34" charset="0"/>
+                  <a:cs typeface="Arial" panose="020B0604020202020204" pitchFamily="34" charset="0"/>
+                </a:rPr>
+                <a:t>Allocation</a:t>
+              </a:r>
+            </a:p>
+          </p:txBody>
+        </p:sp>
+        <p:sp>
+          <p:nvSpPr>
+            <p:cNvPr id="23" name="TextBox 22">
+              <a:extLst>
+                <a:ext uri="{FF2B5EF4-FFF2-40B4-BE49-F238E27FC236}">
+                  <a16:creationId xmlns:a16="http://schemas.microsoft.com/office/drawing/2014/main" id="{04D60864-AA3C-476F-A038-7AAED73556D4}"/>
+                </a:ext>
+              </a:extLst>
+            </p:cNvPr>
+            <p:cNvSpPr txBox="1"/>
+            <p:nvPr/>
+          </p:nvSpPr>
+          <p:spPr>
+            <a:xfrm>
+              <a:off x="1416295" y="4102080"/>
+              <a:ext cx="1177315" cy="283154"/>
+            </a:xfrm>
+            <a:prstGeom prst="rect">
+              <a:avLst/>
+            </a:prstGeom>
+            <a:solidFill>
+              <a:schemeClr val="bg1">
+                <a:lumMod val="85000"/>
+              </a:schemeClr>
+            </a:solidFill>
+            <a:ln>
+              <a:solidFill>
+                <a:schemeClr val="bg2">
+                  <a:lumMod val="50000"/>
+                </a:schemeClr>
+              </a:solidFill>
+            </a:ln>
+          </p:spPr>
+          <p:txBody>
+            <a:bodyPr wrap="square" rtlCol="0">
+              <a:spAutoFit/>
+            </a:bodyPr>
+            <a:lstStyle/>
+            <a:p>
+              <a:pPr algn="ctr"/>
+              <a:r>
+                <a:rPr lang="en-GB" sz="1400" b="1" dirty="0">
+                  <a:latin typeface="Arial" panose="020B0604020202020204" pitchFamily="34" charset="0"/>
+                  <a:cs typeface="Arial" panose="020B0604020202020204" pitchFamily="34" charset="0"/>
+                </a:rPr>
+                <a:t>Analysis</a:t>
+              </a:r>
+            </a:p>
+          </p:txBody>
+        </p:sp>
+        <p:sp>
+          <p:nvSpPr>
+            <p:cNvPr id="26" name="Rectangle 25">
+              <a:extLst>
+                <a:ext uri="{FF2B5EF4-FFF2-40B4-BE49-F238E27FC236}">
+                  <a16:creationId xmlns:a16="http://schemas.microsoft.com/office/drawing/2014/main" id="{B21DCE91-4B6D-4405-8773-1F9783B3106A}"/>
+                </a:ext>
+              </a:extLst>
+            </p:cNvPr>
+            <p:cNvSpPr>
+              <a:spLocks noChangeArrowheads="1"/>
+            </p:cNvSpPr>
+            <p:nvPr/>
+          </p:nvSpPr>
+          <p:spPr bwMode="auto">
+            <a:xfrm>
+              <a:off x="6835299" y="4046790"/>
+              <a:ext cx="3549528" cy="883248"/>
+            </a:xfrm>
+            <a:prstGeom prst="rect">
+              <a:avLst/>
+            </a:prstGeom>
+            <a:solidFill>
+              <a:srgbClr val="FFFFFF"/>
+            </a:solidFill>
+            <a:ln w="9525">
+              <a:solidFill>
+                <a:srgbClr val="000000"/>
+              </a:solidFill>
+              <a:miter lim="800000"/>
+              <a:headEnd/>
+              <a:tailEnd/>
+            </a:ln>
+          </p:spPr>
+          <p:txBody>
+            <a:bodyPr rot="0" vert="horz" wrap="square" lIns="80998" tIns="80998" rIns="80998" bIns="80998" anchor="t" anchorCtr="0" upright="1">
+              <a:noAutofit/>
+            </a:bodyPr>
+            <a:lstStyle/>
+            <a:p>
+              <a:r>
+                <a:rPr lang="en-US" sz="1400" b="1" dirty="0">
+                  <a:latin typeface="Arial" panose="020B0604020202020204" pitchFamily="34" charset="0"/>
+                  <a:ea typeface="Calibri" panose="020F0502020204030204" pitchFamily="34" charset="0"/>
+                  <a:cs typeface="Arial" panose="020B0604020202020204" pitchFamily="34" charset="0"/>
+                </a:rPr>
+                <a:t>Excluded from analysis (n = 24)</a:t>
+              </a:r>
+            </a:p>
+            <a:p>
+              <a:pPr marL="253094" indent="-253094">
+                <a:buFont typeface="Arial" panose="020B0604020202020204" pitchFamily="34" charset="0"/>
+                <a:buChar char="•"/>
+              </a:pPr>
+              <a:r>
+                <a:rPr lang="en-US" sz="1100" dirty="0">
+                  <a:latin typeface="Arial" panose="020B0604020202020204" pitchFamily="34" charset="0"/>
+                  <a:ea typeface="Calibri" panose="020F0502020204030204" pitchFamily="34" charset="0"/>
+                  <a:cs typeface="Arial" panose="020B0604020202020204" pitchFamily="34" charset="0"/>
+                </a:rPr>
+                <a:t>Non-compliance (n = 13)</a:t>
+              </a:r>
+            </a:p>
+            <a:p>
+              <a:pPr marL="253094" indent="-253094">
+                <a:buFont typeface="Arial" panose="020B0604020202020204" pitchFamily="34" charset="0"/>
+                <a:buChar char="•"/>
+              </a:pPr>
+              <a:r>
+                <a:rPr lang="en-US" sz="1100" dirty="0">
+                  <a:latin typeface="Arial" panose="020B0604020202020204" pitchFamily="34" charset="0"/>
+                  <a:ea typeface="Calibri" panose="020F0502020204030204" pitchFamily="34" charset="0"/>
+                  <a:cs typeface="Arial" panose="020B0604020202020204" pitchFamily="34" charset="0"/>
+                </a:rPr>
+                <a:t>Withdrew consent (n = 11)</a:t>
+              </a:r>
+            </a:p>
+            <a:p>
+              <a:endParaRPr lang="en-US" sz="1400" b="1" dirty="0">
+                <a:highlight>
+                  <a:srgbClr val="FFFF00"/>
+                </a:highlight>
                 <a:latin typeface="Arial" panose="020B0604020202020204" pitchFamily="34" charset="0"/>
                 <a:ea typeface="Calibri" panose="020F0502020204030204" pitchFamily="34" charset="0"/>
                 <a:cs typeface="Arial" panose="020B0604020202020204" pitchFamily="34" charset="0"/>
-              </a:rPr>
-              <a:t>Ensitrelvir</a:t>
-            </a:r>
-            <a:r>
-              <a:rPr lang="en-CA" sz="1200" dirty="0">
+              </a:endParaRPr>
+            </a:p>
+          </p:txBody>
+        </p:sp>
+        <p:sp>
+          <p:nvSpPr>
+            <p:cNvPr id="38" name="Rectangle 37">
+              <a:extLst>
+                <a:ext uri="{FF2B5EF4-FFF2-40B4-BE49-F238E27FC236}">
+                  <a16:creationId xmlns:a16="http://schemas.microsoft.com/office/drawing/2014/main" id="{5B2E406E-4D9C-4C97-A4D9-5411B45878E6}"/>
+                </a:ext>
+              </a:extLst>
+            </p:cNvPr>
+            <p:cNvSpPr>
+              <a:spLocks noChangeArrowheads="1"/>
+            </p:cNvSpPr>
+            <p:nvPr/>
+          </p:nvSpPr>
+          <p:spPr bwMode="auto">
+            <a:xfrm>
+              <a:off x="3180247" y="3020961"/>
+              <a:ext cx="2682159" cy="496923"/>
+            </a:xfrm>
+            <a:prstGeom prst="rect">
+              <a:avLst/>
+            </a:prstGeom>
+            <a:solidFill>
+              <a:srgbClr val="FFFFFF"/>
+            </a:solidFill>
+            <a:ln w="9525">
+              <a:solidFill>
+                <a:srgbClr val="000000"/>
+              </a:solidFill>
+              <a:miter lim="800000"/>
+              <a:headEnd/>
+              <a:tailEnd/>
+            </a:ln>
+          </p:spPr>
+          <p:txBody>
+            <a:bodyPr rot="0" vert="horz" wrap="square" lIns="80998" tIns="80998" rIns="80998" bIns="80998" anchor="t" anchorCtr="0" upright="1">
+              <a:noAutofit/>
+            </a:bodyPr>
+            <a:lstStyle/>
+            <a:p>
+              <a:pPr algn="ctr"/>
+              <a:r>
+                <a:rPr lang="en-CA" sz="1400" b="1" dirty="0">
+                  <a:latin typeface="Arial"/>
+                  <a:ea typeface="Calibri" panose="020F0502020204030204" pitchFamily="34" charset="0"/>
+                  <a:cs typeface="Arial"/>
+                </a:rPr>
+                <a:t>ITT in included drug arms</a:t>
+              </a:r>
+            </a:p>
+            <a:p>
+              <a:pPr algn="ctr"/>
+              <a:r>
+                <a:rPr lang="en-CA" sz="1400" b="1" dirty="0">
+                  <a:latin typeface="Arial"/>
+                  <a:ea typeface="Calibri" panose="020F0502020204030204" pitchFamily="34" charset="0"/>
+                  <a:cs typeface="Arial"/>
+                </a:rPr>
+                <a:t>(n = 824)</a:t>
+              </a:r>
+              <a:endParaRPr lang="en-US" sz="1400" b="1" dirty="0">
                 <a:latin typeface="Arial" panose="020B0604020202020204" pitchFamily="34" charset="0"/>
                 <a:ea typeface="Calibri" panose="020F0502020204030204" pitchFamily="34" charset="0"/>
                 <a:cs typeface="Arial" panose="020B0604020202020204" pitchFamily="34" charset="0"/>
-              </a:rPr>
-              <a:t> (n = 121)</a:t>
-            </a:r>
-          </a:p>
-          <a:p>
-            <a:pPr marL="228591" indent="-228591">
-              <a:buFont typeface="Arial" panose="020B0604020202020204" pitchFamily="34" charset="0"/>
-              <a:buChar char="•"/>
-            </a:pPr>
-            <a:r>
-              <a:rPr lang="en-CA" sz="1200" dirty="0" err="1">
+              </a:endParaRPr>
+            </a:p>
+          </p:txBody>
+        </p:sp>
+        <p:cxnSp>
+          <p:nvCxnSpPr>
+            <p:cNvPr id="43" name="Straight Arrow Connector 42">
+              <a:extLst>
+                <a:ext uri="{FF2B5EF4-FFF2-40B4-BE49-F238E27FC236}">
+                  <a16:creationId xmlns:a16="http://schemas.microsoft.com/office/drawing/2014/main" id="{1F461882-BBF1-4A95-8330-E656345A1729}"/>
+                </a:ext>
+              </a:extLst>
+            </p:cNvPr>
+            <p:cNvCxnSpPr>
+              <a:cxnSpLocks noChangeShapeType="1"/>
+              <a:stCxn id="38" idx="2"/>
+              <a:endCxn id="46" idx="0"/>
+            </p:cNvCxnSpPr>
+            <p:nvPr/>
+          </p:nvCxnSpPr>
+          <p:spPr bwMode="auto">
+            <a:xfrm flipH="1">
+              <a:off x="4521326" y="3517882"/>
+              <a:ext cx="1" cy="1099404"/>
+            </a:xfrm>
+            <a:prstGeom prst="straightConnector1">
+              <a:avLst/>
+            </a:prstGeom>
+            <a:noFill/>
+            <a:ln w="19050">
+              <a:solidFill>
+                <a:schemeClr val="tx1"/>
+              </a:solidFill>
+              <a:round/>
+              <a:headEnd/>
+              <a:tailEnd type="triangle" w="med" len="med"/>
+            </a:ln>
+            <a:effectLst/>
+            <a:extLst>
+              <a:ext uri="{909E8E84-426E-40DD-AFC4-6F175D3DCCD1}">
+                <a14:hiddenFill xmlns:a14="http://schemas.microsoft.com/office/drawing/2010/main">
+                  <a:noFill/>
+                </a14:hiddenFill>
+              </a:ext>
+              <a:ext uri="{AF507438-7753-43E0-B8FC-AC1667EBCBE1}">
+                <a14:hiddenEffects xmlns:a14="http://schemas.microsoft.com/office/drawing/2010/main">
+                  <a:effectLst>
+                    <a:outerShdw dist="35921" dir="2700000" algn="ctr" rotWithShape="0">
+                      <a:srgbClr val="CCCCCC"/>
+                    </a:outerShdw>
+                  </a:effectLst>
+                </a14:hiddenEffects>
+              </a:ext>
+            </a:extLst>
+          </p:spPr>
+        </p:cxnSp>
+        <p:sp>
+          <p:nvSpPr>
+            <p:cNvPr id="46" name="Rectangle 45">
+              <a:extLst>
+                <a:ext uri="{FF2B5EF4-FFF2-40B4-BE49-F238E27FC236}">
+                  <a16:creationId xmlns:a16="http://schemas.microsoft.com/office/drawing/2014/main" id="{5F5783C3-33A8-4974-BD36-82CD8B4D5397}"/>
+                </a:ext>
+              </a:extLst>
+            </p:cNvPr>
+            <p:cNvSpPr>
+              <a:spLocks noChangeArrowheads="1"/>
+            </p:cNvSpPr>
+            <p:nvPr/>
+          </p:nvSpPr>
+          <p:spPr bwMode="auto">
+            <a:xfrm>
+              <a:off x="3180244" y="4617286"/>
+              <a:ext cx="2682161" cy="1483857"/>
+            </a:xfrm>
+            <a:prstGeom prst="rect">
+              <a:avLst/>
+            </a:prstGeom>
+            <a:solidFill>
+              <a:srgbClr val="FFFFFF"/>
+            </a:solidFill>
+            <a:ln w="9525">
+              <a:solidFill>
+                <a:srgbClr val="000000"/>
+              </a:solidFill>
+              <a:miter lim="800000"/>
+              <a:headEnd/>
+              <a:tailEnd/>
+            </a:ln>
+          </p:spPr>
+          <p:txBody>
+            <a:bodyPr rot="0" vert="horz" wrap="square" lIns="80998" tIns="80998" rIns="80998" bIns="80998" anchor="t" anchorCtr="0" upright="1">
+              <a:noAutofit/>
+            </a:bodyPr>
+            <a:lstStyle/>
+            <a:p>
+              <a:r>
+                <a:rPr lang="en-CA" sz="1400" b="1" dirty="0">
+                  <a:latin typeface="Arial"/>
+                  <a:ea typeface="Calibri" panose="020F0502020204030204" pitchFamily="34" charset="0"/>
+                  <a:cs typeface="Arial"/>
+                </a:rPr>
+                <a:t>Analysed dataset; </a:t>
+              </a:r>
+              <a:r>
+                <a:rPr lang="en-CA" sz="1400" b="1" dirty="0" err="1">
+                  <a:latin typeface="Arial"/>
+                  <a:ea typeface="Calibri" panose="020F0502020204030204" pitchFamily="34" charset="0"/>
+                  <a:cs typeface="Arial"/>
+                </a:rPr>
+                <a:t>mITT</a:t>
+              </a:r>
+              <a:r>
+                <a:rPr lang="en-CA" sz="1400" b="1" dirty="0">
+                  <a:latin typeface="Arial"/>
+                  <a:ea typeface="Calibri" panose="020F0502020204030204" pitchFamily="34" charset="0"/>
+                  <a:cs typeface="Arial"/>
+                </a:rPr>
+                <a:t> (n = 800)</a:t>
+              </a:r>
+            </a:p>
+            <a:p>
+              <a:pPr marL="151857" indent="-151857">
+                <a:buFont typeface="Arial" panose="020B0604020202020204" pitchFamily="34" charset="0"/>
+                <a:buChar char="•"/>
+              </a:pPr>
+              <a:r>
+                <a:rPr lang="en-CA" sz="1100" dirty="0">
+                  <a:latin typeface="Arial"/>
+                  <a:ea typeface="Calibri" panose="020F0502020204030204" pitchFamily="34" charset="0"/>
+                  <a:cs typeface="Arial"/>
+                </a:rPr>
+                <a:t>No study drug (n = 263)</a:t>
+              </a:r>
+            </a:p>
+            <a:p>
+              <a:pPr marL="151857" indent="-151857">
+                <a:buFont typeface="Arial" panose="020B0604020202020204" pitchFamily="34" charset="0"/>
+                <a:buChar char="•"/>
+              </a:pPr>
+              <a:r>
+                <a:rPr lang="en-CA" sz="1100" dirty="0" err="1">
+                  <a:latin typeface="Arial"/>
+                  <a:ea typeface="Calibri" panose="020F0502020204030204" pitchFamily="34" charset="0"/>
+                  <a:cs typeface="Arial"/>
+                </a:rPr>
+                <a:t>Nirmatrelvir</a:t>
+              </a:r>
+              <a:r>
+                <a:rPr lang="en-CA" sz="1100" dirty="0">
+                  <a:latin typeface="Arial"/>
+                  <a:ea typeface="Calibri" panose="020F0502020204030204" pitchFamily="34" charset="0"/>
+                  <a:cs typeface="Arial"/>
+                </a:rPr>
+                <a:t> (n = 158)</a:t>
+              </a:r>
+            </a:p>
+            <a:p>
+              <a:pPr marL="151857" indent="-151857">
+                <a:buFont typeface="Arial" panose="020B0604020202020204" pitchFamily="34" charset="0"/>
+                <a:buChar char="•"/>
+              </a:pPr>
+              <a:r>
+                <a:rPr lang="en-CA" sz="1100" dirty="0">
+                  <a:latin typeface="Arial"/>
+                  <a:ea typeface="Calibri" panose="020F0502020204030204" pitchFamily="34" charset="0"/>
+                  <a:cs typeface="Arial"/>
+                </a:rPr>
+                <a:t>Favipiravir (n = 114)</a:t>
+              </a:r>
+            </a:p>
+            <a:p>
+              <a:pPr marL="151857" indent="-151857">
+                <a:buFont typeface="Arial" panose="020B0604020202020204" pitchFamily="34" charset="0"/>
+                <a:buChar char="•"/>
+              </a:pPr>
+              <a:r>
+                <a:rPr lang="en-CA" sz="1100" dirty="0" err="1">
+                  <a:latin typeface="Arial"/>
+                  <a:ea typeface="Calibri" panose="020F0502020204030204" pitchFamily="34" charset="0"/>
+                  <a:cs typeface="Arial"/>
+                </a:rPr>
+                <a:t>Casirivimab</a:t>
+              </a:r>
+              <a:r>
+                <a:rPr lang="en-CA" sz="1100" dirty="0">
+                  <a:latin typeface="Arial"/>
+                  <a:ea typeface="Calibri" panose="020F0502020204030204" pitchFamily="34" charset="0"/>
+                  <a:cs typeface="Arial"/>
+                </a:rPr>
+                <a:t>/</a:t>
+              </a:r>
+              <a:r>
+                <a:rPr lang="en-CA" sz="1100" dirty="0" err="1">
+                  <a:latin typeface="Arial"/>
+                  <a:ea typeface="Calibri" panose="020F0502020204030204" pitchFamily="34" charset="0"/>
+                  <a:cs typeface="Arial"/>
+                </a:rPr>
+                <a:t>imdevimab</a:t>
+              </a:r>
+              <a:r>
+                <a:rPr lang="en-CA" sz="1100" dirty="0">
+                  <a:latin typeface="Arial"/>
+                  <a:ea typeface="Calibri" panose="020F0502020204030204" pitchFamily="34" charset="0"/>
+                  <a:cs typeface="Arial"/>
+                </a:rPr>
+                <a:t> (n = 88)</a:t>
+              </a:r>
+            </a:p>
+            <a:p>
+              <a:pPr marL="151857" indent="-151857">
+                <a:buFont typeface="Arial" panose="020B0604020202020204" pitchFamily="34" charset="0"/>
+                <a:buChar char="•"/>
+              </a:pPr>
+              <a:r>
+                <a:rPr lang="en-CA" sz="1100" dirty="0">
+                  <a:latin typeface="Arial"/>
+                  <a:ea typeface="Calibri" panose="020F0502020204030204" pitchFamily="34" charset="0"/>
+                  <a:cs typeface="Arial"/>
+                </a:rPr>
+                <a:t>Remdesivir (n = 67)</a:t>
+              </a:r>
+            </a:p>
+            <a:p>
+              <a:pPr marL="151857" indent="-151857">
+                <a:buFont typeface="Arial" panose="020B0604020202020204" pitchFamily="34" charset="0"/>
+                <a:buChar char="•"/>
+              </a:pPr>
+              <a:r>
+                <a:rPr lang="en-CA" sz="1100" dirty="0" err="1">
+                  <a:latin typeface="Arial"/>
+                  <a:ea typeface="Calibri" panose="020F0502020204030204" pitchFamily="34" charset="0"/>
+                  <a:cs typeface="Arial"/>
+                </a:rPr>
+                <a:t>Molnupiravir</a:t>
+              </a:r>
+              <a:r>
+                <a:rPr lang="en-CA" sz="1100" dirty="0">
+                  <a:latin typeface="Arial"/>
+                  <a:ea typeface="Calibri" panose="020F0502020204030204" pitchFamily="34" charset="0"/>
+                  <a:cs typeface="Arial"/>
+                </a:rPr>
+                <a:t> (n = 66)</a:t>
+              </a:r>
+            </a:p>
+            <a:p>
+              <a:pPr marL="151857" indent="-151857">
+                <a:buFont typeface="Arial" panose="020B0604020202020204" pitchFamily="34" charset="0"/>
+                <a:buChar char="•"/>
+              </a:pPr>
+              <a:r>
+                <a:rPr lang="en-CA" sz="1100" dirty="0">
+                  <a:latin typeface="Arial"/>
+                  <a:ea typeface="Calibri" panose="020F0502020204030204" pitchFamily="34" charset="0"/>
+                  <a:cs typeface="Arial"/>
+                </a:rPr>
+                <a:t>Ivermectin (n = 44)</a:t>
+              </a:r>
+            </a:p>
+            <a:p>
+              <a:pPr marL="151857" indent="-151857">
+                <a:buFont typeface="Arial" panose="020B0604020202020204" pitchFamily="34" charset="0"/>
+                <a:buChar char="•"/>
+              </a:pPr>
+              <a:endParaRPr lang="en-US" sz="1100" dirty="0">
                 <a:latin typeface="Arial" panose="020B0604020202020204" pitchFamily="34" charset="0"/>
                 <a:ea typeface="Calibri" panose="020F0502020204030204" pitchFamily="34" charset="0"/>
                 <a:cs typeface="Arial" panose="020B0604020202020204" pitchFamily="34" charset="0"/>
-              </a:rPr>
-              <a:t>Tixagevimab</a:t>
-            </a:r>
-            <a:r>
-              <a:rPr lang="en-CA" sz="1200" dirty="0">
+              </a:endParaRPr>
+            </a:p>
+          </p:txBody>
+        </p:sp>
+        <p:sp>
+          <p:nvSpPr>
+            <p:cNvPr id="24" name="Rectangle 23">
+              <a:extLst>
+                <a:ext uri="{FF2B5EF4-FFF2-40B4-BE49-F238E27FC236}">
+                  <a16:creationId xmlns:a16="http://schemas.microsoft.com/office/drawing/2014/main" id="{9E6A769C-B7CC-48A7-8866-863078085967}"/>
+                </a:ext>
+              </a:extLst>
+            </p:cNvPr>
+            <p:cNvSpPr>
+              <a:spLocks noChangeArrowheads="1"/>
+            </p:cNvSpPr>
+            <p:nvPr/>
+          </p:nvSpPr>
+          <p:spPr bwMode="auto">
+            <a:xfrm>
+              <a:off x="6835293" y="1183103"/>
+              <a:ext cx="3549533" cy="994484"/>
+            </a:xfrm>
+            <a:prstGeom prst="rect">
+              <a:avLst/>
+            </a:prstGeom>
+            <a:solidFill>
+              <a:srgbClr val="FFFFFF"/>
+            </a:solidFill>
+            <a:ln w="9525">
+              <a:solidFill>
+                <a:srgbClr val="000000"/>
+              </a:solidFill>
+              <a:miter lim="800000"/>
+              <a:headEnd/>
+              <a:tailEnd/>
+            </a:ln>
+          </p:spPr>
+          <p:txBody>
+            <a:bodyPr rot="0" vert="horz" wrap="square" lIns="80998" tIns="80998" rIns="80998" bIns="80998" anchor="t" anchorCtr="0" upright="1">
+              <a:noAutofit/>
+            </a:bodyPr>
+            <a:lstStyle/>
+            <a:p>
+              <a:r>
+                <a:rPr lang="en-CA" sz="1400" b="1" dirty="0">
+                  <a:latin typeface="Arial" panose="020B0604020202020204" pitchFamily="34" charset="0"/>
+                  <a:ea typeface="Calibri" panose="020F0502020204030204" pitchFamily="34" charset="0"/>
+                  <a:cs typeface="Arial" panose="020B0604020202020204" pitchFamily="34" charset="0"/>
+                </a:rPr>
+                <a:t>Excluded (n = </a:t>
+              </a:r>
+              <a:r>
+                <a:rPr lang="en-US" sz="1400" b="1" dirty="0">
+                  <a:latin typeface="Arial" panose="020B0604020202020204" pitchFamily="34" charset="0"/>
+                  <a:ea typeface="Calibri" panose="020F0502020204030204" pitchFamily="34" charset="0"/>
+                  <a:cs typeface="Arial" panose="020B0604020202020204" pitchFamily="34" charset="0"/>
+                </a:rPr>
+                <a:t>50</a:t>
+              </a:r>
+              <a:r>
+                <a:rPr lang="en-CA" sz="1400" b="1" dirty="0">
+                  <a:latin typeface="Arial" panose="020B0604020202020204" pitchFamily="34" charset="0"/>
+                  <a:ea typeface="Calibri" panose="020F0502020204030204" pitchFamily="34" charset="0"/>
+                  <a:cs typeface="Arial" panose="020B0604020202020204" pitchFamily="34" charset="0"/>
+                </a:rPr>
+                <a:t>)</a:t>
+              </a:r>
+              <a:endParaRPr lang="en-US" sz="1400" b="1" dirty="0">
                 <a:latin typeface="Arial" panose="020B0604020202020204" pitchFamily="34" charset="0"/>
                 <a:ea typeface="Calibri" panose="020F0502020204030204" pitchFamily="34" charset="0"/>
                 <a:cs typeface="Arial" panose="020B0604020202020204" pitchFamily="34" charset="0"/>
-              </a:rPr>
-              <a:t>/</a:t>
-            </a:r>
-            <a:r>
-              <a:rPr lang="en-CA" sz="1200" dirty="0" err="1">
-                <a:latin typeface="Arial" panose="020B0604020202020204" pitchFamily="34" charset="0"/>
-                <a:ea typeface="Calibri" panose="020F0502020204030204" pitchFamily="34" charset="0"/>
-                <a:cs typeface="Arial" panose="020B0604020202020204" pitchFamily="34" charset="0"/>
-              </a:rPr>
-              <a:t>Cilgavimab</a:t>
-            </a:r>
-            <a:r>
-              <a:rPr lang="en-CA" sz="1200" dirty="0">
-                <a:latin typeface="Arial" panose="020B0604020202020204" pitchFamily="34" charset="0"/>
-                <a:ea typeface="Calibri" panose="020F0502020204030204" pitchFamily="34" charset="0"/>
-                <a:cs typeface="Arial" panose="020B0604020202020204" pitchFamily="34" charset="0"/>
-              </a:rPr>
-              <a:t> (n = 96)</a:t>
-            </a:r>
-          </a:p>
-          <a:p>
-            <a:pPr marL="228591" indent="-228591">
-              <a:buFont typeface="Arial" panose="020B0604020202020204" pitchFamily="34" charset="0"/>
-              <a:buChar char="•"/>
-            </a:pPr>
-            <a:r>
-              <a:rPr lang="en-CA" sz="1200" dirty="0" err="1">
-                <a:latin typeface="Arial"/>
-                <a:ea typeface="Calibri" panose="020F0502020204030204" pitchFamily="34" charset="0"/>
-                <a:cs typeface="Arial"/>
-              </a:rPr>
-              <a:t>Nirmatrelvir</a:t>
-            </a:r>
-            <a:r>
-              <a:rPr lang="en-CA" sz="1200" dirty="0">
-                <a:latin typeface="Arial" panose="020B0604020202020204" pitchFamily="34" charset="0"/>
-                <a:ea typeface="Calibri" panose="020F0502020204030204" pitchFamily="34" charset="0"/>
-                <a:cs typeface="Arial" panose="020B0604020202020204" pitchFamily="34" charset="0"/>
-              </a:rPr>
-              <a:t> + </a:t>
-            </a:r>
-            <a:r>
-              <a:rPr lang="en-CA" sz="1200" dirty="0" err="1">
-                <a:latin typeface="Arial" panose="020B0604020202020204" pitchFamily="34" charset="0"/>
-                <a:ea typeface="Calibri" panose="020F0502020204030204" pitchFamily="34" charset="0"/>
-                <a:cs typeface="Arial" panose="020B0604020202020204" pitchFamily="34" charset="0"/>
-              </a:rPr>
-              <a:t>Molnupiravir</a:t>
-            </a:r>
-            <a:r>
-              <a:rPr lang="en-CA" sz="1200" dirty="0">
-                <a:latin typeface="Arial" panose="020B0604020202020204" pitchFamily="34" charset="0"/>
-                <a:ea typeface="Calibri" panose="020F0502020204030204" pitchFamily="34" charset="0"/>
-                <a:cs typeface="Arial" panose="020B0604020202020204" pitchFamily="34" charset="0"/>
-              </a:rPr>
-              <a:t> (n = 67)</a:t>
-            </a:r>
-          </a:p>
-          <a:p>
-            <a:pPr marL="228591" indent="-228591">
-              <a:buFont typeface="Arial" panose="020B0604020202020204" pitchFamily="34" charset="0"/>
-              <a:buChar char="•"/>
-            </a:pPr>
-            <a:r>
-              <a:rPr lang="en-CA" sz="1200" dirty="0">
-                <a:latin typeface="Arial" panose="020B0604020202020204" pitchFamily="34" charset="0"/>
-                <a:ea typeface="Calibri" panose="020F0502020204030204" pitchFamily="34" charset="0"/>
-                <a:cs typeface="Arial" panose="020B0604020202020204" pitchFamily="34" charset="0"/>
-              </a:rPr>
-              <a:t>Nitazoxanide (n = 36)</a:t>
-            </a:r>
-          </a:p>
-        </p:txBody>
-      </p:sp>
-      <p:cxnSp>
-        <p:nvCxnSpPr>
-          <p:cNvPr id="14" name="Straight Arrow Connector 13">
-            <a:extLst>
-              <a:ext uri="{FF2B5EF4-FFF2-40B4-BE49-F238E27FC236}">
-                <a16:creationId xmlns:a16="http://schemas.microsoft.com/office/drawing/2014/main" id="{45A7504A-F874-4E8B-BDF1-008AFB944F65}"/>
-              </a:ext>
-            </a:extLst>
-          </p:cNvPr>
-          <p:cNvCxnSpPr>
-            <a:cxnSpLocks noChangeShapeType="1"/>
-          </p:cNvCxnSpPr>
-          <p:nvPr/>
-        </p:nvCxnSpPr>
-        <p:spPr bwMode="auto">
-          <a:xfrm>
-            <a:off x="5104185" y="4327346"/>
-            <a:ext cx="2612271" cy="0"/>
-          </a:xfrm>
-          <a:prstGeom prst="straightConnector1">
-            <a:avLst/>
-          </a:prstGeom>
-          <a:noFill/>
-          <a:ln w="19050">
-            <a:solidFill>
-              <a:schemeClr val="tx1"/>
-            </a:solidFill>
-            <a:round/>
-            <a:headEnd/>
-            <a:tailEnd type="triangle" w="med" len="med"/>
-          </a:ln>
-          <a:effectLst/>
-          <a:extLst>
-            <a:ext uri="{909E8E84-426E-40DD-AFC4-6F175D3DCCD1}">
-              <a14:hiddenFill xmlns:a14="http://schemas.microsoft.com/office/drawing/2010/main">
-                <a:noFill/>
-              </a14:hiddenFill>
-            </a:ext>
-            <a:ext uri="{AF507438-7753-43E0-B8FC-AC1667EBCBE1}">
-              <a14:hiddenEffects xmlns:a14="http://schemas.microsoft.com/office/drawing/2010/main">
-                <a:effectLst>
-                  <a:outerShdw dist="35921" dir="2700000" algn="ctr" rotWithShape="0">
-                    <a:srgbClr val="CCCCCC"/>
-                  </a:outerShdw>
-                </a:effectLst>
-              </a14:hiddenEffects>
-            </a:ext>
-          </a:extLst>
-        </p:spPr>
-      </p:cxnSp>
-      <p:sp>
-        <p:nvSpPr>
-          <p:cNvPr id="18" name="Rectangle 17">
-            <a:extLst>
-              <a:ext uri="{FF2B5EF4-FFF2-40B4-BE49-F238E27FC236}">
-                <a16:creationId xmlns:a16="http://schemas.microsoft.com/office/drawing/2014/main" id="{A105BD0C-EA1F-4789-9812-85A278C67A1E}"/>
-              </a:ext>
-            </a:extLst>
-          </p:cNvPr>
-          <p:cNvSpPr>
-            <a:spLocks noChangeArrowheads="1"/>
-          </p:cNvSpPr>
-          <p:nvPr/>
-        </p:nvSpPr>
-        <p:spPr bwMode="auto">
-          <a:xfrm>
-            <a:off x="3590223" y="403711"/>
-            <a:ext cx="3027926" cy="560988"/>
-          </a:xfrm>
-          <a:prstGeom prst="rect">
-            <a:avLst/>
-          </a:prstGeom>
-          <a:solidFill>
-            <a:srgbClr val="FFFFFF"/>
-          </a:solidFill>
-          <a:ln w="9525">
-            <a:solidFill>
-              <a:srgbClr val="000000"/>
-            </a:solidFill>
-            <a:miter lim="800000"/>
-            <a:headEnd/>
-            <a:tailEnd/>
-          </a:ln>
-        </p:spPr>
-        <p:txBody>
-          <a:bodyPr rot="0" vert="horz" wrap="square" lIns="91440" tIns="91440" rIns="91440" bIns="91440" anchor="t" anchorCtr="0" upright="1">
-            <a:noAutofit/>
-          </a:bodyPr>
-          <a:lstStyle/>
-          <a:p>
-            <a:pPr algn="ctr"/>
-            <a:r>
-              <a:rPr lang="en-CA" sz="1400" b="1" dirty="0">
-                <a:latin typeface="Arial" panose="020B0604020202020204" pitchFamily="34" charset="0"/>
-                <a:ea typeface="Calibri" panose="020F0502020204030204" pitchFamily="34" charset="0"/>
-                <a:cs typeface="Arial" panose="020B0604020202020204" pitchFamily="34" charset="0"/>
-              </a:rPr>
-              <a:t>Assessed for eligibility </a:t>
-            </a:r>
-          </a:p>
-          <a:p>
-            <a:pPr algn="ctr"/>
-            <a:r>
-              <a:rPr lang="en-CA" sz="1400" b="1" dirty="0">
-                <a:latin typeface="Arial" panose="020B0604020202020204" pitchFamily="34" charset="0"/>
-                <a:ea typeface="Calibri" panose="020F0502020204030204" pitchFamily="34" charset="0"/>
-                <a:cs typeface="Arial" panose="020B0604020202020204" pitchFamily="34" charset="0"/>
-              </a:rPr>
-              <a:t>(n </a:t>
-            </a:r>
-            <a:r>
-              <a:rPr lang="en-US" sz="1400" b="1" dirty="0">
-                <a:latin typeface="Arial" panose="020B0604020202020204" pitchFamily="34" charset="0"/>
-                <a:ea typeface="Calibri" panose="020F0502020204030204" pitchFamily="34" charset="0"/>
-                <a:cs typeface="Arial" panose="020B0604020202020204" pitchFamily="34" charset="0"/>
-              </a:rPr>
-              <a:t>= 1314</a:t>
-            </a:r>
-            <a:r>
-              <a:rPr lang="en-CA" sz="1400" b="1" dirty="0">
-                <a:latin typeface="Arial" panose="020B0604020202020204" pitchFamily="34" charset="0"/>
-                <a:ea typeface="Calibri" panose="020F0502020204030204" pitchFamily="34" charset="0"/>
-                <a:cs typeface="Arial" panose="020B0604020202020204" pitchFamily="34" charset="0"/>
-              </a:rPr>
-              <a:t>)</a:t>
-            </a:r>
-            <a:endParaRPr lang="en-US" sz="1400" b="1" dirty="0">
-              <a:latin typeface="Arial" panose="020B0604020202020204" pitchFamily="34" charset="0"/>
-              <a:ea typeface="Calibri" panose="020F0502020204030204" pitchFamily="34" charset="0"/>
-              <a:cs typeface="Arial" panose="020B0604020202020204" pitchFamily="34" charset="0"/>
-            </a:endParaRPr>
-          </a:p>
-        </p:txBody>
-      </p:sp>
-      <p:cxnSp>
-        <p:nvCxnSpPr>
-          <p:cNvPr id="20" name="Straight Arrow Connector 19">
-            <a:extLst>
-              <a:ext uri="{FF2B5EF4-FFF2-40B4-BE49-F238E27FC236}">
-                <a16:creationId xmlns:a16="http://schemas.microsoft.com/office/drawing/2014/main" id="{2A65B37A-FF18-4FCB-95E6-9975D0814F56}"/>
-              </a:ext>
-            </a:extLst>
-          </p:cNvPr>
-          <p:cNvCxnSpPr>
-            <a:cxnSpLocks noChangeShapeType="1"/>
-          </p:cNvCxnSpPr>
-          <p:nvPr/>
-        </p:nvCxnSpPr>
-        <p:spPr bwMode="auto">
-          <a:xfrm>
-            <a:off x="5104185" y="1287033"/>
-            <a:ext cx="2612271" cy="0"/>
-          </a:xfrm>
-          <a:prstGeom prst="straightConnector1">
-            <a:avLst/>
-          </a:prstGeom>
-          <a:noFill/>
-          <a:ln w="19050">
-            <a:solidFill>
-              <a:schemeClr val="tx1"/>
-            </a:solidFill>
-            <a:round/>
-            <a:headEnd/>
-            <a:tailEnd type="triangle" w="med" len="med"/>
-          </a:ln>
-          <a:effectLst/>
-          <a:extLst>
-            <a:ext uri="{909E8E84-426E-40DD-AFC4-6F175D3DCCD1}">
-              <a14:hiddenFill xmlns:a14="http://schemas.microsoft.com/office/drawing/2010/main">
-                <a:noFill/>
-              </a14:hiddenFill>
-            </a:ext>
-            <a:ext uri="{AF507438-7753-43E0-B8FC-AC1667EBCBE1}">
-              <a14:hiddenEffects xmlns:a14="http://schemas.microsoft.com/office/drawing/2010/main">
-                <a:effectLst>
-                  <a:outerShdw dist="35921" dir="2700000" algn="ctr" rotWithShape="0">
-                    <a:srgbClr val="CCCCCC"/>
-                  </a:outerShdw>
-                </a:effectLst>
-              </a14:hiddenEffects>
-            </a:ext>
-          </a:extLst>
-        </p:spPr>
-      </p:cxnSp>
-      <p:sp>
-        <p:nvSpPr>
-          <p:cNvPr id="21" name="TextBox 20">
-            <a:extLst>
-              <a:ext uri="{FF2B5EF4-FFF2-40B4-BE49-F238E27FC236}">
-                <a16:creationId xmlns:a16="http://schemas.microsoft.com/office/drawing/2014/main" id="{7C247865-96EA-4514-8479-D5148FB80279}"/>
-              </a:ext>
-            </a:extLst>
-          </p:cNvPr>
-          <p:cNvSpPr txBox="1"/>
-          <p:nvPr/>
-        </p:nvSpPr>
-        <p:spPr>
-          <a:xfrm>
-            <a:off x="1598875" y="1148533"/>
-            <a:ext cx="1329086" cy="307777"/>
-          </a:xfrm>
-          <a:prstGeom prst="rect">
-            <a:avLst/>
-          </a:prstGeom>
-          <a:solidFill>
-            <a:schemeClr val="bg1">
-              <a:lumMod val="85000"/>
-            </a:schemeClr>
-          </a:solidFill>
-          <a:ln>
-            <a:solidFill>
-              <a:schemeClr val="bg2">
-                <a:lumMod val="50000"/>
-              </a:schemeClr>
-            </a:solidFill>
-          </a:ln>
-        </p:spPr>
-        <p:txBody>
-          <a:bodyPr wrap="square" rtlCol="0">
-            <a:spAutoFit/>
-          </a:bodyPr>
-          <a:lstStyle/>
-          <a:p>
-            <a:pPr algn="ctr"/>
-            <a:r>
-              <a:rPr lang="en-GB" sz="1400" b="1" dirty="0">
-                <a:latin typeface="Arial" panose="020B0604020202020204" pitchFamily="34" charset="0"/>
-                <a:cs typeface="Arial" panose="020B0604020202020204" pitchFamily="34" charset="0"/>
-              </a:rPr>
-              <a:t>Enrolment</a:t>
-            </a:r>
-          </a:p>
-        </p:txBody>
-      </p:sp>
-      <p:sp>
-        <p:nvSpPr>
-          <p:cNvPr id="22" name="TextBox 21">
-            <a:extLst>
-              <a:ext uri="{FF2B5EF4-FFF2-40B4-BE49-F238E27FC236}">
-                <a16:creationId xmlns:a16="http://schemas.microsoft.com/office/drawing/2014/main" id="{E01E8C87-7B6E-453D-8643-FF0EF6765E2E}"/>
-              </a:ext>
-            </a:extLst>
-          </p:cNvPr>
-          <p:cNvSpPr txBox="1"/>
-          <p:nvPr/>
-        </p:nvSpPr>
-        <p:spPr>
-          <a:xfrm>
-            <a:off x="1598875" y="2474609"/>
-            <a:ext cx="1329086" cy="307777"/>
-          </a:xfrm>
-          <a:prstGeom prst="rect">
-            <a:avLst/>
-          </a:prstGeom>
-          <a:solidFill>
-            <a:schemeClr val="bg1">
-              <a:lumMod val="85000"/>
-            </a:schemeClr>
-          </a:solidFill>
-          <a:ln>
-            <a:solidFill>
-              <a:schemeClr val="bg2">
-                <a:lumMod val="50000"/>
-              </a:schemeClr>
-            </a:solidFill>
-          </a:ln>
-        </p:spPr>
-        <p:txBody>
-          <a:bodyPr wrap="square" rtlCol="0">
-            <a:spAutoFit/>
-          </a:bodyPr>
-          <a:lstStyle/>
-          <a:p>
-            <a:pPr algn="ctr"/>
-            <a:r>
-              <a:rPr lang="en-GB" sz="1400" b="1" dirty="0">
-                <a:latin typeface="Arial" panose="020B0604020202020204" pitchFamily="34" charset="0"/>
-                <a:cs typeface="Arial" panose="020B0604020202020204" pitchFamily="34" charset="0"/>
-              </a:rPr>
-              <a:t>Allocation</a:t>
-            </a:r>
-          </a:p>
-        </p:txBody>
-      </p:sp>
-      <p:sp>
-        <p:nvSpPr>
-          <p:cNvPr id="23" name="TextBox 22">
-            <a:extLst>
-              <a:ext uri="{FF2B5EF4-FFF2-40B4-BE49-F238E27FC236}">
-                <a16:creationId xmlns:a16="http://schemas.microsoft.com/office/drawing/2014/main" id="{04D60864-AA3C-476F-A038-7AAED73556D4}"/>
-              </a:ext>
-            </a:extLst>
-          </p:cNvPr>
-          <p:cNvSpPr txBox="1"/>
-          <p:nvPr/>
-        </p:nvSpPr>
-        <p:spPr>
-          <a:xfrm>
-            <a:off x="1598875" y="4188846"/>
-            <a:ext cx="1329086" cy="307777"/>
-          </a:xfrm>
-          <a:prstGeom prst="rect">
-            <a:avLst/>
-          </a:prstGeom>
-          <a:solidFill>
-            <a:schemeClr val="bg1">
-              <a:lumMod val="85000"/>
-            </a:schemeClr>
-          </a:solidFill>
-          <a:ln>
-            <a:solidFill>
-              <a:schemeClr val="bg2">
-                <a:lumMod val="50000"/>
-              </a:schemeClr>
-            </a:solidFill>
-          </a:ln>
-        </p:spPr>
-        <p:txBody>
-          <a:bodyPr wrap="square" rtlCol="0">
-            <a:spAutoFit/>
-          </a:bodyPr>
-          <a:lstStyle/>
-          <a:p>
-            <a:pPr algn="ctr"/>
-            <a:r>
-              <a:rPr lang="en-GB" sz="1400" b="1" dirty="0">
-                <a:latin typeface="Arial" panose="020B0604020202020204" pitchFamily="34" charset="0"/>
-                <a:cs typeface="Arial" panose="020B0604020202020204" pitchFamily="34" charset="0"/>
-              </a:rPr>
-              <a:t>Analysis</a:t>
-            </a:r>
-          </a:p>
-        </p:txBody>
-      </p:sp>
-      <p:sp>
-        <p:nvSpPr>
-          <p:cNvPr id="26" name="Rectangle 25">
-            <a:extLst>
-              <a:ext uri="{FF2B5EF4-FFF2-40B4-BE49-F238E27FC236}">
-                <a16:creationId xmlns:a16="http://schemas.microsoft.com/office/drawing/2014/main" id="{B21DCE91-4B6D-4405-8773-1F9783B3106A}"/>
-              </a:ext>
-            </a:extLst>
-          </p:cNvPr>
-          <p:cNvSpPr>
-            <a:spLocks noChangeArrowheads="1"/>
-          </p:cNvSpPr>
-          <p:nvPr/>
-        </p:nvSpPr>
-        <p:spPr bwMode="auto">
-          <a:xfrm>
-            <a:off x="7716459" y="4126429"/>
-            <a:ext cx="4007111" cy="997111"/>
-          </a:xfrm>
-          <a:prstGeom prst="rect">
-            <a:avLst/>
-          </a:prstGeom>
-          <a:solidFill>
-            <a:srgbClr val="FFFFFF"/>
-          </a:solidFill>
-          <a:ln w="9525">
-            <a:solidFill>
-              <a:srgbClr val="000000"/>
-            </a:solidFill>
-            <a:miter lim="800000"/>
-            <a:headEnd/>
-            <a:tailEnd/>
-          </a:ln>
-        </p:spPr>
-        <p:txBody>
-          <a:bodyPr rot="0" vert="horz" wrap="square" lIns="91440" tIns="91440" rIns="91440" bIns="91440" anchor="t" anchorCtr="0" upright="1">
-            <a:noAutofit/>
-          </a:bodyPr>
-          <a:lstStyle/>
-          <a:p>
-            <a:r>
-              <a:rPr lang="en-US" sz="1400" b="1" dirty="0">
-                <a:latin typeface="Arial" panose="020B0604020202020204" pitchFamily="34" charset="0"/>
-                <a:ea typeface="Calibri" panose="020F0502020204030204" pitchFamily="34" charset="0"/>
-                <a:cs typeface="Arial" panose="020B0604020202020204" pitchFamily="34" charset="0"/>
-              </a:rPr>
-              <a:t>Excluded from analysis (n = 24)</a:t>
-            </a:r>
-          </a:p>
-          <a:p>
-            <a:pPr marL="285750" indent="-285750">
-              <a:buFont typeface="Arial" panose="020B0604020202020204" pitchFamily="34" charset="0"/>
-              <a:buChar char="•"/>
-            </a:pPr>
-            <a:r>
-              <a:rPr lang="en-US" sz="1200" dirty="0">
-                <a:latin typeface="Arial" panose="020B0604020202020204" pitchFamily="34" charset="0"/>
-                <a:ea typeface="Calibri" panose="020F0502020204030204" pitchFamily="34" charset="0"/>
-                <a:cs typeface="Arial" panose="020B0604020202020204" pitchFamily="34" charset="0"/>
-              </a:rPr>
-              <a:t>Non-compliance (n = 13)</a:t>
-            </a:r>
-          </a:p>
-          <a:p>
-            <a:pPr marL="285750" indent="-285750">
-              <a:buFont typeface="Arial" panose="020B0604020202020204" pitchFamily="34" charset="0"/>
-              <a:buChar char="•"/>
-            </a:pPr>
-            <a:r>
-              <a:rPr lang="en-US" sz="1200" dirty="0">
-                <a:latin typeface="Arial" panose="020B0604020202020204" pitchFamily="34" charset="0"/>
-                <a:ea typeface="Calibri" panose="020F0502020204030204" pitchFamily="34" charset="0"/>
-                <a:cs typeface="Arial" panose="020B0604020202020204" pitchFamily="34" charset="0"/>
-              </a:rPr>
-              <a:t>Withdrew consent (n = 11)</a:t>
-            </a:r>
-          </a:p>
-          <a:p>
-            <a:endParaRPr lang="en-US" sz="1400" b="1" dirty="0">
-              <a:highlight>
-                <a:srgbClr val="FFFF00"/>
-              </a:highlight>
-              <a:latin typeface="Arial" panose="020B0604020202020204" pitchFamily="34" charset="0"/>
-              <a:ea typeface="Calibri" panose="020F0502020204030204" pitchFamily="34" charset="0"/>
-              <a:cs typeface="Arial" panose="020B0604020202020204" pitchFamily="34" charset="0"/>
-            </a:endParaRPr>
-          </a:p>
-        </p:txBody>
-      </p:sp>
-      <p:sp>
-        <p:nvSpPr>
-          <p:cNvPr id="38" name="Rectangle 37">
-            <a:extLst>
-              <a:ext uri="{FF2B5EF4-FFF2-40B4-BE49-F238E27FC236}">
-                <a16:creationId xmlns:a16="http://schemas.microsoft.com/office/drawing/2014/main" id="{5B2E406E-4D9C-4C97-A4D9-5411B45878E6}"/>
-              </a:ext>
-            </a:extLst>
-          </p:cNvPr>
-          <p:cNvSpPr>
-            <a:spLocks noChangeArrowheads="1"/>
-          </p:cNvSpPr>
-          <p:nvPr/>
-        </p:nvSpPr>
-        <p:spPr bwMode="auto">
-          <a:xfrm>
-            <a:off x="3590222" y="2968357"/>
-            <a:ext cx="3027927" cy="560983"/>
-          </a:xfrm>
-          <a:prstGeom prst="rect">
-            <a:avLst/>
-          </a:prstGeom>
-          <a:solidFill>
-            <a:srgbClr val="FFFFFF"/>
-          </a:solidFill>
-          <a:ln w="9525">
-            <a:solidFill>
-              <a:srgbClr val="000000"/>
-            </a:solidFill>
-            <a:miter lim="800000"/>
-            <a:headEnd/>
-            <a:tailEnd/>
-          </a:ln>
-        </p:spPr>
-        <p:txBody>
-          <a:bodyPr rot="0" vert="horz" wrap="square" lIns="91440" tIns="91440" rIns="91440" bIns="91440" anchor="t" anchorCtr="0" upright="1">
-            <a:noAutofit/>
-          </a:bodyPr>
-          <a:lstStyle/>
-          <a:p>
-            <a:pPr algn="ctr"/>
-            <a:r>
-              <a:rPr lang="en-CA" sz="1400" b="1" dirty="0">
-                <a:latin typeface="Arial"/>
-                <a:ea typeface="Calibri" panose="020F0502020204030204" pitchFamily="34" charset="0"/>
-                <a:cs typeface="Arial"/>
-              </a:rPr>
-              <a:t>ITT in included drug arms</a:t>
-            </a:r>
-          </a:p>
-          <a:p>
-            <a:pPr algn="ctr"/>
-            <a:r>
-              <a:rPr lang="en-CA" sz="1400" b="1" dirty="0">
-                <a:latin typeface="Arial"/>
-                <a:ea typeface="Calibri" panose="020F0502020204030204" pitchFamily="34" charset="0"/>
-                <a:cs typeface="Arial"/>
-              </a:rPr>
-              <a:t>(n = 824)</a:t>
-            </a:r>
-            <a:endParaRPr lang="en-US" sz="1400" b="1" dirty="0">
-              <a:latin typeface="Arial" panose="020B0604020202020204" pitchFamily="34" charset="0"/>
-              <a:ea typeface="Calibri" panose="020F0502020204030204" pitchFamily="34" charset="0"/>
-              <a:cs typeface="Arial" panose="020B0604020202020204" pitchFamily="34" charset="0"/>
-            </a:endParaRPr>
-          </a:p>
-        </p:txBody>
-      </p:sp>
-      <p:cxnSp>
-        <p:nvCxnSpPr>
-          <p:cNvPr id="43" name="Straight Arrow Connector 42">
-            <a:extLst>
-              <a:ext uri="{FF2B5EF4-FFF2-40B4-BE49-F238E27FC236}">
-                <a16:creationId xmlns:a16="http://schemas.microsoft.com/office/drawing/2014/main" id="{1F461882-BBF1-4A95-8330-E656345A1729}"/>
-              </a:ext>
-            </a:extLst>
-          </p:cNvPr>
-          <p:cNvCxnSpPr>
-            <a:cxnSpLocks noChangeShapeType="1"/>
-            <a:stCxn id="38" idx="2"/>
-            <a:endCxn id="46" idx="0"/>
-          </p:cNvCxnSpPr>
-          <p:nvPr/>
-        </p:nvCxnSpPr>
-        <p:spPr bwMode="auto">
-          <a:xfrm flipH="1">
-            <a:off x="5104185" y="3529340"/>
-            <a:ext cx="1" cy="1241131"/>
-          </a:xfrm>
-          <a:prstGeom prst="straightConnector1">
-            <a:avLst/>
-          </a:prstGeom>
-          <a:noFill/>
-          <a:ln w="19050">
-            <a:solidFill>
-              <a:schemeClr val="tx1"/>
-            </a:solidFill>
-            <a:round/>
-            <a:headEnd/>
-            <a:tailEnd type="triangle" w="med" len="med"/>
-          </a:ln>
-          <a:effectLst/>
-          <a:extLst>
-            <a:ext uri="{909E8E84-426E-40DD-AFC4-6F175D3DCCD1}">
-              <a14:hiddenFill xmlns:a14="http://schemas.microsoft.com/office/drawing/2010/main">
-                <a:noFill/>
-              </a14:hiddenFill>
-            </a:ext>
-            <a:ext uri="{AF507438-7753-43E0-B8FC-AC1667EBCBE1}">
-              <a14:hiddenEffects xmlns:a14="http://schemas.microsoft.com/office/drawing/2010/main">
-                <a:effectLst>
-                  <a:outerShdw dist="35921" dir="2700000" algn="ctr" rotWithShape="0">
-                    <a:srgbClr val="CCCCCC"/>
-                  </a:outerShdw>
-                </a:effectLst>
-              </a14:hiddenEffects>
-            </a:ext>
-          </a:extLst>
-        </p:spPr>
-      </p:cxnSp>
-      <p:sp>
-        <p:nvSpPr>
-          <p:cNvPr id="46" name="Rectangle 45">
-            <a:extLst>
-              <a:ext uri="{FF2B5EF4-FFF2-40B4-BE49-F238E27FC236}">
-                <a16:creationId xmlns:a16="http://schemas.microsoft.com/office/drawing/2014/main" id="{5F5783C3-33A8-4974-BD36-82CD8B4D5397}"/>
-              </a:ext>
-            </a:extLst>
-          </p:cNvPr>
-          <p:cNvSpPr>
-            <a:spLocks noChangeArrowheads="1"/>
-          </p:cNvSpPr>
-          <p:nvPr/>
-        </p:nvSpPr>
-        <p:spPr bwMode="auto">
-          <a:xfrm>
-            <a:off x="3590221" y="4770471"/>
-            <a:ext cx="3027928" cy="1675147"/>
-          </a:xfrm>
-          <a:prstGeom prst="rect">
-            <a:avLst/>
-          </a:prstGeom>
-          <a:solidFill>
-            <a:srgbClr val="FFFFFF"/>
-          </a:solidFill>
-          <a:ln w="9525">
-            <a:solidFill>
-              <a:srgbClr val="000000"/>
-            </a:solidFill>
-            <a:miter lim="800000"/>
-            <a:headEnd/>
-            <a:tailEnd/>
-          </a:ln>
-        </p:spPr>
-        <p:txBody>
-          <a:bodyPr rot="0" vert="horz" wrap="square" lIns="91440" tIns="91440" rIns="91440" bIns="91440" anchor="t" anchorCtr="0" upright="1">
-            <a:noAutofit/>
-          </a:bodyPr>
-          <a:lstStyle/>
-          <a:p>
-            <a:r>
-              <a:rPr lang="en-CA" sz="1400" b="1" dirty="0">
-                <a:latin typeface="Arial"/>
-                <a:ea typeface="Calibri" panose="020F0502020204030204" pitchFamily="34" charset="0"/>
-                <a:cs typeface="Arial"/>
-              </a:rPr>
-              <a:t>Analysed dataset; </a:t>
-            </a:r>
-            <a:r>
-              <a:rPr lang="en-CA" sz="1400" b="1" dirty="0" err="1">
-                <a:latin typeface="Arial"/>
-                <a:ea typeface="Calibri" panose="020F0502020204030204" pitchFamily="34" charset="0"/>
-                <a:cs typeface="Arial"/>
-              </a:rPr>
-              <a:t>mITT</a:t>
-            </a:r>
-            <a:r>
-              <a:rPr lang="en-CA" sz="1400" b="1" dirty="0">
-                <a:latin typeface="Arial"/>
-                <a:ea typeface="Calibri" panose="020F0502020204030204" pitchFamily="34" charset="0"/>
-                <a:cs typeface="Arial"/>
-              </a:rPr>
-              <a:t> (n = 800)</a:t>
-            </a:r>
-          </a:p>
-          <a:p>
-            <a:pPr marL="171450" indent="-171450">
-              <a:buFont typeface="Arial" panose="020B0604020202020204" pitchFamily="34" charset="0"/>
-              <a:buChar char="•"/>
-            </a:pPr>
-            <a:r>
-              <a:rPr lang="en-CA" sz="1200" dirty="0">
-                <a:latin typeface="Arial"/>
-                <a:ea typeface="Calibri" panose="020F0502020204030204" pitchFamily="34" charset="0"/>
-                <a:cs typeface="Arial"/>
-              </a:rPr>
-              <a:t>No study drug (n = 263)</a:t>
-            </a:r>
-          </a:p>
-          <a:p>
-            <a:pPr marL="171450" indent="-171450">
-              <a:buFont typeface="Arial" panose="020B0604020202020204" pitchFamily="34" charset="0"/>
-              <a:buChar char="•"/>
-            </a:pPr>
-            <a:r>
-              <a:rPr lang="en-CA" sz="1200" dirty="0" err="1">
-                <a:latin typeface="Arial"/>
-                <a:ea typeface="Calibri" panose="020F0502020204030204" pitchFamily="34" charset="0"/>
-                <a:cs typeface="Arial"/>
-              </a:rPr>
-              <a:t>Nirmatrelvir</a:t>
-            </a:r>
-            <a:r>
-              <a:rPr lang="en-CA" sz="1200" dirty="0">
-                <a:latin typeface="Arial"/>
-                <a:ea typeface="Calibri" panose="020F0502020204030204" pitchFamily="34" charset="0"/>
-                <a:cs typeface="Arial"/>
-              </a:rPr>
-              <a:t> (n = 158)</a:t>
-            </a:r>
-          </a:p>
-          <a:p>
-            <a:pPr marL="171450" indent="-171450">
-              <a:buFont typeface="Arial" panose="020B0604020202020204" pitchFamily="34" charset="0"/>
-              <a:buChar char="•"/>
-            </a:pPr>
-            <a:r>
-              <a:rPr lang="en-CA" sz="1200" dirty="0">
-                <a:latin typeface="Arial"/>
-                <a:ea typeface="Calibri" panose="020F0502020204030204" pitchFamily="34" charset="0"/>
-                <a:cs typeface="Arial"/>
-              </a:rPr>
-              <a:t>Favipiravir (n = 114)</a:t>
-            </a:r>
-          </a:p>
-          <a:p>
-            <a:pPr marL="171450" indent="-171450">
-              <a:buFont typeface="Arial" panose="020B0604020202020204" pitchFamily="34" charset="0"/>
-              <a:buChar char="•"/>
-            </a:pPr>
-            <a:r>
-              <a:rPr lang="en-CA" sz="1200" dirty="0" err="1">
-                <a:latin typeface="Arial"/>
-                <a:ea typeface="Calibri" panose="020F0502020204030204" pitchFamily="34" charset="0"/>
-                <a:cs typeface="Arial"/>
-              </a:rPr>
-              <a:t>Casirivimab</a:t>
-            </a:r>
-            <a:r>
-              <a:rPr lang="en-CA" sz="1200" dirty="0">
-                <a:latin typeface="Arial"/>
-                <a:ea typeface="Calibri" panose="020F0502020204030204" pitchFamily="34" charset="0"/>
-                <a:cs typeface="Arial"/>
-              </a:rPr>
-              <a:t>/</a:t>
-            </a:r>
-            <a:r>
-              <a:rPr lang="en-CA" sz="1200" dirty="0" err="1">
-                <a:latin typeface="Arial"/>
-                <a:ea typeface="Calibri" panose="020F0502020204030204" pitchFamily="34" charset="0"/>
-                <a:cs typeface="Arial"/>
-              </a:rPr>
-              <a:t>imdevimab</a:t>
-            </a:r>
-            <a:r>
-              <a:rPr lang="en-CA" sz="1200" dirty="0">
-                <a:latin typeface="Arial"/>
-                <a:ea typeface="Calibri" panose="020F0502020204030204" pitchFamily="34" charset="0"/>
-                <a:cs typeface="Arial"/>
-              </a:rPr>
-              <a:t> (n = 88)</a:t>
-            </a:r>
-          </a:p>
-          <a:p>
-            <a:pPr marL="171450" indent="-171450">
-              <a:buFont typeface="Arial" panose="020B0604020202020204" pitchFamily="34" charset="0"/>
-              <a:buChar char="•"/>
-            </a:pPr>
-            <a:r>
-              <a:rPr lang="en-CA" sz="1200" dirty="0">
-                <a:latin typeface="Arial"/>
-                <a:ea typeface="Calibri" panose="020F0502020204030204" pitchFamily="34" charset="0"/>
-                <a:cs typeface="Arial"/>
-              </a:rPr>
-              <a:t>Remdesivir (n = 67)</a:t>
-            </a:r>
-          </a:p>
-          <a:p>
-            <a:pPr marL="171450" indent="-171450">
-              <a:buFont typeface="Arial" panose="020B0604020202020204" pitchFamily="34" charset="0"/>
-              <a:buChar char="•"/>
-            </a:pPr>
-            <a:r>
-              <a:rPr lang="en-CA" sz="1200" dirty="0" err="1">
-                <a:latin typeface="Arial"/>
-                <a:ea typeface="Calibri" panose="020F0502020204030204" pitchFamily="34" charset="0"/>
-                <a:cs typeface="Arial"/>
-              </a:rPr>
-              <a:t>Molnupiravir</a:t>
-            </a:r>
-            <a:r>
-              <a:rPr lang="en-CA" sz="1200" dirty="0">
-                <a:latin typeface="Arial"/>
-                <a:ea typeface="Calibri" panose="020F0502020204030204" pitchFamily="34" charset="0"/>
-                <a:cs typeface="Arial"/>
-              </a:rPr>
-              <a:t> (n = 66)</a:t>
-            </a:r>
-          </a:p>
-          <a:p>
-            <a:pPr marL="171450" indent="-171450">
-              <a:buFont typeface="Arial" panose="020B0604020202020204" pitchFamily="34" charset="0"/>
-              <a:buChar char="•"/>
-            </a:pPr>
-            <a:r>
-              <a:rPr lang="en-CA" sz="1200" dirty="0">
-                <a:latin typeface="Arial"/>
-                <a:ea typeface="Calibri" panose="020F0502020204030204" pitchFamily="34" charset="0"/>
-                <a:cs typeface="Arial"/>
-              </a:rPr>
-              <a:t>Ivermectin (n = 44)</a:t>
-            </a:r>
-          </a:p>
-          <a:p>
-            <a:pPr marL="171450" indent="-171450">
-              <a:buFont typeface="Arial" panose="020B0604020202020204" pitchFamily="34" charset="0"/>
-              <a:buChar char="•"/>
-            </a:pPr>
-            <a:endParaRPr lang="en-US" sz="1200" dirty="0">
-              <a:latin typeface="Arial" panose="020B0604020202020204" pitchFamily="34" charset="0"/>
-              <a:ea typeface="Calibri" panose="020F0502020204030204" pitchFamily="34" charset="0"/>
-              <a:cs typeface="Arial" panose="020B0604020202020204" pitchFamily="34" charset="0"/>
-            </a:endParaRPr>
-          </a:p>
-        </p:txBody>
-      </p:sp>
-      <p:sp>
-        <p:nvSpPr>
-          <p:cNvPr id="24" name="Rectangle 23">
-            <a:extLst>
-              <a:ext uri="{FF2B5EF4-FFF2-40B4-BE49-F238E27FC236}">
-                <a16:creationId xmlns:a16="http://schemas.microsoft.com/office/drawing/2014/main" id="{9E6A769C-B7CC-48A7-8866-863078085967}"/>
-              </a:ext>
-            </a:extLst>
-          </p:cNvPr>
-          <p:cNvSpPr>
-            <a:spLocks noChangeArrowheads="1"/>
-          </p:cNvSpPr>
-          <p:nvPr/>
-        </p:nvSpPr>
-        <p:spPr bwMode="auto">
-          <a:xfrm>
-            <a:off x="7716456" y="893573"/>
-            <a:ext cx="4007114" cy="1122686"/>
-          </a:xfrm>
-          <a:prstGeom prst="rect">
-            <a:avLst/>
-          </a:prstGeom>
-          <a:solidFill>
-            <a:srgbClr val="FFFFFF"/>
-          </a:solidFill>
-          <a:ln w="9525">
-            <a:solidFill>
-              <a:srgbClr val="000000"/>
-            </a:solidFill>
-            <a:miter lim="800000"/>
-            <a:headEnd/>
-            <a:tailEnd/>
-          </a:ln>
-        </p:spPr>
-        <p:txBody>
-          <a:bodyPr rot="0" vert="horz" wrap="square" lIns="91440" tIns="91440" rIns="91440" bIns="91440" anchor="t" anchorCtr="0" upright="1">
-            <a:noAutofit/>
-          </a:bodyPr>
-          <a:lstStyle/>
-          <a:p>
-            <a:r>
-              <a:rPr lang="en-CA" sz="1400" b="1" dirty="0">
-                <a:latin typeface="Arial" panose="020B0604020202020204" pitchFamily="34" charset="0"/>
-                <a:ea typeface="Calibri" panose="020F0502020204030204" pitchFamily="34" charset="0"/>
-                <a:cs typeface="Arial" panose="020B0604020202020204" pitchFamily="34" charset="0"/>
-              </a:rPr>
-              <a:t>Excluded (n = </a:t>
-            </a:r>
-            <a:r>
-              <a:rPr lang="en-US" sz="1400" b="1" dirty="0">
-                <a:latin typeface="Arial" panose="020B0604020202020204" pitchFamily="34" charset="0"/>
-                <a:ea typeface="Calibri" panose="020F0502020204030204" pitchFamily="34" charset="0"/>
-                <a:cs typeface="Arial" panose="020B0604020202020204" pitchFamily="34" charset="0"/>
-              </a:rPr>
-              <a:t>50</a:t>
-            </a:r>
-            <a:r>
-              <a:rPr lang="en-CA" sz="1400" b="1" dirty="0">
-                <a:latin typeface="Arial" panose="020B0604020202020204" pitchFamily="34" charset="0"/>
-                <a:ea typeface="Calibri" panose="020F0502020204030204" pitchFamily="34" charset="0"/>
-                <a:cs typeface="Arial" panose="020B0604020202020204" pitchFamily="34" charset="0"/>
-              </a:rPr>
-              <a:t>)</a:t>
-            </a:r>
-            <a:endParaRPr lang="en-US" sz="1400" b="1" dirty="0">
-              <a:latin typeface="Arial" panose="020B0604020202020204" pitchFamily="34" charset="0"/>
-              <a:ea typeface="Calibri" panose="020F0502020204030204" pitchFamily="34" charset="0"/>
-              <a:cs typeface="Arial" panose="020B0604020202020204" pitchFamily="34" charset="0"/>
-            </a:endParaRPr>
-          </a:p>
-          <a:p>
-            <a:pPr marL="228600" indent="-228600">
-              <a:buFont typeface="Arial" panose="020B0604020202020204" pitchFamily="34" charset="0"/>
-              <a:buChar char="•"/>
-            </a:pPr>
-            <a:r>
-              <a:rPr lang="en-CA" sz="1200" dirty="0">
-                <a:latin typeface="Arial" panose="020B0604020202020204" pitchFamily="34" charset="0"/>
-                <a:ea typeface="Calibri" panose="020F0502020204030204" pitchFamily="34" charset="0"/>
-                <a:cs typeface="Arial" panose="020B0604020202020204" pitchFamily="34" charset="0"/>
-              </a:rPr>
-              <a:t>Chronic illness (n = 12)</a:t>
-            </a:r>
-          </a:p>
-          <a:p>
-            <a:pPr marL="228600" indent="-228600">
-              <a:buFont typeface="Arial" panose="020B0604020202020204" pitchFamily="34" charset="0"/>
-              <a:buChar char="•"/>
-            </a:pPr>
-            <a:r>
-              <a:rPr lang="en-CA" sz="1200" dirty="0">
-                <a:latin typeface="Arial" panose="020B0604020202020204" pitchFamily="34" charset="0"/>
-                <a:ea typeface="Calibri" panose="020F0502020204030204" pitchFamily="34" charset="0"/>
-                <a:cs typeface="Arial" panose="020B0604020202020204" pitchFamily="34" charset="0"/>
-              </a:rPr>
-              <a:t>Lab abnormalities (n = 27)</a:t>
-            </a:r>
-          </a:p>
-          <a:p>
-            <a:pPr marL="228600" indent="-228600">
-              <a:buFont typeface="Arial" panose="020B0604020202020204" pitchFamily="34" charset="0"/>
-              <a:buChar char="•"/>
-            </a:pPr>
-            <a:r>
-              <a:rPr lang="en-CA" sz="1200" dirty="0">
-                <a:latin typeface="Arial" panose="020B0604020202020204" pitchFamily="34" charset="0"/>
-                <a:ea typeface="Calibri" panose="020F0502020204030204" pitchFamily="34" charset="0"/>
-                <a:cs typeface="Arial" panose="020B0604020202020204" pitchFamily="34" charset="0"/>
-              </a:rPr>
-              <a:t>Taking concomitant medications (n = 7)</a:t>
-            </a:r>
-          </a:p>
-          <a:p>
-            <a:pPr marL="228600" indent="-228600">
-              <a:buFont typeface="Arial" panose="020B0604020202020204" pitchFamily="34" charset="0"/>
-              <a:buChar char="•"/>
-            </a:pPr>
-            <a:r>
-              <a:rPr lang="en-CA" sz="1200" dirty="0">
-                <a:latin typeface="Arial" panose="020B0604020202020204" pitchFamily="34" charset="0"/>
-                <a:ea typeface="Calibri" panose="020F0502020204030204" pitchFamily="34" charset="0"/>
-                <a:cs typeface="Arial" panose="020B0604020202020204" pitchFamily="34" charset="0"/>
-              </a:rPr>
-              <a:t>Other (n = 4)</a:t>
-            </a:r>
-          </a:p>
-        </p:txBody>
-      </p:sp>
+              </a:endParaRPr>
+            </a:p>
+            <a:p>
+              <a:pPr marL="202475" indent="-202475">
+                <a:buFont typeface="Arial" panose="020B0604020202020204" pitchFamily="34" charset="0"/>
+                <a:buChar char="•"/>
+              </a:pPr>
+              <a:r>
+                <a:rPr lang="en-CA" sz="1100" dirty="0">
+                  <a:latin typeface="Arial" panose="020B0604020202020204" pitchFamily="34" charset="0"/>
+                  <a:ea typeface="Calibri" panose="020F0502020204030204" pitchFamily="34" charset="0"/>
+                  <a:cs typeface="Arial" panose="020B0604020202020204" pitchFamily="34" charset="0"/>
+                </a:rPr>
+                <a:t>Chronic illness (n = 12)</a:t>
+              </a:r>
+            </a:p>
+            <a:p>
+              <a:pPr marL="202475" indent="-202475">
+                <a:buFont typeface="Arial" panose="020B0604020202020204" pitchFamily="34" charset="0"/>
+                <a:buChar char="•"/>
+              </a:pPr>
+              <a:r>
+                <a:rPr lang="en-CA" sz="1100" dirty="0">
+                  <a:latin typeface="Arial" panose="020B0604020202020204" pitchFamily="34" charset="0"/>
+                  <a:ea typeface="Calibri" panose="020F0502020204030204" pitchFamily="34" charset="0"/>
+                  <a:cs typeface="Arial" panose="020B0604020202020204" pitchFamily="34" charset="0"/>
+                </a:rPr>
+                <a:t>Lab abnormalities (n = 27)</a:t>
+              </a:r>
+            </a:p>
+            <a:p>
+              <a:pPr marL="202475" indent="-202475">
+                <a:buFont typeface="Arial" panose="020B0604020202020204" pitchFamily="34" charset="0"/>
+                <a:buChar char="•"/>
+              </a:pPr>
+              <a:r>
+                <a:rPr lang="en-CA" sz="1100" dirty="0">
+                  <a:latin typeface="Arial" panose="020B0604020202020204" pitchFamily="34" charset="0"/>
+                  <a:ea typeface="Calibri" panose="020F0502020204030204" pitchFamily="34" charset="0"/>
+                  <a:cs typeface="Arial" panose="020B0604020202020204" pitchFamily="34" charset="0"/>
+                </a:rPr>
+                <a:t>Taking concomitant medications (n = 7)</a:t>
+              </a:r>
+            </a:p>
+            <a:p>
+              <a:pPr marL="202475" indent="-202475">
+                <a:buFont typeface="Arial" panose="020B0604020202020204" pitchFamily="34" charset="0"/>
+                <a:buChar char="•"/>
+              </a:pPr>
+              <a:r>
+                <a:rPr lang="en-CA" sz="1100" dirty="0">
+                  <a:latin typeface="Arial" panose="020B0604020202020204" pitchFamily="34" charset="0"/>
+                  <a:ea typeface="Calibri" panose="020F0502020204030204" pitchFamily="34" charset="0"/>
+                  <a:cs typeface="Arial" panose="020B0604020202020204" pitchFamily="34" charset="0"/>
+                </a:rPr>
+                <a:t>Other (n = 4)</a:t>
+              </a:r>
+            </a:p>
+          </p:txBody>
+        </p:sp>
+      </p:grpSp>
     </p:spTree>
     <p:extLst>
       <p:ext uri="{BB962C8B-B14F-4D97-AF65-F5344CB8AC3E}">
@@ -4628,7 +4296,7 @@
 <file path=ppt/theme/theme1.xml><?xml version="1.0" encoding="utf-8"?>
 <a:theme xmlns:a="http://schemas.openxmlformats.org/drawingml/2006/main" name="Office Theme">
   <a:themeElements>
-    <a:clrScheme name="Office">
+    <a:clrScheme name="Office Theme">
       <a:dk1>
         <a:sysClr val="windowText" lastClr="000000"/>
       </a:dk1>
@@ -4666,7 +4334,7 @@
         <a:srgbClr val="954F72"/>
       </a:folHlink>
     </a:clrScheme>
-    <a:fontScheme name="Office">
+    <a:fontScheme name="Office Theme">
       <a:majorFont>
         <a:latin typeface="Calibri Light" panose="020F0302020204030204"/>
         <a:ea typeface=""/>
@@ -4701,23 +4369,6 @@
         <a:font script="Viet" typeface="Times New Roman"/>
         <a:font script="Uigh" typeface="Microsoft Uighur"/>
         <a:font script="Geor" typeface="Sylfaen"/>
-        <a:font script="Armn" typeface="Arial"/>
-        <a:font script="Bugi" typeface="Leelawadee UI"/>
-        <a:font script="Bopo" typeface="Microsoft JhengHei"/>
-        <a:font script="Java" typeface="Javanese Text"/>
-        <a:font script="Lisu" typeface="Segoe UI"/>
-        <a:font script="Mymr" typeface="Myanmar Text"/>
-        <a:font script="Nkoo" typeface="Ebrima"/>
-        <a:font script="Olck" typeface="Nirmala UI"/>
-        <a:font script="Osma" typeface="Ebrima"/>
-        <a:font script="Phag" typeface="Phagspa"/>
-        <a:font script="Syrn" typeface="Estrangelo Edessa"/>
-        <a:font script="Syrj" typeface="Estrangelo Edessa"/>
-        <a:font script="Syre" typeface="Estrangelo Edessa"/>
-        <a:font script="Sora" typeface="Nirmala UI"/>
-        <a:font script="Tale" typeface="Microsoft Tai Le"/>
-        <a:font script="Talu" typeface="Microsoft New Tai Lue"/>
-        <a:font script="Tfng" typeface="Ebrima"/>
       </a:majorFont>
       <a:minorFont>
         <a:latin typeface="Calibri" panose="020F0502020204030204"/>
@@ -4753,26 +4404,9 @@
         <a:font script="Viet" typeface="Arial"/>
         <a:font script="Uigh" typeface="Microsoft Uighur"/>
         <a:font script="Geor" typeface="Sylfaen"/>
-        <a:font script="Armn" typeface="Arial"/>
-        <a:font script="Bugi" typeface="Leelawadee UI"/>
-        <a:font script="Bopo" typeface="Microsoft JhengHei"/>
-        <a:font script="Java" typeface="Javanese Text"/>
-        <a:font script="Lisu" typeface="Segoe UI"/>
-        <a:font script="Mymr" typeface="Myanmar Text"/>
-        <a:font script="Nkoo" typeface="Ebrima"/>
-        <a:font script="Olck" typeface="Nirmala UI"/>
-        <a:font script="Osma" typeface="Ebrima"/>
-        <a:font script="Phag" typeface="Phagspa"/>
-        <a:font script="Syrn" typeface="Estrangelo Edessa"/>
-        <a:font script="Syrj" typeface="Estrangelo Edessa"/>
-        <a:font script="Syre" typeface="Estrangelo Edessa"/>
-        <a:font script="Sora" typeface="Nirmala UI"/>
-        <a:font script="Tale" typeface="Microsoft Tai Le"/>
-        <a:font script="Talu" typeface="Microsoft New Tai Lue"/>
-        <a:font script="Tfng" typeface="Ebrima"/>
       </a:minorFont>
     </a:fontScheme>
-    <a:fmtScheme name="Office">
+    <a:fmtScheme name="Office Theme">
       <a:fillStyleLst>
         <a:solidFill>
           <a:schemeClr val="phClr"/>
@@ -4914,7 +4548,7 @@
   <a:extraClrSchemeLst/>
   <a:extLst>
     <a:ext uri="{05A4C25C-085E-4340-85A3-A5531E510DB2}">
-      <thm15:themeFamily xmlns:thm15="http://schemas.microsoft.com/office/thememl/2012/main" name="Office Theme" id="{62F939B6-93AF-4DB8-9C6B-D6C7DFDC589F}" vid="{4A3C46E8-61CC-4603-A589-7422A47A8E4A}"/>
+      <thm15:themeFamily xmlns:thm15="http://schemas.microsoft.com/office/thememl/2012/main" name="Office 2013 - 2022 Theme" id="{62F939B6-93AF-4DB8-9C6B-D6C7DFDC589F}" vid="{4A3C46E8-61CC-4603-A589-7422A47A8E4A}"/>
     </a:ext>
   </a:extLst>
 </a:theme>

--- a/Temporal_splines/Plots/CONSORT.pptx
+++ b/Temporal_splines/Plots/CONSORT.pptx
@@ -1,13 +1,13 @@
 
 <file path=ppt/presentation.xml><?xml version="1.0" encoding="utf-8"?>
-<p:presentation xmlns:a="http://schemas.openxmlformats.org/drawingml/2006/main" xmlns:r="http://schemas.openxmlformats.org/officeDocument/2006/relationships" xmlns:p="http://schemas.openxmlformats.org/presentationml/2006/main" saveSubsetFonts="1">
+<p:presentation xmlns:a="http://schemas.openxmlformats.org/drawingml/2006/main" xmlns:r="http://schemas.openxmlformats.org/officeDocument/2006/relationships" xmlns:p="http://schemas.openxmlformats.org/presentationml/2006/main" saveSubsetFonts="1" autoCompressPictures="0">
   <p:sldMasterIdLst>
-    <p:sldMasterId id="2147483660" r:id="rId1"/>
+    <p:sldMasterId id="2147483672" r:id="rId1"/>
   </p:sldMasterIdLst>
   <p:sldIdLst>
     <p:sldId id="256" r:id="rId2"/>
   </p:sldIdLst>
-  <p:sldSz cx="10799763" cy="6858000"/>
+  <p:sldSz cx="20116800" cy="11887200"/>
   <p:notesSz cx="6858000" cy="9144000"/>
   <p:defaultTextStyle>
     <a:defPPr>
@@ -141,15 +141,15 @@
         </p:nvSpPr>
         <p:spPr>
           <a:xfrm>
-            <a:off x="1349971" y="1122363"/>
-            <a:ext cx="8099822" cy="2387600"/>
+            <a:off x="2514600" y="1945429"/>
+            <a:ext cx="15087600" cy="4138507"/>
           </a:xfrm>
         </p:spPr>
         <p:txBody>
           <a:bodyPr anchor="b"/>
           <a:lstStyle>
             <a:lvl1pPr algn="ctr">
-              <a:defRPr sz="5315"/>
+              <a:defRPr sz="9900"/>
             </a:lvl1pPr>
           </a:lstStyle>
           <a:p>
@@ -173,8 +173,8 @@
         </p:nvSpPr>
         <p:spPr>
           <a:xfrm>
-            <a:off x="1349971" y="3602038"/>
-            <a:ext cx="8099822" cy="1655762"/>
+            <a:off x="2514600" y="6243533"/>
+            <a:ext cx="15087600" cy="2869987"/>
           </a:xfrm>
         </p:spPr>
         <p:txBody>
@@ -182,39 +182,39 @@
           <a:lstStyle>
             <a:lvl1pPr marL="0" indent="0" algn="ctr">
               <a:buNone/>
-              <a:defRPr sz="2126"/>
+              <a:defRPr sz="3960"/>
             </a:lvl1pPr>
-            <a:lvl2pPr marL="404988" indent="0" algn="ctr">
-              <a:buNone/>
-              <a:defRPr sz="1772"/>
+            <a:lvl2pPr marL="754380" indent="0" algn="ctr">
+              <a:buNone/>
+              <a:defRPr sz="3300"/>
             </a:lvl2pPr>
-            <a:lvl3pPr marL="809976" indent="0" algn="ctr">
-              <a:buNone/>
-              <a:defRPr sz="1594"/>
+            <a:lvl3pPr marL="1508760" indent="0" algn="ctr">
+              <a:buNone/>
+              <a:defRPr sz="2970"/>
             </a:lvl3pPr>
-            <a:lvl4pPr marL="1214963" indent="0" algn="ctr">
-              <a:buNone/>
-              <a:defRPr sz="1417"/>
+            <a:lvl4pPr marL="2263140" indent="0" algn="ctr">
+              <a:buNone/>
+              <a:defRPr sz="2640"/>
             </a:lvl4pPr>
-            <a:lvl5pPr marL="1619951" indent="0" algn="ctr">
-              <a:buNone/>
-              <a:defRPr sz="1417"/>
+            <a:lvl5pPr marL="3017520" indent="0" algn="ctr">
+              <a:buNone/>
+              <a:defRPr sz="2640"/>
             </a:lvl5pPr>
-            <a:lvl6pPr marL="2024939" indent="0" algn="ctr">
-              <a:buNone/>
-              <a:defRPr sz="1417"/>
+            <a:lvl6pPr marL="3771900" indent="0" algn="ctr">
+              <a:buNone/>
+              <a:defRPr sz="2640"/>
             </a:lvl6pPr>
-            <a:lvl7pPr marL="2429927" indent="0" algn="ctr">
-              <a:buNone/>
-              <a:defRPr sz="1417"/>
+            <a:lvl7pPr marL="4526280" indent="0" algn="ctr">
+              <a:buNone/>
+              <a:defRPr sz="2640"/>
             </a:lvl7pPr>
-            <a:lvl8pPr marL="2834914" indent="0" algn="ctr">
-              <a:buNone/>
-              <a:defRPr sz="1417"/>
+            <a:lvl8pPr marL="5280660" indent="0" algn="ctr">
+              <a:buNone/>
+              <a:defRPr sz="2640"/>
             </a:lvl8pPr>
-            <a:lvl9pPr marL="3239902" indent="0" algn="ctr">
-              <a:buNone/>
-              <a:defRPr sz="1417"/>
+            <a:lvl9pPr marL="6035040" indent="0" algn="ctr">
+              <a:buNone/>
+              <a:defRPr sz="2640"/>
             </a:lvl9pPr>
           </a:lstStyle>
           <a:p>
@@ -243,7 +243,7 @@
           <a:p>
             <a:fld id="{F5451EBA-6FA5-443C-BAD7-0685831661F0}" type="datetimeFigureOut">
               <a:rPr lang="en-US" smtClean="0"/>
-              <a:t>1/3/24</a:t>
+              <a:t>03-Jan-24</a:t>
             </a:fld>
             <a:endParaRPr lang="en-US"/>
           </a:p>
@@ -294,7 +294,7 @@
     </p:spTree>
     <p:extLst>
       <p:ext uri="{BB962C8B-B14F-4D97-AF65-F5344CB8AC3E}">
-        <p14:creationId xmlns:p14="http://schemas.microsoft.com/office/powerpoint/2010/main" val="3061097597"/>
+        <p14:creationId xmlns:p14="http://schemas.microsoft.com/office/powerpoint/2010/main" val="1134787667"/>
       </p:ext>
     </p:extLst>
   </p:cSld>
@@ -413,7 +413,7 @@
           <a:p>
             <a:fld id="{F5451EBA-6FA5-443C-BAD7-0685831661F0}" type="datetimeFigureOut">
               <a:rPr lang="en-US" smtClean="0"/>
-              <a:t>1/3/24</a:t>
+              <a:t>03-Jan-24</a:t>
             </a:fld>
             <a:endParaRPr lang="en-US"/>
           </a:p>
@@ -464,7 +464,7 @@
     </p:spTree>
     <p:extLst>
       <p:ext uri="{BB962C8B-B14F-4D97-AF65-F5344CB8AC3E}">
-        <p14:creationId xmlns:p14="http://schemas.microsoft.com/office/powerpoint/2010/main" val="3208245034"/>
+        <p14:creationId xmlns:p14="http://schemas.microsoft.com/office/powerpoint/2010/main" val="2727896773"/>
       </p:ext>
     </p:extLst>
   </p:cSld>
@@ -503,8 +503,8 @@
         </p:nvSpPr>
         <p:spPr>
           <a:xfrm>
-            <a:off x="7728580" y="365125"/>
-            <a:ext cx="2328699" cy="5811838"/>
+            <a:off x="14396085" y="632883"/>
+            <a:ext cx="4337685" cy="10073853"/>
           </a:xfrm>
         </p:spPr>
         <p:txBody>
@@ -531,8 +531,8 @@
         </p:nvSpPr>
         <p:spPr>
           <a:xfrm>
-            <a:off x="742484" y="365125"/>
-            <a:ext cx="6851100" cy="5811838"/>
+            <a:off x="1383030" y="632883"/>
+            <a:ext cx="12761595" cy="10073853"/>
           </a:xfrm>
         </p:spPr>
         <p:txBody>
@@ -593,7 +593,7 @@
           <a:p>
             <a:fld id="{F5451EBA-6FA5-443C-BAD7-0685831661F0}" type="datetimeFigureOut">
               <a:rPr lang="en-US" smtClean="0"/>
-              <a:t>1/3/24</a:t>
+              <a:t>03-Jan-24</a:t>
             </a:fld>
             <a:endParaRPr lang="en-US"/>
           </a:p>
@@ -644,7 +644,7 @@
     </p:spTree>
     <p:extLst>
       <p:ext uri="{BB962C8B-B14F-4D97-AF65-F5344CB8AC3E}">
-        <p14:creationId xmlns:p14="http://schemas.microsoft.com/office/powerpoint/2010/main" val="3478533080"/>
+        <p14:creationId xmlns:p14="http://schemas.microsoft.com/office/powerpoint/2010/main" val="3114930443"/>
       </p:ext>
     </p:extLst>
   </p:cSld>
@@ -763,7 +763,7 @@
           <a:p>
             <a:fld id="{F5451EBA-6FA5-443C-BAD7-0685831661F0}" type="datetimeFigureOut">
               <a:rPr lang="en-US" smtClean="0"/>
-              <a:t>1/3/24</a:t>
+              <a:t>03-Jan-24</a:t>
             </a:fld>
             <a:endParaRPr lang="en-US"/>
           </a:p>
@@ -814,7 +814,7 @@
     </p:spTree>
     <p:extLst>
       <p:ext uri="{BB962C8B-B14F-4D97-AF65-F5344CB8AC3E}">
-        <p14:creationId xmlns:p14="http://schemas.microsoft.com/office/powerpoint/2010/main" val="1044228749"/>
+        <p14:creationId xmlns:p14="http://schemas.microsoft.com/office/powerpoint/2010/main" val="1296117195"/>
       </p:ext>
     </p:extLst>
   </p:cSld>
@@ -853,15 +853,15 @@
         </p:nvSpPr>
         <p:spPr>
           <a:xfrm>
-            <a:off x="736859" y="1709738"/>
-            <a:ext cx="9314796" cy="2852737"/>
+            <a:off x="1372553" y="2963547"/>
+            <a:ext cx="17350740" cy="4944744"/>
           </a:xfrm>
         </p:spPr>
         <p:txBody>
           <a:bodyPr anchor="b"/>
           <a:lstStyle>
             <a:lvl1pPr>
-              <a:defRPr sz="5315"/>
+              <a:defRPr sz="9900"/>
             </a:lvl1pPr>
           </a:lstStyle>
           <a:p>
@@ -885,8 +885,8 @@
         </p:nvSpPr>
         <p:spPr>
           <a:xfrm>
-            <a:off x="736859" y="4589464"/>
-            <a:ext cx="9314796" cy="1500187"/>
+            <a:off x="1372553" y="7955070"/>
+            <a:ext cx="17350740" cy="2600324"/>
           </a:xfrm>
         </p:spPr>
         <p:txBody>
@@ -894,7 +894,7 @@
           <a:lstStyle>
             <a:lvl1pPr marL="0" indent="0">
               <a:buNone/>
-              <a:defRPr sz="2126">
+              <a:defRPr sz="3960">
                 <a:solidFill>
                   <a:schemeClr val="tx1">
                     <a:tint val="75000"/>
@@ -902,9 +902,9 @@
                 </a:solidFill>
               </a:defRPr>
             </a:lvl1pPr>
-            <a:lvl2pPr marL="404988" indent="0">
-              <a:buNone/>
-              <a:defRPr sz="1772">
+            <a:lvl2pPr marL="754380" indent="0">
+              <a:buNone/>
+              <a:defRPr sz="3300">
                 <a:solidFill>
                   <a:schemeClr val="tx1">
                     <a:tint val="75000"/>
@@ -912,9 +912,9 @@
                 </a:solidFill>
               </a:defRPr>
             </a:lvl2pPr>
-            <a:lvl3pPr marL="809976" indent="0">
-              <a:buNone/>
-              <a:defRPr sz="1594">
+            <a:lvl3pPr marL="1508760" indent="0">
+              <a:buNone/>
+              <a:defRPr sz="2970">
                 <a:solidFill>
                   <a:schemeClr val="tx1">
                     <a:tint val="75000"/>
@@ -922,9 +922,9 @@
                 </a:solidFill>
               </a:defRPr>
             </a:lvl3pPr>
-            <a:lvl4pPr marL="1214963" indent="0">
-              <a:buNone/>
-              <a:defRPr sz="1417">
+            <a:lvl4pPr marL="2263140" indent="0">
+              <a:buNone/>
+              <a:defRPr sz="2640">
                 <a:solidFill>
                   <a:schemeClr val="tx1">
                     <a:tint val="75000"/>
@@ -932,9 +932,9 @@
                 </a:solidFill>
               </a:defRPr>
             </a:lvl4pPr>
-            <a:lvl5pPr marL="1619951" indent="0">
-              <a:buNone/>
-              <a:defRPr sz="1417">
+            <a:lvl5pPr marL="3017520" indent="0">
+              <a:buNone/>
+              <a:defRPr sz="2640">
                 <a:solidFill>
                   <a:schemeClr val="tx1">
                     <a:tint val="75000"/>
@@ -942,9 +942,9 @@
                 </a:solidFill>
               </a:defRPr>
             </a:lvl5pPr>
-            <a:lvl6pPr marL="2024939" indent="0">
-              <a:buNone/>
-              <a:defRPr sz="1417">
+            <a:lvl6pPr marL="3771900" indent="0">
+              <a:buNone/>
+              <a:defRPr sz="2640">
                 <a:solidFill>
                   <a:schemeClr val="tx1">
                     <a:tint val="75000"/>
@@ -952,9 +952,9 @@
                 </a:solidFill>
               </a:defRPr>
             </a:lvl6pPr>
-            <a:lvl7pPr marL="2429927" indent="0">
-              <a:buNone/>
-              <a:defRPr sz="1417">
+            <a:lvl7pPr marL="4526280" indent="0">
+              <a:buNone/>
+              <a:defRPr sz="2640">
                 <a:solidFill>
                   <a:schemeClr val="tx1">
                     <a:tint val="75000"/>
@@ -962,9 +962,9 @@
                 </a:solidFill>
               </a:defRPr>
             </a:lvl7pPr>
-            <a:lvl8pPr marL="2834914" indent="0">
-              <a:buNone/>
-              <a:defRPr sz="1417">
+            <a:lvl8pPr marL="5280660" indent="0">
+              <a:buNone/>
+              <a:defRPr sz="2640">
                 <a:solidFill>
                   <a:schemeClr val="tx1">
                     <a:tint val="75000"/>
@@ -972,9 +972,9 @@
                 </a:solidFill>
               </a:defRPr>
             </a:lvl8pPr>
-            <a:lvl9pPr marL="3239902" indent="0">
-              <a:buNone/>
-              <a:defRPr sz="1417">
+            <a:lvl9pPr marL="6035040" indent="0">
+              <a:buNone/>
+              <a:defRPr sz="2640">
                 <a:solidFill>
                   <a:schemeClr val="tx1">
                     <a:tint val="75000"/>
@@ -1009,7 +1009,7 @@
           <a:p>
             <a:fld id="{F5451EBA-6FA5-443C-BAD7-0685831661F0}" type="datetimeFigureOut">
               <a:rPr lang="en-US" smtClean="0"/>
-              <a:t>1/3/24</a:t>
+              <a:t>03-Jan-24</a:t>
             </a:fld>
             <a:endParaRPr lang="en-US"/>
           </a:p>
@@ -1060,7 +1060,7 @@
     </p:spTree>
     <p:extLst>
       <p:ext uri="{BB962C8B-B14F-4D97-AF65-F5344CB8AC3E}">
-        <p14:creationId xmlns:p14="http://schemas.microsoft.com/office/powerpoint/2010/main" val="3231807322"/>
+        <p14:creationId xmlns:p14="http://schemas.microsoft.com/office/powerpoint/2010/main" val="2199951488"/>
       </p:ext>
     </p:extLst>
   </p:cSld>
@@ -1122,8 +1122,8 @@
         </p:nvSpPr>
         <p:spPr>
           <a:xfrm>
-            <a:off x="742484" y="1825625"/>
-            <a:ext cx="4589899" cy="4351338"/>
+            <a:off x="1383030" y="3164417"/>
+            <a:ext cx="8549640" cy="7542319"/>
           </a:xfrm>
         </p:spPr>
         <p:txBody>
@@ -1179,8 +1179,8 @@
         </p:nvSpPr>
         <p:spPr>
           <a:xfrm>
-            <a:off x="5467380" y="1825625"/>
-            <a:ext cx="4589899" cy="4351338"/>
+            <a:off x="10184130" y="3164417"/>
+            <a:ext cx="8549640" cy="7542319"/>
           </a:xfrm>
         </p:spPr>
         <p:txBody>
@@ -1241,7 +1241,7 @@
           <a:p>
             <a:fld id="{F5451EBA-6FA5-443C-BAD7-0685831661F0}" type="datetimeFigureOut">
               <a:rPr lang="en-US" smtClean="0"/>
-              <a:t>1/3/24</a:t>
+              <a:t>03-Jan-24</a:t>
             </a:fld>
             <a:endParaRPr lang="en-US"/>
           </a:p>
@@ -1292,7 +1292,7 @@
     </p:spTree>
     <p:extLst>
       <p:ext uri="{BB962C8B-B14F-4D97-AF65-F5344CB8AC3E}">
-        <p14:creationId xmlns:p14="http://schemas.microsoft.com/office/powerpoint/2010/main" val="2659926663"/>
+        <p14:creationId xmlns:p14="http://schemas.microsoft.com/office/powerpoint/2010/main" val="2735997682"/>
       </p:ext>
     </p:extLst>
   </p:cSld>
@@ -1331,8 +1331,8 @@
         </p:nvSpPr>
         <p:spPr>
           <a:xfrm>
-            <a:off x="743890" y="365126"/>
-            <a:ext cx="9314796" cy="1325563"/>
+            <a:off x="1385650" y="632884"/>
+            <a:ext cx="17350740" cy="2297643"/>
           </a:xfrm>
         </p:spPr>
         <p:txBody>
@@ -1359,8 +1359,8 @@
         </p:nvSpPr>
         <p:spPr>
           <a:xfrm>
-            <a:off x="743891" y="1681163"/>
-            <a:ext cx="4568806" cy="823912"/>
+            <a:off x="1385651" y="2914016"/>
+            <a:ext cx="8510349" cy="1428114"/>
           </a:xfrm>
         </p:spPr>
         <p:txBody>
@@ -1368,39 +1368,39 @@
           <a:lstStyle>
             <a:lvl1pPr marL="0" indent="0">
               <a:buNone/>
-              <a:defRPr sz="2126" b="1"/>
+              <a:defRPr sz="3960" b="1"/>
             </a:lvl1pPr>
-            <a:lvl2pPr marL="404988" indent="0">
-              <a:buNone/>
-              <a:defRPr sz="1772" b="1"/>
+            <a:lvl2pPr marL="754380" indent="0">
+              <a:buNone/>
+              <a:defRPr sz="3300" b="1"/>
             </a:lvl2pPr>
-            <a:lvl3pPr marL="809976" indent="0">
-              <a:buNone/>
-              <a:defRPr sz="1594" b="1"/>
+            <a:lvl3pPr marL="1508760" indent="0">
+              <a:buNone/>
+              <a:defRPr sz="2970" b="1"/>
             </a:lvl3pPr>
-            <a:lvl4pPr marL="1214963" indent="0">
-              <a:buNone/>
-              <a:defRPr sz="1417" b="1"/>
+            <a:lvl4pPr marL="2263140" indent="0">
+              <a:buNone/>
+              <a:defRPr sz="2640" b="1"/>
             </a:lvl4pPr>
-            <a:lvl5pPr marL="1619951" indent="0">
-              <a:buNone/>
-              <a:defRPr sz="1417" b="1"/>
+            <a:lvl5pPr marL="3017520" indent="0">
+              <a:buNone/>
+              <a:defRPr sz="2640" b="1"/>
             </a:lvl5pPr>
-            <a:lvl6pPr marL="2024939" indent="0">
-              <a:buNone/>
-              <a:defRPr sz="1417" b="1"/>
+            <a:lvl6pPr marL="3771900" indent="0">
+              <a:buNone/>
+              <a:defRPr sz="2640" b="1"/>
             </a:lvl6pPr>
-            <a:lvl7pPr marL="2429927" indent="0">
-              <a:buNone/>
-              <a:defRPr sz="1417" b="1"/>
+            <a:lvl7pPr marL="4526280" indent="0">
+              <a:buNone/>
+              <a:defRPr sz="2640" b="1"/>
             </a:lvl7pPr>
-            <a:lvl8pPr marL="2834914" indent="0">
-              <a:buNone/>
-              <a:defRPr sz="1417" b="1"/>
+            <a:lvl8pPr marL="5280660" indent="0">
+              <a:buNone/>
+              <a:defRPr sz="2640" b="1"/>
             </a:lvl8pPr>
-            <a:lvl9pPr marL="3239902" indent="0">
-              <a:buNone/>
-              <a:defRPr sz="1417" b="1"/>
+            <a:lvl9pPr marL="6035040" indent="0">
+              <a:buNone/>
+              <a:defRPr sz="2640" b="1"/>
             </a:lvl9pPr>
           </a:lstStyle>
           <a:p>
@@ -1424,8 +1424,8 @@
         </p:nvSpPr>
         <p:spPr>
           <a:xfrm>
-            <a:off x="743891" y="2505075"/>
-            <a:ext cx="4568806" cy="3684588"/>
+            <a:off x="1385651" y="4342130"/>
+            <a:ext cx="8510349" cy="6386619"/>
           </a:xfrm>
         </p:spPr>
         <p:txBody>
@@ -1481,8 +1481,8 @@
         </p:nvSpPr>
         <p:spPr>
           <a:xfrm>
-            <a:off x="5467380" y="1681163"/>
-            <a:ext cx="4591306" cy="823912"/>
+            <a:off x="10184130" y="2914016"/>
+            <a:ext cx="8552260" cy="1428114"/>
           </a:xfrm>
         </p:spPr>
         <p:txBody>
@@ -1490,39 +1490,39 @@
           <a:lstStyle>
             <a:lvl1pPr marL="0" indent="0">
               <a:buNone/>
-              <a:defRPr sz="2126" b="1"/>
+              <a:defRPr sz="3960" b="1"/>
             </a:lvl1pPr>
-            <a:lvl2pPr marL="404988" indent="0">
-              <a:buNone/>
-              <a:defRPr sz="1772" b="1"/>
+            <a:lvl2pPr marL="754380" indent="0">
+              <a:buNone/>
+              <a:defRPr sz="3300" b="1"/>
             </a:lvl2pPr>
-            <a:lvl3pPr marL="809976" indent="0">
-              <a:buNone/>
-              <a:defRPr sz="1594" b="1"/>
+            <a:lvl3pPr marL="1508760" indent="0">
+              <a:buNone/>
+              <a:defRPr sz="2970" b="1"/>
             </a:lvl3pPr>
-            <a:lvl4pPr marL="1214963" indent="0">
-              <a:buNone/>
-              <a:defRPr sz="1417" b="1"/>
+            <a:lvl4pPr marL="2263140" indent="0">
+              <a:buNone/>
+              <a:defRPr sz="2640" b="1"/>
             </a:lvl4pPr>
-            <a:lvl5pPr marL="1619951" indent="0">
-              <a:buNone/>
-              <a:defRPr sz="1417" b="1"/>
+            <a:lvl5pPr marL="3017520" indent="0">
+              <a:buNone/>
+              <a:defRPr sz="2640" b="1"/>
             </a:lvl5pPr>
-            <a:lvl6pPr marL="2024939" indent="0">
-              <a:buNone/>
-              <a:defRPr sz="1417" b="1"/>
+            <a:lvl6pPr marL="3771900" indent="0">
+              <a:buNone/>
+              <a:defRPr sz="2640" b="1"/>
             </a:lvl6pPr>
-            <a:lvl7pPr marL="2429927" indent="0">
-              <a:buNone/>
-              <a:defRPr sz="1417" b="1"/>
+            <a:lvl7pPr marL="4526280" indent="0">
+              <a:buNone/>
+              <a:defRPr sz="2640" b="1"/>
             </a:lvl7pPr>
-            <a:lvl8pPr marL="2834914" indent="0">
-              <a:buNone/>
-              <a:defRPr sz="1417" b="1"/>
+            <a:lvl8pPr marL="5280660" indent="0">
+              <a:buNone/>
+              <a:defRPr sz="2640" b="1"/>
             </a:lvl8pPr>
-            <a:lvl9pPr marL="3239902" indent="0">
-              <a:buNone/>
-              <a:defRPr sz="1417" b="1"/>
+            <a:lvl9pPr marL="6035040" indent="0">
+              <a:buNone/>
+              <a:defRPr sz="2640" b="1"/>
             </a:lvl9pPr>
           </a:lstStyle>
           <a:p>
@@ -1546,8 +1546,8 @@
         </p:nvSpPr>
         <p:spPr>
           <a:xfrm>
-            <a:off x="5467380" y="2505075"/>
-            <a:ext cx="4591306" cy="3684588"/>
+            <a:off x="10184130" y="4342130"/>
+            <a:ext cx="8552260" cy="6386619"/>
           </a:xfrm>
         </p:spPr>
         <p:txBody>
@@ -1608,7 +1608,7 @@
           <a:p>
             <a:fld id="{F5451EBA-6FA5-443C-BAD7-0685831661F0}" type="datetimeFigureOut">
               <a:rPr lang="en-US" smtClean="0"/>
-              <a:t>1/3/24</a:t>
+              <a:t>03-Jan-24</a:t>
             </a:fld>
             <a:endParaRPr lang="en-US"/>
           </a:p>
@@ -1659,7 +1659,7 @@
     </p:spTree>
     <p:extLst>
       <p:ext uri="{BB962C8B-B14F-4D97-AF65-F5344CB8AC3E}">
-        <p14:creationId xmlns:p14="http://schemas.microsoft.com/office/powerpoint/2010/main" val="1844616913"/>
+        <p14:creationId xmlns:p14="http://schemas.microsoft.com/office/powerpoint/2010/main" val="981991625"/>
       </p:ext>
     </p:extLst>
   </p:cSld>
@@ -1726,7 +1726,7 @@
           <a:p>
             <a:fld id="{F5451EBA-6FA5-443C-BAD7-0685831661F0}" type="datetimeFigureOut">
               <a:rPr lang="en-US" smtClean="0"/>
-              <a:t>1/3/24</a:t>
+              <a:t>03-Jan-24</a:t>
             </a:fld>
             <a:endParaRPr lang="en-US"/>
           </a:p>
@@ -1777,7 +1777,7 @@
     </p:spTree>
     <p:extLst>
       <p:ext uri="{BB962C8B-B14F-4D97-AF65-F5344CB8AC3E}">
-        <p14:creationId xmlns:p14="http://schemas.microsoft.com/office/powerpoint/2010/main" val="2763348006"/>
+        <p14:creationId xmlns:p14="http://schemas.microsoft.com/office/powerpoint/2010/main" val="3191541429"/>
       </p:ext>
     </p:extLst>
   </p:cSld>
@@ -1821,7 +1821,7 @@
           <a:p>
             <a:fld id="{F5451EBA-6FA5-443C-BAD7-0685831661F0}" type="datetimeFigureOut">
               <a:rPr lang="en-US" smtClean="0"/>
-              <a:t>1/3/24</a:t>
+              <a:t>03-Jan-24</a:t>
             </a:fld>
             <a:endParaRPr lang="en-US"/>
           </a:p>
@@ -1872,7 +1872,7 @@
     </p:spTree>
     <p:extLst>
       <p:ext uri="{BB962C8B-B14F-4D97-AF65-F5344CB8AC3E}">
-        <p14:creationId xmlns:p14="http://schemas.microsoft.com/office/powerpoint/2010/main" val="4178454803"/>
+        <p14:creationId xmlns:p14="http://schemas.microsoft.com/office/powerpoint/2010/main" val="1944730854"/>
       </p:ext>
     </p:extLst>
   </p:cSld>
@@ -1911,15 +1911,15 @@
         </p:nvSpPr>
         <p:spPr>
           <a:xfrm>
-            <a:off x="743891" y="457200"/>
-            <a:ext cx="3483204" cy="1600200"/>
+            <a:off x="1385651" y="792480"/>
+            <a:ext cx="6488191" cy="2773680"/>
           </a:xfrm>
         </p:spPr>
         <p:txBody>
           <a:bodyPr anchor="b"/>
           <a:lstStyle>
             <a:lvl1pPr>
-              <a:defRPr sz="2835"/>
+              <a:defRPr sz="5280"/>
             </a:lvl1pPr>
           </a:lstStyle>
           <a:p>
@@ -1943,39 +1943,39 @@
         </p:nvSpPr>
         <p:spPr>
           <a:xfrm>
-            <a:off x="4591306" y="987426"/>
-            <a:ext cx="5467380" cy="4873625"/>
+            <a:off x="8552260" y="1711537"/>
+            <a:ext cx="10184130" cy="8447617"/>
           </a:xfrm>
         </p:spPr>
         <p:txBody>
           <a:bodyPr/>
           <a:lstStyle>
             <a:lvl1pPr>
-              <a:defRPr sz="2835"/>
+              <a:defRPr sz="5280"/>
             </a:lvl1pPr>
             <a:lvl2pPr>
-              <a:defRPr sz="2480"/>
+              <a:defRPr sz="4620"/>
             </a:lvl2pPr>
             <a:lvl3pPr>
-              <a:defRPr sz="2126"/>
+              <a:defRPr sz="3960"/>
             </a:lvl3pPr>
             <a:lvl4pPr>
-              <a:defRPr sz="1772"/>
+              <a:defRPr sz="3300"/>
             </a:lvl4pPr>
             <a:lvl5pPr>
-              <a:defRPr sz="1772"/>
+              <a:defRPr sz="3300"/>
             </a:lvl5pPr>
             <a:lvl6pPr>
-              <a:defRPr sz="1772"/>
+              <a:defRPr sz="3300"/>
             </a:lvl6pPr>
             <a:lvl7pPr>
-              <a:defRPr sz="1772"/>
+              <a:defRPr sz="3300"/>
             </a:lvl7pPr>
             <a:lvl8pPr>
-              <a:defRPr sz="1772"/>
+              <a:defRPr sz="3300"/>
             </a:lvl8pPr>
             <a:lvl9pPr>
-              <a:defRPr sz="1772"/>
+              <a:defRPr sz="3300"/>
             </a:lvl9pPr>
           </a:lstStyle>
           <a:p>
@@ -2028,8 +2028,8 @@
         </p:nvSpPr>
         <p:spPr>
           <a:xfrm>
-            <a:off x="743891" y="2057400"/>
-            <a:ext cx="3483204" cy="3811588"/>
+            <a:off x="1385651" y="3566160"/>
+            <a:ext cx="6488191" cy="6606753"/>
           </a:xfrm>
         </p:spPr>
         <p:txBody>
@@ -2037,39 +2037,39 @@
           <a:lstStyle>
             <a:lvl1pPr marL="0" indent="0">
               <a:buNone/>
-              <a:defRPr sz="1417"/>
+              <a:defRPr sz="2640"/>
             </a:lvl1pPr>
-            <a:lvl2pPr marL="404988" indent="0">
-              <a:buNone/>
-              <a:defRPr sz="1240"/>
+            <a:lvl2pPr marL="754380" indent="0">
+              <a:buNone/>
+              <a:defRPr sz="2310"/>
             </a:lvl2pPr>
-            <a:lvl3pPr marL="809976" indent="0">
-              <a:buNone/>
-              <a:defRPr sz="1063"/>
+            <a:lvl3pPr marL="1508760" indent="0">
+              <a:buNone/>
+              <a:defRPr sz="1980"/>
             </a:lvl3pPr>
-            <a:lvl4pPr marL="1214963" indent="0">
-              <a:buNone/>
-              <a:defRPr sz="886"/>
+            <a:lvl4pPr marL="2263140" indent="0">
+              <a:buNone/>
+              <a:defRPr sz="1650"/>
             </a:lvl4pPr>
-            <a:lvl5pPr marL="1619951" indent="0">
-              <a:buNone/>
-              <a:defRPr sz="886"/>
+            <a:lvl5pPr marL="3017520" indent="0">
+              <a:buNone/>
+              <a:defRPr sz="1650"/>
             </a:lvl5pPr>
-            <a:lvl6pPr marL="2024939" indent="0">
-              <a:buNone/>
-              <a:defRPr sz="886"/>
+            <a:lvl6pPr marL="3771900" indent="0">
+              <a:buNone/>
+              <a:defRPr sz="1650"/>
             </a:lvl6pPr>
-            <a:lvl7pPr marL="2429927" indent="0">
-              <a:buNone/>
-              <a:defRPr sz="886"/>
+            <a:lvl7pPr marL="4526280" indent="0">
+              <a:buNone/>
+              <a:defRPr sz="1650"/>
             </a:lvl7pPr>
-            <a:lvl8pPr marL="2834914" indent="0">
-              <a:buNone/>
-              <a:defRPr sz="886"/>
+            <a:lvl8pPr marL="5280660" indent="0">
+              <a:buNone/>
+              <a:defRPr sz="1650"/>
             </a:lvl8pPr>
-            <a:lvl9pPr marL="3239902" indent="0">
-              <a:buNone/>
-              <a:defRPr sz="886"/>
+            <a:lvl9pPr marL="6035040" indent="0">
+              <a:buNone/>
+              <a:defRPr sz="1650"/>
             </a:lvl9pPr>
           </a:lstStyle>
           <a:p>
@@ -2098,7 +2098,7 @@
           <a:p>
             <a:fld id="{F5451EBA-6FA5-443C-BAD7-0685831661F0}" type="datetimeFigureOut">
               <a:rPr lang="en-US" smtClean="0"/>
-              <a:t>1/3/24</a:t>
+              <a:t>03-Jan-24</a:t>
             </a:fld>
             <a:endParaRPr lang="en-US"/>
           </a:p>
@@ -2149,7 +2149,7 @@
     </p:spTree>
     <p:extLst>
       <p:ext uri="{BB962C8B-B14F-4D97-AF65-F5344CB8AC3E}">
-        <p14:creationId xmlns:p14="http://schemas.microsoft.com/office/powerpoint/2010/main" val="3857430223"/>
+        <p14:creationId xmlns:p14="http://schemas.microsoft.com/office/powerpoint/2010/main" val="55737392"/>
       </p:ext>
     </p:extLst>
   </p:cSld>
@@ -2188,15 +2188,15 @@
         </p:nvSpPr>
         <p:spPr>
           <a:xfrm>
-            <a:off x="743891" y="457200"/>
-            <a:ext cx="3483204" cy="1600200"/>
+            <a:off x="1385651" y="792480"/>
+            <a:ext cx="6488191" cy="2773680"/>
           </a:xfrm>
         </p:spPr>
         <p:txBody>
           <a:bodyPr anchor="b"/>
           <a:lstStyle>
             <a:lvl1pPr>
-              <a:defRPr sz="2835"/>
+              <a:defRPr sz="5280"/>
             </a:lvl1pPr>
           </a:lstStyle>
           <a:p>
@@ -2220,8 +2220,8 @@
         </p:nvSpPr>
         <p:spPr>
           <a:xfrm>
-            <a:off x="4591306" y="987426"/>
-            <a:ext cx="5467380" cy="4873625"/>
+            <a:off x="8552260" y="1711537"/>
+            <a:ext cx="10184130" cy="8447617"/>
           </a:xfrm>
         </p:spPr>
         <p:txBody>
@@ -2229,39 +2229,39 @@
           <a:lstStyle>
             <a:lvl1pPr marL="0" indent="0">
               <a:buNone/>
-              <a:defRPr sz="2835"/>
+              <a:defRPr sz="5280"/>
             </a:lvl1pPr>
-            <a:lvl2pPr marL="404988" indent="0">
-              <a:buNone/>
-              <a:defRPr sz="2480"/>
+            <a:lvl2pPr marL="754380" indent="0">
+              <a:buNone/>
+              <a:defRPr sz="4620"/>
             </a:lvl2pPr>
-            <a:lvl3pPr marL="809976" indent="0">
-              <a:buNone/>
-              <a:defRPr sz="2126"/>
+            <a:lvl3pPr marL="1508760" indent="0">
+              <a:buNone/>
+              <a:defRPr sz="3960"/>
             </a:lvl3pPr>
-            <a:lvl4pPr marL="1214963" indent="0">
-              <a:buNone/>
-              <a:defRPr sz="1772"/>
+            <a:lvl4pPr marL="2263140" indent="0">
+              <a:buNone/>
+              <a:defRPr sz="3300"/>
             </a:lvl4pPr>
-            <a:lvl5pPr marL="1619951" indent="0">
-              <a:buNone/>
-              <a:defRPr sz="1772"/>
+            <a:lvl5pPr marL="3017520" indent="0">
+              <a:buNone/>
+              <a:defRPr sz="3300"/>
             </a:lvl5pPr>
-            <a:lvl6pPr marL="2024939" indent="0">
-              <a:buNone/>
-              <a:defRPr sz="1772"/>
+            <a:lvl6pPr marL="3771900" indent="0">
+              <a:buNone/>
+              <a:defRPr sz="3300"/>
             </a:lvl6pPr>
-            <a:lvl7pPr marL="2429927" indent="0">
-              <a:buNone/>
-              <a:defRPr sz="1772"/>
+            <a:lvl7pPr marL="4526280" indent="0">
+              <a:buNone/>
+              <a:defRPr sz="3300"/>
             </a:lvl7pPr>
-            <a:lvl8pPr marL="2834914" indent="0">
-              <a:buNone/>
-              <a:defRPr sz="1772"/>
+            <a:lvl8pPr marL="5280660" indent="0">
+              <a:buNone/>
+              <a:defRPr sz="3300"/>
             </a:lvl8pPr>
-            <a:lvl9pPr marL="3239902" indent="0">
-              <a:buNone/>
-              <a:defRPr sz="1772"/>
+            <a:lvl9pPr marL="6035040" indent="0">
+              <a:buNone/>
+              <a:defRPr sz="3300"/>
             </a:lvl9pPr>
           </a:lstStyle>
           <a:p>
@@ -2285,8 +2285,8 @@
         </p:nvSpPr>
         <p:spPr>
           <a:xfrm>
-            <a:off x="743891" y="2057400"/>
-            <a:ext cx="3483204" cy="3811588"/>
+            <a:off x="1385651" y="3566160"/>
+            <a:ext cx="6488191" cy="6606753"/>
           </a:xfrm>
         </p:spPr>
         <p:txBody>
@@ -2294,39 +2294,39 @@
           <a:lstStyle>
             <a:lvl1pPr marL="0" indent="0">
               <a:buNone/>
-              <a:defRPr sz="1417"/>
+              <a:defRPr sz="2640"/>
             </a:lvl1pPr>
-            <a:lvl2pPr marL="404988" indent="0">
-              <a:buNone/>
-              <a:defRPr sz="1240"/>
+            <a:lvl2pPr marL="754380" indent="0">
+              <a:buNone/>
+              <a:defRPr sz="2310"/>
             </a:lvl2pPr>
-            <a:lvl3pPr marL="809976" indent="0">
-              <a:buNone/>
-              <a:defRPr sz="1063"/>
+            <a:lvl3pPr marL="1508760" indent="0">
+              <a:buNone/>
+              <a:defRPr sz="1980"/>
             </a:lvl3pPr>
-            <a:lvl4pPr marL="1214963" indent="0">
-              <a:buNone/>
-              <a:defRPr sz="886"/>
+            <a:lvl4pPr marL="2263140" indent="0">
+              <a:buNone/>
+              <a:defRPr sz="1650"/>
             </a:lvl4pPr>
-            <a:lvl5pPr marL="1619951" indent="0">
-              <a:buNone/>
-              <a:defRPr sz="886"/>
+            <a:lvl5pPr marL="3017520" indent="0">
+              <a:buNone/>
+              <a:defRPr sz="1650"/>
             </a:lvl5pPr>
-            <a:lvl6pPr marL="2024939" indent="0">
-              <a:buNone/>
-              <a:defRPr sz="886"/>
+            <a:lvl6pPr marL="3771900" indent="0">
+              <a:buNone/>
+              <a:defRPr sz="1650"/>
             </a:lvl6pPr>
-            <a:lvl7pPr marL="2429927" indent="0">
-              <a:buNone/>
-              <a:defRPr sz="886"/>
+            <a:lvl7pPr marL="4526280" indent="0">
+              <a:buNone/>
+              <a:defRPr sz="1650"/>
             </a:lvl7pPr>
-            <a:lvl8pPr marL="2834914" indent="0">
-              <a:buNone/>
-              <a:defRPr sz="886"/>
+            <a:lvl8pPr marL="5280660" indent="0">
+              <a:buNone/>
+              <a:defRPr sz="1650"/>
             </a:lvl8pPr>
-            <a:lvl9pPr marL="3239902" indent="0">
-              <a:buNone/>
-              <a:defRPr sz="886"/>
+            <a:lvl9pPr marL="6035040" indent="0">
+              <a:buNone/>
+              <a:defRPr sz="1650"/>
             </a:lvl9pPr>
           </a:lstStyle>
           <a:p>
@@ -2355,7 +2355,7 @@
           <a:p>
             <a:fld id="{F5451EBA-6FA5-443C-BAD7-0685831661F0}" type="datetimeFigureOut">
               <a:rPr lang="en-US" smtClean="0"/>
-              <a:t>1/3/24</a:t>
+              <a:t>03-Jan-24</a:t>
             </a:fld>
             <a:endParaRPr lang="en-US"/>
           </a:p>
@@ -2406,7 +2406,7 @@
     </p:spTree>
     <p:extLst>
       <p:ext uri="{BB962C8B-B14F-4D97-AF65-F5344CB8AC3E}">
-        <p14:creationId xmlns:p14="http://schemas.microsoft.com/office/powerpoint/2010/main" val="1744847162"/>
+        <p14:creationId xmlns:p14="http://schemas.microsoft.com/office/powerpoint/2010/main" val="4044360439"/>
       </p:ext>
     </p:extLst>
   </p:cSld>
@@ -2450,8 +2450,8 @@
         </p:nvSpPr>
         <p:spPr>
           <a:xfrm>
-            <a:off x="742484" y="365126"/>
-            <a:ext cx="9314796" cy="1325563"/>
+            <a:off x="1383030" y="632884"/>
+            <a:ext cx="17350740" cy="2297643"/>
           </a:xfrm>
           <a:prstGeom prst="rect">
             <a:avLst/>
@@ -2483,8 +2483,8 @@
         </p:nvSpPr>
         <p:spPr>
           <a:xfrm>
-            <a:off x="742484" y="1825625"/>
-            <a:ext cx="9314796" cy="4351338"/>
+            <a:off x="1383030" y="3164417"/>
+            <a:ext cx="17350740" cy="7542319"/>
           </a:xfrm>
           <a:prstGeom prst="rect">
             <a:avLst/>
@@ -2545,8 +2545,8 @@
         </p:nvSpPr>
         <p:spPr>
           <a:xfrm>
-            <a:off x="742484" y="6356351"/>
-            <a:ext cx="2429947" cy="365125"/>
+            <a:off x="1383030" y="11017674"/>
+            <a:ext cx="4526280" cy="632883"/>
           </a:xfrm>
           <a:prstGeom prst="rect">
             <a:avLst/>
@@ -2556,7 +2556,7 @@
           <a:bodyPr vert="horz" lIns="91440" tIns="45720" rIns="91440" bIns="45720" rtlCol="0" anchor="ctr"/>
           <a:lstStyle>
             <a:lvl1pPr algn="l">
-              <a:defRPr sz="1063">
+              <a:defRPr sz="1980">
                 <a:solidFill>
                   <a:schemeClr val="tx1">
                     <a:tint val="75000"/>
@@ -2568,7 +2568,7 @@
           <a:p>
             <a:fld id="{F5451EBA-6FA5-443C-BAD7-0685831661F0}" type="datetimeFigureOut">
               <a:rPr lang="en-US" smtClean="0"/>
-              <a:t>1/3/24</a:t>
+              <a:t>03-Jan-24</a:t>
             </a:fld>
             <a:endParaRPr lang="en-US"/>
           </a:p>
@@ -2586,8 +2586,8 @@
         </p:nvSpPr>
         <p:spPr>
           <a:xfrm>
-            <a:off x="3577422" y="6356351"/>
-            <a:ext cx="3644920" cy="365125"/>
+            <a:off x="6663690" y="11017674"/>
+            <a:ext cx="6789420" cy="632883"/>
           </a:xfrm>
           <a:prstGeom prst="rect">
             <a:avLst/>
@@ -2597,7 +2597,7 @@
           <a:bodyPr vert="horz" lIns="91440" tIns="45720" rIns="91440" bIns="45720" rtlCol="0" anchor="ctr"/>
           <a:lstStyle>
             <a:lvl1pPr algn="ctr">
-              <a:defRPr sz="1063">
+              <a:defRPr sz="1980">
                 <a:solidFill>
                   <a:schemeClr val="tx1">
                     <a:tint val="75000"/>
@@ -2623,8 +2623,8 @@
         </p:nvSpPr>
         <p:spPr>
           <a:xfrm>
-            <a:off x="7627332" y="6356351"/>
-            <a:ext cx="2429947" cy="365125"/>
+            <a:off x="14207490" y="11017674"/>
+            <a:ext cx="4526280" cy="632883"/>
           </a:xfrm>
           <a:prstGeom prst="rect">
             <a:avLst/>
@@ -2634,7 +2634,7 @@
           <a:bodyPr vert="horz" lIns="91440" tIns="45720" rIns="91440" bIns="45720" rtlCol="0" anchor="ctr"/>
           <a:lstStyle>
             <a:lvl1pPr algn="r">
-              <a:defRPr sz="1063">
+              <a:defRPr sz="1980">
                 <a:solidFill>
                   <a:schemeClr val="tx1">
                     <a:tint val="75000"/>
@@ -2655,27 +2655,27 @@
     </p:spTree>
     <p:extLst>
       <p:ext uri="{BB962C8B-B14F-4D97-AF65-F5344CB8AC3E}">
-        <p14:creationId xmlns:p14="http://schemas.microsoft.com/office/powerpoint/2010/main" val="395783637"/>
+        <p14:creationId xmlns:p14="http://schemas.microsoft.com/office/powerpoint/2010/main" val="2927606009"/>
       </p:ext>
     </p:extLst>
   </p:cSld>
   <p:clrMap bg1="lt1" tx1="dk1" bg2="lt2" tx2="dk2" accent1="accent1" accent2="accent2" accent3="accent3" accent4="accent4" accent5="accent5" accent6="accent6" hlink="hlink" folHlink="folHlink"/>
   <p:sldLayoutIdLst>
-    <p:sldLayoutId id="2147483661" r:id="rId1"/>
-    <p:sldLayoutId id="2147483662" r:id="rId2"/>
-    <p:sldLayoutId id="2147483663" r:id="rId3"/>
-    <p:sldLayoutId id="2147483664" r:id="rId4"/>
-    <p:sldLayoutId id="2147483665" r:id="rId5"/>
-    <p:sldLayoutId id="2147483666" r:id="rId6"/>
-    <p:sldLayoutId id="2147483667" r:id="rId7"/>
-    <p:sldLayoutId id="2147483668" r:id="rId8"/>
-    <p:sldLayoutId id="2147483669" r:id="rId9"/>
-    <p:sldLayoutId id="2147483670" r:id="rId10"/>
-    <p:sldLayoutId id="2147483671" r:id="rId11"/>
+    <p:sldLayoutId id="2147483673" r:id="rId1"/>
+    <p:sldLayoutId id="2147483674" r:id="rId2"/>
+    <p:sldLayoutId id="2147483675" r:id="rId3"/>
+    <p:sldLayoutId id="2147483676" r:id="rId4"/>
+    <p:sldLayoutId id="2147483677" r:id="rId5"/>
+    <p:sldLayoutId id="2147483678" r:id="rId6"/>
+    <p:sldLayoutId id="2147483679" r:id="rId7"/>
+    <p:sldLayoutId id="2147483680" r:id="rId8"/>
+    <p:sldLayoutId id="2147483681" r:id="rId9"/>
+    <p:sldLayoutId id="2147483682" r:id="rId10"/>
+    <p:sldLayoutId id="2147483683" r:id="rId11"/>
   </p:sldLayoutIdLst>
   <p:txStyles>
     <p:titleStyle>
-      <a:lvl1pPr algn="l" defTabSz="809976" rtl="0" eaLnBrk="1" latinLnBrk="0" hangingPunct="1">
+      <a:lvl1pPr algn="l" defTabSz="1508760" rtl="0" eaLnBrk="1" latinLnBrk="0" hangingPunct="1">
         <a:lnSpc>
           <a:spcPct val="90000"/>
         </a:lnSpc>
@@ -2683,7 +2683,7 @@
           <a:spcPct val="0"/>
         </a:spcBef>
         <a:buNone/>
-        <a:defRPr sz="3898" kern="1200">
+        <a:defRPr sz="7260" kern="1200">
           <a:solidFill>
             <a:schemeClr val="tx1"/>
           </a:solidFill>
@@ -2694,16 +2694,16 @@
       </a:lvl1pPr>
     </p:titleStyle>
     <p:bodyStyle>
-      <a:lvl1pPr marL="202494" indent="-202494" algn="l" defTabSz="809976" rtl="0" eaLnBrk="1" latinLnBrk="0" hangingPunct="1">
+      <a:lvl1pPr marL="377190" indent="-377190" algn="l" defTabSz="1508760" rtl="0" eaLnBrk="1" latinLnBrk="0" hangingPunct="1">
         <a:lnSpc>
           <a:spcPct val="90000"/>
         </a:lnSpc>
         <a:spcBef>
-          <a:spcPts val="886"/>
+          <a:spcPts val="1650"/>
         </a:spcBef>
         <a:buFont typeface="Arial" panose="020B0604020202020204" pitchFamily="34" charset="0"/>
         <a:buChar char="•"/>
-        <a:defRPr sz="2480" kern="1200">
+        <a:defRPr sz="4620" kern="1200">
           <a:solidFill>
             <a:schemeClr val="tx1"/>
           </a:solidFill>
@@ -2712,16 +2712,16 @@
           <a:cs typeface="+mn-cs"/>
         </a:defRPr>
       </a:lvl1pPr>
-      <a:lvl2pPr marL="607482" indent="-202494" algn="l" defTabSz="809976" rtl="0" eaLnBrk="1" latinLnBrk="0" hangingPunct="1">
+      <a:lvl2pPr marL="1131570" indent="-377190" algn="l" defTabSz="1508760" rtl="0" eaLnBrk="1" latinLnBrk="0" hangingPunct="1">
         <a:lnSpc>
           <a:spcPct val="90000"/>
         </a:lnSpc>
         <a:spcBef>
-          <a:spcPts val="443"/>
+          <a:spcPts val="825"/>
         </a:spcBef>
         <a:buFont typeface="Arial" panose="020B0604020202020204" pitchFamily="34" charset="0"/>
         <a:buChar char="•"/>
-        <a:defRPr sz="2126" kern="1200">
+        <a:defRPr sz="3960" kern="1200">
           <a:solidFill>
             <a:schemeClr val="tx1"/>
           </a:solidFill>
@@ -2730,16 +2730,16 @@
           <a:cs typeface="+mn-cs"/>
         </a:defRPr>
       </a:lvl2pPr>
-      <a:lvl3pPr marL="1012469" indent="-202494" algn="l" defTabSz="809976" rtl="0" eaLnBrk="1" latinLnBrk="0" hangingPunct="1">
+      <a:lvl3pPr marL="1885950" indent="-377190" algn="l" defTabSz="1508760" rtl="0" eaLnBrk="1" latinLnBrk="0" hangingPunct="1">
         <a:lnSpc>
           <a:spcPct val="90000"/>
         </a:lnSpc>
         <a:spcBef>
-          <a:spcPts val="443"/>
+          <a:spcPts val="825"/>
         </a:spcBef>
         <a:buFont typeface="Arial" panose="020B0604020202020204" pitchFamily="34" charset="0"/>
         <a:buChar char="•"/>
-        <a:defRPr sz="1772" kern="1200">
+        <a:defRPr sz="3300" kern="1200">
           <a:solidFill>
             <a:schemeClr val="tx1"/>
           </a:solidFill>
@@ -2748,16 +2748,16 @@
           <a:cs typeface="+mn-cs"/>
         </a:defRPr>
       </a:lvl3pPr>
-      <a:lvl4pPr marL="1417457" indent="-202494" algn="l" defTabSz="809976" rtl="0" eaLnBrk="1" latinLnBrk="0" hangingPunct="1">
+      <a:lvl4pPr marL="2640330" indent="-377190" algn="l" defTabSz="1508760" rtl="0" eaLnBrk="1" latinLnBrk="0" hangingPunct="1">
         <a:lnSpc>
           <a:spcPct val="90000"/>
         </a:lnSpc>
         <a:spcBef>
-          <a:spcPts val="443"/>
+          <a:spcPts val="825"/>
         </a:spcBef>
         <a:buFont typeface="Arial" panose="020B0604020202020204" pitchFamily="34" charset="0"/>
         <a:buChar char="•"/>
-        <a:defRPr sz="1594" kern="1200">
+        <a:defRPr sz="2970" kern="1200">
           <a:solidFill>
             <a:schemeClr val="tx1"/>
           </a:solidFill>
@@ -2766,16 +2766,16 @@
           <a:cs typeface="+mn-cs"/>
         </a:defRPr>
       </a:lvl4pPr>
-      <a:lvl5pPr marL="1822445" indent="-202494" algn="l" defTabSz="809976" rtl="0" eaLnBrk="1" latinLnBrk="0" hangingPunct="1">
+      <a:lvl5pPr marL="3394710" indent="-377190" algn="l" defTabSz="1508760" rtl="0" eaLnBrk="1" latinLnBrk="0" hangingPunct="1">
         <a:lnSpc>
           <a:spcPct val="90000"/>
         </a:lnSpc>
         <a:spcBef>
-          <a:spcPts val="443"/>
+          <a:spcPts val="825"/>
         </a:spcBef>
         <a:buFont typeface="Arial" panose="020B0604020202020204" pitchFamily="34" charset="0"/>
         <a:buChar char="•"/>
-        <a:defRPr sz="1594" kern="1200">
+        <a:defRPr sz="2970" kern="1200">
           <a:solidFill>
             <a:schemeClr val="tx1"/>
           </a:solidFill>
@@ -2784,16 +2784,16 @@
           <a:cs typeface="+mn-cs"/>
         </a:defRPr>
       </a:lvl5pPr>
-      <a:lvl6pPr marL="2227433" indent="-202494" algn="l" defTabSz="809976" rtl="0" eaLnBrk="1" latinLnBrk="0" hangingPunct="1">
+      <a:lvl6pPr marL="4149090" indent="-377190" algn="l" defTabSz="1508760" rtl="0" eaLnBrk="1" latinLnBrk="0" hangingPunct="1">
         <a:lnSpc>
           <a:spcPct val="90000"/>
         </a:lnSpc>
         <a:spcBef>
-          <a:spcPts val="443"/>
+          <a:spcPts val="825"/>
         </a:spcBef>
         <a:buFont typeface="Arial" panose="020B0604020202020204" pitchFamily="34" charset="0"/>
         <a:buChar char="•"/>
-        <a:defRPr sz="1594" kern="1200">
+        <a:defRPr sz="2970" kern="1200">
           <a:solidFill>
             <a:schemeClr val="tx1"/>
           </a:solidFill>
@@ -2802,16 +2802,16 @@
           <a:cs typeface="+mn-cs"/>
         </a:defRPr>
       </a:lvl6pPr>
-      <a:lvl7pPr marL="2632420" indent="-202494" algn="l" defTabSz="809976" rtl="0" eaLnBrk="1" latinLnBrk="0" hangingPunct="1">
+      <a:lvl7pPr marL="4903470" indent="-377190" algn="l" defTabSz="1508760" rtl="0" eaLnBrk="1" latinLnBrk="0" hangingPunct="1">
         <a:lnSpc>
           <a:spcPct val="90000"/>
         </a:lnSpc>
         <a:spcBef>
-          <a:spcPts val="443"/>
+          <a:spcPts val="825"/>
         </a:spcBef>
         <a:buFont typeface="Arial" panose="020B0604020202020204" pitchFamily="34" charset="0"/>
         <a:buChar char="•"/>
-        <a:defRPr sz="1594" kern="1200">
+        <a:defRPr sz="2970" kern="1200">
           <a:solidFill>
             <a:schemeClr val="tx1"/>
           </a:solidFill>
@@ -2820,16 +2820,16 @@
           <a:cs typeface="+mn-cs"/>
         </a:defRPr>
       </a:lvl7pPr>
-      <a:lvl8pPr marL="3037408" indent="-202494" algn="l" defTabSz="809976" rtl="0" eaLnBrk="1" latinLnBrk="0" hangingPunct="1">
+      <a:lvl8pPr marL="5657850" indent="-377190" algn="l" defTabSz="1508760" rtl="0" eaLnBrk="1" latinLnBrk="0" hangingPunct="1">
         <a:lnSpc>
           <a:spcPct val="90000"/>
         </a:lnSpc>
         <a:spcBef>
-          <a:spcPts val="443"/>
+          <a:spcPts val="825"/>
         </a:spcBef>
         <a:buFont typeface="Arial" panose="020B0604020202020204" pitchFamily="34" charset="0"/>
         <a:buChar char="•"/>
-        <a:defRPr sz="1594" kern="1200">
+        <a:defRPr sz="2970" kern="1200">
           <a:solidFill>
             <a:schemeClr val="tx1"/>
           </a:solidFill>
@@ -2838,16 +2838,16 @@
           <a:cs typeface="+mn-cs"/>
         </a:defRPr>
       </a:lvl8pPr>
-      <a:lvl9pPr marL="3442396" indent="-202494" algn="l" defTabSz="809976" rtl="0" eaLnBrk="1" latinLnBrk="0" hangingPunct="1">
+      <a:lvl9pPr marL="6412230" indent="-377190" algn="l" defTabSz="1508760" rtl="0" eaLnBrk="1" latinLnBrk="0" hangingPunct="1">
         <a:lnSpc>
           <a:spcPct val="90000"/>
         </a:lnSpc>
         <a:spcBef>
-          <a:spcPts val="443"/>
+          <a:spcPts val="825"/>
         </a:spcBef>
         <a:buFont typeface="Arial" panose="020B0604020202020204" pitchFamily="34" charset="0"/>
         <a:buChar char="•"/>
-        <a:defRPr sz="1594" kern="1200">
+        <a:defRPr sz="2970" kern="1200">
           <a:solidFill>
             <a:schemeClr val="tx1"/>
           </a:solidFill>
@@ -2861,8 +2861,8 @@
       <a:defPPr>
         <a:defRPr lang="en-US"/>
       </a:defPPr>
-      <a:lvl1pPr marL="0" algn="l" defTabSz="809976" rtl="0" eaLnBrk="1" latinLnBrk="0" hangingPunct="1">
-        <a:defRPr sz="1594" kern="1200">
+      <a:lvl1pPr marL="0" algn="l" defTabSz="1508760" rtl="0" eaLnBrk="1" latinLnBrk="0" hangingPunct="1">
+        <a:defRPr sz="2970" kern="1200">
           <a:solidFill>
             <a:schemeClr val="tx1"/>
           </a:solidFill>
@@ -2871,8 +2871,8 @@
           <a:cs typeface="+mn-cs"/>
         </a:defRPr>
       </a:lvl1pPr>
-      <a:lvl2pPr marL="404988" algn="l" defTabSz="809976" rtl="0" eaLnBrk="1" latinLnBrk="0" hangingPunct="1">
-        <a:defRPr sz="1594" kern="1200">
+      <a:lvl2pPr marL="754380" algn="l" defTabSz="1508760" rtl="0" eaLnBrk="1" latinLnBrk="0" hangingPunct="1">
+        <a:defRPr sz="2970" kern="1200">
           <a:solidFill>
             <a:schemeClr val="tx1"/>
           </a:solidFill>
@@ -2881,8 +2881,8 @@
           <a:cs typeface="+mn-cs"/>
         </a:defRPr>
       </a:lvl2pPr>
-      <a:lvl3pPr marL="809976" algn="l" defTabSz="809976" rtl="0" eaLnBrk="1" latinLnBrk="0" hangingPunct="1">
-        <a:defRPr sz="1594" kern="1200">
+      <a:lvl3pPr marL="1508760" algn="l" defTabSz="1508760" rtl="0" eaLnBrk="1" latinLnBrk="0" hangingPunct="1">
+        <a:defRPr sz="2970" kern="1200">
           <a:solidFill>
             <a:schemeClr val="tx1"/>
           </a:solidFill>
@@ -2891,8 +2891,8 @@
           <a:cs typeface="+mn-cs"/>
         </a:defRPr>
       </a:lvl3pPr>
-      <a:lvl4pPr marL="1214963" algn="l" defTabSz="809976" rtl="0" eaLnBrk="1" latinLnBrk="0" hangingPunct="1">
-        <a:defRPr sz="1594" kern="1200">
+      <a:lvl4pPr marL="2263140" algn="l" defTabSz="1508760" rtl="0" eaLnBrk="1" latinLnBrk="0" hangingPunct="1">
+        <a:defRPr sz="2970" kern="1200">
           <a:solidFill>
             <a:schemeClr val="tx1"/>
           </a:solidFill>
@@ -2901,8 +2901,8 @@
           <a:cs typeface="+mn-cs"/>
         </a:defRPr>
       </a:lvl4pPr>
-      <a:lvl5pPr marL="1619951" algn="l" defTabSz="809976" rtl="0" eaLnBrk="1" latinLnBrk="0" hangingPunct="1">
-        <a:defRPr sz="1594" kern="1200">
+      <a:lvl5pPr marL="3017520" algn="l" defTabSz="1508760" rtl="0" eaLnBrk="1" latinLnBrk="0" hangingPunct="1">
+        <a:defRPr sz="2970" kern="1200">
           <a:solidFill>
             <a:schemeClr val="tx1"/>
           </a:solidFill>
@@ -2911,8 +2911,8 @@
           <a:cs typeface="+mn-cs"/>
         </a:defRPr>
       </a:lvl5pPr>
-      <a:lvl6pPr marL="2024939" algn="l" defTabSz="809976" rtl="0" eaLnBrk="1" latinLnBrk="0" hangingPunct="1">
-        <a:defRPr sz="1594" kern="1200">
+      <a:lvl6pPr marL="3771900" algn="l" defTabSz="1508760" rtl="0" eaLnBrk="1" latinLnBrk="0" hangingPunct="1">
+        <a:defRPr sz="2970" kern="1200">
           <a:solidFill>
             <a:schemeClr val="tx1"/>
           </a:solidFill>
@@ -2921,8 +2921,8 @@
           <a:cs typeface="+mn-cs"/>
         </a:defRPr>
       </a:lvl6pPr>
-      <a:lvl7pPr marL="2429927" algn="l" defTabSz="809976" rtl="0" eaLnBrk="1" latinLnBrk="0" hangingPunct="1">
-        <a:defRPr sz="1594" kern="1200">
+      <a:lvl7pPr marL="4526280" algn="l" defTabSz="1508760" rtl="0" eaLnBrk="1" latinLnBrk="0" hangingPunct="1">
+        <a:defRPr sz="2970" kern="1200">
           <a:solidFill>
             <a:schemeClr val="tx1"/>
           </a:solidFill>
@@ -2931,8 +2931,8 @@
           <a:cs typeface="+mn-cs"/>
         </a:defRPr>
       </a:lvl7pPr>
-      <a:lvl8pPr marL="2834914" algn="l" defTabSz="809976" rtl="0" eaLnBrk="1" latinLnBrk="0" hangingPunct="1">
-        <a:defRPr sz="1594" kern="1200">
+      <a:lvl8pPr marL="5280660" algn="l" defTabSz="1508760" rtl="0" eaLnBrk="1" latinLnBrk="0" hangingPunct="1">
+        <a:defRPr sz="2970" kern="1200">
           <a:solidFill>
             <a:schemeClr val="tx1"/>
           </a:solidFill>
@@ -2941,8 +2941,8 @@
           <a:cs typeface="+mn-cs"/>
         </a:defRPr>
       </a:lvl8pPr>
-      <a:lvl9pPr marL="3239902" algn="l" defTabSz="809976" rtl="0" eaLnBrk="1" latinLnBrk="0" hangingPunct="1">
-        <a:defRPr sz="1594" kern="1200">
+      <a:lvl9pPr marL="6035040" algn="l" defTabSz="1508760" rtl="0" eaLnBrk="1" latinLnBrk="0" hangingPunct="1">
+        <a:defRPr sz="2970" kern="1200">
           <a:solidFill>
             <a:schemeClr val="tx1"/>
           </a:solidFill>
@@ -2987,8 +2987,8 @@
         </p:nvGrpSpPr>
         <p:grpSpPr>
           <a:xfrm>
-            <a:off x="386370" y="437191"/>
-            <a:ext cx="10027021" cy="5983617"/>
+            <a:off x="1368315" y="757799"/>
+            <a:ext cx="17380170" cy="10371603"/>
             <a:chOff x="1416295" y="749177"/>
             <a:chExt cx="8968535" cy="5351966"/>
           </a:xfrm>
@@ -3080,14 +3080,14 @@
             </a:ln>
           </p:spPr>
           <p:txBody>
-            <a:bodyPr rot="0" vert="horz" wrap="square" lIns="80998" tIns="80998" rIns="80998" bIns="80998" anchor="t" anchorCtr="0" upright="1">
+            <a:bodyPr rot="0" vert="horz" wrap="square" lIns="140397" tIns="140397" rIns="140397" bIns="140397" anchor="t" anchorCtr="0" upright="1">
               <a:noAutofit/>
             </a:bodyPr>
             <a:lstStyle/>
             <a:p>
               <a:pPr algn="ctr"/>
               <a:r>
-                <a:rPr lang="en-CA" sz="1400" b="1" dirty="0">
+                <a:rPr lang="en-CA" sz="2427" b="1" dirty="0">
                   <a:latin typeface="Arial"/>
                   <a:ea typeface="Calibri" panose="020F0502020204030204" pitchFamily="34" charset="0"/>
                   <a:cs typeface="Arial"/>
@@ -3098,14 +3098,14 @@
             <a:p>
               <a:pPr algn="ctr"/>
               <a:r>
-                <a:rPr lang="en-CA" sz="1400" b="1" dirty="0">
+                <a:rPr lang="en-CA" sz="2427" b="1" dirty="0">
                   <a:latin typeface="Arial"/>
                   <a:ea typeface="Calibri" panose="020F0502020204030204" pitchFamily="34" charset="0"/>
                   <a:cs typeface="Arial"/>
                 </a:rPr>
                 <a:t>(n = 1264)</a:t>
               </a:r>
-              <a:endParaRPr lang="en-US" sz="1400" b="1" dirty="0">
+              <a:endParaRPr lang="en-US" sz="2427" b="1" dirty="0">
                 <a:latin typeface="Arial" panose="020B0604020202020204" pitchFamily="34" charset="0"/>
                 <a:ea typeface="Calibri" panose="020F0502020204030204" pitchFamily="34" charset="0"/>
                 <a:cs typeface="Arial" panose="020B0604020202020204" pitchFamily="34" charset="0"/>
@@ -3250,13 +3250,13 @@
             </a:ln>
           </p:spPr>
           <p:txBody>
-            <a:bodyPr rot="0" vert="horz" wrap="square" lIns="80998" tIns="80998" rIns="80998" bIns="80998" anchor="t" anchorCtr="0" upright="1">
+            <a:bodyPr rot="0" vert="horz" wrap="square" lIns="140397" tIns="140397" rIns="140397" bIns="140397" anchor="t" anchorCtr="0" upright="1">
               <a:noAutofit/>
             </a:bodyPr>
             <a:lstStyle/>
             <a:p>
               <a:r>
-                <a:rPr lang="en-CA" sz="1400" b="1" dirty="0">
+                <a:rPr lang="en-CA" sz="2427" b="1" dirty="0">
                   <a:latin typeface="Arial" panose="020B0604020202020204" pitchFamily="34" charset="0"/>
                   <a:ea typeface="Calibri" panose="020F0502020204030204" pitchFamily="34" charset="0"/>
                   <a:cs typeface="Arial" panose="020B0604020202020204" pitchFamily="34" charset="0"/>
@@ -3265,12 +3265,12 @@
               </a:r>
             </a:p>
             <a:p>
-              <a:pPr marL="202466" indent="-202466">
+              <a:pPr marL="350934" indent="-350934">
                 <a:buFont typeface="Arial" panose="020B0604020202020204" pitchFamily="34" charset="0"/>
                 <a:buChar char="•"/>
               </a:pPr>
               <a:r>
-                <a:rPr lang="en-CA" sz="1100" dirty="0">
+                <a:rPr lang="en-CA" sz="2000" dirty="0">
                   <a:latin typeface="Arial" panose="020B0604020202020204" pitchFamily="34" charset="0"/>
                   <a:ea typeface="Calibri" panose="020F0502020204030204" pitchFamily="34" charset="0"/>
                   <a:cs typeface="Arial" panose="020B0604020202020204" pitchFamily="34" charset="0"/>
@@ -3279,12 +3279,12 @@
               </a:r>
             </a:p>
             <a:p>
-              <a:pPr marL="202466" indent="-202466">
+              <a:pPr marL="350934" indent="-350934">
                 <a:buFont typeface="Arial" panose="020B0604020202020204" pitchFamily="34" charset="0"/>
                 <a:buChar char="•"/>
               </a:pPr>
               <a:r>
-                <a:rPr lang="en-CA" sz="1100" dirty="0" err="1">
+                <a:rPr lang="en-CA" sz="2000" dirty="0" err="1">
                   <a:latin typeface="Arial" panose="020B0604020202020204" pitchFamily="34" charset="0"/>
                   <a:ea typeface="Calibri" panose="020F0502020204030204" pitchFamily="34" charset="0"/>
                   <a:cs typeface="Arial" panose="020B0604020202020204" pitchFamily="34" charset="0"/>
@@ -3292,7 +3292,7 @@
                 <a:t>Ensitrelvir</a:t>
               </a:r>
               <a:r>
-                <a:rPr lang="en-CA" sz="1100" dirty="0">
+                <a:rPr lang="en-CA" sz="2000" dirty="0">
                   <a:latin typeface="Arial" panose="020B0604020202020204" pitchFamily="34" charset="0"/>
                   <a:ea typeface="Calibri" panose="020F0502020204030204" pitchFamily="34" charset="0"/>
                   <a:cs typeface="Arial" panose="020B0604020202020204" pitchFamily="34" charset="0"/>
@@ -3301,12 +3301,12 @@
               </a:r>
             </a:p>
             <a:p>
-              <a:pPr marL="202466" indent="-202466">
+              <a:pPr marL="350934" indent="-350934">
                 <a:buFont typeface="Arial" panose="020B0604020202020204" pitchFamily="34" charset="0"/>
                 <a:buChar char="•"/>
               </a:pPr>
               <a:r>
-                <a:rPr lang="en-CA" sz="1100" dirty="0" err="1">
+                <a:rPr lang="en-CA" sz="2000" dirty="0" err="1">
                   <a:latin typeface="Arial" panose="020B0604020202020204" pitchFamily="34" charset="0"/>
                   <a:ea typeface="Calibri" panose="020F0502020204030204" pitchFamily="34" charset="0"/>
                   <a:cs typeface="Arial" panose="020B0604020202020204" pitchFamily="34" charset="0"/>
@@ -3314,7 +3314,7 @@
                 <a:t>Tixagevimab</a:t>
               </a:r>
               <a:r>
-                <a:rPr lang="en-CA" sz="1100" dirty="0">
+                <a:rPr lang="en-CA" sz="2000" dirty="0">
                   <a:latin typeface="Arial" panose="020B0604020202020204" pitchFamily="34" charset="0"/>
                   <a:ea typeface="Calibri" panose="020F0502020204030204" pitchFamily="34" charset="0"/>
                   <a:cs typeface="Arial" panose="020B0604020202020204" pitchFamily="34" charset="0"/>
@@ -3322,7 +3322,7 @@
                 <a:t>/</a:t>
               </a:r>
               <a:r>
-                <a:rPr lang="en-CA" sz="1100" dirty="0" err="1">
+                <a:rPr lang="en-CA" sz="2000" dirty="0" err="1">
                   <a:latin typeface="Arial" panose="020B0604020202020204" pitchFamily="34" charset="0"/>
                   <a:ea typeface="Calibri" panose="020F0502020204030204" pitchFamily="34" charset="0"/>
                   <a:cs typeface="Arial" panose="020B0604020202020204" pitchFamily="34" charset="0"/>
@@ -3330,7 +3330,7 @@
                 <a:t>Cilgavimab</a:t>
               </a:r>
               <a:r>
-                <a:rPr lang="en-CA" sz="1100" dirty="0">
+                <a:rPr lang="en-CA" sz="2000" dirty="0">
                   <a:latin typeface="Arial" panose="020B0604020202020204" pitchFamily="34" charset="0"/>
                   <a:ea typeface="Calibri" panose="020F0502020204030204" pitchFamily="34" charset="0"/>
                   <a:cs typeface="Arial" panose="020B0604020202020204" pitchFamily="34" charset="0"/>
@@ -3339,20 +3339,28 @@
               </a:r>
             </a:p>
             <a:p>
-              <a:pPr marL="202466" indent="-202466">
+              <a:pPr marL="350934" indent="-350934">
                 <a:buFont typeface="Arial" panose="020B0604020202020204" pitchFamily="34" charset="0"/>
                 <a:buChar char="•"/>
               </a:pPr>
               <a:r>
-                <a:rPr lang="en-CA" sz="1100" dirty="0" err="1">
+                <a:rPr lang="en-CA" sz="2000" dirty="0">
                   <a:latin typeface="Arial"/>
                   <a:ea typeface="Calibri" panose="020F0502020204030204" pitchFamily="34" charset="0"/>
                   <a:cs typeface="Arial"/>
                 </a:rPr>
-                <a:t>Nirmatrelvir</a:t>
-              </a:r>
-              <a:r>
-                <a:rPr lang="en-CA" sz="1100" dirty="0">
+                <a:t>Ritonavir-boosted </a:t>
+              </a:r>
+              <a:r>
+                <a:rPr lang="en-CA" sz="2000" dirty="0" err="1">
+                  <a:latin typeface="Arial"/>
+                  <a:ea typeface="Calibri" panose="020F0502020204030204" pitchFamily="34" charset="0"/>
+                  <a:cs typeface="Arial"/>
+                </a:rPr>
+                <a:t>nirmatrelvir</a:t>
+              </a:r>
+              <a:r>
+                <a:rPr lang="en-CA" sz="2000" dirty="0">
                   <a:latin typeface="Arial" panose="020B0604020202020204" pitchFamily="34" charset="0"/>
                   <a:ea typeface="Calibri" panose="020F0502020204030204" pitchFamily="34" charset="0"/>
                   <a:cs typeface="Arial" panose="020B0604020202020204" pitchFamily="34" charset="0"/>
@@ -3360,7 +3368,7 @@
                 <a:t> + </a:t>
               </a:r>
               <a:r>
-                <a:rPr lang="en-CA" sz="1100" dirty="0" err="1">
+                <a:rPr lang="en-CA" sz="2000" dirty="0" err="1">
                   <a:latin typeface="Arial" panose="020B0604020202020204" pitchFamily="34" charset="0"/>
                   <a:ea typeface="Calibri" panose="020F0502020204030204" pitchFamily="34" charset="0"/>
                   <a:cs typeface="Arial" panose="020B0604020202020204" pitchFamily="34" charset="0"/>
@@ -3368,7 +3376,7 @@
                 <a:t>Molnupiravir</a:t>
               </a:r>
               <a:r>
-                <a:rPr lang="en-CA" sz="1100" dirty="0">
+                <a:rPr lang="en-CA" sz="2000" dirty="0">
                   <a:latin typeface="Arial" panose="020B0604020202020204" pitchFamily="34" charset="0"/>
                   <a:ea typeface="Calibri" panose="020F0502020204030204" pitchFamily="34" charset="0"/>
                   <a:cs typeface="Arial" panose="020B0604020202020204" pitchFamily="34" charset="0"/>
@@ -3377,12 +3385,12 @@
               </a:r>
             </a:p>
             <a:p>
-              <a:pPr marL="202466" indent="-202466">
+              <a:pPr marL="350934" indent="-350934">
                 <a:buFont typeface="Arial" panose="020B0604020202020204" pitchFamily="34" charset="0"/>
                 <a:buChar char="•"/>
               </a:pPr>
               <a:r>
-                <a:rPr lang="en-CA" sz="1100" dirty="0">
+                <a:rPr lang="en-CA" sz="2000" dirty="0">
                   <a:latin typeface="Arial" panose="020B0604020202020204" pitchFamily="34" charset="0"/>
                   <a:ea typeface="Calibri" panose="020F0502020204030204" pitchFamily="34" charset="0"/>
                   <a:cs typeface="Arial" panose="020B0604020202020204" pitchFamily="34" charset="0"/>
@@ -3477,14 +3485,14 @@
             </a:ln>
           </p:spPr>
           <p:txBody>
-            <a:bodyPr rot="0" vert="horz" wrap="square" lIns="80998" tIns="80998" rIns="80998" bIns="80998" anchor="t" anchorCtr="0" upright="1">
+            <a:bodyPr rot="0" vert="horz" wrap="square" lIns="140397" tIns="140397" rIns="140397" bIns="140397" anchor="t" anchorCtr="0" upright="1">
               <a:noAutofit/>
             </a:bodyPr>
             <a:lstStyle/>
             <a:p>
               <a:pPr algn="ctr"/>
               <a:r>
-                <a:rPr lang="en-CA" sz="1400" b="1" dirty="0">
+                <a:rPr lang="en-CA" sz="2427" b="1" dirty="0">
                   <a:latin typeface="Arial" panose="020B0604020202020204" pitchFamily="34" charset="0"/>
                   <a:ea typeface="Calibri" panose="020F0502020204030204" pitchFamily="34" charset="0"/>
                   <a:cs typeface="Arial" panose="020B0604020202020204" pitchFamily="34" charset="0"/>
@@ -3495,7 +3503,7 @@
             <a:p>
               <a:pPr algn="ctr"/>
               <a:r>
-                <a:rPr lang="en-CA" sz="1400" b="1" dirty="0">
+                <a:rPr lang="en-CA" sz="2427" b="1" dirty="0">
                   <a:latin typeface="Arial" panose="020B0604020202020204" pitchFamily="34" charset="0"/>
                   <a:ea typeface="Calibri" panose="020F0502020204030204" pitchFamily="34" charset="0"/>
                   <a:cs typeface="Arial" panose="020B0604020202020204" pitchFamily="34" charset="0"/>
@@ -3503,7 +3511,7 @@
                 <a:t>(n </a:t>
               </a:r>
               <a:r>
-                <a:rPr lang="en-US" sz="1400" b="1" dirty="0">
+                <a:rPr lang="en-US" sz="2427" b="1" dirty="0">
                   <a:latin typeface="Arial" panose="020B0604020202020204" pitchFamily="34" charset="0"/>
                   <a:ea typeface="Calibri" panose="020F0502020204030204" pitchFamily="34" charset="0"/>
                   <a:cs typeface="Arial" panose="020B0604020202020204" pitchFamily="34" charset="0"/>
@@ -3511,14 +3519,14 @@
                 <a:t>= 1314</a:t>
               </a:r>
               <a:r>
-                <a:rPr lang="en-CA" sz="1400" b="1" dirty="0">
+                <a:rPr lang="en-CA" sz="2427" b="1" dirty="0">
                   <a:latin typeface="Arial" panose="020B0604020202020204" pitchFamily="34" charset="0"/>
                   <a:ea typeface="Calibri" panose="020F0502020204030204" pitchFamily="34" charset="0"/>
                   <a:cs typeface="Arial" panose="020B0604020202020204" pitchFamily="34" charset="0"/>
                 </a:rPr>
                 <a:t>)</a:t>
               </a:r>
-              <a:endParaRPr lang="en-US" sz="1400" b="1" dirty="0">
+              <a:endParaRPr lang="en-US" sz="2427" b="1" dirty="0">
                 <a:latin typeface="Arial" panose="020B0604020202020204" pitchFamily="34" charset="0"/>
                 <a:ea typeface="Calibri" panose="020F0502020204030204" pitchFamily="34" charset="0"/>
                 <a:cs typeface="Arial" panose="020B0604020202020204" pitchFamily="34" charset="0"/>
@@ -3591,7 +3599,7 @@
           <p:spPr>
             <a:xfrm>
               <a:off x="1416295" y="1408947"/>
-              <a:ext cx="1177315" cy="283154"/>
+              <a:ext cx="1177315" cy="240380"/>
             </a:xfrm>
             <a:prstGeom prst="rect">
               <a:avLst/>
@@ -3617,7 +3625,7 @@
             <a:p>
               <a:pPr algn="ctr"/>
               <a:r>
-                <a:rPr lang="en-GB" sz="1400" b="1" dirty="0">
+                <a:rPr lang="en-GB" sz="2427" b="1" dirty="0">
                   <a:latin typeface="Arial" panose="020B0604020202020204" pitchFamily="34" charset="0"/>
                   <a:cs typeface="Arial" panose="020B0604020202020204" pitchFamily="34" charset="0"/>
                 </a:rPr>
@@ -3641,7 +3649,7 @@
           <p:spPr>
             <a:xfrm>
               <a:off x="1416295" y="2583594"/>
-              <a:ext cx="1177315" cy="283154"/>
+              <a:ext cx="1177315" cy="240380"/>
             </a:xfrm>
             <a:prstGeom prst="rect">
               <a:avLst/>
@@ -3667,7 +3675,7 @@
             <a:p>
               <a:pPr algn="ctr"/>
               <a:r>
-                <a:rPr lang="en-GB" sz="1400" b="1" dirty="0">
+                <a:rPr lang="en-GB" sz="2427" b="1" dirty="0">
                   <a:latin typeface="Arial" panose="020B0604020202020204" pitchFamily="34" charset="0"/>
                   <a:cs typeface="Arial" panose="020B0604020202020204" pitchFamily="34" charset="0"/>
                 </a:rPr>
@@ -3691,7 +3699,7 @@
           <p:spPr>
             <a:xfrm>
               <a:off x="1416295" y="4102080"/>
-              <a:ext cx="1177315" cy="283154"/>
+              <a:ext cx="1177315" cy="240380"/>
             </a:xfrm>
             <a:prstGeom prst="rect">
               <a:avLst/>
@@ -3717,7 +3725,7 @@
             <a:p>
               <a:pPr algn="ctr"/>
               <a:r>
-                <a:rPr lang="en-GB" sz="1400" b="1" dirty="0">
+                <a:rPr lang="en-GB" sz="2427" b="1" dirty="0">
                   <a:latin typeface="Arial" panose="020B0604020202020204" pitchFamily="34" charset="0"/>
                   <a:cs typeface="Arial" panose="020B0604020202020204" pitchFamily="34" charset="0"/>
                 </a:rPr>
@@ -3761,13 +3769,13 @@
             </a:ln>
           </p:spPr>
           <p:txBody>
-            <a:bodyPr rot="0" vert="horz" wrap="square" lIns="80998" tIns="80998" rIns="80998" bIns="80998" anchor="t" anchorCtr="0" upright="1">
+            <a:bodyPr rot="0" vert="horz" wrap="square" lIns="140397" tIns="140397" rIns="140397" bIns="140397" anchor="t" anchorCtr="0" upright="1">
               <a:noAutofit/>
             </a:bodyPr>
             <a:lstStyle/>
             <a:p>
               <a:r>
-                <a:rPr lang="en-US" sz="1400" b="1" dirty="0">
+                <a:rPr lang="en-US" sz="2427" b="1" dirty="0">
                   <a:latin typeface="Arial" panose="020B0604020202020204" pitchFamily="34" charset="0"/>
                   <a:ea typeface="Calibri" panose="020F0502020204030204" pitchFamily="34" charset="0"/>
                   <a:cs typeface="Arial" panose="020B0604020202020204" pitchFamily="34" charset="0"/>
@@ -3776,12 +3784,12 @@
               </a:r>
             </a:p>
             <a:p>
-              <a:pPr marL="253094" indent="-253094">
+              <a:pPr marL="438688" indent="-438688">
                 <a:buFont typeface="Arial" panose="020B0604020202020204" pitchFamily="34" charset="0"/>
                 <a:buChar char="•"/>
               </a:pPr>
               <a:r>
-                <a:rPr lang="en-US" sz="1100" dirty="0">
+                <a:rPr lang="en-US" sz="2000" dirty="0">
                   <a:latin typeface="Arial" panose="020B0604020202020204" pitchFamily="34" charset="0"/>
                   <a:ea typeface="Calibri" panose="020F0502020204030204" pitchFamily="34" charset="0"/>
                   <a:cs typeface="Arial" panose="020B0604020202020204" pitchFamily="34" charset="0"/>
@@ -3790,12 +3798,12 @@
               </a:r>
             </a:p>
             <a:p>
-              <a:pPr marL="253094" indent="-253094">
+              <a:pPr marL="438688" indent="-438688">
                 <a:buFont typeface="Arial" panose="020B0604020202020204" pitchFamily="34" charset="0"/>
                 <a:buChar char="•"/>
               </a:pPr>
               <a:r>
-                <a:rPr lang="en-US" sz="1100" dirty="0">
+                <a:rPr lang="en-US" sz="2000" dirty="0">
                   <a:latin typeface="Arial" panose="020B0604020202020204" pitchFamily="34" charset="0"/>
                   <a:ea typeface="Calibri" panose="020F0502020204030204" pitchFamily="34" charset="0"/>
                   <a:cs typeface="Arial" panose="020B0604020202020204" pitchFamily="34" charset="0"/>
@@ -3804,7 +3812,7 @@
               </a:r>
             </a:p>
             <a:p>
-              <a:endParaRPr lang="en-US" sz="1400" b="1" dirty="0">
+              <a:endParaRPr lang="en-US" sz="2427" b="1" dirty="0">
                 <a:highlight>
                   <a:srgbClr val="FFFF00"/>
                 </a:highlight>
@@ -3850,14 +3858,14 @@
             </a:ln>
           </p:spPr>
           <p:txBody>
-            <a:bodyPr rot="0" vert="horz" wrap="square" lIns="80998" tIns="80998" rIns="80998" bIns="80998" anchor="t" anchorCtr="0" upright="1">
+            <a:bodyPr rot="0" vert="horz" wrap="square" lIns="140397" tIns="140397" rIns="140397" bIns="140397" anchor="t" anchorCtr="0" upright="1">
               <a:noAutofit/>
             </a:bodyPr>
             <a:lstStyle/>
             <a:p>
               <a:pPr algn="ctr"/>
               <a:r>
-                <a:rPr lang="en-CA" sz="1400" b="1" dirty="0">
+                <a:rPr lang="en-CA" sz="2427" b="1" dirty="0">
                   <a:latin typeface="Arial"/>
                   <a:ea typeface="Calibri" panose="020F0502020204030204" pitchFamily="34" charset="0"/>
                   <a:cs typeface="Arial"/>
@@ -3868,14 +3876,14 @@
             <a:p>
               <a:pPr algn="ctr"/>
               <a:r>
-                <a:rPr lang="en-CA" sz="1400" b="1" dirty="0">
+                <a:rPr lang="en-CA" sz="2427" b="1" dirty="0">
                   <a:latin typeface="Arial"/>
                   <a:ea typeface="Calibri" panose="020F0502020204030204" pitchFamily="34" charset="0"/>
                   <a:cs typeface="Arial"/>
                 </a:rPr>
                 <a:t>(n = 824)</a:t>
               </a:r>
-              <a:endParaRPr lang="en-US" sz="1400" b="1" dirty="0">
+              <a:endParaRPr lang="en-US" sz="2427" b="1" dirty="0">
                 <a:latin typeface="Arial" panose="020B0604020202020204" pitchFamily="34" charset="0"/>
                 <a:ea typeface="Calibri" panose="020F0502020204030204" pitchFamily="34" charset="0"/>
                 <a:cs typeface="Arial" panose="020B0604020202020204" pitchFamily="34" charset="0"/>
@@ -3970,13 +3978,13 @@
             </a:ln>
           </p:spPr>
           <p:txBody>
-            <a:bodyPr rot="0" vert="horz" wrap="square" lIns="80998" tIns="80998" rIns="80998" bIns="80998" anchor="t" anchorCtr="0" upright="1">
+            <a:bodyPr rot="0" vert="horz" wrap="square" lIns="140397" tIns="140397" rIns="140397" bIns="140397" anchor="t" anchorCtr="0" upright="1">
               <a:noAutofit/>
             </a:bodyPr>
             <a:lstStyle/>
             <a:p>
               <a:r>
-                <a:rPr lang="en-CA" sz="1400" b="1" dirty="0">
+                <a:rPr lang="en-CA" sz="2427" b="1" dirty="0">
                   <a:latin typeface="Arial"/>
                   <a:ea typeface="Calibri" panose="020F0502020204030204" pitchFamily="34" charset="0"/>
                   <a:cs typeface="Arial"/>
@@ -3984,7 +3992,7 @@
                 <a:t>Analysed dataset; </a:t>
               </a:r>
               <a:r>
-                <a:rPr lang="en-CA" sz="1400" b="1" dirty="0" err="1">
+                <a:rPr lang="en-CA" sz="2427" b="1" dirty="0" err="1">
                   <a:latin typeface="Arial"/>
                   <a:ea typeface="Calibri" panose="020F0502020204030204" pitchFamily="34" charset="0"/>
                   <a:cs typeface="Arial"/>
@@ -3992,7 +4000,7 @@
                 <a:t>mITT</a:t>
               </a:r>
               <a:r>
-                <a:rPr lang="en-CA" sz="1400" b="1" dirty="0">
+                <a:rPr lang="en-CA" sz="2427" b="1" dirty="0">
                   <a:latin typeface="Arial"/>
                   <a:ea typeface="Calibri" panose="020F0502020204030204" pitchFamily="34" charset="0"/>
                   <a:cs typeface="Arial"/>
@@ -4001,12 +4009,12 @@
               </a:r>
             </a:p>
             <a:p>
-              <a:pPr marL="151857" indent="-151857">
+              <a:pPr marL="263214" indent="-263214">
                 <a:buFont typeface="Arial" panose="020B0604020202020204" pitchFamily="34" charset="0"/>
                 <a:buChar char="•"/>
               </a:pPr>
               <a:r>
-                <a:rPr lang="en-CA" sz="1100" dirty="0">
+                <a:rPr lang="en-CA" sz="2000" dirty="0">
                   <a:latin typeface="Arial"/>
                   <a:ea typeface="Calibri" panose="020F0502020204030204" pitchFamily="34" charset="0"/>
                   <a:cs typeface="Arial"/>
@@ -4015,20 +4023,28 @@
               </a:r>
             </a:p>
             <a:p>
-              <a:pPr marL="151857" indent="-151857">
+              <a:pPr marL="263214" indent="-263214">
                 <a:buFont typeface="Arial" panose="020B0604020202020204" pitchFamily="34" charset="0"/>
                 <a:buChar char="•"/>
               </a:pPr>
               <a:r>
-                <a:rPr lang="en-CA" sz="1100" dirty="0" err="1">
+                <a:rPr lang="en-CA" sz="2000" dirty="0">
                   <a:latin typeface="Arial"/>
                   <a:ea typeface="Calibri" panose="020F0502020204030204" pitchFamily="34" charset="0"/>
                   <a:cs typeface="Arial"/>
                 </a:rPr>
-                <a:t>Nirmatrelvir</a:t>
-              </a:r>
-              <a:r>
-                <a:rPr lang="en-CA" sz="1100" dirty="0">
+                <a:t>Ritonavir-boosted </a:t>
+              </a:r>
+              <a:r>
+                <a:rPr lang="en-CA" sz="2000" dirty="0" err="1">
+                  <a:latin typeface="Arial"/>
+                  <a:ea typeface="Calibri" panose="020F0502020204030204" pitchFamily="34" charset="0"/>
+                  <a:cs typeface="Arial"/>
+                </a:rPr>
+                <a:t>nirmatrelvir</a:t>
+              </a:r>
+              <a:r>
+                <a:rPr lang="en-CA" sz="2000" dirty="0">
                   <a:latin typeface="Arial"/>
                   <a:ea typeface="Calibri" panose="020F0502020204030204" pitchFamily="34" charset="0"/>
                   <a:cs typeface="Arial"/>
@@ -4037,12 +4053,12 @@
               </a:r>
             </a:p>
             <a:p>
-              <a:pPr marL="151857" indent="-151857">
+              <a:pPr marL="263214" indent="-263214">
                 <a:buFont typeface="Arial" panose="020B0604020202020204" pitchFamily="34" charset="0"/>
                 <a:buChar char="•"/>
               </a:pPr>
               <a:r>
-                <a:rPr lang="en-CA" sz="1100" dirty="0">
+                <a:rPr lang="en-CA" sz="2000" dirty="0">
                   <a:latin typeface="Arial"/>
                   <a:ea typeface="Calibri" panose="020F0502020204030204" pitchFamily="34" charset="0"/>
                   <a:cs typeface="Arial"/>
@@ -4051,12 +4067,12 @@
               </a:r>
             </a:p>
             <a:p>
-              <a:pPr marL="151857" indent="-151857">
+              <a:pPr marL="263214" indent="-263214">
                 <a:buFont typeface="Arial" panose="020B0604020202020204" pitchFamily="34" charset="0"/>
                 <a:buChar char="•"/>
               </a:pPr>
               <a:r>
-                <a:rPr lang="en-CA" sz="1100" dirty="0" err="1">
+                <a:rPr lang="en-CA" sz="2000" dirty="0" err="1">
                   <a:latin typeface="Arial"/>
                   <a:ea typeface="Calibri" panose="020F0502020204030204" pitchFamily="34" charset="0"/>
                   <a:cs typeface="Arial"/>
@@ -4064,7 +4080,7 @@
                 <a:t>Casirivimab</a:t>
               </a:r>
               <a:r>
-                <a:rPr lang="en-CA" sz="1100" dirty="0">
+                <a:rPr lang="en-CA" sz="2000" dirty="0">
                   <a:latin typeface="Arial"/>
                   <a:ea typeface="Calibri" panose="020F0502020204030204" pitchFamily="34" charset="0"/>
                   <a:cs typeface="Arial"/>
@@ -4072,7 +4088,7 @@
                 <a:t>/</a:t>
               </a:r>
               <a:r>
-                <a:rPr lang="en-CA" sz="1100" dirty="0" err="1">
+                <a:rPr lang="en-CA" sz="2000" dirty="0" err="1">
                   <a:latin typeface="Arial"/>
                   <a:ea typeface="Calibri" panose="020F0502020204030204" pitchFamily="34" charset="0"/>
                   <a:cs typeface="Arial"/>
@@ -4080,7 +4096,7 @@
                 <a:t>imdevimab</a:t>
               </a:r>
               <a:r>
-                <a:rPr lang="en-CA" sz="1100" dirty="0">
+                <a:rPr lang="en-CA" sz="2000" dirty="0">
                   <a:latin typeface="Arial"/>
                   <a:ea typeface="Calibri" panose="020F0502020204030204" pitchFamily="34" charset="0"/>
                   <a:cs typeface="Arial"/>
@@ -4089,12 +4105,12 @@
               </a:r>
             </a:p>
             <a:p>
-              <a:pPr marL="151857" indent="-151857">
+              <a:pPr marL="263214" indent="-263214">
                 <a:buFont typeface="Arial" panose="020B0604020202020204" pitchFamily="34" charset="0"/>
                 <a:buChar char="•"/>
               </a:pPr>
               <a:r>
-                <a:rPr lang="en-CA" sz="1100" dirty="0">
+                <a:rPr lang="en-CA" sz="2000" dirty="0">
                   <a:latin typeface="Arial"/>
                   <a:ea typeface="Calibri" panose="020F0502020204030204" pitchFamily="34" charset="0"/>
                   <a:cs typeface="Arial"/>
@@ -4103,12 +4119,12 @@
               </a:r>
             </a:p>
             <a:p>
-              <a:pPr marL="151857" indent="-151857">
+              <a:pPr marL="263214" indent="-263214">
                 <a:buFont typeface="Arial" panose="020B0604020202020204" pitchFamily="34" charset="0"/>
                 <a:buChar char="•"/>
               </a:pPr>
               <a:r>
-                <a:rPr lang="en-CA" sz="1100" dirty="0" err="1">
+                <a:rPr lang="en-CA" sz="2000" dirty="0" err="1">
                   <a:latin typeface="Arial"/>
                   <a:ea typeface="Calibri" panose="020F0502020204030204" pitchFamily="34" charset="0"/>
                   <a:cs typeface="Arial"/>
@@ -4116,7 +4132,7 @@
                 <a:t>Molnupiravir</a:t>
               </a:r>
               <a:r>
-                <a:rPr lang="en-CA" sz="1100" dirty="0">
+                <a:rPr lang="en-CA" sz="2000" dirty="0">
                   <a:latin typeface="Arial"/>
                   <a:ea typeface="Calibri" panose="020F0502020204030204" pitchFamily="34" charset="0"/>
                   <a:cs typeface="Arial"/>
@@ -4125,12 +4141,12 @@
               </a:r>
             </a:p>
             <a:p>
-              <a:pPr marL="151857" indent="-151857">
+              <a:pPr marL="263214" indent="-263214">
                 <a:buFont typeface="Arial" panose="020B0604020202020204" pitchFamily="34" charset="0"/>
                 <a:buChar char="•"/>
               </a:pPr>
               <a:r>
-                <a:rPr lang="en-CA" sz="1100" dirty="0">
+                <a:rPr lang="en-CA" sz="2000" dirty="0">
                   <a:latin typeface="Arial"/>
                   <a:ea typeface="Calibri" panose="020F0502020204030204" pitchFamily="34" charset="0"/>
                   <a:cs typeface="Arial"/>
@@ -4139,11 +4155,11 @@
               </a:r>
             </a:p>
             <a:p>
-              <a:pPr marL="151857" indent="-151857">
+              <a:pPr marL="263214" indent="-263214">
                 <a:buFont typeface="Arial" panose="020B0604020202020204" pitchFamily="34" charset="0"/>
                 <a:buChar char="•"/>
               </a:pPr>
-              <a:endParaRPr lang="en-US" sz="1100" dirty="0">
+              <a:endParaRPr lang="en-US" sz="1907" dirty="0">
                 <a:latin typeface="Arial" panose="020B0604020202020204" pitchFamily="34" charset="0"/>
                 <a:ea typeface="Calibri" panose="020F0502020204030204" pitchFamily="34" charset="0"/>
                 <a:cs typeface="Arial" panose="020B0604020202020204" pitchFamily="34" charset="0"/>
@@ -4186,13 +4202,13 @@
             </a:ln>
           </p:spPr>
           <p:txBody>
-            <a:bodyPr rot="0" vert="horz" wrap="square" lIns="80998" tIns="80998" rIns="80998" bIns="80998" anchor="t" anchorCtr="0" upright="1">
+            <a:bodyPr rot="0" vert="horz" wrap="square" lIns="140397" tIns="140397" rIns="140397" bIns="140397" anchor="t" anchorCtr="0" upright="1">
               <a:noAutofit/>
             </a:bodyPr>
             <a:lstStyle/>
             <a:p>
               <a:r>
-                <a:rPr lang="en-CA" sz="1400" b="1" dirty="0">
+                <a:rPr lang="en-CA" sz="2427" b="1" dirty="0">
                   <a:latin typeface="Arial" panose="020B0604020202020204" pitchFamily="34" charset="0"/>
                   <a:ea typeface="Calibri" panose="020F0502020204030204" pitchFamily="34" charset="0"/>
                   <a:cs typeface="Arial" panose="020B0604020202020204" pitchFamily="34" charset="0"/>
@@ -4200,7 +4216,7 @@
                 <a:t>Excluded (n = </a:t>
               </a:r>
               <a:r>
-                <a:rPr lang="en-US" sz="1400" b="1" dirty="0">
+                <a:rPr lang="en-US" sz="2427" b="1" dirty="0">
                   <a:latin typeface="Arial" panose="020B0604020202020204" pitchFamily="34" charset="0"/>
                   <a:ea typeface="Calibri" panose="020F0502020204030204" pitchFamily="34" charset="0"/>
                   <a:cs typeface="Arial" panose="020B0604020202020204" pitchFamily="34" charset="0"/>
@@ -4208,26 +4224,26 @@
                 <a:t>50</a:t>
               </a:r>
               <a:r>
-                <a:rPr lang="en-CA" sz="1400" b="1" dirty="0">
+                <a:rPr lang="en-CA" sz="2427" b="1" dirty="0">
                   <a:latin typeface="Arial" panose="020B0604020202020204" pitchFamily="34" charset="0"/>
                   <a:ea typeface="Calibri" panose="020F0502020204030204" pitchFamily="34" charset="0"/>
                   <a:cs typeface="Arial" panose="020B0604020202020204" pitchFamily="34" charset="0"/>
                 </a:rPr>
                 <a:t>)</a:t>
               </a:r>
-              <a:endParaRPr lang="en-US" sz="1400" b="1" dirty="0">
+              <a:endParaRPr lang="en-US" sz="2427" b="1" dirty="0">
                 <a:latin typeface="Arial" panose="020B0604020202020204" pitchFamily="34" charset="0"/>
                 <a:ea typeface="Calibri" panose="020F0502020204030204" pitchFamily="34" charset="0"/>
                 <a:cs typeface="Arial" panose="020B0604020202020204" pitchFamily="34" charset="0"/>
               </a:endParaRPr>
             </a:p>
             <a:p>
-              <a:pPr marL="202475" indent="-202475">
+              <a:pPr marL="350950" indent="-350950">
                 <a:buFont typeface="Arial" panose="020B0604020202020204" pitchFamily="34" charset="0"/>
                 <a:buChar char="•"/>
               </a:pPr>
               <a:r>
-                <a:rPr lang="en-CA" sz="1100" dirty="0">
+                <a:rPr lang="en-CA" sz="2000" dirty="0">
                   <a:latin typeface="Arial" panose="020B0604020202020204" pitchFamily="34" charset="0"/>
                   <a:ea typeface="Calibri" panose="020F0502020204030204" pitchFamily="34" charset="0"/>
                   <a:cs typeface="Arial" panose="020B0604020202020204" pitchFamily="34" charset="0"/>
@@ -4236,12 +4252,12 @@
               </a:r>
             </a:p>
             <a:p>
-              <a:pPr marL="202475" indent="-202475">
+              <a:pPr marL="350950" indent="-350950">
                 <a:buFont typeface="Arial" panose="020B0604020202020204" pitchFamily="34" charset="0"/>
                 <a:buChar char="•"/>
               </a:pPr>
               <a:r>
-                <a:rPr lang="en-CA" sz="1100" dirty="0">
+                <a:rPr lang="en-CA" sz="2000" dirty="0">
                   <a:latin typeface="Arial" panose="020B0604020202020204" pitchFamily="34" charset="0"/>
                   <a:ea typeface="Calibri" panose="020F0502020204030204" pitchFamily="34" charset="0"/>
                   <a:cs typeface="Arial" panose="020B0604020202020204" pitchFamily="34" charset="0"/>
@@ -4250,12 +4266,12 @@
               </a:r>
             </a:p>
             <a:p>
-              <a:pPr marL="202475" indent="-202475">
+              <a:pPr marL="350950" indent="-350950">
                 <a:buFont typeface="Arial" panose="020B0604020202020204" pitchFamily="34" charset="0"/>
                 <a:buChar char="•"/>
               </a:pPr>
               <a:r>
-                <a:rPr lang="en-CA" sz="1100" dirty="0">
+                <a:rPr lang="en-CA" sz="2000" dirty="0">
                   <a:latin typeface="Arial" panose="020B0604020202020204" pitchFamily="34" charset="0"/>
                   <a:ea typeface="Calibri" panose="020F0502020204030204" pitchFamily="34" charset="0"/>
                   <a:cs typeface="Arial" panose="020B0604020202020204" pitchFamily="34" charset="0"/>
@@ -4264,12 +4280,12 @@
               </a:r>
             </a:p>
             <a:p>
-              <a:pPr marL="202475" indent="-202475">
+              <a:pPr marL="350950" indent="-350950">
                 <a:buFont typeface="Arial" panose="020B0604020202020204" pitchFamily="34" charset="0"/>
                 <a:buChar char="•"/>
               </a:pPr>
               <a:r>
-                <a:rPr lang="en-CA" sz="1100" dirty="0">
+                <a:rPr lang="en-CA" sz="2000" dirty="0">
                   <a:latin typeface="Arial" panose="020B0604020202020204" pitchFamily="34" charset="0"/>
                   <a:ea typeface="Calibri" panose="020F0502020204030204" pitchFamily="34" charset="0"/>
                   <a:cs typeface="Arial" panose="020B0604020202020204" pitchFamily="34" charset="0"/>
@@ -4548,7 +4564,7 @@
   <a:extraClrSchemeLst/>
   <a:extLst>
     <a:ext uri="{05A4C25C-085E-4340-85A3-A5531E510DB2}">
-      <thm15:themeFamily xmlns:thm15="http://schemas.microsoft.com/office/thememl/2012/main" name="Office 2013 - 2022 Theme" id="{62F939B6-93AF-4DB8-9C6B-D6C7DFDC589F}" vid="{4A3C46E8-61CC-4603-A589-7422A47A8E4A}"/>
+      <thm15:themeFamily xmlns:thm15="http://schemas.microsoft.com/office/thememl/2012/main" name="Office Theme" id="{62F939B6-93AF-4DB8-9C6B-D6C7DFDC589F}" vid="{4A3C46E8-61CC-4603-A589-7422A47A8E4A}"/>
     </a:ext>
   </a:extLst>
 </a:theme>

--- a/Temporal_splines/Plots/CONSORT.pptx
+++ b/Temporal_splines/Plots/CONSORT.pptx
@@ -2973,1329 +2973,1308 @@
           <a:chExt cx="0" cy="0"/>
         </a:xfrm>
       </p:grpSpPr>
-      <p:grpSp>
-        <p:nvGrpSpPr>
-          <p:cNvPr id="2" name="Group 1">
+      <p:cxnSp>
+        <p:nvCxnSpPr>
+          <p:cNvPr id="5" name="Straight Arrow Connector 4">
             <a:extLst>
               <a:ext uri="{FF2B5EF4-FFF2-40B4-BE49-F238E27FC236}">
-                <a16:creationId xmlns:a16="http://schemas.microsoft.com/office/drawing/2014/main" id="{A69F3C04-52E7-FC4C-B43E-EC5FF5A142D8}"/>
+                <a16:creationId xmlns:a16="http://schemas.microsoft.com/office/drawing/2014/main" id="{62FB625F-1FC2-4516-AF4C-A2B8EC205F0B}"/>
               </a:ext>
             </a:extLst>
           </p:cNvPr>
-          <p:cNvGrpSpPr/>
+          <p:cNvCxnSpPr>
+            <a:cxnSpLocks noChangeShapeType="1"/>
+            <a:stCxn id="18" idx="2"/>
+            <a:endCxn id="6" idx="0"/>
+          </p:cNvCxnSpPr>
           <p:nvPr/>
-        </p:nvGrpSpPr>
-        <p:grpSpPr>
+        </p:nvCxnSpPr>
+        <p:spPr bwMode="auto">
           <a:xfrm>
-            <a:off x="1368315" y="757799"/>
-            <a:ext cx="17380170" cy="10371603"/>
-            <a:chOff x="1416295" y="749177"/>
-            <a:chExt cx="8968535" cy="5351966"/>
+            <a:off x="7099298" y="1162540"/>
+            <a:ext cx="0" cy="1252947"/>
           </a:xfrm>
-        </p:grpSpPr>
-        <p:cxnSp>
-          <p:nvCxnSpPr>
-            <p:cNvPr id="5" name="Straight Arrow Connector 4">
-              <a:extLst>
-                <a:ext uri="{FF2B5EF4-FFF2-40B4-BE49-F238E27FC236}">
-                  <a16:creationId xmlns:a16="http://schemas.microsoft.com/office/drawing/2014/main" id="{62FB625F-1FC2-4516-AF4C-A2B8EC205F0B}"/>
-                </a:ext>
-              </a:extLst>
-            </p:cNvPr>
-            <p:cNvCxnSpPr>
-              <a:cxnSpLocks noChangeShapeType="1"/>
-              <a:stCxn id="18" idx="2"/>
-              <a:endCxn id="6" idx="0"/>
-            </p:cNvCxnSpPr>
-            <p:nvPr/>
-          </p:nvCxnSpPr>
-          <p:spPr bwMode="auto">
-            <a:xfrm>
-              <a:off x="4521326" y="1246106"/>
-              <a:ext cx="0" cy="571053"/>
-            </a:xfrm>
-            <a:prstGeom prst="straightConnector1">
-              <a:avLst/>
-            </a:prstGeom>
-            <a:noFill/>
-            <a:ln w="19050">
-              <a:solidFill>
-                <a:schemeClr val="tx1"/>
-              </a:solidFill>
-              <a:round/>
-              <a:headEnd/>
-              <a:tailEnd type="triangle" w="med" len="med"/>
-            </a:ln>
-            <a:effectLst/>
+          <a:prstGeom prst="straightConnector1">
+            <a:avLst/>
+          </a:prstGeom>
+          <a:noFill/>
+          <a:ln w="57150">
+            <a:solidFill>
+              <a:schemeClr val="tx1"/>
+            </a:solidFill>
+            <a:round/>
+            <a:headEnd/>
+            <a:tailEnd type="triangle" w="med" len="med"/>
+          </a:ln>
+          <a:effectLst/>
+          <a:extLst>
+            <a:ext uri="{909E8E84-426E-40DD-AFC4-6F175D3DCCD1}">
+              <a14:hiddenFill xmlns:a14="http://schemas.microsoft.com/office/drawing/2010/main">
+                <a:noFill/>
+              </a14:hiddenFill>
+            </a:ext>
+            <a:ext uri="{AF507438-7753-43E0-B8FC-AC1667EBCBE1}">
+              <a14:hiddenEffects xmlns:a14="http://schemas.microsoft.com/office/drawing/2010/main">
+                <a:effectLst>
+                  <a:outerShdw dist="35921" dir="2700000" algn="ctr" rotWithShape="0">
+                    <a:srgbClr val="CCCCCC"/>
+                  </a:outerShdw>
+                </a:effectLst>
+              </a14:hiddenEffects>
+            </a:ext>
+          </a:extLst>
+        </p:spPr>
+      </p:cxnSp>
+      <p:sp>
+        <p:nvSpPr>
+          <p:cNvPr id="6" name="Rectangle 5">
             <a:extLst>
-              <a:ext uri="{909E8E84-426E-40DD-AFC4-6F175D3DCCD1}">
-                <a14:hiddenFill xmlns:a14="http://schemas.microsoft.com/office/drawing/2010/main">
-                  <a:noFill/>
-                </a14:hiddenFill>
-              </a:ext>
-              <a:ext uri="{AF507438-7753-43E0-B8FC-AC1667EBCBE1}">
-                <a14:hiddenEffects xmlns:a14="http://schemas.microsoft.com/office/drawing/2010/main">
-                  <a:effectLst>
-                    <a:outerShdw dist="35921" dir="2700000" algn="ctr" rotWithShape="0">
-                      <a:srgbClr val="CCCCCC"/>
-                    </a:outerShdw>
-                  </a:effectLst>
-                </a14:hiddenEffects>
+              <a:ext uri="{FF2B5EF4-FFF2-40B4-BE49-F238E27FC236}">
+                <a16:creationId xmlns:a16="http://schemas.microsoft.com/office/drawing/2014/main" id="{D3EC52B1-02A9-475D-A911-E32E557A0CF5}"/>
               </a:ext>
             </a:extLst>
-          </p:spPr>
-        </p:cxnSp>
-        <p:sp>
-          <p:nvSpPr>
-            <p:cNvPr id="6" name="Rectangle 5">
-              <a:extLst>
-                <a:ext uri="{FF2B5EF4-FFF2-40B4-BE49-F238E27FC236}">
-                  <a16:creationId xmlns:a16="http://schemas.microsoft.com/office/drawing/2014/main" id="{D3EC52B1-02A9-475D-A911-E32E557A0CF5}"/>
-                </a:ext>
-              </a:extLst>
-            </p:cNvPr>
-            <p:cNvSpPr>
-              <a:spLocks noChangeArrowheads="1"/>
-            </p:cNvSpPr>
-            <p:nvPr/>
-          </p:nvSpPr>
-          <p:spPr bwMode="auto">
-            <a:xfrm>
-              <a:off x="3180247" y="1817159"/>
-              <a:ext cx="2682159" cy="496923"/>
-            </a:xfrm>
-            <a:prstGeom prst="rect">
-              <a:avLst/>
-            </a:prstGeom>
+          </p:cNvPr>
+          <p:cNvSpPr>
+            <a:spLocks noChangeArrowheads="1"/>
+          </p:cNvSpPr>
+          <p:nvPr/>
+        </p:nvSpPr>
+        <p:spPr bwMode="auto">
+          <a:xfrm>
+            <a:off x="4156838" y="2415487"/>
+            <a:ext cx="5884921" cy="1090298"/>
+          </a:xfrm>
+          <a:prstGeom prst="rect">
+            <a:avLst/>
+          </a:prstGeom>
+          <a:solidFill>
+            <a:srgbClr val="FFFFFF"/>
+          </a:solidFill>
+          <a:ln w="9525">
             <a:solidFill>
-              <a:srgbClr val="FFFFFF"/>
+              <a:srgbClr val="000000"/>
             </a:solidFill>
-            <a:ln w="9525">
-              <a:solidFill>
-                <a:srgbClr val="000000"/>
-              </a:solidFill>
-              <a:miter lim="800000"/>
-              <a:headEnd/>
-              <a:tailEnd/>
-            </a:ln>
-          </p:spPr>
-          <p:txBody>
-            <a:bodyPr rot="0" vert="horz" wrap="square" lIns="140397" tIns="140397" rIns="140397" bIns="140397" anchor="t" anchorCtr="0" upright="1">
-              <a:noAutofit/>
-            </a:bodyPr>
-            <a:lstStyle/>
-            <a:p>
-              <a:pPr algn="ctr"/>
-              <a:r>
-                <a:rPr lang="en-CA" sz="2427" b="1" dirty="0">
-                  <a:latin typeface="Arial"/>
-                  <a:ea typeface="Calibri" panose="020F0502020204030204" pitchFamily="34" charset="0"/>
-                  <a:cs typeface="Arial"/>
-                </a:rPr>
-                <a:t>Randomised </a:t>
-              </a:r>
-            </a:p>
-            <a:p>
-              <a:pPr algn="ctr"/>
-              <a:r>
-                <a:rPr lang="en-CA" sz="2427" b="1" dirty="0">
-                  <a:latin typeface="Arial"/>
-                  <a:ea typeface="Calibri" panose="020F0502020204030204" pitchFamily="34" charset="0"/>
-                  <a:cs typeface="Arial"/>
-                </a:rPr>
-                <a:t>(n = 1264)</a:t>
-              </a:r>
-              <a:endParaRPr lang="en-US" sz="2427" b="1" dirty="0">
-                <a:latin typeface="Arial" panose="020B0604020202020204" pitchFamily="34" charset="0"/>
-                <a:ea typeface="Calibri" panose="020F0502020204030204" pitchFamily="34" charset="0"/>
-                <a:cs typeface="Arial" panose="020B0604020202020204" pitchFamily="34" charset="0"/>
-              </a:endParaRPr>
-            </a:p>
-          </p:txBody>
-        </p:sp>
-        <p:cxnSp>
-          <p:nvCxnSpPr>
-            <p:cNvPr id="7" name="Straight Arrow Connector 6">
-              <a:extLst>
-                <a:ext uri="{FF2B5EF4-FFF2-40B4-BE49-F238E27FC236}">
-                  <a16:creationId xmlns:a16="http://schemas.microsoft.com/office/drawing/2014/main" id="{AE0D6360-E046-4818-82AA-02EB0491A010}"/>
-                </a:ext>
-              </a:extLst>
-            </p:cNvPr>
-            <p:cNvCxnSpPr>
-              <a:cxnSpLocks noChangeShapeType="1"/>
-              <a:stCxn id="6" idx="2"/>
-              <a:endCxn id="38" idx="0"/>
-            </p:cNvCxnSpPr>
-            <p:nvPr/>
-          </p:nvCxnSpPr>
-          <p:spPr bwMode="auto">
-            <a:xfrm>
-              <a:off x="4521326" y="2314080"/>
-              <a:ext cx="0" cy="706880"/>
-            </a:xfrm>
-            <a:prstGeom prst="straightConnector1">
-              <a:avLst/>
-            </a:prstGeom>
-            <a:noFill/>
-            <a:ln w="19050">
-              <a:solidFill>
-                <a:srgbClr val="000000"/>
-              </a:solidFill>
-              <a:round/>
-              <a:headEnd/>
-              <a:tailEnd type="triangle" w="med" len="med"/>
-            </a:ln>
-            <a:effectLst/>
+            <a:miter lim="800000"/>
+            <a:headEnd/>
+            <a:tailEnd/>
+          </a:ln>
+        </p:spPr>
+        <p:txBody>
+          <a:bodyPr rot="0" vert="horz" wrap="square" lIns="140397" tIns="140397" rIns="140397" bIns="140397" anchor="t" anchorCtr="0" upright="1">
+            <a:noAutofit/>
+          </a:bodyPr>
+          <a:lstStyle/>
+          <a:p>
+            <a:pPr algn="ctr"/>
+            <a:r>
+              <a:rPr lang="en-CA" sz="2427" b="1" dirty="0">
+                <a:latin typeface="Arial"/>
+                <a:ea typeface="Calibri" panose="020F0502020204030204" pitchFamily="34" charset="0"/>
+                <a:cs typeface="Arial"/>
+              </a:rPr>
+              <a:t>Randomised </a:t>
+            </a:r>
+          </a:p>
+          <a:p>
+            <a:pPr algn="ctr"/>
+            <a:r>
+              <a:rPr lang="en-CA" sz="2427" b="1" dirty="0">
+                <a:latin typeface="Arial"/>
+                <a:ea typeface="Calibri" panose="020F0502020204030204" pitchFamily="34" charset="0"/>
+                <a:cs typeface="Arial"/>
+              </a:rPr>
+              <a:t>(n = 1264)</a:t>
+            </a:r>
+            <a:endParaRPr lang="en-US" sz="2427" b="1" dirty="0">
+              <a:latin typeface="Arial" panose="020B0604020202020204" pitchFamily="34" charset="0"/>
+              <a:ea typeface="Calibri" panose="020F0502020204030204" pitchFamily="34" charset="0"/>
+              <a:cs typeface="Arial" panose="020B0604020202020204" pitchFamily="34" charset="0"/>
+            </a:endParaRPr>
+          </a:p>
+        </p:txBody>
+      </p:sp>
+      <p:cxnSp>
+        <p:nvCxnSpPr>
+          <p:cNvPr id="7" name="Straight Arrow Connector 6">
             <a:extLst>
-              <a:ext uri="{909E8E84-426E-40DD-AFC4-6F175D3DCCD1}">
-                <a14:hiddenFill xmlns:a14="http://schemas.microsoft.com/office/drawing/2010/main">
-                  <a:noFill/>
-                </a14:hiddenFill>
-              </a:ext>
-              <a:ext uri="{AF507438-7753-43E0-B8FC-AC1667EBCBE1}">
-                <a14:hiddenEffects xmlns:a14="http://schemas.microsoft.com/office/drawing/2010/main">
-                  <a:effectLst>
-                    <a:outerShdw dist="35921" dir="2700000" algn="ctr" rotWithShape="0">
-                      <a:srgbClr val="CCCCCC"/>
-                    </a:outerShdw>
-                  </a:effectLst>
-                </a14:hiddenEffects>
+              <a:ext uri="{FF2B5EF4-FFF2-40B4-BE49-F238E27FC236}">
+                <a16:creationId xmlns:a16="http://schemas.microsoft.com/office/drawing/2014/main" id="{AE0D6360-E046-4818-82AA-02EB0491A010}"/>
               </a:ext>
             </a:extLst>
-          </p:spPr>
-        </p:cxnSp>
-        <p:cxnSp>
-          <p:nvCxnSpPr>
-            <p:cNvPr id="10" name="Straight Arrow Connector 9">
-              <a:extLst>
-                <a:ext uri="{FF2B5EF4-FFF2-40B4-BE49-F238E27FC236}">
-                  <a16:creationId xmlns:a16="http://schemas.microsoft.com/office/drawing/2014/main" id="{DC0BDBD3-EB91-46AC-B1CB-64E91850F355}"/>
-                </a:ext>
-              </a:extLst>
-            </p:cNvPr>
-            <p:cNvCxnSpPr>
-              <a:cxnSpLocks noChangeShapeType="1"/>
-            </p:cNvCxnSpPr>
-            <p:nvPr/>
-          </p:nvCxnSpPr>
-          <p:spPr bwMode="auto">
-            <a:xfrm>
-              <a:off x="4521325" y="2706278"/>
-              <a:ext cx="2313970" cy="0"/>
-            </a:xfrm>
-            <a:prstGeom prst="straightConnector1">
-              <a:avLst/>
-            </a:prstGeom>
-            <a:noFill/>
-            <a:ln w="19050">
-              <a:solidFill>
-                <a:schemeClr val="tx1"/>
-              </a:solidFill>
-              <a:round/>
-              <a:headEnd/>
-              <a:tailEnd type="triangle" w="med" len="med"/>
-            </a:ln>
-            <a:effectLst/>
+          </p:cNvPr>
+          <p:cNvCxnSpPr>
+            <a:cxnSpLocks noChangeShapeType="1"/>
+            <a:stCxn id="6" idx="2"/>
+            <a:endCxn id="38" idx="0"/>
+          </p:cNvCxnSpPr>
+          <p:nvPr/>
+        </p:nvCxnSpPr>
+        <p:spPr bwMode="auto">
+          <a:xfrm>
+            <a:off x="7099298" y="3505780"/>
+            <a:ext cx="0" cy="1550964"/>
+          </a:xfrm>
+          <a:prstGeom prst="straightConnector1">
+            <a:avLst/>
+          </a:prstGeom>
+          <a:noFill/>
+          <a:ln w="57150">
+            <a:solidFill>
+              <a:srgbClr val="000000"/>
+            </a:solidFill>
+            <a:round/>
+            <a:headEnd/>
+            <a:tailEnd type="triangle" w="med" len="med"/>
+          </a:ln>
+          <a:effectLst/>
+          <a:extLst>
+            <a:ext uri="{909E8E84-426E-40DD-AFC4-6F175D3DCCD1}">
+              <a14:hiddenFill xmlns:a14="http://schemas.microsoft.com/office/drawing/2010/main">
+                <a:noFill/>
+              </a14:hiddenFill>
+            </a:ext>
+            <a:ext uri="{AF507438-7753-43E0-B8FC-AC1667EBCBE1}">
+              <a14:hiddenEffects xmlns:a14="http://schemas.microsoft.com/office/drawing/2010/main">
+                <a:effectLst>
+                  <a:outerShdw dist="35921" dir="2700000" algn="ctr" rotWithShape="0">
+                    <a:srgbClr val="CCCCCC"/>
+                  </a:outerShdw>
+                </a:effectLst>
+              </a14:hiddenEffects>
+            </a:ext>
+          </a:extLst>
+        </p:spPr>
+      </p:cxnSp>
+      <p:cxnSp>
+        <p:nvCxnSpPr>
+          <p:cNvPr id="10" name="Straight Arrow Connector 9">
             <a:extLst>
-              <a:ext uri="{909E8E84-426E-40DD-AFC4-6F175D3DCCD1}">
-                <a14:hiddenFill xmlns:a14="http://schemas.microsoft.com/office/drawing/2010/main">
-                  <a:noFill/>
-                </a14:hiddenFill>
-              </a:ext>
-              <a:ext uri="{AF507438-7753-43E0-B8FC-AC1667EBCBE1}">
-                <a14:hiddenEffects xmlns:a14="http://schemas.microsoft.com/office/drawing/2010/main">
-                  <a:effectLst>
-                    <a:outerShdw dist="35921" dir="2700000" algn="ctr" rotWithShape="0">
-                      <a:srgbClr val="CCCCCC"/>
-                    </a:outerShdw>
-                  </a:effectLst>
-                </a14:hiddenEffects>
+              <a:ext uri="{FF2B5EF4-FFF2-40B4-BE49-F238E27FC236}">
+                <a16:creationId xmlns:a16="http://schemas.microsoft.com/office/drawing/2014/main" id="{DC0BDBD3-EB91-46AC-B1CB-64E91850F355}"/>
               </a:ext>
             </a:extLst>
-          </p:spPr>
-        </p:cxnSp>
-        <p:sp>
-          <p:nvSpPr>
-            <p:cNvPr id="13" name="Rectangle 12">
-              <a:extLst>
-                <a:ext uri="{FF2B5EF4-FFF2-40B4-BE49-F238E27FC236}">
-                  <a16:creationId xmlns:a16="http://schemas.microsoft.com/office/drawing/2014/main" id="{EFC7CEA5-B6F1-4201-AE13-1F385161AC14}"/>
-                </a:ext>
-              </a:extLst>
-            </p:cNvPr>
-            <p:cNvSpPr>
-              <a:spLocks noChangeArrowheads="1"/>
-            </p:cNvSpPr>
-            <p:nvPr/>
-          </p:nvSpPr>
-          <p:spPr bwMode="auto">
-            <a:xfrm>
-              <a:off x="6835294" y="2359423"/>
-              <a:ext cx="3549536" cy="1184968"/>
-            </a:xfrm>
-            <a:prstGeom prst="rect">
-              <a:avLst/>
-            </a:prstGeom>
+          </p:cNvPr>
+          <p:cNvCxnSpPr>
+            <a:cxnSpLocks noChangeShapeType="1"/>
+          </p:cNvCxnSpPr>
+          <p:nvPr/>
+        </p:nvCxnSpPr>
+        <p:spPr bwMode="auto">
+          <a:xfrm>
+            <a:off x="7099296" y="4366302"/>
+            <a:ext cx="5077078" cy="0"/>
+          </a:xfrm>
+          <a:prstGeom prst="straightConnector1">
+            <a:avLst/>
+          </a:prstGeom>
+          <a:noFill/>
+          <a:ln w="57150">
             <a:solidFill>
-              <a:srgbClr val="FFFFFF"/>
+              <a:schemeClr val="tx1"/>
             </a:solidFill>
-            <a:ln w="9525">
-              <a:solidFill>
-                <a:srgbClr val="000000"/>
-              </a:solidFill>
-              <a:miter lim="800000"/>
-              <a:headEnd/>
-              <a:tailEnd/>
-            </a:ln>
-          </p:spPr>
-          <p:txBody>
-            <a:bodyPr rot="0" vert="horz" wrap="square" lIns="140397" tIns="140397" rIns="140397" bIns="140397" anchor="t" anchorCtr="0" upright="1">
-              <a:noAutofit/>
-            </a:bodyPr>
-            <a:lstStyle/>
-            <a:p>
-              <a:r>
-                <a:rPr lang="en-CA" sz="2427" b="1" dirty="0">
-                  <a:latin typeface="Arial" panose="020B0604020202020204" pitchFamily="34" charset="0"/>
-                  <a:ea typeface="Calibri" panose="020F0502020204030204" pitchFamily="34" charset="0"/>
-                  <a:cs typeface="Arial" panose="020B0604020202020204" pitchFamily="34" charset="0"/>
-                </a:rPr>
-                <a:t>Randomised to other interventions (n = 440)</a:t>
-              </a:r>
-            </a:p>
-            <a:p>
-              <a:pPr marL="350934" indent="-350934">
-                <a:buFont typeface="Arial" panose="020B0604020202020204" pitchFamily="34" charset="0"/>
-                <a:buChar char="•"/>
-              </a:pPr>
-              <a:r>
-                <a:rPr lang="en-CA" sz="2000" dirty="0">
-                  <a:latin typeface="Arial" panose="020B0604020202020204" pitchFamily="34" charset="0"/>
-                  <a:ea typeface="Calibri" panose="020F0502020204030204" pitchFamily="34" charset="0"/>
-                  <a:cs typeface="Arial" panose="020B0604020202020204" pitchFamily="34" charset="0"/>
-                </a:rPr>
-                <a:t>Fluoxetine (n = 120)</a:t>
-              </a:r>
-            </a:p>
-            <a:p>
-              <a:pPr marL="350934" indent="-350934">
-                <a:buFont typeface="Arial" panose="020B0604020202020204" pitchFamily="34" charset="0"/>
-                <a:buChar char="•"/>
-              </a:pPr>
-              <a:r>
-                <a:rPr lang="en-CA" sz="2000" dirty="0" err="1">
-                  <a:latin typeface="Arial" panose="020B0604020202020204" pitchFamily="34" charset="0"/>
-                  <a:ea typeface="Calibri" panose="020F0502020204030204" pitchFamily="34" charset="0"/>
-                  <a:cs typeface="Arial" panose="020B0604020202020204" pitchFamily="34" charset="0"/>
-                </a:rPr>
-                <a:t>Ensitrelvir</a:t>
-              </a:r>
-              <a:r>
-                <a:rPr lang="en-CA" sz="2000" dirty="0">
-                  <a:latin typeface="Arial" panose="020B0604020202020204" pitchFamily="34" charset="0"/>
-                  <a:ea typeface="Calibri" panose="020F0502020204030204" pitchFamily="34" charset="0"/>
-                  <a:cs typeface="Arial" panose="020B0604020202020204" pitchFamily="34" charset="0"/>
-                </a:rPr>
-                <a:t> (n = 121)</a:t>
-              </a:r>
-            </a:p>
-            <a:p>
-              <a:pPr marL="350934" indent="-350934">
-                <a:buFont typeface="Arial" panose="020B0604020202020204" pitchFamily="34" charset="0"/>
-                <a:buChar char="•"/>
-              </a:pPr>
-              <a:r>
-                <a:rPr lang="en-CA" sz="2000" dirty="0" err="1">
-                  <a:latin typeface="Arial" panose="020B0604020202020204" pitchFamily="34" charset="0"/>
-                  <a:ea typeface="Calibri" panose="020F0502020204030204" pitchFamily="34" charset="0"/>
-                  <a:cs typeface="Arial" panose="020B0604020202020204" pitchFamily="34" charset="0"/>
-                </a:rPr>
-                <a:t>Tixagevimab</a:t>
-              </a:r>
-              <a:r>
-                <a:rPr lang="en-CA" sz="2000" dirty="0">
-                  <a:latin typeface="Arial" panose="020B0604020202020204" pitchFamily="34" charset="0"/>
-                  <a:ea typeface="Calibri" panose="020F0502020204030204" pitchFamily="34" charset="0"/>
-                  <a:cs typeface="Arial" panose="020B0604020202020204" pitchFamily="34" charset="0"/>
-                </a:rPr>
-                <a:t>/</a:t>
-              </a:r>
-              <a:r>
-                <a:rPr lang="en-CA" sz="2000" dirty="0" err="1">
-                  <a:latin typeface="Arial" panose="020B0604020202020204" pitchFamily="34" charset="0"/>
-                  <a:ea typeface="Calibri" panose="020F0502020204030204" pitchFamily="34" charset="0"/>
-                  <a:cs typeface="Arial" panose="020B0604020202020204" pitchFamily="34" charset="0"/>
-                </a:rPr>
-                <a:t>Cilgavimab</a:t>
-              </a:r>
-              <a:r>
-                <a:rPr lang="en-CA" sz="2000" dirty="0">
-                  <a:latin typeface="Arial" panose="020B0604020202020204" pitchFamily="34" charset="0"/>
-                  <a:ea typeface="Calibri" panose="020F0502020204030204" pitchFamily="34" charset="0"/>
-                  <a:cs typeface="Arial" panose="020B0604020202020204" pitchFamily="34" charset="0"/>
-                </a:rPr>
-                <a:t> (n = 96)</a:t>
-              </a:r>
-            </a:p>
-            <a:p>
-              <a:pPr marL="350934" indent="-350934">
-                <a:buFont typeface="Arial" panose="020B0604020202020204" pitchFamily="34" charset="0"/>
-                <a:buChar char="•"/>
-              </a:pPr>
-              <a:r>
-                <a:rPr lang="en-CA" sz="2000" dirty="0">
-                  <a:latin typeface="Arial"/>
-                  <a:ea typeface="Calibri" panose="020F0502020204030204" pitchFamily="34" charset="0"/>
-                  <a:cs typeface="Arial"/>
-                </a:rPr>
-                <a:t>Ritonavir-boosted </a:t>
-              </a:r>
-              <a:r>
-                <a:rPr lang="en-CA" sz="2000" dirty="0" err="1">
-                  <a:latin typeface="Arial"/>
-                  <a:ea typeface="Calibri" panose="020F0502020204030204" pitchFamily="34" charset="0"/>
-                  <a:cs typeface="Arial"/>
-                </a:rPr>
-                <a:t>nirmatrelvir</a:t>
-              </a:r>
-              <a:r>
-                <a:rPr lang="en-CA" sz="2000" dirty="0">
-                  <a:latin typeface="Arial" panose="020B0604020202020204" pitchFamily="34" charset="0"/>
-                  <a:ea typeface="Calibri" panose="020F0502020204030204" pitchFamily="34" charset="0"/>
-                  <a:cs typeface="Arial" panose="020B0604020202020204" pitchFamily="34" charset="0"/>
-                </a:rPr>
-                <a:t> + </a:t>
-              </a:r>
-              <a:r>
-                <a:rPr lang="en-CA" sz="2000" dirty="0" err="1">
-                  <a:latin typeface="Arial" panose="020B0604020202020204" pitchFamily="34" charset="0"/>
-                  <a:ea typeface="Calibri" panose="020F0502020204030204" pitchFamily="34" charset="0"/>
-                  <a:cs typeface="Arial" panose="020B0604020202020204" pitchFamily="34" charset="0"/>
-                </a:rPr>
-                <a:t>Molnupiravir</a:t>
-              </a:r>
-              <a:r>
-                <a:rPr lang="en-CA" sz="2000" dirty="0">
-                  <a:latin typeface="Arial" panose="020B0604020202020204" pitchFamily="34" charset="0"/>
-                  <a:ea typeface="Calibri" panose="020F0502020204030204" pitchFamily="34" charset="0"/>
-                  <a:cs typeface="Arial" panose="020B0604020202020204" pitchFamily="34" charset="0"/>
-                </a:rPr>
-                <a:t> (n = 67)</a:t>
-              </a:r>
-            </a:p>
-            <a:p>
-              <a:pPr marL="350934" indent="-350934">
-                <a:buFont typeface="Arial" panose="020B0604020202020204" pitchFamily="34" charset="0"/>
-                <a:buChar char="•"/>
-              </a:pPr>
-              <a:r>
-                <a:rPr lang="en-CA" sz="2000" dirty="0">
-                  <a:latin typeface="Arial" panose="020B0604020202020204" pitchFamily="34" charset="0"/>
-                  <a:ea typeface="Calibri" panose="020F0502020204030204" pitchFamily="34" charset="0"/>
-                  <a:cs typeface="Arial" panose="020B0604020202020204" pitchFamily="34" charset="0"/>
-                </a:rPr>
-                <a:t>Nitazoxanide (n = 36)</a:t>
-              </a:r>
-            </a:p>
-          </p:txBody>
-        </p:sp>
-        <p:cxnSp>
-          <p:nvCxnSpPr>
-            <p:cNvPr id="14" name="Straight Arrow Connector 13">
-              <a:extLst>
-                <a:ext uri="{FF2B5EF4-FFF2-40B4-BE49-F238E27FC236}">
-                  <a16:creationId xmlns:a16="http://schemas.microsoft.com/office/drawing/2014/main" id="{45A7504A-F874-4E8B-BDF1-008AFB944F65}"/>
-                </a:ext>
-              </a:extLst>
-            </p:cNvPr>
-            <p:cNvCxnSpPr>
-              <a:cxnSpLocks noChangeShapeType="1"/>
-            </p:cNvCxnSpPr>
-            <p:nvPr/>
-          </p:nvCxnSpPr>
-          <p:spPr bwMode="auto">
-            <a:xfrm>
-              <a:off x="4521325" y="4224762"/>
-              <a:ext cx="2313970" cy="0"/>
-            </a:xfrm>
-            <a:prstGeom prst="straightConnector1">
-              <a:avLst/>
-            </a:prstGeom>
-            <a:noFill/>
-            <a:ln w="19050">
-              <a:solidFill>
-                <a:schemeClr val="tx1"/>
-              </a:solidFill>
-              <a:round/>
-              <a:headEnd/>
-              <a:tailEnd type="triangle" w="med" len="med"/>
-            </a:ln>
-            <a:effectLst/>
+            <a:round/>
+            <a:headEnd/>
+            <a:tailEnd type="triangle" w="med" len="med"/>
+          </a:ln>
+          <a:effectLst/>
+          <a:extLst>
+            <a:ext uri="{909E8E84-426E-40DD-AFC4-6F175D3DCCD1}">
+              <a14:hiddenFill xmlns:a14="http://schemas.microsoft.com/office/drawing/2010/main">
+                <a:noFill/>
+              </a14:hiddenFill>
+            </a:ext>
+            <a:ext uri="{AF507438-7753-43E0-B8FC-AC1667EBCBE1}">
+              <a14:hiddenEffects xmlns:a14="http://schemas.microsoft.com/office/drawing/2010/main">
+                <a:effectLst>
+                  <a:outerShdw dist="35921" dir="2700000" algn="ctr" rotWithShape="0">
+                    <a:srgbClr val="CCCCCC"/>
+                  </a:outerShdw>
+                </a:effectLst>
+              </a14:hiddenEffects>
+            </a:ext>
+          </a:extLst>
+        </p:spPr>
+      </p:cxnSp>
+      <p:sp>
+        <p:nvSpPr>
+          <p:cNvPr id="13" name="Rectangle 12">
             <a:extLst>
-              <a:ext uri="{909E8E84-426E-40DD-AFC4-6F175D3DCCD1}">
-                <a14:hiddenFill xmlns:a14="http://schemas.microsoft.com/office/drawing/2010/main">
-                  <a:noFill/>
-                </a14:hiddenFill>
-              </a:ext>
-              <a:ext uri="{AF507438-7753-43E0-B8FC-AC1667EBCBE1}">
-                <a14:hiddenEffects xmlns:a14="http://schemas.microsoft.com/office/drawing/2010/main">
-                  <a:effectLst>
-                    <a:outerShdw dist="35921" dir="2700000" algn="ctr" rotWithShape="0">
-                      <a:srgbClr val="CCCCCC"/>
-                    </a:outerShdw>
-                  </a:effectLst>
-                </a14:hiddenEffects>
+              <a:ext uri="{FF2B5EF4-FFF2-40B4-BE49-F238E27FC236}">
+                <a16:creationId xmlns:a16="http://schemas.microsoft.com/office/drawing/2014/main" id="{EFC7CEA5-B6F1-4201-AE13-1F385161AC14}"/>
               </a:ext>
             </a:extLst>
-          </p:spPr>
-        </p:cxnSp>
-        <p:sp>
-          <p:nvSpPr>
-            <p:cNvPr id="18" name="Rectangle 17">
-              <a:extLst>
-                <a:ext uri="{FF2B5EF4-FFF2-40B4-BE49-F238E27FC236}">
-                  <a16:creationId xmlns:a16="http://schemas.microsoft.com/office/drawing/2014/main" id="{A105BD0C-EA1F-4789-9812-85A278C67A1E}"/>
-                </a:ext>
-              </a:extLst>
-            </p:cNvPr>
-            <p:cNvSpPr>
-              <a:spLocks noChangeArrowheads="1"/>
-            </p:cNvSpPr>
-            <p:nvPr/>
-          </p:nvSpPr>
-          <p:spPr bwMode="auto">
-            <a:xfrm>
-              <a:off x="3180247" y="749177"/>
-              <a:ext cx="2682159" cy="496927"/>
-            </a:xfrm>
-            <a:prstGeom prst="rect">
-              <a:avLst/>
-            </a:prstGeom>
+          </p:cNvPr>
+          <p:cNvSpPr>
+            <a:spLocks noChangeArrowheads="1"/>
+          </p:cNvSpPr>
+          <p:nvPr/>
+        </p:nvSpPr>
+        <p:spPr bwMode="auto">
+          <a:xfrm>
+            <a:off x="12176371" y="3605267"/>
+            <a:ext cx="7788032" cy="2599937"/>
+          </a:xfrm>
+          <a:prstGeom prst="rect">
+            <a:avLst/>
+          </a:prstGeom>
+          <a:solidFill>
+            <a:srgbClr val="FFFFFF"/>
+          </a:solidFill>
+          <a:ln w="9525">
             <a:solidFill>
-              <a:srgbClr val="FFFFFF"/>
+              <a:srgbClr val="000000"/>
             </a:solidFill>
-            <a:ln w="9525">
-              <a:solidFill>
-                <a:srgbClr val="000000"/>
-              </a:solidFill>
-              <a:miter lim="800000"/>
-              <a:headEnd/>
-              <a:tailEnd/>
-            </a:ln>
-          </p:spPr>
-          <p:txBody>
-            <a:bodyPr rot="0" vert="horz" wrap="square" lIns="140397" tIns="140397" rIns="140397" bIns="140397" anchor="t" anchorCtr="0" upright="1">
-              <a:noAutofit/>
-            </a:bodyPr>
-            <a:lstStyle/>
-            <a:p>
-              <a:pPr algn="ctr"/>
-              <a:r>
-                <a:rPr lang="en-CA" sz="2427" b="1" dirty="0">
-                  <a:latin typeface="Arial" panose="020B0604020202020204" pitchFamily="34" charset="0"/>
-                  <a:ea typeface="Calibri" panose="020F0502020204030204" pitchFamily="34" charset="0"/>
-                  <a:cs typeface="Arial" panose="020B0604020202020204" pitchFamily="34" charset="0"/>
-                </a:rPr>
-                <a:t>Assessed for eligibility </a:t>
-              </a:r>
-            </a:p>
-            <a:p>
-              <a:pPr algn="ctr"/>
-              <a:r>
-                <a:rPr lang="en-CA" sz="2427" b="1" dirty="0">
-                  <a:latin typeface="Arial" panose="020B0604020202020204" pitchFamily="34" charset="0"/>
-                  <a:ea typeface="Calibri" panose="020F0502020204030204" pitchFamily="34" charset="0"/>
-                  <a:cs typeface="Arial" panose="020B0604020202020204" pitchFamily="34" charset="0"/>
-                </a:rPr>
-                <a:t>(n </a:t>
-              </a:r>
-              <a:r>
-                <a:rPr lang="en-US" sz="2427" b="1" dirty="0">
-                  <a:latin typeface="Arial" panose="020B0604020202020204" pitchFamily="34" charset="0"/>
-                  <a:ea typeface="Calibri" panose="020F0502020204030204" pitchFamily="34" charset="0"/>
-                  <a:cs typeface="Arial" panose="020B0604020202020204" pitchFamily="34" charset="0"/>
-                </a:rPr>
-                <a:t>= 1314</a:t>
-              </a:r>
-              <a:r>
-                <a:rPr lang="en-CA" sz="2427" b="1" dirty="0">
-                  <a:latin typeface="Arial" panose="020B0604020202020204" pitchFamily="34" charset="0"/>
-                  <a:ea typeface="Calibri" panose="020F0502020204030204" pitchFamily="34" charset="0"/>
-                  <a:cs typeface="Arial" panose="020B0604020202020204" pitchFamily="34" charset="0"/>
-                </a:rPr>
-                <a:t>)</a:t>
-              </a:r>
-              <a:endParaRPr lang="en-US" sz="2427" b="1" dirty="0">
+            <a:miter lim="800000"/>
+            <a:headEnd/>
+            <a:tailEnd/>
+          </a:ln>
+        </p:spPr>
+        <p:txBody>
+          <a:bodyPr rot="0" vert="horz" wrap="square" lIns="140397" tIns="140397" rIns="140397" bIns="140397" anchor="t" anchorCtr="0" upright="1">
+            <a:noAutofit/>
+          </a:bodyPr>
+          <a:lstStyle/>
+          <a:p>
+            <a:r>
+              <a:rPr lang="en-CA" sz="2427" b="1" dirty="0">
                 <a:latin typeface="Arial" panose="020B0604020202020204" pitchFamily="34" charset="0"/>
                 <a:ea typeface="Calibri" panose="020F0502020204030204" pitchFamily="34" charset="0"/>
                 <a:cs typeface="Arial" panose="020B0604020202020204" pitchFamily="34" charset="0"/>
-              </a:endParaRPr>
-            </a:p>
-          </p:txBody>
-        </p:sp>
-        <p:cxnSp>
-          <p:nvCxnSpPr>
-            <p:cNvPr id="20" name="Straight Arrow Connector 19">
-              <a:extLst>
-                <a:ext uri="{FF2B5EF4-FFF2-40B4-BE49-F238E27FC236}">
-                  <a16:creationId xmlns:a16="http://schemas.microsoft.com/office/drawing/2014/main" id="{2A65B37A-FF18-4FCB-95E6-9975D0814F56}"/>
-                </a:ext>
-              </a:extLst>
-            </p:cNvPr>
-            <p:cNvCxnSpPr>
-              <a:cxnSpLocks noChangeShapeType="1"/>
-            </p:cNvCxnSpPr>
-            <p:nvPr/>
-          </p:nvCxnSpPr>
-          <p:spPr bwMode="auto">
-            <a:xfrm>
-              <a:off x="4521325" y="1531630"/>
-              <a:ext cx="2313970" cy="0"/>
-            </a:xfrm>
-            <a:prstGeom prst="straightConnector1">
-              <a:avLst/>
-            </a:prstGeom>
-            <a:noFill/>
-            <a:ln w="19050">
-              <a:solidFill>
-                <a:schemeClr val="tx1"/>
-              </a:solidFill>
-              <a:round/>
-              <a:headEnd/>
-              <a:tailEnd type="triangle" w="med" len="med"/>
-            </a:ln>
-            <a:effectLst/>
+              </a:rPr>
+              <a:t>Randomised to other interventions (n = 440)</a:t>
+            </a:r>
+          </a:p>
+          <a:p>
+            <a:pPr marL="350934" indent="-350934">
+              <a:buFont typeface="Arial" panose="020B0604020202020204" pitchFamily="34" charset="0"/>
+              <a:buChar char="•"/>
+            </a:pPr>
+            <a:r>
+              <a:rPr lang="en-CA" sz="2400" dirty="0">
+                <a:latin typeface="Arial" panose="020B0604020202020204" pitchFamily="34" charset="0"/>
+                <a:ea typeface="Calibri" panose="020F0502020204030204" pitchFamily="34" charset="0"/>
+                <a:cs typeface="Arial" panose="020B0604020202020204" pitchFamily="34" charset="0"/>
+              </a:rPr>
+              <a:t>Fluoxetine (n = 120)</a:t>
+            </a:r>
+          </a:p>
+          <a:p>
+            <a:pPr marL="350934" indent="-350934">
+              <a:buFont typeface="Arial" panose="020B0604020202020204" pitchFamily="34" charset="0"/>
+              <a:buChar char="•"/>
+            </a:pPr>
+            <a:r>
+              <a:rPr lang="en-CA" sz="2400" dirty="0" err="1">
+                <a:latin typeface="Arial" panose="020B0604020202020204" pitchFamily="34" charset="0"/>
+                <a:ea typeface="Calibri" panose="020F0502020204030204" pitchFamily="34" charset="0"/>
+                <a:cs typeface="Arial" panose="020B0604020202020204" pitchFamily="34" charset="0"/>
+              </a:rPr>
+              <a:t>Ensitrelvir</a:t>
+            </a:r>
+            <a:r>
+              <a:rPr lang="en-CA" sz="2400" dirty="0">
+                <a:latin typeface="Arial" panose="020B0604020202020204" pitchFamily="34" charset="0"/>
+                <a:ea typeface="Calibri" panose="020F0502020204030204" pitchFamily="34" charset="0"/>
+                <a:cs typeface="Arial" panose="020B0604020202020204" pitchFamily="34" charset="0"/>
+              </a:rPr>
+              <a:t> (n = 121)</a:t>
+            </a:r>
+          </a:p>
+          <a:p>
+            <a:pPr marL="350934" indent="-350934">
+              <a:buFont typeface="Arial" panose="020B0604020202020204" pitchFamily="34" charset="0"/>
+              <a:buChar char="•"/>
+            </a:pPr>
+            <a:r>
+              <a:rPr lang="en-CA" sz="2400" dirty="0" err="1">
+                <a:latin typeface="Arial" panose="020B0604020202020204" pitchFamily="34" charset="0"/>
+                <a:ea typeface="Calibri" panose="020F0502020204030204" pitchFamily="34" charset="0"/>
+                <a:cs typeface="Arial" panose="020B0604020202020204" pitchFamily="34" charset="0"/>
+              </a:rPr>
+              <a:t>Tixagevimab</a:t>
+            </a:r>
+            <a:r>
+              <a:rPr lang="en-CA" sz="2400" dirty="0">
+                <a:latin typeface="Arial" panose="020B0604020202020204" pitchFamily="34" charset="0"/>
+                <a:ea typeface="Calibri" panose="020F0502020204030204" pitchFamily="34" charset="0"/>
+                <a:cs typeface="Arial" panose="020B0604020202020204" pitchFamily="34" charset="0"/>
+              </a:rPr>
+              <a:t>/</a:t>
+            </a:r>
+            <a:r>
+              <a:rPr lang="en-CA" sz="2400" dirty="0" err="1">
+                <a:latin typeface="Arial" panose="020B0604020202020204" pitchFamily="34" charset="0"/>
+                <a:ea typeface="Calibri" panose="020F0502020204030204" pitchFamily="34" charset="0"/>
+                <a:cs typeface="Arial" panose="020B0604020202020204" pitchFamily="34" charset="0"/>
+              </a:rPr>
+              <a:t>Cilgavimab</a:t>
+            </a:r>
+            <a:r>
+              <a:rPr lang="en-CA" sz="2400" dirty="0">
+                <a:latin typeface="Arial" panose="020B0604020202020204" pitchFamily="34" charset="0"/>
+                <a:ea typeface="Calibri" panose="020F0502020204030204" pitchFamily="34" charset="0"/>
+                <a:cs typeface="Arial" panose="020B0604020202020204" pitchFamily="34" charset="0"/>
+              </a:rPr>
+              <a:t> (n = 96)</a:t>
+            </a:r>
+          </a:p>
+          <a:p>
+            <a:pPr marL="350934" indent="-350934">
+              <a:buFont typeface="Arial" panose="020B0604020202020204" pitchFamily="34" charset="0"/>
+              <a:buChar char="•"/>
+            </a:pPr>
+            <a:r>
+              <a:rPr lang="en-CA" sz="2400" dirty="0">
+                <a:latin typeface="Arial"/>
+                <a:ea typeface="Calibri" panose="020F0502020204030204" pitchFamily="34" charset="0"/>
+                <a:cs typeface="Arial"/>
+              </a:rPr>
+              <a:t>Ritonavir-boosted </a:t>
+            </a:r>
+            <a:r>
+              <a:rPr lang="en-CA" sz="2400" dirty="0" err="1">
+                <a:latin typeface="Arial"/>
+                <a:ea typeface="Calibri" panose="020F0502020204030204" pitchFamily="34" charset="0"/>
+                <a:cs typeface="Arial"/>
+              </a:rPr>
+              <a:t>nirmatrelvir</a:t>
+            </a:r>
+            <a:r>
+              <a:rPr lang="en-CA" sz="2400" dirty="0">
+                <a:latin typeface="Arial" panose="020B0604020202020204" pitchFamily="34" charset="0"/>
+                <a:ea typeface="Calibri" panose="020F0502020204030204" pitchFamily="34" charset="0"/>
+                <a:cs typeface="Arial" panose="020B0604020202020204" pitchFamily="34" charset="0"/>
+              </a:rPr>
+              <a:t> + </a:t>
+            </a:r>
+            <a:r>
+              <a:rPr lang="en-CA" sz="2400" dirty="0" err="1">
+                <a:latin typeface="Arial" panose="020B0604020202020204" pitchFamily="34" charset="0"/>
+                <a:ea typeface="Calibri" panose="020F0502020204030204" pitchFamily="34" charset="0"/>
+                <a:cs typeface="Arial" panose="020B0604020202020204" pitchFamily="34" charset="0"/>
+              </a:rPr>
+              <a:t>Molnupiravir</a:t>
+            </a:r>
+            <a:r>
+              <a:rPr lang="en-CA" sz="2400" dirty="0">
+                <a:latin typeface="Arial" panose="020B0604020202020204" pitchFamily="34" charset="0"/>
+                <a:ea typeface="Calibri" panose="020F0502020204030204" pitchFamily="34" charset="0"/>
+                <a:cs typeface="Arial" panose="020B0604020202020204" pitchFamily="34" charset="0"/>
+              </a:rPr>
+              <a:t> (n = 67)</a:t>
+            </a:r>
+          </a:p>
+          <a:p>
+            <a:pPr marL="350934" indent="-350934">
+              <a:buFont typeface="Arial" panose="020B0604020202020204" pitchFamily="34" charset="0"/>
+              <a:buChar char="•"/>
+            </a:pPr>
+            <a:r>
+              <a:rPr lang="en-CA" sz="2400" dirty="0">
+                <a:latin typeface="Arial" panose="020B0604020202020204" pitchFamily="34" charset="0"/>
+                <a:ea typeface="Calibri" panose="020F0502020204030204" pitchFamily="34" charset="0"/>
+                <a:cs typeface="Arial" panose="020B0604020202020204" pitchFamily="34" charset="0"/>
+              </a:rPr>
+              <a:t>Nitazoxanide (n = 36)</a:t>
+            </a:r>
+          </a:p>
+        </p:txBody>
+      </p:sp>
+      <p:cxnSp>
+        <p:nvCxnSpPr>
+          <p:cNvPr id="14" name="Straight Arrow Connector 13">
             <a:extLst>
-              <a:ext uri="{909E8E84-426E-40DD-AFC4-6F175D3DCCD1}">
-                <a14:hiddenFill xmlns:a14="http://schemas.microsoft.com/office/drawing/2010/main">
-                  <a:noFill/>
-                </a14:hiddenFill>
-              </a:ext>
-              <a:ext uri="{AF507438-7753-43E0-B8FC-AC1667EBCBE1}">
-                <a14:hiddenEffects xmlns:a14="http://schemas.microsoft.com/office/drawing/2010/main">
-                  <a:effectLst>
-                    <a:outerShdw dist="35921" dir="2700000" algn="ctr" rotWithShape="0">
-                      <a:srgbClr val="CCCCCC"/>
-                    </a:outerShdw>
-                  </a:effectLst>
-                </a14:hiddenEffects>
+              <a:ext uri="{FF2B5EF4-FFF2-40B4-BE49-F238E27FC236}">
+                <a16:creationId xmlns:a16="http://schemas.microsoft.com/office/drawing/2014/main" id="{45A7504A-F874-4E8B-BDF1-008AFB944F65}"/>
               </a:ext>
             </a:extLst>
-          </p:spPr>
-        </p:cxnSp>
-        <p:sp>
-          <p:nvSpPr>
-            <p:cNvPr id="21" name="TextBox 20">
-              <a:extLst>
-                <a:ext uri="{FF2B5EF4-FFF2-40B4-BE49-F238E27FC236}">
-                  <a16:creationId xmlns:a16="http://schemas.microsoft.com/office/drawing/2014/main" id="{7C247865-96EA-4514-8479-D5148FB80279}"/>
-                </a:ext>
-              </a:extLst>
-            </p:cNvPr>
-            <p:cNvSpPr txBox="1"/>
-            <p:nvPr/>
-          </p:nvSpPr>
-          <p:spPr>
-            <a:xfrm>
-              <a:off x="1416295" y="1408947"/>
-              <a:ext cx="1177315" cy="240380"/>
-            </a:xfrm>
-            <a:prstGeom prst="rect">
-              <a:avLst/>
-            </a:prstGeom>
+          </p:cNvPr>
+          <p:cNvCxnSpPr>
+            <a:cxnSpLocks noChangeShapeType="1"/>
+          </p:cNvCxnSpPr>
+          <p:nvPr/>
+        </p:nvCxnSpPr>
+        <p:spPr bwMode="auto">
+          <a:xfrm>
+            <a:off x="7099296" y="7698005"/>
+            <a:ext cx="5077078" cy="0"/>
+          </a:xfrm>
+          <a:prstGeom prst="straightConnector1">
+            <a:avLst/>
+          </a:prstGeom>
+          <a:noFill/>
+          <a:ln w="57150">
             <a:solidFill>
-              <a:schemeClr val="bg1">
-                <a:lumMod val="85000"/>
+              <a:schemeClr val="tx1"/>
+            </a:solidFill>
+            <a:round/>
+            <a:headEnd/>
+            <a:tailEnd type="triangle" w="med" len="med"/>
+          </a:ln>
+          <a:effectLst/>
+          <a:extLst>
+            <a:ext uri="{909E8E84-426E-40DD-AFC4-6F175D3DCCD1}">
+              <a14:hiddenFill xmlns:a14="http://schemas.microsoft.com/office/drawing/2010/main">
+                <a:noFill/>
+              </a14:hiddenFill>
+            </a:ext>
+            <a:ext uri="{AF507438-7753-43E0-B8FC-AC1667EBCBE1}">
+              <a14:hiddenEffects xmlns:a14="http://schemas.microsoft.com/office/drawing/2010/main">
+                <a:effectLst>
+                  <a:outerShdw dist="35921" dir="2700000" algn="ctr" rotWithShape="0">
+                    <a:srgbClr val="CCCCCC"/>
+                  </a:outerShdw>
+                </a:effectLst>
+              </a14:hiddenEffects>
+            </a:ext>
+          </a:extLst>
+        </p:spPr>
+      </p:cxnSp>
+      <p:sp>
+        <p:nvSpPr>
+          <p:cNvPr id="18" name="Rectangle 17">
+            <a:extLst>
+              <a:ext uri="{FF2B5EF4-FFF2-40B4-BE49-F238E27FC236}">
+                <a16:creationId xmlns:a16="http://schemas.microsoft.com/office/drawing/2014/main" id="{A105BD0C-EA1F-4789-9812-85A278C67A1E}"/>
+              </a:ext>
+            </a:extLst>
+          </p:cNvPr>
+          <p:cNvSpPr>
+            <a:spLocks noChangeArrowheads="1"/>
+          </p:cNvSpPr>
+          <p:nvPr/>
+        </p:nvSpPr>
+        <p:spPr bwMode="auto">
+          <a:xfrm>
+            <a:off x="4156838" y="72229"/>
+            <a:ext cx="5884921" cy="1090307"/>
+          </a:xfrm>
+          <a:prstGeom prst="rect">
+            <a:avLst/>
+          </a:prstGeom>
+          <a:solidFill>
+            <a:srgbClr val="FFFFFF"/>
+          </a:solidFill>
+          <a:ln w="9525">
+            <a:solidFill>
+              <a:srgbClr val="000000"/>
+            </a:solidFill>
+            <a:miter lim="800000"/>
+            <a:headEnd/>
+            <a:tailEnd/>
+          </a:ln>
+        </p:spPr>
+        <p:txBody>
+          <a:bodyPr rot="0" vert="horz" wrap="square" lIns="140397" tIns="140397" rIns="140397" bIns="140397" anchor="t" anchorCtr="0" upright="1">
+            <a:noAutofit/>
+          </a:bodyPr>
+          <a:lstStyle/>
+          <a:p>
+            <a:pPr algn="ctr"/>
+            <a:r>
+              <a:rPr lang="en-CA" sz="2427" b="1" dirty="0">
+                <a:latin typeface="Arial" panose="020B0604020202020204" pitchFamily="34" charset="0"/>
+                <a:ea typeface="Calibri" panose="020F0502020204030204" pitchFamily="34" charset="0"/>
+                <a:cs typeface="Arial" panose="020B0604020202020204" pitchFamily="34" charset="0"/>
+              </a:rPr>
+              <a:t>Assessed for eligibility </a:t>
+            </a:r>
+          </a:p>
+          <a:p>
+            <a:pPr algn="ctr"/>
+            <a:r>
+              <a:rPr lang="en-CA" sz="2427" b="1" dirty="0">
+                <a:latin typeface="Arial" panose="020B0604020202020204" pitchFamily="34" charset="0"/>
+                <a:ea typeface="Calibri" panose="020F0502020204030204" pitchFamily="34" charset="0"/>
+                <a:cs typeface="Arial" panose="020B0604020202020204" pitchFamily="34" charset="0"/>
+              </a:rPr>
+              <a:t>(n </a:t>
+            </a:r>
+            <a:r>
+              <a:rPr lang="en-US" sz="2427" b="1" dirty="0">
+                <a:latin typeface="Arial" panose="020B0604020202020204" pitchFamily="34" charset="0"/>
+                <a:ea typeface="Calibri" panose="020F0502020204030204" pitchFamily="34" charset="0"/>
+                <a:cs typeface="Arial" panose="020B0604020202020204" pitchFamily="34" charset="0"/>
+              </a:rPr>
+              <a:t>= 1314</a:t>
+            </a:r>
+            <a:r>
+              <a:rPr lang="en-CA" sz="2427" b="1" dirty="0">
+                <a:latin typeface="Arial" panose="020B0604020202020204" pitchFamily="34" charset="0"/>
+                <a:ea typeface="Calibri" panose="020F0502020204030204" pitchFamily="34" charset="0"/>
+                <a:cs typeface="Arial" panose="020B0604020202020204" pitchFamily="34" charset="0"/>
+              </a:rPr>
+              <a:t>)</a:t>
+            </a:r>
+            <a:endParaRPr lang="en-US" sz="2427" b="1" dirty="0">
+              <a:latin typeface="Arial" panose="020B0604020202020204" pitchFamily="34" charset="0"/>
+              <a:ea typeface="Calibri" panose="020F0502020204030204" pitchFamily="34" charset="0"/>
+              <a:cs typeface="Arial" panose="020B0604020202020204" pitchFamily="34" charset="0"/>
+            </a:endParaRPr>
+          </a:p>
+        </p:txBody>
+      </p:sp>
+      <p:cxnSp>
+        <p:nvCxnSpPr>
+          <p:cNvPr id="20" name="Straight Arrow Connector 19">
+            <a:extLst>
+              <a:ext uri="{FF2B5EF4-FFF2-40B4-BE49-F238E27FC236}">
+                <a16:creationId xmlns:a16="http://schemas.microsoft.com/office/drawing/2014/main" id="{2A65B37A-FF18-4FCB-95E6-9975D0814F56}"/>
+              </a:ext>
+            </a:extLst>
+          </p:cNvPr>
+          <p:cNvCxnSpPr>
+            <a:cxnSpLocks noChangeShapeType="1"/>
+          </p:cNvCxnSpPr>
+          <p:nvPr/>
+        </p:nvCxnSpPr>
+        <p:spPr bwMode="auto">
+          <a:xfrm>
+            <a:off x="7099296" y="1789008"/>
+            <a:ext cx="5077078" cy="0"/>
+          </a:xfrm>
+          <a:prstGeom prst="straightConnector1">
+            <a:avLst/>
+          </a:prstGeom>
+          <a:noFill/>
+          <a:ln w="57150">
+            <a:solidFill>
+              <a:schemeClr val="tx1"/>
+            </a:solidFill>
+            <a:round/>
+            <a:headEnd/>
+            <a:tailEnd type="triangle" w="med" len="med"/>
+          </a:ln>
+          <a:effectLst/>
+          <a:extLst>
+            <a:ext uri="{909E8E84-426E-40DD-AFC4-6F175D3DCCD1}">
+              <a14:hiddenFill xmlns:a14="http://schemas.microsoft.com/office/drawing/2010/main">
+                <a:noFill/>
+              </a14:hiddenFill>
+            </a:ext>
+            <a:ext uri="{AF507438-7753-43E0-B8FC-AC1667EBCBE1}">
+              <a14:hiddenEffects xmlns:a14="http://schemas.microsoft.com/office/drawing/2010/main">
+                <a:effectLst>
+                  <a:outerShdw dist="35921" dir="2700000" algn="ctr" rotWithShape="0">
+                    <a:srgbClr val="CCCCCC"/>
+                  </a:outerShdw>
+                </a:effectLst>
+              </a14:hiddenEffects>
+            </a:ext>
+          </a:extLst>
+        </p:spPr>
+      </p:cxnSp>
+      <p:sp>
+        <p:nvSpPr>
+          <p:cNvPr id="21" name="TextBox 20">
+            <a:extLst>
+              <a:ext uri="{FF2B5EF4-FFF2-40B4-BE49-F238E27FC236}">
+                <a16:creationId xmlns:a16="http://schemas.microsoft.com/office/drawing/2014/main" id="{7C247865-96EA-4514-8479-D5148FB80279}"/>
+              </a:ext>
+            </a:extLst>
+          </p:cNvPr>
+          <p:cNvSpPr txBox="1"/>
+          <p:nvPr/>
+        </p:nvSpPr>
+        <p:spPr>
+          <a:xfrm>
+            <a:off x="286554" y="1519829"/>
+            <a:ext cx="2583145" cy="527417"/>
+          </a:xfrm>
+          <a:prstGeom prst="rect">
+            <a:avLst/>
+          </a:prstGeom>
+          <a:solidFill>
+            <a:schemeClr val="bg1">
+              <a:lumMod val="85000"/>
+            </a:schemeClr>
+          </a:solidFill>
+          <a:ln>
+            <a:solidFill>
+              <a:schemeClr val="bg2">
+                <a:lumMod val="50000"/>
               </a:schemeClr>
             </a:solidFill>
-            <a:ln>
-              <a:solidFill>
-                <a:schemeClr val="bg2">
-                  <a:lumMod val="50000"/>
-                </a:schemeClr>
-              </a:solidFill>
-            </a:ln>
-          </p:spPr>
-          <p:txBody>
-            <a:bodyPr wrap="square" rtlCol="0">
-              <a:spAutoFit/>
-            </a:bodyPr>
-            <a:lstStyle/>
-            <a:p>
-              <a:pPr algn="ctr"/>
-              <a:r>
-                <a:rPr lang="en-GB" sz="2427" b="1" dirty="0">
-                  <a:latin typeface="Arial" panose="020B0604020202020204" pitchFamily="34" charset="0"/>
-                  <a:cs typeface="Arial" panose="020B0604020202020204" pitchFamily="34" charset="0"/>
-                </a:rPr>
-                <a:t>Enrolment</a:t>
-              </a:r>
-            </a:p>
-          </p:txBody>
-        </p:sp>
-        <p:sp>
-          <p:nvSpPr>
-            <p:cNvPr id="22" name="TextBox 21">
-              <a:extLst>
-                <a:ext uri="{FF2B5EF4-FFF2-40B4-BE49-F238E27FC236}">
-                  <a16:creationId xmlns:a16="http://schemas.microsoft.com/office/drawing/2014/main" id="{E01E8C87-7B6E-453D-8643-FF0EF6765E2E}"/>
-                </a:ext>
-              </a:extLst>
-            </p:cNvPr>
-            <p:cNvSpPr txBox="1"/>
-            <p:nvPr/>
-          </p:nvSpPr>
-          <p:spPr>
-            <a:xfrm>
-              <a:off x="1416295" y="2583594"/>
-              <a:ext cx="1177315" cy="240380"/>
-            </a:xfrm>
-            <a:prstGeom prst="rect">
-              <a:avLst/>
-            </a:prstGeom>
+          </a:ln>
+        </p:spPr>
+        <p:txBody>
+          <a:bodyPr wrap="square" rtlCol="0">
+            <a:spAutoFit/>
+          </a:bodyPr>
+          <a:lstStyle/>
+          <a:p>
+            <a:pPr algn="ctr"/>
+            <a:r>
+              <a:rPr lang="en-GB" sz="2427" b="1" dirty="0">
+                <a:latin typeface="Arial" panose="020B0604020202020204" pitchFamily="34" charset="0"/>
+                <a:cs typeface="Arial" panose="020B0604020202020204" pitchFamily="34" charset="0"/>
+              </a:rPr>
+              <a:t>Enrolment</a:t>
+            </a:r>
+          </a:p>
+        </p:txBody>
+      </p:sp>
+      <p:sp>
+        <p:nvSpPr>
+          <p:cNvPr id="22" name="TextBox 21">
+            <a:extLst>
+              <a:ext uri="{FF2B5EF4-FFF2-40B4-BE49-F238E27FC236}">
+                <a16:creationId xmlns:a16="http://schemas.microsoft.com/office/drawing/2014/main" id="{E01E8C87-7B6E-453D-8643-FF0EF6765E2E}"/>
+              </a:ext>
+            </a:extLst>
+          </p:cNvPr>
+          <p:cNvSpPr txBox="1"/>
+          <p:nvPr/>
+        </p:nvSpPr>
+        <p:spPr>
+          <a:xfrm>
+            <a:off x="286554" y="4097121"/>
+            <a:ext cx="2583145" cy="527417"/>
+          </a:xfrm>
+          <a:prstGeom prst="rect">
+            <a:avLst/>
+          </a:prstGeom>
+          <a:solidFill>
+            <a:schemeClr val="bg1">
+              <a:lumMod val="85000"/>
+            </a:schemeClr>
+          </a:solidFill>
+          <a:ln>
             <a:solidFill>
-              <a:schemeClr val="bg1">
-                <a:lumMod val="85000"/>
+              <a:schemeClr val="bg2">
+                <a:lumMod val="50000"/>
               </a:schemeClr>
             </a:solidFill>
-            <a:ln>
-              <a:solidFill>
-                <a:schemeClr val="bg2">
-                  <a:lumMod val="50000"/>
-                </a:schemeClr>
-              </a:solidFill>
-            </a:ln>
-          </p:spPr>
-          <p:txBody>
-            <a:bodyPr wrap="square" rtlCol="0">
-              <a:spAutoFit/>
-            </a:bodyPr>
-            <a:lstStyle/>
-            <a:p>
-              <a:pPr algn="ctr"/>
-              <a:r>
-                <a:rPr lang="en-GB" sz="2427" b="1" dirty="0">
-                  <a:latin typeface="Arial" panose="020B0604020202020204" pitchFamily="34" charset="0"/>
-                  <a:cs typeface="Arial" panose="020B0604020202020204" pitchFamily="34" charset="0"/>
-                </a:rPr>
-                <a:t>Allocation</a:t>
-              </a:r>
-            </a:p>
-          </p:txBody>
-        </p:sp>
-        <p:sp>
-          <p:nvSpPr>
-            <p:cNvPr id="23" name="TextBox 22">
-              <a:extLst>
-                <a:ext uri="{FF2B5EF4-FFF2-40B4-BE49-F238E27FC236}">
-                  <a16:creationId xmlns:a16="http://schemas.microsoft.com/office/drawing/2014/main" id="{04D60864-AA3C-476F-A038-7AAED73556D4}"/>
-                </a:ext>
-              </a:extLst>
-            </p:cNvPr>
-            <p:cNvSpPr txBox="1"/>
-            <p:nvPr/>
-          </p:nvSpPr>
-          <p:spPr>
-            <a:xfrm>
-              <a:off x="1416295" y="4102080"/>
-              <a:ext cx="1177315" cy="240380"/>
-            </a:xfrm>
-            <a:prstGeom prst="rect">
-              <a:avLst/>
-            </a:prstGeom>
+          </a:ln>
+        </p:spPr>
+        <p:txBody>
+          <a:bodyPr wrap="square" rtlCol="0">
+            <a:spAutoFit/>
+          </a:bodyPr>
+          <a:lstStyle/>
+          <a:p>
+            <a:pPr algn="ctr"/>
+            <a:r>
+              <a:rPr lang="en-GB" sz="2427" b="1" dirty="0">
+                <a:latin typeface="Arial" panose="020B0604020202020204" pitchFamily="34" charset="0"/>
+                <a:cs typeface="Arial" panose="020B0604020202020204" pitchFamily="34" charset="0"/>
+              </a:rPr>
+              <a:t>Allocation</a:t>
+            </a:r>
+          </a:p>
+        </p:txBody>
+      </p:sp>
+      <p:sp>
+        <p:nvSpPr>
+          <p:cNvPr id="23" name="TextBox 22">
+            <a:extLst>
+              <a:ext uri="{FF2B5EF4-FFF2-40B4-BE49-F238E27FC236}">
+                <a16:creationId xmlns:a16="http://schemas.microsoft.com/office/drawing/2014/main" id="{04D60864-AA3C-476F-A038-7AAED73556D4}"/>
+              </a:ext>
+            </a:extLst>
+          </p:cNvPr>
+          <p:cNvSpPr txBox="1"/>
+          <p:nvPr/>
+        </p:nvSpPr>
+        <p:spPr>
+          <a:xfrm>
+            <a:off x="286554" y="7428829"/>
+            <a:ext cx="2583145" cy="527417"/>
+          </a:xfrm>
+          <a:prstGeom prst="rect">
+            <a:avLst/>
+          </a:prstGeom>
+          <a:solidFill>
+            <a:schemeClr val="bg1">
+              <a:lumMod val="85000"/>
+            </a:schemeClr>
+          </a:solidFill>
+          <a:ln>
             <a:solidFill>
-              <a:schemeClr val="bg1">
-                <a:lumMod val="85000"/>
+              <a:schemeClr val="bg2">
+                <a:lumMod val="50000"/>
               </a:schemeClr>
             </a:solidFill>
-            <a:ln>
-              <a:solidFill>
-                <a:schemeClr val="bg2">
-                  <a:lumMod val="50000"/>
-                </a:schemeClr>
-              </a:solidFill>
-            </a:ln>
-          </p:spPr>
-          <p:txBody>
-            <a:bodyPr wrap="square" rtlCol="0">
-              <a:spAutoFit/>
-            </a:bodyPr>
-            <a:lstStyle/>
-            <a:p>
-              <a:pPr algn="ctr"/>
-              <a:r>
-                <a:rPr lang="en-GB" sz="2427" b="1" dirty="0">
-                  <a:latin typeface="Arial" panose="020B0604020202020204" pitchFamily="34" charset="0"/>
-                  <a:cs typeface="Arial" panose="020B0604020202020204" pitchFamily="34" charset="0"/>
-                </a:rPr>
-                <a:t>Analysis</a:t>
-              </a:r>
-            </a:p>
-          </p:txBody>
-        </p:sp>
-        <p:sp>
-          <p:nvSpPr>
-            <p:cNvPr id="26" name="Rectangle 25">
-              <a:extLst>
-                <a:ext uri="{FF2B5EF4-FFF2-40B4-BE49-F238E27FC236}">
-                  <a16:creationId xmlns:a16="http://schemas.microsoft.com/office/drawing/2014/main" id="{B21DCE91-4B6D-4405-8773-1F9783B3106A}"/>
-                </a:ext>
-              </a:extLst>
-            </p:cNvPr>
-            <p:cNvSpPr>
-              <a:spLocks noChangeArrowheads="1"/>
-            </p:cNvSpPr>
-            <p:nvPr/>
-          </p:nvSpPr>
-          <p:spPr bwMode="auto">
-            <a:xfrm>
-              <a:off x="6835299" y="4046790"/>
-              <a:ext cx="3549528" cy="883248"/>
-            </a:xfrm>
-            <a:prstGeom prst="rect">
-              <a:avLst/>
-            </a:prstGeom>
-            <a:solidFill>
-              <a:srgbClr val="FFFFFF"/>
-            </a:solidFill>
-            <a:ln w="9525">
-              <a:solidFill>
-                <a:srgbClr val="000000"/>
-              </a:solidFill>
-              <a:miter lim="800000"/>
-              <a:headEnd/>
-              <a:tailEnd/>
-            </a:ln>
-          </p:spPr>
-          <p:txBody>
-            <a:bodyPr rot="0" vert="horz" wrap="square" lIns="140397" tIns="140397" rIns="140397" bIns="140397" anchor="t" anchorCtr="0" upright="1">
-              <a:noAutofit/>
-            </a:bodyPr>
-            <a:lstStyle/>
-            <a:p>
-              <a:r>
-                <a:rPr lang="en-US" sz="2427" b="1" dirty="0">
-                  <a:latin typeface="Arial" panose="020B0604020202020204" pitchFamily="34" charset="0"/>
-                  <a:ea typeface="Calibri" panose="020F0502020204030204" pitchFamily="34" charset="0"/>
-                  <a:cs typeface="Arial" panose="020B0604020202020204" pitchFamily="34" charset="0"/>
-                </a:rPr>
-                <a:t>Excluded from analysis (n = 24)</a:t>
-              </a:r>
-            </a:p>
-            <a:p>
-              <a:pPr marL="438688" indent="-438688">
-                <a:buFont typeface="Arial" panose="020B0604020202020204" pitchFamily="34" charset="0"/>
-                <a:buChar char="•"/>
-              </a:pPr>
-              <a:r>
-                <a:rPr lang="en-US" sz="2000" dirty="0">
-                  <a:latin typeface="Arial" panose="020B0604020202020204" pitchFamily="34" charset="0"/>
-                  <a:ea typeface="Calibri" panose="020F0502020204030204" pitchFamily="34" charset="0"/>
-                  <a:cs typeface="Arial" panose="020B0604020202020204" pitchFamily="34" charset="0"/>
-                </a:rPr>
-                <a:t>Non-compliance (n = 13)</a:t>
-              </a:r>
-            </a:p>
-            <a:p>
-              <a:pPr marL="438688" indent="-438688">
-                <a:buFont typeface="Arial" panose="020B0604020202020204" pitchFamily="34" charset="0"/>
-                <a:buChar char="•"/>
-              </a:pPr>
-              <a:r>
-                <a:rPr lang="en-US" sz="2000" dirty="0">
-                  <a:latin typeface="Arial" panose="020B0604020202020204" pitchFamily="34" charset="0"/>
-                  <a:ea typeface="Calibri" panose="020F0502020204030204" pitchFamily="34" charset="0"/>
-                  <a:cs typeface="Arial" panose="020B0604020202020204" pitchFamily="34" charset="0"/>
-                </a:rPr>
-                <a:t>Withdrew consent (n = 11)</a:t>
-              </a:r>
-            </a:p>
-            <a:p>
-              <a:endParaRPr lang="en-US" sz="2427" b="1" dirty="0">
-                <a:highlight>
-                  <a:srgbClr val="FFFF00"/>
-                </a:highlight>
+          </a:ln>
+        </p:spPr>
+        <p:txBody>
+          <a:bodyPr wrap="square" rtlCol="0">
+            <a:spAutoFit/>
+          </a:bodyPr>
+          <a:lstStyle/>
+          <a:p>
+            <a:pPr algn="ctr"/>
+            <a:r>
+              <a:rPr lang="en-GB" sz="2427" b="1" dirty="0">
                 <a:latin typeface="Arial" panose="020B0604020202020204" pitchFamily="34" charset="0"/>
-                <a:ea typeface="Calibri" panose="020F0502020204030204" pitchFamily="34" charset="0"/>
                 <a:cs typeface="Arial" panose="020B0604020202020204" pitchFamily="34" charset="0"/>
-              </a:endParaRPr>
-            </a:p>
-          </p:txBody>
-        </p:sp>
-        <p:sp>
-          <p:nvSpPr>
-            <p:cNvPr id="38" name="Rectangle 37">
-              <a:extLst>
-                <a:ext uri="{FF2B5EF4-FFF2-40B4-BE49-F238E27FC236}">
-                  <a16:creationId xmlns:a16="http://schemas.microsoft.com/office/drawing/2014/main" id="{5B2E406E-4D9C-4C97-A4D9-5411B45878E6}"/>
-                </a:ext>
-              </a:extLst>
-            </p:cNvPr>
-            <p:cNvSpPr>
-              <a:spLocks noChangeArrowheads="1"/>
-            </p:cNvSpPr>
-            <p:nvPr/>
-          </p:nvSpPr>
-          <p:spPr bwMode="auto">
-            <a:xfrm>
-              <a:off x="3180247" y="3020961"/>
-              <a:ext cx="2682159" cy="496923"/>
-            </a:xfrm>
-            <a:prstGeom prst="rect">
-              <a:avLst/>
-            </a:prstGeom>
-            <a:solidFill>
-              <a:srgbClr val="FFFFFF"/>
-            </a:solidFill>
-            <a:ln w="9525">
-              <a:solidFill>
-                <a:srgbClr val="000000"/>
-              </a:solidFill>
-              <a:miter lim="800000"/>
-              <a:headEnd/>
-              <a:tailEnd/>
-            </a:ln>
-          </p:spPr>
-          <p:txBody>
-            <a:bodyPr rot="0" vert="horz" wrap="square" lIns="140397" tIns="140397" rIns="140397" bIns="140397" anchor="t" anchorCtr="0" upright="1">
-              <a:noAutofit/>
-            </a:bodyPr>
-            <a:lstStyle/>
-            <a:p>
-              <a:pPr algn="ctr"/>
-              <a:r>
-                <a:rPr lang="en-CA" sz="2427" b="1" dirty="0">
-                  <a:latin typeface="Arial"/>
-                  <a:ea typeface="Calibri" panose="020F0502020204030204" pitchFamily="34" charset="0"/>
-                  <a:cs typeface="Arial"/>
-                </a:rPr>
-                <a:t>ITT in included drug arms</a:t>
-              </a:r>
-            </a:p>
-            <a:p>
-              <a:pPr algn="ctr"/>
-              <a:r>
-                <a:rPr lang="en-CA" sz="2427" b="1" dirty="0">
-                  <a:latin typeface="Arial"/>
-                  <a:ea typeface="Calibri" panose="020F0502020204030204" pitchFamily="34" charset="0"/>
-                  <a:cs typeface="Arial"/>
-                </a:rPr>
-                <a:t>(n = 824)</a:t>
-              </a:r>
-              <a:endParaRPr lang="en-US" sz="2427" b="1" dirty="0">
-                <a:latin typeface="Arial" panose="020B0604020202020204" pitchFamily="34" charset="0"/>
-                <a:ea typeface="Calibri" panose="020F0502020204030204" pitchFamily="34" charset="0"/>
-                <a:cs typeface="Arial" panose="020B0604020202020204" pitchFamily="34" charset="0"/>
-              </a:endParaRPr>
-            </a:p>
-          </p:txBody>
-        </p:sp>
-        <p:cxnSp>
-          <p:nvCxnSpPr>
-            <p:cNvPr id="43" name="Straight Arrow Connector 42">
-              <a:extLst>
-                <a:ext uri="{FF2B5EF4-FFF2-40B4-BE49-F238E27FC236}">
-                  <a16:creationId xmlns:a16="http://schemas.microsoft.com/office/drawing/2014/main" id="{1F461882-BBF1-4A95-8330-E656345A1729}"/>
-                </a:ext>
-              </a:extLst>
-            </p:cNvPr>
-            <p:cNvCxnSpPr>
-              <a:cxnSpLocks noChangeShapeType="1"/>
-              <a:stCxn id="38" idx="2"/>
-              <a:endCxn id="46" idx="0"/>
-            </p:cNvCxnSpPr>
-            <p:nvPr/>
-          </p:nvCxnSpPr>
-          <p:spPr bwMode="auto">
-            <a:xfrm flipH="1">
-              <a:off x="4521326" y="3517882"/>
-              <a:ext cx="1" cy="1099404"/>
-            </a:xfrm>
-            <a:prstGeom prst="straightConnector1">
-              <a:avLst/>
-            </a:prstGeom>
-            <a:noFill/>
-            <a:ln w="19050">
-              <a:solidFill>
-                <a:schemeClr val="tx1"/>
-              </a:solidFill>
-              <a:round/>
-              <a:headEnd/>
-              <a:tailEnd type="triangle" w="med" len="med"/>
-            </a:ln>
-            <a:effectLst/>
+              </a:rPr>
+              <a:t>Analysis</a:t>
+            </a:r>
+          </a:p>
+        </p:txBody>
+      </p:sp>
+      <p:sp>
+        <p:nvSpPr>
+          <p:cNvPr id="26" name="Rectangle 25">
             <a:extLst>
-              <a:ext uri="{909E8E84-426E-40DD-AFC4-6F175D3DCCD1}">
-                <a14:hiddenFill xmlns:a14="http://schemas.microsoft.com/office/drawing/2010/main">
-                  <a:noFill/>
-                </a14:hiddenFill>
-              </a:ext>
-              <a:ext uri="{AF507438-7753-43E0-B8FC-AC1667EBCBE1}">
-                <a14:hiddenEffects xmlns:a14="http://schemas.microsoft.com/office/drawing/2010/main">
-                  <a:effectLst>
-                    <a:outerShdw dist="35921" dir="2700000" algn="ctr" rotWithShape="0">
-                      <a:srgbClr val="CCCCCC"/>
-                    </a:outerShdw>
-                  </a:effectLst>
-                </a14:hiddenEffects>
+              <a:ext uri="{FF2B5EF4-FFF2-40B4-BE49-F238E27FC236}">
+                <a16:creationId xmlns:a16="http://schemas.microsoft.com/office/drawing/2014/main" id="{B21DCE91-4B6D-4405-8773-1F9783B3106A}"/>
               </a:ext>
             </a:extLst>
-          </p:spPr>
-        </p:cxnSp>
-        <p:sp>
-          <p:nvSpPr>
-            <p:cNvPr id="46" name="Rectangle 45">
-              <a:extLst>
-                <a:ext uri="{FF2B5EF4-FFF2-40B4-BE49-F238E27FC236}">
-                  <a16:creationId xmlns:a16="http://schemas.microsoft.com/office/drawing/2014/main" id="{5F5783C3-33A8-4974-BD36-82CD8B4D5397}"/>
-                </a:ext>
-              </a:extLst>
-            </p:cNvPr>
-            <p:cNvSpPr>
-              <a:spLocks noChangeArrowheads="1"/>
-            </p:cNvSpPr>
-            <p:nvPr/>
-          </p:nvSpPr>
-          <p:spPr bwMode="auto">
-            <a:xfrm>
-              <a:off x="3180244" y="4617286"/>
-              <a:ext cx="2682161" cy="1483857"/>
-            </a:xfrm>
-            <a:prstGeom prst="rect">
-              <a:avLst/>
-            </a:prstGeom>
+          </p:cNvPr>
+          <p:cNvSpPr>
+            <a:spLocks noChangeArrowheads="1"/>
+          </p:cNvSpPr>
+          <p:nvPr/>
+        </p:nvSpPr>
+        <p:spPr bwMode="auto">
+          <a:xfrm>
+            <a:off x="12176382" y="7307517"/>
+            <a:ext cx="7788014" cy="1937933"/>
+          </a:xfrm>
+          <a:prstGeom prst="rect">
+            <a:avLst/>
+          </a:prstGeom>
+          <a:solidFill>
+            <a:srgbClr val="FFFFFF"/>
+          </a:solidFill>
+          <a:ln w="9525">
             <a:solidFill>
-              <a:srgbClr val="FFFFFF"/>
+              <a:srgbClr val="000000"/>
             </a:solidFill>
-            <a:ln w="9525">
-              <a:solidFill>
-                <a:srgbClr val="000000"/>
-              </a:solidFill>
-              <a:miter lim="800000"/>
-              <a:headEnd/>
-              <a:tailEnd/>
-            </a:ln>
-          </p:spPr>
-          <p:txBody>
-            <a:bodyPr rot="0" vert="horz" wrap="square" lIns="140397" tIns="140397" rIns="140397" bIns="140397" anchor="t" anchorCtr="0" upright="1">
-              <a:noAutofit/>
-            </a:bodyPr>
-            <a:lstStyle/>
-            <a:p>
-              <a:r>
-                <a:rPr lang="en-CA" sz="2427" b="1" dirty="0">
-                  <a:latin typeface="Arial"/>
-                  <a:ea typeface="Calibri" panose="020F0502020204030204" pitchFamily="34" charset="0"/>
-                  <a:cs typeface="Arial"/>
-                </a:rPr>
-                <a:t>Analysed dataset; </a:t>
-              </a:r>
-              <a:r>
-                <a:rPr lang="en-CA" sz="2427" b="1" dirty="0" err="1">
-                  <a:latin typeface="Arial"/>
-                  <a:ea typeface="Calibri" panose="020F0502020204030204" pitchFamily="34" charset="0"/>
-                  <a:cs typeface="Arial"/>
-                </a:rPr>
-                <a:t>mITT</a:t>
-              </a:r>
-              <a:r>
-                <a:rPr lang="en-CA" sz="2427" b="1" dirty="0">
-                  <a:latin typeface="Arial"/>
-                  <a:ea typeface="Calibri" panose="020F0502020204030204" pitchFamily="34" charset="0"/>
-                  <a:cs typeface="Arial"/>
-                </a:rPr>
-                <a:t> (n = 800)</a:t>
-              </a:r>
-            </a:p>
-            <a:p>
-              <a:pPr marL="263214" indent="-263214">
-                <a:buFont typeface="Arial" panose="020B0604020202020204" pitchFamily="34" charset="0"/>
-                <a:buChar char="•"/>
-              </a:pPr>
-              <a:r>
-                <a:rPr lang="en-CA" sz="2000" dirty="0">
-                  <a:latin typeface="Arial"/>
-                  <a:ea typeface="Calibri" panose="020F0502020204030204" pitchFamily="34" charset="0"/>
-                  <a:cs typeface="Arial"/>
-                </a:rPr>
-                <a:t>No study drug (n = 263)</a:t>
-              </a:r>
-            </a:p>
-            <a:p>
-              <a:pPr marL="263214" indent="-263214">
-                <a:buFont typeface="Arial" panose="020B0604020202020204" pitchFamily="34" charset="0"/>
-                <a:buChar char="•"/>
-              </a:pPr>
-              <a:r>
-                <a:rPr lang="en-CA" sz="2000" dirty="0">
-                  <a:latin typeface="Arial"/>
-                  <a:ea typeface="Calibri" panose="020F0502020204030204" pitchFamily="34" charset="0"/>
-                  <a:cs typeface="Arial"/>
-                </a:rPr>
-                <a:t>Ritonavir-boosted </a:t>
-              </a:r>
-              <a:r>
-                <a:rPr lang="en-CA" sz="2000" dirty="0" err="1">
-                  <a:latin typeface="Arial"/>
-                  <a:ea typeface="Calibri" panose="020F0502020204030204" pitchFamily="34" charset="0"/>
-                  <a:cs typeface="Arial"/>
-                </a:rPr>
-                <a:t>nirmatrelvir</a:t>
-              </a:r>
-              <a:r>
-                <a:rPr lang="en-CA" sz="2000" dirty="0">
-                  <a:latin typeface="Arial"/>
-                  <a:ea typeface="Calibri" panose="020F0502020204030204" pitchFamily="34" charset="0"/>
-                  <a:cs typeface="Arial"/>
-                </a:rPr>
-                <a:t> (n = 158)</a:t>
-              </a:r>
-            </a:p>
-            <a:p>
-              <a:pPr marL="263214" indent="-263214">
-                <a:buFont typeface="Arial" panose="020B0604020202020204" pitchFamily="34" charset="0"/>
-                <a:buChar char="•"/>
-              </a:pPr>
-              <a:r>
-                <a:rPr lang="en-CA" sz="2000" dirty="0">
-                  <a:latin typeface="Arial"/>
-                  <a:ea typeface="Calibri" panose="020F0502020204030204" pitchFamily="34" charset="0"/>
-                  <a:cs typeface="Arial"/>
-                </a:rPr>
-                <a:t>Favipiravir (n = 114)</a:t>
-              </a:r>
-            </a:p>
-            <a:p>
-              <a:pPr marL="263214" indent="-263214">
-                <a:buFont typeface="Arial" panose="020B0604020202020204" pitchFamily="34" charset="0"/>
-                <a:buChar char="•"/>
-              </a:pPr>
-              <a:r>
-                <a:rPr lang="en-CA" sz="2000" dirty="0" err="1">
-                  <a:latin typeface="Arial"/>
-                  <a:ea typeface="Calibri" panose="020F0502020204030204" pitchFamily="34" charset="0"/>
-                  <a:cs typeface="Arial"/>
-                </a:rPr>
-                <a:t>Casirivimab</a:t>
-              </a:r>
-              <a:r>
-                <a:rPr lang="en-CA" sz="2000" dirty="0">
-                  <a:latin typeface="Arial"/>
-                  <a:ea typeface="Calibri" panose="020F0502020204030204" pitchFamily="34" charset="0"/>
-                  <a:cs typeface="Arial"/>
-                </a:rPr>
-                <a:t>/</a:t>
-              </a:r>
-              <a:r>
-                <a:rPr lang="en-CA" sz="2000" dirty="0" err="1">
-                  <a:latin typeface="Arial"/>
-                  <a:ea typeface="Calibri" panose="020F0502020204030204" pitchFamily="34" charset="0"/>
-                  <a:cs typeface="Arial"/>
-                </a:rPr>
-                <a:t>imdevimab</a:t>
-              </a:r>
-              <a:r>
-                <a:rPr lang="en-CA" sz="2000" dirty="0">
-                  <a:latin typeface="Arial"/>
-                  <a:ea typeface="Calibri" panose="020F0502020204030204" pitchFamily="34" charset="0"/>
-                  <a:cs typeface="Arial"/>
-                </a:rPr>
-                <a:t> (n = 88)</a:t>
-              </a:r>
-            </a:p>
-            <a:p>
-              <a:pPr marL="263214" indent="-263214">
-                <a:buFont typeface="Arial" panose="020B0604020202020204" pitchFamily="34" charset="0"/>
-                <a:buChar char="•"/>
-              </a:pPr>
-              <a:r>
-                <a:rPr lang="en-CA" sz="2000" dirty="0">
-                  <a:latin typeface="Arial"/>
-                  <a:ea typeface="Calibri" panose="020F0502020204030204" pitchFamily="34" charset="0"/>
-                  <a:cs typeface="Arial"/>
-                </a:rPr>
-                <a:t>Remdesivir (n = 67)</a:t>
-              </a:r>
-            </a:p>
-            <a:p>
-              <a:pPr marL="263214" indent="-263214">
-                <a:buFont typeface="Arial" panose="020B0604020202020204" pitchFamily="34" charset="0"/>
-                <a:buChar char="•"/>
-              </a:pPr>
-              <a:r>
-                <a:rPr lang="en-CA" sz="2000" dirty="0" err="1">
-                  <a:latin typeface="Arial"/>
-                  <a:ea typeface="Calibri" panose="020F0502020204030204" pitchFamily="34" charset="0"/>
-                  <a:cs typeface="Arial"/>
-                </a:rPr>
-                <a:t>Molnupiravir</a:t>
-              </a:r>
-              <a:r>
-                <a:rPr lang="en-CA" sz="2000" dirty="0">
-                  <a:latin typeface="Arial"/>
-                  <a:ea typeface="Calibri" panose="020F0502020204030204" pitchFamily="34" charset="0"/>
-                  <a:cs typeface="Arial"/>
-                </a:rPr>
-                <a:t> (n = 66)</a:t>
-              </a:r>
-            </a:p>
-            <a:p>
-              <a:pPr marL="263214" indent="-263214">
-                <a:buFont typeface="Arial" panose="020B0604020202020204" pitchFamily="34" charset="0"/>
-                <a:buChar char="•"/>
-              </a:pPr>
-              <a:r>
-                <a:rPr lang="en-CA" sz="2000" dirty="0">
-                  <a:latin typeface="Arial"/>
-                  <a:ea typeface="Calibri" panose="020F0502020204030204" pitchFamily="34" charset="0"/>
-                  <a:cs typeface="Arial"/>
-                </a:rPr>
-                <a:t>Ivermectin (n = 44)</a:t>
-              </a:r>
-            </a:p>
-            <a:p>
-              <a:pPr marL="263214" indent="-263214">
-                <a:buFont typeface="Arial" panose="020B0604020202020204" pitchFamily="34" charset="0"/>
-                <a:buChar char="•"/>
-              </a:pPr>
-              <a:endParaRPr lang="en-US" sz="1907" dirty="0">
+            <a:miter lim="800000"/>
+            <a:headEnd/>
+            <a:tailEnd/>
+          </a:ln>
+        </p:spPr>
+        <p:txBody>
+          <a:bodyPr rot="0" vert="horz" wrap="square" lIns="140397" tIns="140397" rIns="140397" bIns="140397" anchor="t" anchorCtr="0" upright="1">
+            <a:noAutofit/>
+          </a:bodyPr>
+          <a:lstStyle/>
+          <a:p>
+            <a:r>
+              <a:rPr lang="en-US" sz="2427" b="1" dirty="0">
                 <a:latin typeface="Arial" panose="020B0604020202020204" pitchFamily="34" charset="0"/>
                 <a:ea typeface="Calibri" panose="020F0502020204030204" pitchFamily="34" charset="0"/>
                 <a:cs typeface="Arial" panose="020B0604020202020204" pitchFamily="34" charset="0"/>
-              </a:endParaRPr>
-            </a:p>
-          </p:txBody>
-        </p:sp>
-        <p:sp>
-          <p:nvSpPr>
-            <p:cNvPr id="24" name="Rectangle 23">
-              <a:extLst>
-                <a:ext uri="{FF2B5EF4-FFF2-40B4-BE49-F238E27FC236}">
-                  <a16:creationId xmlns:a16="http://schemas.microsoft.com/office/drawing/2014/main" id="{9E6A769C-B7CC-48A7-8866-863078085967}"/>
-                </a:ext>
-              </a:extLst>
-            </p:cNvPr>
-            <p:cNvSpPr>
-              <a:spLocks noChangeArrowheads="1"/>
-            </p:cNvSpPr>
-            <p:nvPr/>
-          </p:nvSpPr>
-          <p:spPr bwMode="auto">
-            <a:xfrm>
-              <a:off x="6835293" y="1183103"/>
-              <a:ext cx="3549533" cy="994484"/>
-            </a:xfrm>
-            <a:prstGeom prst="rect">
-              <a:avLst/>
-            </a:prstGeom>
+              </a:rPr>
+              <a:t>Excluded from analysis (n = 24)</a:t>
+            </a:r>
+          </a:p>
+          <a:p>
+            <a:pPr marL="438688" indent="-438688">
+              <a:buFont typeface="Arial" panose="020B0604020202020204" pitchFamily="34" charset="0"/>
+              <a:buChar char="•"/>
+            </a:pPr>
+            <a:r>
+              <a:rPr lang="en-US" sz="2400" dirty="0">
+                <a:latin typeface="Arial" panose="020B0604020202020204" pitchFamily="34" charset="0"/>
+                <a:ea typeface="Calibri" panose="020F0502020204030204" pitchFamily="34" charset="0"/>
+                <a:cs typeface="Arial" panose="020B0604020202020204" pitchFamily="34" charset="0"/>
+              </a:rPr>
+              <a:t>Non-compliance (n = 13)</a:t>
+            </a:r>
+          </a:p>
+          <a:p>
+            <a:pPr marL="438688" indent="-438688">
+              <a:buFont typeface="Arial" panose="020B0604020202020204" pitchFamily="34" charset="0"/>
+              <a:buChar char="•"/>
+            </a:pPr>
+            <a:r>
+              <a:rPr lang="en-US" sz="2400" dirty="0">
+                <a:latin typeface="Arial" panose="020B0604020202020204" pitchFamily="34" charset="0"/>
+                <a:ea typeface="Calibri" panose="020F0502020204030204" pitchFamily="34" charset="0"/>
+                <a:cs typeface="Arial" panose="020B0604020202020204" pitchFamily="34" charset="0"/>
+              </a:rPr>
+              <a:t>Withdrew consent (n = 11)</a:t>
+            </a:r>
+          </a:p>
+          <a:p>
+            <a:endParaRPr lang="en-US" sz="2427" b="1" dirty="0">
+              <a:highlight>
+                <a:srgbClr val="FFFF00"/>
+              </a:highlight>
+              <a:latin typeface="Arial" panose="020B0604020202020204" pitchFamily="34" charset="0"/>
+              <a:ea typeface="Calibri" panose="020F0502020204030204" pitchFamily="34" charset="0"/>
+              <a:cs typeface="Arial" panose="020B0604020202020204" pitchFamily="34" charset="0"/>
+            </a:endParaRPr>
+          </a:p>
+        </p:txBody>
+      </p:sp>
+      <p:sp>
+        <p:nvSpPr>
+          <p:cNvPr id="38" name="Rectangle 37">
+            <a:extLst>
+              <a:ext uri="{FF2B5EF4-FFF2-40B4-BE49-F238E27FC236}">
+                <a16:creationId xmlns:a16="http://schemas.microsoft.com/office/drawing/2014/main" id="{5B2E406E-4D9C-4C97-A4D9-5411B45878E6}"/>
+              </a:ext>
+            </a:extLst>
+          </p:cNvPr>
+          <p:cNvSpPr>
+            <a:spLocks noChangeArrowheads="1"/>
+          </p:cNvSpPr>
+          <p:nvPr/>
+        </p:nvSpPr>
+        <p:spPr bwMode="auto">
+          <a:xfrm>
+            <a:off x="4156838" y="5056747"/>
+            <a:ext cx="5884921" cy="1090298"/>
+          </a:xfrm>
+          <a:prstGeom prst="rect">
+            <a:avLst/>
+          </a:prstGeom>
+          <a:solidFill>
+            <a:srgbClr val="FFFFFF"/>
+          </a:solidFill>
+          <a:ln w="9525">
             <a:solidFill>
-              <a:srgbClr val="FFFFFF"/>
+              <a:srgbClr val="000000"/>
             </a:solidFill>
-            <a:ln w="9525">
-              <a:solidFill>
-                <a:srgbClr val="000000"/>
-              </a:solidFill>
-              <a:miter lim="800000"/>
-              <a:headEnd/>
-              <a:tailEnd/>
-            </a:ln>
-          </p:spPr>
-          <p:txBody>
-            <a:bodyPr rot="0" vert="horz" wrap="square" lIns="140397" tIns="140397" rIns="140397" bIns="140397" anchor="t" anchorCtr="0" upright="1">
-              <a:noAutofit/>
-            </a:bodyPr>
-            <a:lstStyle/>
-            <a:p>
-              <a:r>
-                <a:rPr lang="en-CA" sz="2427" b="1" dirty="0">
-                  <a:latin typeface="Arial" panose="020B0604020202020204" pitchFamily="34" charset="0"/>
-                  <a:ea typeface="Calibri" panose="020F0502020204030204" pitchFamily="34" charset="0"/>
-                  <a:cs typeface="Arial" panose="020B0604020202020204" pitchFamily="34" charset="0"/>
-                </a:rPr>
-                <a:t>Excluded (n = </a:t>
-              </a:r>
-              <a:r>
-                <a:rPr lang="en-US" sz="2427" b="1" dirty="0">
-                  <a:latin typeface="Arial" panose="020B0604020202020204" pitchFamily="34" charset="0"/>
-                  <a:ea typeface="Calibri" panose="020F0502020204030204" pitchFamily="34" charset="0"/>
-                  <a:cs typeface="Arial" panose="020B0604020202020204" pitchFamily="34" charset="0"/>
-                </a:rPr>
-                <a:t>50</a:t>
-              </a:r>
-              <a:r>
-                <a:rPr lang="en-CA" sz="2427" b="1" dirty="0">
-                  <a:latin typeface="Arial" panose="020B0604020202020204" pitchFamily="34" charset="0"/>
-                  <a:ea typeface="Calibri" panose="020F0502020204030204" pitchFamily="34" charset="0"/>
-                  <a:cs typeface="Arial" panose="020B0604020202020204" pitchFamily="34" charset="0"/>
-                </a:rPr>
-                <a:t>)</a:t>
-              </a:r>
-              <a:endParaRPr lang="en-US" sz="2427" b="1" dirty="0">
+            <a:miter lim="800000"/>
+            <a:headEnd/>
+            <a:tailEnd/>
+          </a:ln>
+        </p:spPr>
+        <p:txBody>
+          <a:bodyPr rot="0" vert="horz" wrap="square" lIns="140397" tIns="140397" rIns="140397" bIns="140397" anchor="t" anchorCtr="0" upright="1">
+            <a:noAutofit/>
+          </a:bodyPr>
+          <a:lstStyle/>
+          <a:p>
+            <a:pPr algn="ctr"/>
+            <a:r>
+              <a:rPr lang="en-CA" sz="2427" b="1" dirty="0">
+                <a:latin typeface="Arial"/>
+                <a:ea typeface="Calibri" panose="020F0502020204030204" pitchFamily="34" charset="0"/>
+                <a:cs typeface="Arial"/>
+              </a:rPr>
+              <a:t>ITT in included drug arms</a:t>
+            </a:r>
+          </a:p>
+          <a:p>
+            <a:pPr algn="ctr"/>
+            <a:r>
+              <a:rPr lang="en-CA" sz="2427" b="1" dirty="0">
+                <a:latin typeface="Arial"/>
+                <a:ea typeface="Calibri" panose="020F0502020204030204" pitchFamily="34" charset="0"/>
+                <a:cs typeface="Arial"/>
+              </a:rPr>
+              <a:t>(n = 824)</a:t>
+            </a:r>
+            <a:endParaRPr lang="en-US" sz="2427" b="1" dirty="0">
+              <a:latin typeface="Arial" panose="020B0604020202020204" pitchFamily="34" charset="0"/>
+              <a:ea typeface="Calibri" panose="020F0502020204030204" pitchFamily="34" charset="0"/>
+              <a:cs typeface="Arial" panose="020B0604020202020204" pitchFamily="34" charset="0"/>
+            </a:endParaRPr>
+          </a:p>
+        </p:txBody>
+      </p:sp>
+      <p:cxnSp>
+        <p:nvCxnSpPr>
+          <p:cNvPr id="43" name="Straight Arrow Connector 42">
+            <a:extLst>
+              <a:ext uri="{FF2B5EF4-FFF2-40B4-BE49-F238E27FC236}">
+                <a16:creationId xmlns:a16="http://schemas.microsoft.com/office/drawing/2014/main" id="{1F461882-BBF1-4A95-8330-E656345A1729}"/>
+              </a:ext>
+            </a:extLst>
+          </p:cNvPr>
+          <p:cNvCxnSpPr>
+            <a:cxnSpLocks noChangeShapeType="1"/>
+            <a:stCxn id="38" idx="2"/>
+            <a:endCxn id="46" idx="0"/>
+          </p:cNvCxnSpPr>
+          <p:nvPr/>
+        </p:nvCxnSpPr>
+        <p:spPr bwMode="auto">
+          <a:xfrm flipH="1">
+            <a:off x="7099298" y="6147041"/>
+            <a:ext cx="2" cy="2412201"/>
+          </a:xfrm>
+          <a:prstGeom prst="straightConnector1">
+            <a:avLst/>
+          </a:prstGeom>
+          <a:noFill/>
+          <a:ln w="57150">
+            <a:solidFill>
+              <a:schemeClr val="tx1"/>
+            </a:solidFill>
+            <a:round/>
+            <a:headEnd/>
+            <a:tailEnd type="triangle" w="med" len="med"/>
+          </a:ln>
+          <a:effectLst/>
+          <a:extLst>
+            <a:ext uri="{909E8E84-426E-40DD-AFC4-6F175D3DCCD1}">
+              <a14:hiddenFill xmlns:a14="http://schemas.microsoft.com/office/drawing/2010/main">
+                <a:noFill/>
+              </a14:hiddenFill>
+            </a:ext>
+            <a:ext uri="{AF507438-7753-43E0-B8FC-AC1667EBCBE1}">
+              <a14:hiddenEffects xmlns:a14="http://schemas.microsoft.com/office/drawing/2010/main">
+                <a:effectLst>
+                  <a:outerShdw dist="35921" dir="2700000" algn="ctr" rotWithShape="0">
+                    <a:srgbClr val="CCCCCC"/>
+                  </a:outerShdw>
+                </a:effectLst>
+              </a14:hiddenEffects>
+            </a:ext>
+          </a:extLst>
+        </p:spPr>
+      </p:cxnSp>
+      <p:sp>
+        <p:nvSpPr>
+          <p:cNvPr id="46" name="Rectangle 45">
+            <a:extLst>
+              <a:ext uri="{FF2B5EF4-FFF2-40B4-BE49-F238E27FC236}">
+                <a16:creationId xmlns:a16="http://schemas.microsoft.com/office/drawing/2014/main" id="{5F5783C3-33A8-4974-BD36-82CD8B4D5397}"/>
+              </a:ext>
+            </a:extLst>
+          </p:cNvPr>
+          <p:cNvSpPr>
+            <a:spLocks noChangeArrowheads="1"/>
+          </p:cNvSpPr>
+          <p:nvPr/>
+        </p:nvSpPr>
+        <p:spPr bwMode="auto">
+          <a:xfrm>
+            <a:off x="4156832" y="8559241"/>
+            <a:ext cx="5884925" cy="3255729"/>
+          </a:xfrm>
+          <a:prstGeom prst="rect">
+            <a:avLst/>
+          </a:prstGeom>
+          <a:solidFill>
+            <a:srgbClr val="FFFFFF"/>
+          </a:solidFill>
+          <a:ln w="9525">
+            <a:solidFill>
+              <a:srgbClr val="000000"/>
+            </a:solidFill>
+            <a:miter lim="800000"/>
+            <a:headEnd/>
+            <a:tailEnd/>
+          </a:ln>
+        </p:spPr>
+        <p:txBody>
+          <a:bodyPr rot="0" vert="horz" wrap="square" lIns="140397" tIns="140397" rIns="140397" bIns="140397" anchor="t" anchorCtr="0" upright="1">
+            <a:noAutofit/>
+          </a:bodyPr>
+          <a:lstStyle/>
+          <a:p>
+            <a:r>
+              <a:rPr lang="en-CA" sz="2427" b="1" dirty="0">
+                <a:latin typeface="Arial"/>
+                <a:ea typeface="Calibri" panose="020F0502020204030204" pitchFamily="34" charset="0"/>
+                <a:cs typeface="Arial"/>
+              </a:rPr>
+              <a:t>Analysed dataset; </a:t>
+            </a:r>
+            <a:r>
+              <a:rPr lang="en-CA" sz="2427" b="1" dirty="0" err="1">
+                <a:latin typeface="Arial"/>
+                <a:ea typeface="Calibri" panose="020F0502020204030204" pitchFamily="34" charset="0"/>
+                <a:cs typeface="Arial"/>
+              </a:rPr>
+              <a:t>mITT</a:t>
+            </a:r>
+            <a:r>
+              <a:rPr lang="en-CA" sz="2427" b="1" dirty="0">
+                <a:latin typeface="Arial"/>
+                <a:ea typeface="Calibri" panose="020F0502020204030204" pitchFamily="34" charset="0"/>
+                <a:cs typeface="Arial"/>
+              </a:rPr>
+              <a:t> (n = 800)</a:t>
+            </a:r>
+          </a:p>
+          <a:p>
+            <a:pPr marL="263214" indent="-263214">
+              <a:buFont typeface="Arial" panose="020B0604020202020204" pitchFamily="34" charset="0"/>
+              <a:buChar char="•"/>
+            </a:pPr>
+            <a:r>
+              <a:rPr lang="en-CA" sz="2400" dirty="0">
+                <a:latin typeface="Arial"/>
+                <a:ea typeface="Calibri" panose="020F0502020204030204" pitchFamily="34" charset="0"/>
+                <a:cs typeface="Arial"/>
+              </a:rPr>
+              <a:t>No study drug (n = 263)</a:t>
+            </a:r>
+          </a:p>
+          <a:p>
+            <a:pPr marL="263214" indent="-263214">
+              <a:buFont typeface="Arial" panose="020B0604020202020204" pitchFamily="34" charset="0"/>
+              <a:buChar char="•"/>
+            </a:pPr>
+            <a:r>
+              <a:rPr lang="en-CA" sz="2400" dirty="0">
+                <a:latin typeface="Arial"/>
+                <a:ea typeface="Calibri" panose="020F0502020204030204" pitchFamily="34" charset="0"/>
+                <a:cs typeface="Arial"/>
+              </a:rPr>
+              <a:t>Ritonavir-boosted </a:t>
+            </a:r>
+            <a:r>
+              <a:rPr lang="en-CA" sz="2400" dirty="0" err="1">
+                <a:latin typeface="Arial"/>
+                <a:ea typeface="Calibri" panose="020F0502020204030204" pitchFamily="34" charset="0"/>
+                <a:cs typeface="Arial"/>
+              </a:rPr>
+              <a:t>nirmatrelvir</a:t>
+            </a:r>
+            <a:r>
+              <a:rPr lang="en-CA" sz="2400" dirty="0">
+                <a:latin typeface="Arial"/>
+                <a:ea typeface="Calibri" panose="020F0502020204030204" pitchFamily="34" charset="0"/>
+                <a:cs typeface="Arial"/>
+              </a:rPr>
+              <a:t> (n = 158)</a:t>
+            </a:r>
+          </a:p>
+          <a:p>
+            <a:pPr marL="263214" indent="-263214">
+              <a:buFont typeface="Arial" panose="020B0604020202020204" pitchFamily="34" charset="0"/>
+              <a:buChar char="•"/>
+            </a:pPr>
+            <a:r>
+              <a:rPr lang="en-CA" sz="2400" dirty="0">
+                <a:latin typeface="Arial"/>
+                <a:ea typeface="Calibri" panose="020F0502020204030204" pitchFamily="34" charset="0"/>
+                <a:cs typeface="Arial"/>
+              </a:rPr>
+              <a:t>Favipiravir (n = 114)</a:t>
+            </a:r>
+          </a:p>
+          <a:p>
+            <a:pPr marL="263214" indent="-263214">
+              <a:buFont typeface="Arial" panose="020B0604020202020204" pitchFamily="34" charset="0"/>
+              <a:buChar char="•"/>
+            </a:pPr>
+            <a:r>
+              <a:rPr lang="en-CA" sz="2400" dirty="0" err="1">
+                <a:latin typeface="Arial"/>
+                <a:ea typeface="Calibri" panose="020F0502020204030204" pitchFamily="34" charset="0"/>
+                <a:cs typeface="Arial"/>
+              </a:rPr>
+              <a:t>Casirivimab</a:t>
+            </a:r>
+            <a:r>
+              <a:rPr lang="en-CA" sz="2400" dirty="0">
+                <a:latin typeface="Arial"/>
+                <a:ea typeface="Calibri" panose="020F0502020204030204" pitchFamily="34" charset="0"/>
+                <a:cs typeface="Arial"/>
+              </a:rPr>
+              <a:t>/</a:t>
+            </a:r>
+            <a:r>
+              <a:rPr lang="en-CA" sz="2400" dirty="0" err="1">
+                <a:latin typeface="Arial"/>
+                <a:ea typeface="Calibri" panose="020F0502020204030204" pitchFamily="34" charset="0"/>
+                <a:cs typeface="Arial"/>
+              </a:rPr>
+              <a:t>imdevimab</a:t>
+            </a:r>
+            <a:r>
+              <a:rPr lang="en-CA" sz="2400" dirty="0">
+                <a:latin typeface="Arial"/>
+                <a:ea typeface="Calibri" panose="020F0502020204030204" pitchFamily="34" charset="0"/>
+                <a:cs typeface="Arial"/>
+              </a:rPr>
+              <a:t> (n = 88)</a:t>
+            </a:r>
+          </a:p>
+          <a:p>
+            <a:pPr marL="263214" indent="-263214">
+              <a:buFont typeface="Arial" panose="020B0604020202020204" pitchFamily="34" charset="0"/>
+              <a:buChar char="•"/>
+            </a:pPr>
+            <a:r>
+              <a:rPr lang="en-CA" sz="2400" dirty="0">
+                <a:latin typeface="Arial"/>
+                <a:ea typeface="Calibri" panose="020F0502020204030204" pitchFamily="34" charset="0"/>
+                <a:cs typeface="Arial"/>
+              </a:rPr>
+              <a:t>Remdesivir (n = 67)</a:t>
+            </a:r>
+          </a:p>
+          <a:p>
+            <a:pPr marL="263214" indent="-263214">
+              <a:buFont typeface="Arial" panose="020B0604020202020204" pitchFamily="34" charset="0"/>
+              <a:buChar char="•"/>
+            </a:pPr>
+            <a:r>
+              <a:rPr lang="en-CA" sz="2400" dirty="0" err="1">
+                <a:latin typeface="Arial"/>
+                <a:ea typeface="Calibri" panose="020F0502020204030204" pitchFamily="34" charset="0"/>
+                <a:cs typeface="Arial"/>
+              </a:rPr>
+              <a:t>Molnupiravir</a:t>
+            </a:r>
+            <a:r>
+              <a:rPr lang="en-CA" sz="2400" dirty="0">
+                <a:latin typeface="Arial"/>
+                <a:ea typeface="Calibri" panose="020F0502020204030204" pitchFamily="34" charset="0"/>
+                <a:cs typeface="Arial"/>
+              </a:rPr>
+              <a:t> (n = 66)</a:t>
+            </a:r>
+          </a:p>
+          <a:p>
+            <a:pPr marL="263214" indent="-263214">
+              <a:buFont typeface="Arial" panose="020B0604020202020204" pitchFamily="34" charset="0"/>
+              <a:buChar char="•"/>
+            </a:pPr>
+            <a:r>
+              <a:rPr lang="en-CA" sz="2400" dirty="0">
+                <a:latin typeface="Arial"/>
+                <a:ea typeface="Calibri" panose="020F0502020204030204" pitchFamily="34" charset="0"/>
+                <a:cs typeface="Arial"/>
+              </a:rPr>
+              <a:t>Ivermectin (n = 44)</a:t>
+            </a:r>
+          </a:p>
+          <a:p>
+            <a:pPr marL="263214" indent="-263214">
+              <a:buFont typeface="Arial" panose="020B0604020202020204" pitchFamily="34" charset="0"/>
+              <a:buChar char="•"/>
+            </a:pPr>
+            <a:endParaRPr lang="en-US" sz="1907" dirty="0">
+              <a:latin typeface="Arial" panose="020B0604020202020204" pitchFamily="34" charset="0"/>
+              <a:ea typeface="Calibri" panose="020F0502020204030204" pitchFamily="34" charset="0"/>
+              <a:cs typeface="Arial" panose="020B0604020202020204" pitchFamily="34" charset="0"/>
+            </a:endParaRPr>
+          </a:p>
+        </p:txBody>
+      </p:sp>
+      <p:sp>
+        <p:nvSpPr>
+          <p:cNvPr id="24" name="Rectangle 23">
+            <a:extLst>
+              <a:ext uri="{FF2B5EF4-FFF2-40B4-BE49-F238E27FC236}">
+                <a16:creationId xmlns:a16="http://schemas.microsoft.com/office/drawing/2014/main" id="{9E6A769C-B7CC-48A7-8866-863078085967}"/>
+              </a:ext>
+            </a:extLst>
+          </p:cNvPr>
+          <p:cNvSpPr>
+            <a:spLocks noChangeArrowheads="1"/>
+          </p:cNvSpPr>
+          <p:nvPr/>
+        </p:nvSpPr>
+        <p:spPr bwMode="auto">
+          <a:xfrm>
+            <a:off x="12176369" y="1024305"/>
+            <a:ext cx="7788025" cy="2181996"/>
+          </a:xfrm>
+          <a:prstGeom prst="rect">
+            <a:avLst/>
+          </a:prstGeom>
+          <a:solidFill>
+            <a:srgbClr val="FFFFFF"/>
+          </a:solidFill>
+          <a:ln w="9525">
+            <a:solidFill>
+              <a:srgbClr val="000000"/>
+            </a:solidFill>
+            <a:miter lim="800000"/>
+            <a:headEnd/>
+            <a:tailEnd/>
+          </a:ln>
+        </p:spPr>
+        <p:txBody>
+          <a:bodyPr rot="0" vert="horz" wrap="square" lIns="140397" tIns="140397" rIns="140397" bIns="140397" anchor="t" anchorCtr="0" upright="1">
+            <a:noAutofit/>
+          </a:bodyPr>
+          <a:lstStyle/>
+          <a:p>
+            <a:r>
+              <a:rPr lang="en-CA" sz="2427" b="1" dirty="0">
                 <a:latin typeface="Arial" panose="020B0604020202020204" pitchFamily="34" charset="0"/>
                 <a:ea typeface="Calibri" panose="020F0502020204030204" pitchFamily="34" charset="0"/>
                 <a:cs typeface="Arial" panose="020B0604020202020204" pitchFamily="34" charset="0"/>
-              </a:endParaRPr>
-            </a:p>
-            <a:p>
-              <a:pPr marL="350950" indent="-350950">
-                <a:buFont typeface="Arial" panose="020B0604020202020204" pitchFamily="34" charset="0"/>
-                <a:buChar char="•"/>
-              </a:pPr>
-              <a:r>
-                <a:rPr lang="en-CA" sz="2000" dirty="0">
-                  <a:latin typeface="Arial" panose="020B0604020202020204" pitchFamily="34" charset="0"/>
-                  <a:ea typeface="Calibri" panose="020F0502020204030204" pitchFamily="34" charset="0"/>
-                  <a:cs typeface="Arial" panose="020B0604020202020204" pitchFamily="34" charset="0"/>
-                </a:rPr>
-                <a:t>Chronic illness (n = 12)</a:t>
-              </a:r>
-            </a:p>
-            <a:p>
-              <a:pPr marL="350950" indent="-350950">
-                <a:buFont typeface="Arial" panose="020B0604020202020204" pitchFamily="34" charset="0"/>
-                <a:buChar char="•"/>
-              </a:pPr>
-              <a:r>
-                <a:rPr lang="en-CA" sz="2000" dirty="0">
-                  <a:latin typeface="Arial" panose="020B0604020202020204" pitchFamily="34" charset="0"/>
-                  <a:ea typeface="Calibri" panose="020F0502020204030204" pitchFamily="34" charset="0"/>
-                  <a:cs typeface="Arial" panose="020B0604020202020204" pitchFamily="34" charset="0"/>
-                </a:rPr>
-                <a:t>Lab abnormalities (n = 27)</a:t>
-              </a:r>
-            </a:p>
-            <a:p>
-              <a:pPr marL="350950" indent="-350950">
-                <a:buFont typeface="Arial" panose="020B0604020202020204" pitchFamily="34" charset="0"/>
-                <a:buChar char="•"/>
-              </a:pPr>
-              <a:r>
-                <a:rPr lang="en-CA" sz="2000" dirty="0">
-                  <a:latin typeface="Arial" panose="020B0604020202020204" pitchFamily="34" charset="0"/>
-                  <a:ea typeface="Calibri" panose="020F0502020204030204" pitchFamily="34" charset="0"/>
-                  <a:cs typeface="Arial" panose="020B0604020202020204" pitchFamily="34" charset="0"/>
-                </a:rPr>
-                <a:t>Taking concomitant medications (n = 7)</a:t>
-              </a:r>
-            </a:p>
-            <a:p>
-              <a:pPr marL="350950" indent="-350950">
-                <a:buFont typeface="Arial" panose="020B0604020202020204" pitchFamily="34" charset="0"/>
-                <a:buChar char="•"/>
-              </a:pPr>
-              <a:r>
-                <a:rPr lang="en-CA" sz="2000" dirty="0">
-                  <a:latin typeface="Arial" panose="020B0604020202020204" pitchFamily="34" charset="0"/>
-                  <a:ea typeface="Calibri" panose="020F0502020204030204" pitchFamily="34" charset="0"/>
-                  <a:cs typeface="Arial" panose="020B0604020202020204" pitchFamily="34" charset="0"/>
-                </a:rPr>
-                <a:t>Other (n = 4)</a:t>
-              </a:r>
-            </a:p>
-          </p:txBody>
-        </p:sp>
-      </p:grpSp>
+              </a:rPr>
+              <a:t>Excluded (n = </a:t>
+            </a:r>
+            <a:r>
+              <a:rPr lang="en-US" sz="2427" b="1" dirty="0">
+                <a:latin typeface="Arial" panose="020B0604020202020204" pitchFamily="34" charset="0"/>
+                <a:ea typeface="Calibri" panose="020F0502020204030204" pitchFamily="34" charset="0"/>
+                <a:cs typeface="Arial" panose="020B0604020202020204" pitchFamily="34" charset="0"/>
+              </a:rPr>
+              <a:t>50</a:t>
+            </a:r>
+            <a:r>
+              <a:rPr lang="en-CA" sz="2427" b="1" dirty="0">
+                <a:latin typeface="Arial" panose="020B0604020202020204" pitchFamily="34" charset="0"/>
+                <a:ea typeface="Calibri" panose="020F0502020204030204" pitchFamily="34" charset="0"/>
+                <a:cs typeface="Arial" panose="020B0604020202020204" pitchFamily="34" charset="0"/>
+              </a:rPr>
+              <a:t>)</a:t>
+            </a:r>
+            <a:endParaRPr lang="en-US" sz="2427" b="1" dirty="0">
+              <a:latin typeface="Arial" panose="020B0604020202020204" pitchFamily="34" charset="0"/>
+              <a:ea typeface="Calibri" panose="020F0502020204030204" pitchFamily="34" charset="0"/>
+              <a:cs typeface="Arial" panose="020B0604020202020204" pitchFamily="34" charset="0"/>
+            </a:endParaRPr>
+          </a:p>
+          <a:p>
+            <a:pPr marL="350950" indent="-350950">
+              <a:buFont typeface="Arial" panose="020B0604020202020204" pitchFamily="34" charset="0"/>
+              <a:buChar char="•"/>
+            </a:pPr>
+            <a:r>
+              <a:rPr lang="en-CA" sz="2400" dirty="0">
+                <a:latin typeface="Arial" panose="020B0604020202020204" pitchFamily="34" charset="0"/>
+                <a:ea typeface="Calibri" panose="020F0502020204030204" pitchFamily="34" charset="0"/>
+                <a:cs typeface="Arial" panose="020B0604020202020204" pitchFamily="34" charset="0"/>
+              </a:rPr>
+              <a:t>Chronic illness (n = 12)</a:t>
+            </a:r>
+          </a:p>
+          <a:p>
+            <a:pPr marL="350950" indent="-350950">
+              <a:buFont typeface="Arial" panose="020B0604020202020204" pitchFamily="34" charset="0"/>
+              <a:buChar char="•"/>
+            </a:pPr>
+            <a:r>
+              <a:rPr lang="en-CA" sz="2400" dirty="0">
+                <a:latin typeface="Arial" panose="020B0604020202020204" pitchFamily="34" charset="0"/>
+                <a:ea typeface="Calibri" panose="020F0502020204030204" pitchFamily="34" charset="0"/>
+                <a:cs typeface="Arial" panose="020B0604020202020204" pitchFamily="34" charset="0"/>
+              </a:rPr>
+              <a:t>Lab abnormalities (n = 27)</a:t>
+            </a:r>
+          </a:p>
+          <a:p>
+            <a:pPr marL="350950" indent="-350950">
+              <a:buFont typeface="Arial" panose="020B0604020202020204" pitchFamily="34" charset="0"/>
+              <a:buChar char="•"/>
+            </a:pPr>
+            <a:r>
+              <a:rPr lang="en-CA" sz="2400" dirty="0">
+                <a:latin typeface="Arial" panose="020B0604020202020204" pitchFamily="34" charset="0"/>
+                <a:ea typeface="Calibri" panose="020F0502020204030204" pitchFamily="34" charset="0"/>
+                <a:cs typeface="Arial" panose="020B0604020202020204" pitchFamily="34" charset="0"/>
+              </a:rPr>
+              <a:t>Taking concomitant medications (n = 7)</a:t>
+            </a:r>
+          </a:p>
+          <a:p>
+            <a:pPr marL="350950" indent="-350950">
+              <a:buFont typeface="Arial" panose="020B0604020202020204" pitchFamily="34" charset="0"/>
+              <a:buChar char="•"/>
+            </a:pPr>
+            <a:r>
+              <a:rPr lang="en-CA" sz="2400" dirty="0">
+                <a:latin typeface="Arial" panose="020B0604020202020204" pitchFamily="34" charset="0"/>
+                <a:ea typeface="Calibri" panose="020F0502020204030204" pitchFamily="34" charset="0"/>
+                <a:cs typeface="Arial" panose="020B0604020202020204" pitchFamily="34" charset="0"/>
+              </a:rPr>
+              <a:t>Other (n = 4)</a:t>
+            </a:r>
+          </a:p>
+        </p:txBody>
+      </p:sp>
     </p:spTree>
     <p:extLst>
       <p:ext uri="{BB962C8B-B14F-4D97-AF65-F5344CB8AC3E}">

--- a/Temporal_splines/Plots/CONSORT.pptx
+++ b/Temporal_splines/Plots/CONSORT.pptx
@@ -243,7 +243,7 @@
           <a:p>
             <a:fld id="{F5451EBA-6FA5-443C-BAD7-0685831661F0}" type="datetimeFigureOut">
               <a:rPr lang="en-US" smtClean="0"/>
-              <a:t>03-Jan-24</a:t>
+              <a:t>11-Jan-24</a:t>
             </a:fld>
             <a:endParaRPr lang="en-US"/>
           </a:p>
@@ -413,7 +413,7 @@
           <a:p>
             <a:fld id="{F5451EBA-6FA5-443C-BAD7-0685831661F0}" type="datetimeFigureOut">
               <a:rPr lang="en-US" smtClean="0"/>
-              <a:t>03-Jan-24</a:t>
+              <a:t>11-Jan-24</a:t>
             </a:fld>
             <a:endParaRPr lang="en-US"/>
           </a:p>
@@ -593,7 +593,7 @@
           <a:p>
             <a:fld id="{F5451EBA-6FA5-443C-BAD7-0685831661F0}" type="datetimeFigureOut">
               <a:rPr lang="en-US" smtClean="0"/>
-              <a:t>03-Jan-24</a:t>
+              <a:t>11-Jan-24</a:t>
             </a:fld>
             <a:endParaRPr lang="en-US"/>
           </a:p>
@@ -763,7 +763,7 @@
           <a:p>
             <a:fld id="{F5451EBA-6FA5-443C-BAD7-0685831661F0}" type="datetimeFigureOut">
               <a:rPr lang="en-US" smtClean="0"/>
-              <a:t>03-Jan-24</a:t>
+              <a:t>11-Jan-24</a:t>
             </a:fld>
             <a:endParaRPr lang="en-US"/>
           </a:p>
@@ -1009,7 +1009,7 @@
           <a:p>
             <a:fld id="{F5451EBA-6FA5-443C-BAD7-0685831661F0}" type="datetimeFigureOut">
               <a:rPr lang="en-US" smtClean="0"/>
-              <a:t>03-Jan-24</a:t>
+              <a:t>11-Jan-24</a:t>
             </a:fld>
             <a:endParaRPr lang="en-US"/>
           </a:p>
@@ -1241,7 +1241,7 @@
           <a:p>
             <a:fld id="{F5451EBA-6FA5-443C-BAD7-0685831661F0}" type="datetimeFigureOut">
               <a:rPr lang="en-US" smtClean="0"/>
-              <a:t>03-Jan-24</a:t>
+              <a:t>11-Jan-24</a:t>
             </a:fld>
             <a:endParaRPr lang="en-US"/>
           </a:p>
@@ -1608,7 +1608,7 @@
           <a:p>
             <a:fld id="{F5451EBA-6FA5-443C-BAD7-0685831661F0}" type="datetimeFigureOut">
               <a:rPr lang="en-US" smtClean="0"/>
-              <a:t>03-Jan-24</a:t>
+              <a:t>11-Jan-24</a:t>
             </a:fld>
             <a:endParaRPr lang="en-US"/>
           </a:p>
@@ -1726,7 +1726,7 @@
           <a:p>
             <a:fld id="{F5451EBA-6FA5-443C-BAD7-0685831661F0}" type="datetimeFigureOut">
               <a:rPr lang="en-US" smtClean="0"/>
-              <a:t>03-Jan-24</a:t>
+              <a:t>11-Jan-24</a:t>
             </a:fld>
             <a:endParaRPr lang="en-US"/>
           </a:p>
@@ -1821,7 +1821,7 @@
           <a:p>
             <a:fld id="{F5451EBA-6FA5-443C-BAD7-0685831661F0}" type="datetimeFigureOut">
               <a:rPr lang="en-US" smtClean="0"/>
-              <a:t>03-Jan-24</a:t>
+              <a:t>11-Jan-24</a:t>
             </a:fld>
             <a:endParaRPr lang="en-US"/>
           </a:p>
@@ -2098,7 +2098,7 @@
           <a:p>
             <a:fld id="{F5451EBA-6FA5-443C-BAD7-0685831661F0}" type="datetimeFigureOut">
               <a:rPr lang="en-US" smtClean="0"/>
-              <a:t>03-Jan-24</a:t>
+              <a:t>11-Jan-24</a:t>
             </a:fld>
             <a:endParaRPr lang="en-US"/>
           </a:p>
@@ -2355,7 +2355,7 @@
           <a:p>
             <a:fld id="{F5451EBA-6FA5-443C-BAD7-0685831661F0}" type="datetimeFigureOut">
               <a:rPr lang="en-US" smtClean="0"/>
-              <a:t>03-Jan-24</a:t>
+              <a:t>11-Jan-24</a:t>
             </a:fld>
             <a:endParaRPr lang="en-US"/>
           </a:p>
@@ -2568,7 +2568,7 @@
           <a:p>
             <a:fld id="{F5451EBA-6FA5-443C-BAD7-0685831661F0}" type="datetimeFigureOut">
               <a:rPr lang="en-US" smtClean="0"/>
-              <a:t>03-Jan-24</a:t>
+              <a:t>11-Jan-24</a:t>
             </a:fld>
             <a:endParaRPr lang="en-US"/>
           </a:p>
@@ -3083,7 +3083,7 @@
                 <a:ea typeface="Calibri" panose="020F0502020204030204" pitchFamily="34" charset="0"/>
                 <a:cs typeface="Arial"/>
               </a:rPr>
-              <a:t>(n = 1264)</a:t>
+              <a:t>(n = 1213)</a:t>
             </a:r>
             <a:endParaRPr lang="en-US" sz="2427" b="1" dirty="0">
               <a:latin typeface="Arial" panose="020B0604020202020204" pitchFamily="34" charset="0"/>
@@ -3241,7 +3241,7 @@
                 <a:ea typeface="Calibri" panose="020F0502020204030204" pitchFamily="34" charset="0"/>
                 <a:cs typeface="Arial" panose="020B0604020202020204" pitchFamily="34" charset="0"/>
               </a:rPr>
-              <a:t>Randomised to other interventions (n = 440)</a:t>
+              <a:t>Randomised to other interventions (n = 389)</a:t>
             </a:r>
           </a:p>
           <a:p>
@@ -3277,7 +3277,7 @@
                 <a:ea typeface="Calibri" panose="020F0502020204030204" pitchFamily="34" charset="0"/>
                 <a:cs typeface="Arial" panose="020B0604020202020204" pitchFamily="34" charset="0"/>
               </a:rPr>
-              <a:t> (n = 121)</a:t>
+              <a:t> (n = 95)</a:t>
             </a:r>
           </a:p>
           <a:p>
@@ -3361,7 +3361,7 @@
                 <a:ea typeface="Calibri" panose="020F0502020204030204" pitchFamily="34" charset="0"/>
                 <a:cs typeface="Arial" panose="020B0604020202020204" pitchFamily="34" charset="0"/>
               </a:rPr>
-              <a:t> (n = 67)</a:t>
+              <a:t> (n = 44)</a:t>
             </a:r>
           </a:p>
           <a:p>
@@ -3375,7 +3375,7 @@
                 <a:ea typeface="Calibri" panose="020F0502020204030204" pitchFamily="34" charset="0"/>
                 <a:cs typeface="Arial" panose="020B0604020202020204" pitchFamily="34" charset="0"/>
               </a:rPr>
-              <a:t>Nitazoxanide (n = 36)</a:t>
+              <a:t>Nitazoxanide (n = 34)</a:t>
             </a:r>
           </a:p>
         </p:txBody>
@@ -3491,15 +3491,15 @@
               <a:t>(n </a:t>
             </a:r>
             <a:r>
-              <a:rPr lang="en-US" sz="2427" b="1" dirty="0">
+              <a:rPr lang="en-US" sz="2427" b="1">
                 <a:latin typeface="Arial" panose="020B0604020202020204" pitchFamily="34" charset="0"/>
                 <a:ea typeface="Calibri" panose="020F0502020204030204" pitchFamily="34" charset="0"/>
                 <a:cs typeface="Arial" panose="020B0604020202020204" pitchFamily="34" charset="0"/>
               </a:rPr>
-              <a:t>= 1314</a:t>
-            </a:r>
-            <a:r>
-              <a:rPr lang="en-CA" sz="2427" b="1" dirty="0">
+              <a:t>= 1262</a:t>
+            </a:r>
+            <a:r>
+              <a:rPr lang="en-CA" sz="2427" b="1">
                 <a:latin typeface="Arial" panose="020B0604020202020204" pitchFamily="34" charset="0"/>
                 <a:ea typeface="Calibri" panose="020F0502020204030204" pitchFamily="34" charset="0"/>
                 <a:cs typeface="Arial" panose="020B0604020202020204" pitchFamily="34" charset="0"/>
@@ -4201,7 +4201,7 @@
                 <a:ea typeface="Calibri" panose="020F0502020204030204" pitchFamily="34" charset="0"/>
                 <a:cs typeface="Arial" panose="020B0604020202020204" pitchFamily="34" charset="0"/>
               </a:rPr>
-              <a:t>50</a:t>
+              <a:t>49</a:t>
             </a:r>
             <a:r>
               <a:rPr lang="en-CA" sz="2427" b="1" dirty="0">
@@ -4270,7 +4270,7 @@
                 <a:ea typeface="Calibri" panose="020F0502020204030204" pitchFamily="34" charset="0"/>
                 <a:cs typeface="Arial" panose="020B0604020202020204" pitchFamily="34" charset="0"/>
               </a:rPr>
-              <a:t>Other (n = 4)</a:t>
+              <a:t>Other (n = 3)</a:t>
             </a:r>
           </a:p>
         </p:txBody>
